--- a/DigSite/New Arcaism/uarm 2024 2/kant CRP prologo.pptx
+++ b/DigSite/New Arcaism/uarm 2024 2/kant CRP prologo.pptx
@@ -311,7 +311,7 @@
           <a:p>
             <a:fld id="{341C1540-EF5E-4452-9660-2C343EDE8172}" type="datetimeFigureOut">
               <a:rPr lang="es-PE" smtClean="0"/>
-              <a:t>22/09/2024</a:t>
+              <a:t>1/10/2024</a:t>
             </a:fld>
             <a:endParaRPr lang="es-PE"/>
           </a:p>
@@ -511,7 +511,7 @@
           <a:p>
             <a:fld id="{341C1540-EF5E-4452-9660-2C343EDE8172}" type="datetimeFigureOut">
               <a:rPr lang="es-PE" smtClean="0"/>
-              <a:t>22/09/2024</a:t>
+              <a:t>1/10/2024</a:t>
             </a:fld>
             <a:endParaRPr lang="es-PE"/>
           </a:p>
@@ -721,7 +721,7 @@
           <a:p>
             <a:fld id="{341C1540-EF5E-4452-9660-2C343EDE8172}" type="datetimeFigureOut">
               <a:rPr lang="es-PE" smtClean="0"/>
-              <a:t>22/09/2024</a:t>
+              <a:t>1/10/2024</a:t>
             </a:fld>
             <a:endParaRPr lang="es-PE"/>
           </a:p>
@@ -921,7 +921,7 @@
           <a:p>
             <a:fld id="{341C1540-EF5E-4452-9660-2C343EDE8172}" type="datetimeFigureOut">
               <a:rPr lang="es-PE" smtClean="0"/>
-              <a:t>22/09/2024</a:t>
+              <a:t>1/10/2024</a:t>
             </a:fld>
             <a:endParaRPr lang="es-PE"/>
           </a:p>
@@ -1197,7 +1197,7 @@
           <a:p>
             <a:fld id="{341C1540-EF5E-4452-9660-2C343EDE8172}" type="datetimeFigureOut">
               <a:rPr lang="es-PE" smtClean="0"/>
-              <a:t>22/09/2024</a:t>
+              <a:t>1/10/2024</a:t>
             </a:fld>
             <a:endParaRPr lang="es-PE"/>
           </a:p>
@@ -1465,7 +1465,7 @@
           <a:p>
             <a:fld id="{341C1540-EF5E-4452-9660-2C343EDE8172}" type="datetimeFigureOut">
               <a:rPr lang="es-PE" smtClean="0"/>
-              <a:t>22/09/2024</a:t>
+              <a:t>1/10/2024</a:t>
             </a:fld>
             <a:endParaRPr lang="es-PE"/>
           </a:p>
@@ -1880,7 +1880,7 @@
           <a:p>
             <a:fld id="{341C1540-EF5E-4452-9660-2C343EDE8172}" type="datetimeFigureOut">
               <a:rPr lang="es-PE" smtClean="0"/>
-              <a:t>22/09/2024</a:t>
+              <a:t>1/10/2024</a:t>
             </a:fld>
             <a:endParaRPr lang="es-PE"/>
           </a:p>
@@ -2022,7 +2022,7 @@
           <a:p>
             <a:fld id="{341C1540-EF5E-4452-9660-2C343EDE8172}" type="datetimeFigureOut">
               <a:rPr lang="es-PE" smtClean="0"/>
-              <a:t>22/09/2024</a:t>
+              <a:t>1/10/2024</a:t>
             </a:fld>
             <a:endParaRPr lang="es-PE"/>
           </a:p>
@@ -2135,7 +2135,7 @@
           <a:p>
             <a:fld id="{341C1540-EF5E-4452-9660-2C343EDE8172}" type="datetimeFigureOut">
               <a:rPr lang="es-PE" smtClean="0"/>
-              <a:t>22/09/2024</a:t>
+              <a:t>1/10/2024</a:t>
             </a:fld>
             <a:endParaRPr lang="es-PE"/>
           </a:p>
@@ -2448,7 +2448,7 @@
           <a:p>
             <a:fld id="{341C1540-EF5E-4452-9660-2C343EDE8172}" type="datetimeFigureOut">
               <a:rPr lang="es-PE" smtClean="0"/>
-              <a:t>22/09/2024</a:t>
+              <a:t>1/10/2024</a:t>
             </a:fld>
             <a:endParaRPr lang="es-PE"/>
           </a:p>
@@ -2737,7 +2737,7 @@
           <a:p>
             <a:fld id="{341C1540-EF5E-4452-9660-2C343EDE8172}" type="datetimeFigureOut">
               <a:rPr lang="es-PE" smtClean="0"/>
-              <a:t>22/09/2024</a:t>
+              <a:t>1/10/2024</a:t>
             </a:fld>
             <a:endParaRPr lang="es-PE"/>
           </a:p>
@@ -2980,7 +2980,7 @@
           <a:p>
             <a:fld id="{341C1540-EF5E-4452-9660-2C343EDE8172}" type="datetimeFigureOut">
               <a:rPr lang="es-PE" smtClean="0"/>
-              <a:t>22/09/2024</a:t>
+              <a:t>1/10/2024</a:t>
             </a:fld>
             <a:endParaRPr lang="es-PE"/>
           </a:p>
@@ -6509,6 +6509,178 @@
           </a:prstGeom>
         </p:spPr>
       </p:pic>
+      <p:cxnSp>
+        <p:nvCxnSpPr>
+          <p:cNvPr id="2" name="Straight Connector 1">
+            <a:extLst>
+              <a:ext uri="{FF2B5EF4-FFF2-40B4-BE49-F238E27FC236}">
+                <a16:creationId xmlns:a16="http://schemas.microsoft.com/office/drawing/2014/main" id="{39AF8529-741D-37FF-9382-7B83674110BE}"/>
+              </a:ext>
+            </a:extLst>
+          </p:cNvPr>
+          <p:cNvCxnSpPr>
+            <a:cxnSpLocks/>
+          </p:cNvCxnSpPr>
+          <p:nvPr/>
+        </p:nvCxnSpPr>
+        <p:spPr>
+          <a:xfrm>
+            <a:off x="4141694" y="2101653"/>
+            <a:ext cx="7620000" cy="0"/>
+          </a:xfrm>
+          <a:prstGeom prst="line">
+            <a:avLst/>
+          </a:prstGeom>
+          <a:ln w="57150">
+            <a:solidFill>
+              <a:srgbClr val="FF0000"/>
+            </a:solidFill>
+          </a:ln>
+        </p:spPr>
+        <p:style>
+          <a:lnRef idx="1">
+            <a:schemeClr val="accent1"/>
+          </a:lnRef>
+          <a:fillRef idx="0">
+            <a:schemeClr val="accent1"/>
+          </a:fillRef>
+          <a:effectRef idx="0">
+            <a:schemeClr val="accent1"/>
+          </a:effectRef>
+          <a:fontRef idx="minor">
+            <a:schemeClr val="tx1"/>
+          </a:fontRef>
+        </p:style>
+      </p:cxnSp>
+      <p:cxnSp>
+        <p:nvCxnSpPr>
+          <p:cNvPr id="7" name="Straight Connector 6">
+            <a:extLst>
+              <a:ext uri="{FF2B5EF4-FFF2-40B4-BE49-F238E27FC236}">
+                <a16:creationId xmlns:a16="http://schemas.microsoft.com/office/drawing/2014/main" id="{85E543A7-E8E1-8CA9-68C1-494404A96E7C}"/>
+              </a:ext>
+            </a:extLst>
+          </p:cNvPr>
+          <p:cNvCxnSpPr>
+            <a:cxnSpLocks/>
+          </p:cNvCxnSpPr>
+          <p:nvPr/>
+        </p:nvCxnSpPr>
+        <p:spPr>
+          <a:xfrm>
+            <a:off x="1792941" y="2451276"/>
+            <a:ext cx="4141694" cy="0"/>
+          </a:xfrm>
+          <a:prstGeom prst="line">
+            <a:avLst/>
+          </a:prstGeom>
+          <a:ln w="57150">
+            <a:solidFill>
+              <a:srgbClr val="FF0000"/>
+            </a:solidFill>
+          </a:ln>
+        </p:spPr>
+        <p:style>
+          <a:lnRef idx="1">
+            <a:schemeClr val="accent1"/>
+          </a:lnRef>
+          <a:fillRef idx="0">
+            <a:schemeClr val="accent1"/>
+          </a:fillRef>
+          <a:effectRef idx="0">
+            <a:schemeClr val="accent1"/>
+          </a:effectRef>
+          <a:fontRef idx="minor">
+            <a:schemeClr val="tx1"/>
+          </a:fontRef>
+        </p:style>
+      </p:cxnSp>
+      <p:cxnSp>
+        <p:nvCxnSpPr>
+          <p:cNvPr id="10" name="Straight Connector 9">
+            <a:extLst>
+              <a:ext uri="{FF2B5EF4-FFF2-40B4-BE49-F238E27FC236}">
+                <a16:creationId xmlns:a16="http://schemas.microsoft.com/office/drawing/2014/main" id="{6044E624-3BB0-675B-0A84-852FAFB48C34}"/>
+              </a:ext>
+            </a:extLst>
+          </p:cNvPr>
+          <p:cNvCxnSpPr>
+            <a:cxnSpLocks/>
+          </p:cNvCxnSpPr>
+          <p:nvPr/>
+        </p:nvCxnSpPr>
+        <p:spPr>
+          <a:xfrm>
+            <a:off x="466724" y="2451276"/>
+            <a:ext cx="447676" cy="0"/>
+          </a:xfrm>
+          <a:prstGeom prst="line">
+            <a:avLst/>
+          </a:prstGeom>
+          <a:ln w="57150">
+            <a:solidFill>
+              <a:srgbClr val="FF0000"/>
+            </a:solidFill>
+          </a:ln>
+        </p:spPr>
+        <p:style>
+          <a:lnRef idx="1">
+            <a:schemeClr val="accent1"/>
+          </a:lnRef>
+          <a:fillRef idx="0">
+            <a:schemeClr val="accent1"/>
+          </a:fillRef>
+          <a:effectRef idx="0">
+            <a:schemeClr val="accent1"/>
+          </a:effectRef>
+          <a:fontRef idx="minor">
+            <a:schemeClr val="tx1"/>
+          </a:fontRef>
+        </p:style>
+      </p:cxnSp>
+      <p:cxnSp>
+        <p:nvCxnSpPr>
+          <p:cNvPr id="12" name="Straight Connector 11">
+            <a:extLst>
+              <a:ext uri="{FF2B5EF4-FFF2-40B4-BE49-F238E27FC236}">
+                <a16:creationId xmlns:a16="http://schemas.microsoft.com/office/drawing/2014/main" id="{C8865316-151E-82C7-05E9-9B97DF3F9821}"/>
+              </a:ext>
+            </a:extLst>
+          </p:cNvPr>
+          <p:cNvCxnSpPr>
+            <a:cxnSpLocks/>
+          </p:cNvCxnSpPr>
+          <p:nvPr/>
+        </p:nvCxnSpPr>
+        <p:spPr>
+          <a:xfrm>
+            <a:off x="654423" y="5042076"/>
+            <a:ext cx="7413812" cy="0"/>
+          </a:xfrm>
+          <a:prstGeom prst="line">
+            <a:avLst/>
+          </a:prstGeom>
+          <a:ln w="57150">
+            <a:solidFill>
+              <a:srgbClr val="FF0000"/>
+            </a:solidFill>
+          </a:ln>
+        </p:spPr>
+        <p:style>
+          <a:lnRef idx="1">
+            <a:schemeClr val="accent1"/>
+          </a:lnRef>
+          <a:fillRef idx="0">
+            <a:schemeClr val="accent1"/>
+          </a:fillRef>
+          <a:effectRef idx="0">
+            <a:schemeClr val="accent1"/>
+          </a:effectRef>
+          <a:fontRef idx="minor">
+            <a:schemeClr val="tx1"/>
+          </a:fontRef>
+        </p:style>
+      </p:cxnSp>
     </p:spTree>
     <p:extLst>
       <p:ext uri="{BB962C8B-B14F-4D97-AF65-F5344CB8AC3E}">
@@ -6899,6 +7071,479 @@
           </a:prstGeom>
         </p:spPr>
       </p:pic>
+      <p:cxnSp>
+        <p:nvCxnSpPr>
+          <p:cNvPr id="2" name="Straight Connector 1">
+            <a:extLst>
+              <a:ext uri="{FF2B5EF4-FFF2-40B4-BE49-F238E27FC236}">
+                <a16:creationId xmlns:a16="http://schemas.microsoft.com/office/drawing/2014/main" id="{A710FECD-7515-5751-2C23-2C906F72642D}"/>
+              </a:ext>
+            </a:extLst>
+          </p:cNvPr>
+          <p:cNvCxnSpPr>
+            <a:cxnSpLocks/>
+          </p:cNvCxnSpPr>
+          <p:nvPr/>
+        </p:nvCxnSpPr>
+        <p:spPr>
+          <a:xfrm>
+            <a:off x="1810870" y="389393"/>
+            <a:ext cx="8803342" cy="0"/>
+          </a:xfrm>
+          <a:prstGeom prst="line">
+            <a:avLst/>
+          </a:prstGeom>
+          <a:ln w="57150">
+            <a:solidFill>
+              <a:srgbClr val="FF0000"/>
+            </a:solidFill>
+          </a:ln>
+        </p:spPr>
+        <p:style>
+          <a:lnRef idx="1">
+            <a:schemeClr val="accent1"/>
+          </a:lnRef>
+          <a:fillRef idx="0">
+            <a:schemeClr val="accent1"/>
+          </a:fillRef>
+          <a:effectRef idx="0">
+            <a:schemeClr val="accent1"/>
+          </a:effectRef>
+          <a:fontRef idx="minor">
+            <a:schemeClr val="tx1"/>
+          </a:fontRef>
+        </p:style>
+      </p:cxnSp>
+      <p:cxnSp>
+        <p:nvCxnSpPr>
+          <p:cNvPr id="6" name="Straight Connector 5">
+            <a:extLst>
+              <a:ext uri="{FF2B5EF4-FFF2-40B4-BE49-F238E27FC236}">
+                <a16:creationId xmlns:a16="http://schemas.microsoft.com/office/drawing/2014/main" id="{80560A2B-11C0-51B4-E1B6-1859118578AF}"/>
+              </a:ext>
+            </a:extLst>
+          </p:cNvPr>
+          <p:cNvCxnSpPr>
+            <a:cxnSpLocks/>
+          </p:cNvCxnSpPr>
+          <p:nvPr/>
+        </p:nvCxnSpPr>
+        <p:spPr>
+          <a:xfrm>
+            <a:off x="385482" y="1043816"/>
+            <a:ext cx="1425388" cy="0"/>
+          </a:xfrm>
+          <a:prstGeom prst="line">
+            <a:avLst/>
+          </a:prstGeom>
+          <a:ln w="57150">
+            <a:solidFill>
+              <a:srgbClr val="FF0000"/>
+            </a:solidFill>
+          </a:ln>
+        </p:spPr>
+        <p:style>
+          <a:lnRef idx="1">
+            <a:schemeClr val="accent1"/>
+          </a:lnRef>
+          <a:fillRef idx="0">
+            <a:schemeClr val="accent1"/>
+          </a:fillRef>
+          <a:effectRef idx="0">
+            <a:schemeClr val="accent1"/>
+          </a:effectRef>
+          <a:fontRef idx="minor">
+            <a:schemeClr val="tx1"/>
+          </a:fontRef>
+        </p:style>
+      </p:cxnSp>
+      <p:cxnSp>
+        <p:nvCxnSpPr>
+          <p:cNvPr id="8" name="Straight Connector 7">
+            <a:extLst>
+              <a:ext uri="{FF2B5EF4-FFF2-40B4-BE49-F238E27FC236}">
+                <a16:creationId xmlns:a16="http://schemas.microsoft.com/office/drawing/2014/main" id="{26AE48DA-9E77-6F20-6A54-D2A2EEA5FAAA}"/>
+              </a:ext>
+            </a:extLst>
+          </p:cNvPr>
+          <p:cNvCxnSpPr>
+            <a:cxnSpLocks/>
+          </p:cNvCxnSpPr>
+          <p:nvPr/>
+        </p:nvCxnSpPr>
+        <p:spPr>
+          <a:xfrm>
+            <a:off x="385482" y="2442311"/>
+            <a:ext cx="3200400" cy="0"/>
+          </a:xfrm>
+          <a:prstGeom prst="line">
+            <a:avLst/>
+          </a:prstGeom>
+          <a:ln w="57150">
+            <a:solidFill>
+              <a:srgbClr val="FF0000"/>
+            </a:solidFill>
+          </a:ln>
+        </p:spPr>
+        <p:style>
+          <a:lnRef idx="1">
+            <a:schemeClr val="accent1"/>
+          </a:lnRef>
+          <a:fillRef idx="0">
+            <a:schemeClr val="accent1"/>
+          </a:fillRef>
+          <a:effectRef idx="0">
+            <a:schemeClr val="accent1"/>
+          </a:effectRef>
+          <a:fontRef idx="minor">
+            <a:schemeClr val="tx1"/>
+          </a:fontRef>
+        </p:style>
+      </p:cxnSp>
+      <p:cxnSp>
+        <p:nvCxnSpPr>
+          <p:cNvPr id="10" name="Straight Connector 9">
+            <a:extLst>
+              <a:ext uri="{FF2B5EF4-FFF2-40B4-BE49-F238E27FC236}">
+                <a16:creationId xmlns:a16="http://schemas.microsoft.com/office/drawing/2014/main" id="{F5FBB0C2-5D45-0359-B2CD-8821AA830CAE}"/>
+              </a:ext>
+            </a:extLst>
+          </p:cNvPr>
+          <p:cNvCxnSpPr>
+            <a:cxnSpLocks/>
+          </p:cNvCxnSpPr>
+          <p:nvPr/>
+        </p:nvCxnSpPr>
+        <p:spPr>
+          <a:xfrm>
+            <a:off x="5763096" y="2110617"/>
+            <a:ext cx="5209704" cy="0"/>
+          </a:xfrm>
+          <a:prstGeom prst="line">
+            <a:avLst/>
+          </a:prstGeom>
+          <a:ln w="57150">
+            <a:solidFill>
+              <a:srgbClr val="FF0000"/>
+            </a:solidFill>
+          </a:ln>
+        </p:spPr>
+        <p:style>
+          <a:lnRef idx="1">
+            <a:schemeClr val="accent1"/>
+          </a:lnRef>
+          <a:fillRef idx="0">
+            <a:schemeClr val="accent1"/>
+          </a:fillRef>
+          <a:effectRef idx="0">
+            <a:schemeClr val="accent1"/>
+          </a:effectRef>
+          <a:fontRef idx="minor">
+            <a:schemeClr val="tx1"/>
+          </a:fontRef>
+        </p:style>
+      </p:cxnSp>
+      <p:cxnSp>
+        <p:nvCxnSpPr>
+          <p:cNvPr id="12" name="Straight Connector 11">
+            <a:extLst>
+              <a:ext uri="{FF2B5EF4-FFF2-40B4-BE49-F238E27FC236}">
+                <a16:creationId xmlns:a16="http://schemas.microsoft.com/office/drawing/2014/main" id="{43E1842A-BC90-B2A6-46B2-0F7F51CF085B}"/>
+              </a:ext>
+            </a:extLst>
+          </p:cNvPr>
+          <p:cNvCxnSpPr>
+            <a:cxnSpLocks/>
+          </p:cNvCxnSpPr>
+          <p:nvPr/>
+        </p:nvCxnSpPr>
+        <p:spPr>
+          <a:xfrm>
+            <a:off x="3693458" y="4495228"/>
+            <a:ext cx="7279342" cy="0"/>
+          </a:xfrm>
+          <a:prstGeom prst="line">
+            <a:avLst/>
+          </a:prstGeom>
+          <a:ln w="57150">
+            <a:solidFill>
+              <a:srgbClr val="FF0000"/>
+            </a:solidFill>
+          </a:ln>
+        </p:spPr>
+        <p:style>
+          <a:lnRef idx="1">
+            <a:schemeClr val="accent1"/>
+          </a:lnRef>
+          <a:fillRef idx="0">
+            <a:schemeClr val="accent1"/>
+          </a:fillRef>
+          <a:effectRef idx="0">
+            <a:schemeClr val="accent1"/>
+          </a:effectRef>
+          <a:fontRef idx="minor">
+            <a:schemeClr val="tx1"/>
+          </a:fontRef>
+        </p:style>
+      </p:cxnSp>
+      <p:cxnSp>
+        <p:nvCxnSpPr>
+          <p:cNvPr id="14" name="Straight Connector 13">
+            <a:extLst>
+              <a:ext uri="{FF2B5EF4-FFF2-40B4-BE49-F238E27FC236}">
+                <a16:creationId xmlns:a16="http://schemas.microsoft.com/office/drawing/2014/main" id="{08AF2021-D460-0D2A-DCCE-45EBC4BB4492}"/>
+              </a:ext>
+            </a:extLst>
+          </p:cNvPr>
+          <p:cNvCxnSpPr>
+            <a:cxnSpLocks/>
+          </p:cNvCxnSpPr>
+          <p:nvPr/>
+        </p:nvCxnSpPr>
+        <p:spPr>
+          <a:xfrm>
+            <a:off x="385482" y="4889676"/>
+            <a:ext cx="3200400" cy="0"/>
+          </a:xfrm>
+          <a:prstGeom prst="line">
+            <a:avLst/>
+          </a:prstGeom>
+          <a:ln w="57150">
+            <a:solidFill>
+              <a:srgbClr val="FF0000"/>
+            </a:solidFill>
+          </a:ln>
+        </p:spPr>
+        <p:style>
+          <a:lnRef idx="1">
+            <a:schemeClr val="accent1"/>
+          </a:lnRef>
+          <a:fillRef idx="0">
+            <a:schemeClr val="accent1"/>
+          </a:fillRef>
+          <a:effectRef idx="0">
+            <a:schemeClr val="accent1"/>
+          </a:effectRef>
+          <a:fontRef idx="minor">
+            <a:schemeClr val="tx1"/>
+          </a:fontRef>
+        </p:style>
+      </p:cxnSp>
+      <p:cxnSp>
+        <p:nvCxnSpPr>
+          <p:cNvPr id="15" name="Straight Connector 14">
+            <a:extLst>
+              <a:ext uri="{FF2B5EF4-FFF2-40B4-BE49-F238E27FC236}">
+                <a16:creationId xmlns:a16="http://schemas.microsoft.com/office/drawing/2014/main" id="{BFC97D25-76B7-88DD-EF77-D6EBD92877A5}"/>
+              </a:ext>
+            </a:extLst>
+          </p:cNvPr>
+          <p:cNvCxnSpPr>
+            <a:cxnSpLocks/>
+          </p:cNvCxnSpPr>
+          <p:nvPr/>
+        </p:nvCxnSpPr>
+        <p:spPr>
+          <a:xfrm>
+            <a:off x="5167548" y="4884622"/>
+            <a:ext cx="6002476" cy="0"/>
+          </a:xfrm>
+          <a:prstGeom prst="line">
+            <a:avLst/>
+          </a:prstGeom>
+          <a:ln w="57150">
+            <a:solidFill>
+              <a:srgbClr val="FF0000"/>
+            </a:solidFill>
+          </a:ln>
+        </p:spPr>
+        <p:style>
+          <a:lnRef idx="1">
+            <a:schemeClr val="accent1"/>
+          </a:lnRef>
+          <a:fillRef idx="0">
+            <a:schemeClr val="accent1"/>
+          </a:fillRef>
+          <a:effectRef idx="0">
+            <a:schemeClr val="accent1"/>
+          </a:effectRef>
+          <a:fontRef idx="minor">
+            <a:schemeClr val="tx1"/>
+          </a:fontRef>
+        </p:style>
+      </p:cxnSp>
+      <p:cxnSp>
+        <p:nvCxnSpPr>
+          <p:cNvPr id="17" name="Straight Connector 16">
+            <a:extLst>
+              <a:ext uri="{FF2B5EF4-FFF2-40B4-BE49-F238E27FC236}">
+                <a16:creationId xmlns:a16="http://schemas.microsoft.com/office/drawing/2014/main" id="{84DDD0AB-2E12-8A01-FA22-29716B1301A5}"/>
+              </a:ext>
+            </a:extLst>
+          </p:cNvPr>
+          <p:cNvCxnSpPr>
+            <a:cxnSpLocks/>
+          </p:cNvCxnSpPr>
+          <p:nvPr/>
+        </p:nvCxnSpPr>
+        <p:spPr>
+          <a:xfrm>
+            <a:off x="385482" y="5194476"/>
+            <a:ext cx="10587318" cy="0"/>
+          </a:xfrm>
+          <a:prstGeom prst="line">
+            <a:avLst/>
+          </a:prstGeom>
+          <a:ln w="57150">
+            <a:solidFill>
+              <a:srgbClr val="FF0000"/>
+            </a:solidFill>
+          </a:ln>
+        </p:spPr>
+        <p:style>
+          <a:lnRef idx="1">
+            <a:schemeClr val="accent1"/>
+          </a:lnRef>
+          <a:fillRef idx="0">
+            <a:schemeClr val="accent1"/>
+          </a:fillRef>
+          <a:effectRef idx="0">
+            <a:schemeClr val="accent1"/>
+          </a:effectRef>
+          <a:fontRef idx="minor">
+            <a:schemeClr val="tx1"/>
+          </a:fontRef>
+        </p:style>
+      </p:cxnSp>
+      <p:cxnSp>
+        <p:nvCxnSpPr>
+          <p:cNvPr id="19" name="Straight Connector 18">
+            <a:extLst>
+              <a:ext uri="{FF2B5EF4-FFF2-40B4-BE49-F238E27FC236}">
+                <a16:creationId xmlns:a16="http://schemas.microsoft.com/office/drawing/2014/main" id="{AA10A590-E8F1-AD50-83C5-D954DC6FF06A}"/>
+              </a:ext>
+            </a:extLst>
+          </p:cNvPr>
+          <p:cNvCxnSpPr>
+            <a:cxnSpLocks/>
+          </p:cNvCxnSpPr>
+          <p:nvPr/>
+        </p:nvCxnSpPr>
+        <p:spPr>
+          <a:xfrm>
+            <a:off x="385482" y="5570994"/>
+            <a:ext cx="10587318" cy="0"/>
+          </a:xfrm>
+          <a:prstGeom prst="line">
+            <a:avLst/>
+          </a:prstGeom>
+          <a:ln w="57150">
+            <a:solidFill>
+              <a:srgbClr val="FF0000"/>
+            </a:solidFill>
+          </a:ln>
+        </p:spPr>
+        <p:style>
+          <a:lnRef idx="1">
+            <a:schemeClr val="accent1"/>
+          </a:lnRef>
+          <a:fillRef idx="0">
+            <a:schemeClr val="accent1"/>
+          </a:fillRef>
+          <a:effectRef idx="0">
+            <a:schemeClr val="accent1"/>
+          </a:effectRef>
+          <a:fontRef idx="minor">
+            <a:schemeClr val="tx1"/>
+          </a:fontRef>
+        </p:style>
+      </p:cxnSp>
+      <p:cxnSp>
+        <p:nvCxnSpPr>
+          <p:cNvPr id="21" name="Straight Connector 20">
+            <a:extLst>
+              <a:ext uri="{FF2B5EF4-FFF2-40B4-BE49-F238E27FC236}">
+                <a16:creationId xmlns:a16="http://schemas.microsoft.com/office/drawing/2014/main" id="{F1D0CCF4-D18E-029C-3710-EE2B7676C986}"/>
+              </a:ext>
+            </a:extLst>
+          </p:cNvPr>
+          <p:cNvCxnSpPr>
+            <a:cxnSpLocks/>
+          </p:cNvCxnSpPr>
+          <p:nvPr/>
+        </p:nvCxnSpPr>
+        <p:spPr>
+          <a:xfrm>
+            <a:off x="385482" y="5902688"/>
+            <a:ext cx="10587318" cy="0"/>
+          </a:xfrm>
+          <a:prstGeom prst="line">
+            <a:avLst/>
+          </a:prstGeom>
+          <a:ln w="57150">
+            <a:solidFill>
+              <a:srgbClr val="FF0000"/>
+            </a:solidFill>
+          </a:ln>
+        </p:spPr>
+        <p:style>
+          <a:lnRef idx="1">
+            <a:schemeClr val="accent1"/>
+          </a:lnRef>
+          <a:fillRef idx="0">
+            <a:schemeClr val="accent1"/>
+          </a:fillRef>
+          <a:effectRef idx="0">
+            <a:schemeClr val="accent1"/>
+          </a:effectRef>
+          <a:fontRef idx="minor">
+            <a:schemeClr val="tx1"/>
+          </a:fontRef>
+        </p:style>
+      </p:cxnSp>
+      <p:cxnSp>
+        <p:nvCxnSpPr>
+          <p:cNvPr id="22" name="Straight Connector 21">
+            <a:extLst>
+              <a:ext uri="{FF2B5EF4-FFF2-40B4-BE49-F238E27FC236}">
+                <a16:creationId xmlns:a16="http://schemas.microsoft.com/office/drawing/2014/main" id="{45D35E7A-0D4C-C3D8-4D26-50FD2F4F5D48}"/>
+              </a:ext>
+            </a:extLst>
+          </p:cNvPr>
+          <p:cNvCxnSpPr>
+            <a:cxnSpLocks/>
+          </p:cNvCxnSpPr>
+          <p:nvPr/>
+        </p:nvCxnSpPr>
+        <p:spPr>
+          <a:xfrm>
+            <a:off x="385482" y="6257640"/>
+            <a:ext cx="3827930" cy="0"/>
+          </a:xfrm>
+          <a:prstGeom prst="line">
+            <a:avLst/>
+          </a:prstGeom>
+          <a:ln w="57150">
+            <a:solidFill>
+              <a:srgbClr val="FF0000"/>
+            </a:solidFill>
+          </a:ln>
+        </p:spPr>
+        <p:style>
+          <a:lnRef idx="1">
+            <a:schemeClr val="accent1"/>
+          </a:lnRef>
+          <a:fillRef idx="0">
+            <a:schemeClr val="accent1"/>
+          </a:fillRef>
+          <a:effectRef idx="0">
+            <a:schemeClr val="accent1"/>
+          </a:effectRef>
+          <a:fontRef idx="minor">
+            <a:schemeClr val="tx1"/>
+          </a:fontRef>
+        </p:style>
+      </p:cxnSp>
     </p:spTree>
     <p:extLst>
       <p:ext uri="{BB962C8B-B14F-4D97-AF65-F5344CB8AC3E}">
@@ -7025,6 +7670,350 @@
           </a:prstGeom>
         </p:spPr>
       </p:pic>
+      <p:cxnSp>
+        <p:nvCxnSpPr>
+          <p:cNvPr id="2" name="Straight Connector 1">
+            <a:extLst>
+              <a:ext uri="{FF2B5EF4-FFF2-40B4-BE49-F238E27FC236}">
+                <a16:creationId xmlns:a16="http://schemas.microsoft.com/office/drawing/2014/main" id="{DE4BC976-B407-121D-FCCE-7B36EFD244B9}"/>
+              </a:ext>
+            </a:extLst>
+          </p:cNvPr>
+          <p:cNvCxnSpPr>
+            <a:cxnSpLocks/>
+          </p:cNvCxnSpPr>
+          <p:nvPr/>
+        </p:nvCxnSpPr>
+        <p:spPr>
+          <a:xfrm>
+            <a:off x="2187388" y="1949252"/>
+            <a:ext cx="1129553" cy="0"/>
+          </a:xfrm>
+          <a:prstGeom prst="line">
+            <a:avLst/>
+          </a:prstGeom>
+          <a:ln w="57150">
+            <a:solidFill>
+              <a:srgbClr val="FF0000"/>
+            </a:solidFill>
+          </a:ln>
+        </p:spPr>
+        <p:style>
+          <a:lnRef idx="1">
+            <a:schemeClr val="accent1"/>
+          </a:lnRef>
+          <a:fillRef idx="0">
+            <a:schemeClr val="accent1"/>
+          </a:fillRef>
+          <a:effectRef idx="0">
+            <a:schemeClr val="accent1"/>
+          </a:effectRef>
+          <a:fontRef idx="minor">
+            <a:schemeClr val="tx1"/>
+          </a:fontRef>
+        </p:style>
+      </p:cxnSp>
+      <p:cxnSp>
+        <p:nvCxnSpPr>
+          <p:cNvPr id="6" name="Straight Connector 5">
+            <a:extLst>
+              <a:ext uri="{FF2B5EF4-FFF2-40B4-BE49-F238E27FC236}">
+                <a16:creationId xmlns:a16="http://schemas.microsoft.com/office/drawing/2014/main" id="{3D1B47EF-9C2B-61B0-D3D8-AA2FC869239B}"/>
+              </a:ext>
+            </a:extLst>
+          </p:cNvPr>
+          <p:cNvCxnSpPr>
+            <a:cxnSpLocks/>
+          </p:cNvCxnSpPr>
+          <p:nvPr/>
+        </p:nvCxnSpPr>
+        <p:spPr>
+          <a:xfrm>
+            <a:off x="4684058" y="2307840"/>
+            <a:ext cx="6808695" cy="0"/>
+          </a:xfrm>
+          <a:prstGeom prst="line">
+            <a:avLst/>
+          </a:prstGeom>
+          <a:ln w="57150">
+            <a:solidFill>
+              <a:srgbClr val="FF0000"/>
+            </a:solidFill>
+          </a:ln>
+        </p:spPr>
+        <p:style>
+          <a:lnRef idx="1">
+            <a:schemeClr val="accent1"/>
+          </a:lnRef>
+          <a:fillRef idx="0">
+            <a:schemeClr val="accent1"/>
+          </a:fillRef>
+          <a:effectRef idx="0">
+            <a:schemeClr val="accent1"/>
+          </a:effectRef>
+          <a:fontRef idx="minor">
+            <a:schemeClr val="tx1"/>
+          </a:fontRef>
+        </p:style>
+      </p:cxnSp>
+      <p:cxnSp>
+        <p:nvCxnSpPr>
+          <p:cNvPr id="9" name="Straight Connector 8">
+            <a:extLst>
+              <a:ext uri="{FF2B5EF4-FFF2-40B4-BE49-F238E27FC236}">
+                <a16:creationId xmlns:a16="http://schemas.microsoft.com/office/drawing/2014/main" id="{A680780A-9DA0-505C-601B-D0634512EB74}"/>
+              </a:ext>
+            </a:extLst>
+          </p:cNvPr>
+          <p:cNvCxnSpPr>
+            <a:cxnSpLocks/>
+          </p:cNvCxnSpPr>
+          <p:nvPr/>
+        </p:nvCxnSpPr>
+        <p:spPr>
+          <a:xfrm>
+            <a:off x="376517" y="2666428"/>
+            <a:ext cx="11116236" cy="0"/>
+          </a:xfrm>
+          <a:prstGeom prst="line">
+            <a:avLst/>
+          </a:prstGeom>
+          <a:ln w="57150">
+            <a:solidFill>
+              <a:srgbClr val="FF0000"/>
+            </a:solidFill>
+          </a:ln>
+        </p:spPr>
+        <p:style>
+          <a:lnRef idx="1">
+            <a:schemeClr val="accent1"/>
+          </a:lnRef>
+          <a:fillRef idx="0">
+            <a:schemeClr val="accent1"/>
+          </a:fillRef>
+          <a:effectRef idx="0">
+            <a:schemeClr val="accent1"/>
+          </a:effectRef>
+          <a:fontRef idx="minor">
+            <a:schemeClr val="tx1"/>
+          </a:fontRef>
+        </p:style>
+      </p:cxnSp>
+      <p:cxnSp>
+        <p:nvCxnSpPr>
+          <p:cNvPr id="11" name="Straight Connector 10">
+            <a:extLst>
+              <a:ext uri="{FF2B5EF4-FFF2-40B4-BE49-F238E27FC236}">
+                <a16:creationId xmlns:a16="http://schemas.microsoft.com/office/drawing/2014/main" id="{2A3A17F6-4FBF-16DA-330A-31428A11E6AE}"/>
+              </a:ext>
+            </a:extLst>
+          </p:cNvPr>
+          <p:cNvCxnSpPr>
+            <a:cxnSpLocks/>
+          </p:cNvCxnSpPr>
+          <p:nvPr/>
+        </p:nvCxnSpPr>
+        <p:spPr>
+          <a:xfrm>
+            <a:off x="376517" y="3076702"/>
+            <a:ext cx="806824" cy="0"/>
+          </a:xfrm>
+          <a:prstGeom prst="line">
+            <a:avLst/>
+          </a:prstGeom>
+          <a:ln w="57150">
+            <a:solidFill>
+              <a:srgbClr val="FF0000"/>
+            </a:solidFill>
+          </a:ln>
+        </p:spPr>
+        <p:style>
+          <a:lnRef idx="1">
+            <a:schemeClr val="accent1"/>
+          </a:lnRef>
+          <a:fillRef idx="0">
+            <a:schemeClr val="accent1"/>
+          </a:fillRef>
+          <a:effectRef idx="0">
+            <a:schemeClr val="accent1"/>
+          </a:effectRef>
+          <a:fontRef idx="minor">
+            <a:schemeClr val="tx1"/>
+          </a:fontRef>
+        </p:style>
+      </p:cxnSp>
+      <p:cxnSp>
+        <p:nvCxnSpPr>
+          <p:cNvPr id="13" name="Straight Connector 12">
+            <a:extLst>
+              <a:ext uri="{FF2B5EF4-FFF2-40B4-BE49-F238E27FC236}">
+                <a16:creationId xmlns:a16="http://schemas.microsoft.com/office/drawing/2014/main" id="{336C7CDD-CAC0-BB00-66A8-9E0B51AD0406}"/>
+              </a:ext>
+            </a:extLst>
+          </p:cNvPr>
+          <p:cNvCxnSpPr>
+            <a:cxnSpLocks/>
+          </p:cNvCxnSpPr>
+          <p:nvPr/>
+        </p:nvCxnSpPr>
+        <p:spPr>
+          <a:xfrm>
+            <a:off x="376517" y="4862781"/>
+            <a:ext cx="11116236" cy="0"/>
+          </a:xfrm>
+          <a:prstGeom prst="line">
+            <a:avLst/>
+          </a:prstGeom>
+          <a:ln w="57150">
+            <a:solidFill>
+              <a:srgbClr val="FF0000"/>
+            </a:solidFill>
+          </a:ln>
+        </p:spPr>
+        <p:style>
+          <a:lnRef idx="1">
+            <a:schemeClr val="accent1"/>
+          </a:lnRef>
+          <a:fillRef idx="0">
+            <a:schemeClr val="accent1"/>
+          </a:fillRef>
+          <a:effectRef idx="0">
+            <a:schemeClr val="accent1"/>
+          </a:effectRef>
+          <a:fontRef idx="minor">
+            <a:schemeClr val="tx1"/>
+          </a:fontRef>
+        </p:style>
+      </p:cxnSp>
+      <p:cxnSp>
+        <p:nvCxnSpPr>
+          <p:cNvPr id="14" name="Straight Connector 13">
+            <a:extLst>
+              <a:ext uri="{FF2B5EF4-FFF2-40B4-BE49-F238E27FC236}">
+                <a16:creationId xmlns:a16="http://schemas.microsoft.com/office/drawing/2014/main" id="{0B431015-76D3-5D90-1EC1-A4B896404E85}"/>
+              </a:ext>
+            </a:extLst>
+          </p:cNvPr>
+          <p:cNvCxnSpPr>
+            <a:cxnSpLocks/>
+          </p:cNvCxnSpPr>
+          <p:nvPr/>
+        </p:nvCxnSpPr>
+        <p:spPr>
+          <a:xfrm>
+            <a:off x="1541929" y="4486264"/>
+            <a:ext cx="10112189" cy="0"/>
+          </a:xfrm>
+          <a:prstGeom prst="line">
+            <a:avLst/>
+          </a:prstGeom>
+          <a:ln w="57150">
+            <a:solidFill>
+              <a:srgbClr val="FF0000"/>
+            </a:solidFill>
+          </a:ln>
+        </p:spPr>
+        <p:style>
+          <a:lnRef idx="1">
+            <a:schemeClr val="accent1"/>
+          </a:lnRef>
+          <a:fillRef idx="0">
+            <a:schemeClr val="accent1"/>
+          </a:fillRef>
+          <a:effectRef idx="0">
+            <a:schemeClr val="accent1"/>
+          </a:effectRef>
+          <a:fontRef idx="minor">
+            <a:schemeClr val="tx1"/>
+          </a:fontRef>
+        </p:style>
+      </p:cxnSp>
+      <p:cxnSp>
+        <p:nvCxnSpPr>
+          <p:cNvPr id="16" name="Straight Connector 15">
+            <a:extLst>
+              <a:ext uri="{FF2B5EF4-FFF2-40B4-BE49-F238E27FC236}">
+                <a16:creationId xmlns:a16="http://schemas.microsoft.com/office/drawing/2014/main" id="{95E0183F-B41D-3CD0-9444-B00E9787CFC8}"/>
+              </a:ext>
+            </a:extLst>
+          </p:cNvPr>
+          <p:cNvCxnSpPr>
+            <a:cxnSpLocks/>
+          </p:cNvCxnSpPr>
+          <p:nvPr/>
+        </p:nvCxnSpPr>
+        <p:spPr>
+          <a:xfrm>
+            <a:off x="376517" y="5203439"/>
+            <a:ext cx="11116236" cy="0"/>
+          </a:xfrm>
+          <a:prstGeom prst="line">
+            <a:avLst/>
+          </a:prstGeom>
+          <a:ln w="57150">
+            <a:solidFill>
+              <a:srgbClr val="FF0000"/>
+            </a:solidFill>
+          </a:ln>
+        </p:spPr>
+        <p:style>
+          <a:lnRef idx="1">
+            <a:schemeClr val="accent1"/>
+          </a:lnRef>
+          <a:fillRef idx="0">
+            <a:schemeClr val="accent1"/>
+          </a:fillRef>
+          <a:effectRef idx="0">
+            <a:schemeClr val="accent1"/>
+          </a:effectRef>
+          <a:fontRef idx="minor">
+            <a:schemeClr val="tx1"/>
+          </a:fontRef>
+        </p:style>
+      </p:cxnSp>
+      <p:cxnSp>
+        <p:nvCxnSpPr>
+          <p:cNvPr id="17" name="Straight Connector 16">
+            <a:extLst>
+              <a:ext uri="{FF2B5EF4-FFF2-40B4-BE49-F238E27FC236}">
+                <a16:creationId xmlns:a16="http://schemas.microsoft.com/office/drawing/2014/main" id="{6D44E03C-FE2A-07E7-A9C4-C3DE8DE5F544}"/>
+              </a:ext>
+            </a:extLst>
+          </p:cNvPr>
+          <p:cNvCxnSpPr>
+            <a:cxnSpLocks/>
+          </p:cNvCxnSpPr>
+          <p:nvPr/>
+        </p:nvCxnSpPr>
+        <p:spPr>
+          <a:xfrm>
+            <a:off x="376517" y="5576456"/>
+            <a:ext cx="3944471" cy="0"/>
+          </a:xfrm>
+          <a:prstGeom prst="line">
+            <a:avLst/>
+          </a:prstGeom>
+          <a:ln w="57150">
+            <a:solidFill>
+              <a:srgbClr val="FF0000"/>
+            </a:solidFill>
+          </a:ln>
+        </p:spPr>
+        <p:style>
+          <a:lnRef idx="1">
+            <a:schemeClr val="accent1"/>
+          </a:lnRef>
+          <a:fillRef idx="0">
+            <a:schemeClr val="accent1"/>
+          </a:fillRef>
+          <a:effectRef idx="0">
+            <a:schemeClr val="accent1"/>
+          </a:effectRef>
+          <a:fontRef idx="minor">
+            <a:schemeClr val="tx1"/>
+          </a:fontRef>
+        </p:style>
+      </p:cxnSp>
     </p:spTree>
     <p:extLst>
       <p:ext uri="{BB962C8B-B14F-4D97-AF65-F5344CB8AC3E}">
@@ -7121,6 +8110,350 @@
           </a:prstGeom>
         </p:spPr>
       </p:pic>
+      <p:cxnSp>
+        <p:nvCxnSpPr>
+          <p:cNvPr id="2" name="Straight Connector 1">
+            <a:extLst>
+              <a:ext uri="{FF2B5EF4-FFF2-40B4-BE49-F238E27FC236}">
+                <a16:creationId xmlns:a16="http://schemas.microsoft.com/office/drawing/2014/main" id="{7AB8AE14-366D-E716-7099-6532003490F7}"/>
+              </a:ext>
+            </a:extLst>
+          </p:cNvPr>
+          <p:cNvCxnSpPr>
+            <a:cxnSpLocks/>
+          </p:cNvCxnSpPr>
+          <p:nvPr/>
+        </p:nvCxnSpPr>
+        <p:spPr>
+          <a:xfrm>
+            <a:off x="3209365" y="1366545"/>
+            <a:ext cx="8695764" cy="0"/>
+          </a:xfrm>
+          <a:prstGeom prst="line">
+            <a:avLst/>
+          </a:prstGeom>
+          <a:ln w="57150">
+            <a:solidFill>
+              <a:srgbClr val="FF0000"/>
+            </a:solidFill>
+          </a:ln>
+        </p:spPr>
+        <p:style>
+          <a:lnRef idx="1">
+            <a:schemeClr val="accent1"/>
+          </a:lnRef>
+          <a:fillRef idx="0">
+            <a:schemeClr val="accent1"/>
+          </a:fillRef>
+          <a:effectRef idx="0">
+            <a:schemeClr val="accent1"/>
+          </a:effectRef>
+          <a:fontRef idx="minor">
+            <a:schemeClr val="tx1"/>
+          </a:fontRef>
+        </p:style>
+      </p:cxnSp>
+      <p:cxnSp>
+        <p:nvCxnSpPr>
+          <p:cNvPr id="5" name="Straight Connector 4">
+            <a:extLst>
+              <a:ext uri="{FF2B5EF4-FFF2-40B4-BE49-F238E27FC236}">
+                <a16:creationId xmlns:a16="http://schemas.microsoft.com/office/drawing/2014/main" id="{379B1D5D-70CB-DC47-8EEA-E91DA058B9D8}"/>
+              </a:ext>
+            </a:extLst>
+          </p:cNvPr>
+          <p:cNvCxnSpPr>
+            <a:cxnSpLocks/>
+          </p:cNvCxnSpPr>
+          <p:nvPr/>
+        </p:nvCxnSpPr>
+        <p:spPr>
+          <a:xfrm>
+            <a:off x="528918" y="1716169"/>
+            <a:ext cx="11376211" cy="0"/>
+          </a:xfrm>
+          <a:prstGeom prst="line">
+            <a:avLst/>
+          </a:prstGeom>
+          <a:ln w="57150">
+            <a:solidFill>
+              <a:srgbClr val="FF0000"/>
+            </a:solidFill>
+          </a:ln>
+        </p:spPr>
+        <p:style>
+          <a:lnRef idx="1">
+            <a:schemeClr val="accent1"/>
+          </a:lnRef>
+          <a:fillRef idx="0">
+            <a:schemeClr val="accent1"/>
+          </a:fillRef>
+          <a:effectRef idx="0">
+            <a:schemeClr val="accent1"/>
+          </a:effectRef>
+          <a:fontRef idx="minor">
+            <a:schemeClr val="tx1"/>
+          </a:fontRef>
+        </p:style>
+      </p:cxnSp>
+      <p:cxnSp>
+        <p:nvCxnSpPr>
+          <p:cNvPr id="7" name="Straight Connector 6">
+            <a:extLst>
+              <a:ext uri="{FF2B5EF4-FFF2-40B4-BE49-F238E27FC236}">
+                <a16:creationId xmlns:a16="http://schemas.microsoft.com/office/drawing/2014/main" id="{4C15740F-DF13-ED82-4E2C-24066E81EF40}"/>
+              </a:ext>
+            </a:extLst>
+          </p:cNvPr>
+          <p:cNvCxnSpPr>
+            <a:cxnSpLocks/>
+          </p:cNvCxnSpPr>
+          <p:nvPr/>
+        </p:nvCxnSpPr>
+        <p:spPr>
+          <a:xfrm>
+            <a:off x="407894" y="2101652"/>
+            <a:ext cx="9973235" cy="0"/>
+          </a:xfrm>
+          <a:prstGeom prst="line">
+            <a:avLst/>
+          </a:prstGeom>
+          <a:ln w="57150">
+            <a:solidFill>
+              <a:srgbClr val="FF0000"/>
+            </a:solidFill>
+          </a:ln>
+        </p:spPr>
+        <p:style>
+          <a:lnRef idx="1">
+            <a:schemeClr val="accent1"/>
+          </a:lnRef>
+          <a:fillRef idx="0">
+            <a:schemeClr val="accent1"/>
+          </a:fillRef>
+          <a:effectRef idx="0">
+            <a:schemeClr val="accent1"/>
+          </a:effectRef>
+          <a:fontRef idx="minor">
+            <a:schemeClr val="tx1"/>
+          </a:fontRef>
+        </p:style>
+      </p:cxnSp>
+      <p:cxnSp>
+        <p:nvCxnSpPr>
+          <p:cNvPr id="10" name="Straight Connector 9">
+            <a:extLst>
+              <a:ext uri="{FF2B5EF4-FFF2-40B4-BE49-F238E27FC236}">
+                <a16:creationId xmlns:a16="http://schemas.microsoft.com/office/drawing/2014/main" id="{289F2E0F-0420-AD1D-4459-88A3B84FBB95}"/>
+              </a:ext>
+            </a:extLst>
+          </p:cNvPr>
+          <p:cNvCxnSpPr>
+            <a:cxnSpLocks/>
+          </p:cNvCxnSpPr>
+          <p:nvPr/>
+        </p:nvCxnSpPr>
+        <p:spPr>
+          <a:xfrm>
+            <a:off x="4213412" y="2469205"/>
+            <a:ext cx="4177553" cy="0"/>
+          </a:xfrm>
+          <a:prstGeom prst="line">
+            <a:avLst/>
+          </a:prstGeom>
+          <a:ln w="57150">
+            <a:solidFill>
+              <a:srgbClr val="FF0000"/>
+            </a:solidFill>
+          </a:ln>
+        </p:spPr>
+        <p:style>
+          <a:lnRef idx="1">
+            <a:schemeClr val="accent1"/>
+          </a:lnRef>
+          <a:fillRef idx="0">
+            <a:schemeClr val="accent1"/>
+          </a:fillRef>
+          <a:effectRef idx="0">
+            <a:schemeClr val="accent1"/>
+          </a:effectRef>
+          <a:fontRef idx="minor">
+            <a:schemeClr val="tx1"/>
+          </a:fontRef>
+        </p:style>
+      </p:cxnSp>
+      <p:cxnSp>
+        <p:nvCxnSpPr>
+          <p:cNvPr id="13" name="Straight Connector 12">
+            <a:extLst>
+              <a:ext uri="{FF2B5EF4-FFF2-40B4-BE49-F238E27FC236}">
+                <a16:creationId xmlns:a16="http://schemas.microsoft.com/office/drawing/2014/main" id="{E2582D1E-6561-D090-8AB7-797F0C3D8531}"/>
+              </a:ext>
+            </a:extLst>
+          </p:cNvPr>
+          <p:cNvCxnSpPr>
+            <a:cxnSpLocks/>
+          </p:cNvCxnSpPr>
+          <p:nvPr/>
+        </p:nvCxnSpPr>
+        <p:spPr>
+          <a:xfrm>
+            <a:off x="1407459" y="2818828"/>
+            <a:ext cx="9852212" cy="0"/>
+          </a:xfrm>
+          <a:prstGeom prst="line">
+            <a:avLst/>
+          </a:prstGeom>
+          <a:ln w="57150">
+            <a:solidFill>
+              <a:srgbClr val="FF0000"/>
+            </a:solidFill>
+          </a:ln>
+        </p:spPr>
+        <p:style>
+          <a:lnRef idx="1">
+            <a:schemeClr val="accent1"/>
+          </a:lnRef>
+          <a:fillRef idx="0">
+            <a:schemeClr val="accent1"/>
+          </a:fillRef>
+          <a:effectRef idx="0">
+            <a:schemeClr val="accent1"/>
+          </a:effectRef>
+          <a:fontRef idx="minor">
+            <a:schemeClr val="tx1"/>
+          </a:fontRef>
+        </p:style>
+      </p:cxnSp>
+      <p:cxnSp>
+        <p:nvCxnSpPr>
+          <p:cNvPr id="15" name="Straight Connector 14">
+            <a:extLst>
+              <a:ext uri="{FF2B5EF4-FFF2-40B4-BE49-F238E27FC236}">
+                <a16:creationId xmlns:a16="http://schemas.microsoft.com/office/drawing/2014/main" id="{1F571A8D-084B-FAA3-1A08-782C2BEEBEAE}"/>
+              </a:ext>
+            </a:extLst>
+          </p:cNvPr>
+          <p:cNvCxnSpPr>
+            <a:cxnSpLocks/>
+          </p:cNvCxnSpPr>
+          <p:nvPr/>
+        </p:nvCxnSpPr>
+        <p:spPr>
+          <a:xfrm>
+            <a:off x="5459506" y="3195346"/>
+            <a:ext cx="4616823" cy="0"/>
+          </a:xfrm>
+          <a:prstGeom prst="line">
+            <a:avLst/>
+          </a:prstGeom>
+          <a:ln w="57150">
+            <a:solidFill>
+              <a:srgbClr val="FF0000"/>
+            </a:solidFill>
+          </a:ln>
+        </p:spPr>
+        <p:style>
+          <a:lnRef idx="1">
+            <a:schemeClr val="accent1"/>
+          </a:lnRef>
+          <a:fillRef idx="0">
+            <a:schemeClr val="accent1"/>
+          </a:fillRef>
+          <a:effectRef idx="0">
+            <a:schemeClr val="accent1"/>
+          </a:effectRef>
+          <a:fontRef idx="minor">
+            <a:schemeClr val="tx1"/>
+          </a:fontRef>
+        </p:style>
+      </p:cxnSp>
+      <p:cxnSp>
+        <p:nvCxnSpPr>
+          <p:cNvPr id="17" name="Straight Connector 16">
+            <a:extLst>
+              <a:ext uri="{FF2B5EF4-FFF2-40B4-BE49-F238E27FC236}">
+                <a16:creationId xmlns:a16="http://schemas.microsoft.com/office/drawing/2014/main" id="{BD1FAAF8-E6EC-C08E-E871-74F1151DA88C}"/>
+              </a:ext>
+            </a:extLst>
+          </p:cNvPr>
+          <p:cNvCxnSpPr>
+            <a:cxnSpLocks/>
+          </p:cNvCxnSpPr>
+          <p:nvPr/>
+        </p:nvCxnSpPr>
+        <p:spPr>
+          <a:xfrm>
+            <a:off x="5289177" y="3513593"/>
+            <a:ext cx="6615952" cy="0"/>
+          </a:xfrm>
+          <a:prstGeom prst="line">
+            <a:avLst/>
+          </a:prstGeom>
+          <a:ln w="57150">
+            <a:solidFill>
+              <a:srgbClr val="FF0000"/>
+            </a:solidFill>
+          </a:ln>
+        </p:spPr>
+        <p:style>
+          <a:lnRef idx="1">
+            <a:schemeClr val="accent1"/>
+          </a:lnRef>
+          <a:fillRef idx="0">
+            <a:schemeClr val="accent1"/>
+          </a:fillRef>
+          <a:effectRef idx="0">
+            <a:schemeClr val="accent1"/>
+          </a:effectRef>
+          <a:fontRef idx="minor">
+            <a:schemeClr val="tx1"/>
+          </a:fontRef>
+        </p:style>
+      </p:cxnSp>
+      <p:cxnSp>
+        <p:nvCxnSpPr>
+          <p:cNvPr id="19" name="Straight Connector 18">
+            <a:extLst>
+              <a:ext uri="{FF2B5EF4-FFF2-40B4-BE49-F238E27FC236}">
+                <a16:creationId xmlns:a16="http://schemas.microsoft.com/office/drawing/2014/main" id="{A6E209C3-372A-E969-CC5B-7467539C73D5}"/>
+              </a:ext>
+            </a:extLst>
+          </p:cNvPr>
+          <p:cNvCxnSpPr>
+            <a:cxnSpLocks/>
+          </p:cNvCxnSpPr>
+          <p:nvPr/>
+        </p:nvCxnSpPr>
+        <p:spPr>
+          <a:xfrm>
+            <a:off x="528918" y="3934934"/>
+            <a:ext cx="8794376" cy="0"/>
+          </a:xfrm>
+          <a:prstGeom prst="line">
+            <a:avLst/>
+          </a:prstGeom>
+          <a:ln w="57150">
+            <a:solidFill>
+              <a:srgbClr val="FF0000"/>
+            </a:solidFill>
+          </a:ln>
+        </p:spPr>
+        <p:style>
+          <a:lnRef idx="1">
+            <a:schemeClr val="accent1"/>
+          </a:lnRef>
+          <a:fillRef idx="0">
+            <a:schemeClr val="accent1"/>
+          </a:fillRef>
+          <a:effectRef idx="0">
+            <a:schemeClr val="accent1"/>
+          </a:effectRef>
+          <a:fontRef idx="minor">
+            <a:schemeClr val="tx1"/>
+          </a:fontRef>
+        </p:style>
+      </p:cxnSp>
     </p:spTree>
     <p:extLst>
       <p:ext uri="{BB962C8B-B14F-4D97-AF65-F5344CB8AC3E}">
@@ -7217,6 +8550,178 @@
           </a:prstGeom>
         </p:spPr>
       </p:pic>
+      <p:cxnSp>
+        <p:nvCxnSpPr>
+          <p:cNvPr id="2" name="Straight Connector 1">
+            <a:extLst>
+              <a:ext uri="{FF2B5EF4-FFF2-40B4-BE49-F238E27FC236}">
+                <a16:creationId xmlns:a16="http://schemas.microsoft.com/office/drawing/2014/main" id="{5382952A-F946-40CF-44D4-9F3A4F109EED}"/>
+              </a:ext>
+            </a:extLst>
+          </p:cNvPr>
+          <p:cNvCxnSpPr>
+            <a:cxnSpLocks/>
+          </p:cNvCxnSpPr>
+          <p:nvPr/>
+        </p:nvCxnSpPr>
+        <p:spPr>
+          <a:xfrm>
+            <a:off x="1559859" y="2599193"/>
+            <a:ext cx="9914965" cy="0"/>
+          </a:xfrm>
+          <a:prstGeom prst="line">
+            <a:avLst/>
+          </a:prstGeom>
+          <a:ln w="57150">
+            <a:solidFill>
+              <a:srgbClr val="FF0000"/>
+            </a:solidFill>
+          </a:ln>
+        </p:spPr>
+        <p:style>
+          <a:lnRef idx="1">
+            <a:schemeClr val="accent1"/>
+          </a:lnRef>
+          <a:fillRef idx="0">
+            <a:schemeClr val="accent1"/>
+          </a:fillRef>
+          <a:effectRef idx="0">
+            <a:schemeClr val="accent1"/>
+          </a:effectRef>
+          <a:fontRef idx="minor">
+            <a:schemeClr val="tx1"/>
+          </a:fontRef>
+        </p:style>
+      </p:cxnSp>
+      <p:cxnSp>
+        <p:nvCxnSpPr>
+          <p:cNvPr id="6" name="Straight Connector 5">
+            <a:extLst>
+              <a:ext uri="{FF2B5EF4-FFF2-40B4-BE49-F238E27FC236}">
+                <a16:creationId xmlns:a16="http://schemas.microsoft.com/office/drawing/2014/main" id="{973F3499-1EA9-8536-96AD-45C45E3C4DFE}"/>
+              </a:ext>
+            </a:extLst>
+          </p:cNvPr>
+          <p:cNvCxnSpPr>
+            <a:cxnSpLocks/>
+          </p:cNvCxnSpPr>
+          <p:nvPr/>
+        </p:nvCxnSpPr>
+        <p:spPr>
+          <a:xfrm>
+            <a:off x="475130" y="2948816"/>
+            <a:ext cx="11143129" cy="0"/>
+          </a:xfrm>
+          <a:prstGeom prst="line">
+            <a:avLst/>
+          </a:prstGeom>
+          <a:ln w="57150">
+            <a:solidFill>
+              <a:srgbClr val="FF0000"/>
+            </a:solidFill>
+          </a:ln>
+        </p:spPr>
+        <p:style>
+          <a:lnRef idx="1">
+            <a:schemeClr val="accent1"/>
+          </a:lnRef>
+          <a:fillRef idx="0">
+            <a:schemeClr val="accent1"/>
+          </a:fillRef>
+          <a:effectRef idx="0">
+            <a:schemeClr val="accent1"/>
+          </a:effectRef>
+          <a:fontRef idx="minor">
+            <a:schemeClr val="tx1"/>
+          </a:fontRef>
+        </p:style>
+      </p:cxnSp>
+      <p:cxnSp>
+        <p:nvCxnSpPr>
+          <p:cNvPr id="8" name="Straight Connector 7">
+            <a:extLst>
+              <a:ext uri="{FF2B5EF4-FFF2-40B4-BE49-F238E27FC236}">
+                <a16:creationId xmlns:a16="http://schemas.microsoft.com/office/drawing/2014/main" id="{3C3993D9-30FD-458C-347C-0FA7C528274B}"/>
+              </a:ext>
+            </a:extLst>
+          </p:cNvPr>
+          <p:cNvCxnSpPr>
+            <a:cxnSpLocks/>
+          </p:cNvCxnSpPr>
+          <p:nvPr/>
+        </p:nvCxnSpPr>
+        <p:spPr>
+          <a:xfrm>
+            <a:off x="524435" y="3298440"/>
+            <a:ext cx="11143129" cy="0"/>
+          </a:xfrm>
+          <a:prstGeom prst="line">
+            <a:avLst/>
+          </a:prstGeom>
+          <a:ln w="57150">
+            <a:solidFill>
+              <a:srgbClr val="FF0000"/>
+            </a:solidFill>
+          </a:ln>
+        </p:spPr>
+        <p:style>
+          <a:lnRef idx="1">
+            <a:schemeClr val="accent1"/>
+          </a:lnRef>
+          <a:fillRef idx="0">
+            <a:schemeClr val="accent1"/>
+          </a:fillRef>
+          <a:effectRef idx="0">
+            <a:schemeClr val="accent1"/>
+          </a:effectRef>
+          <a:fontRef idx="minor">
+            <a:schemeClr val="tx1"/>
+          </a:fontRef>
+        </p:style>
+      </p:cxnSp>
+      <p:cxnSp>
+        <p:nvCxnSpPr>
+          <p:cNvPr id="9" name="Straight Connector 8">
+            <a:extLst>
+              <a:ext uri="{FF2B5EF4-FFF2-40B4-BE49-F238E27FC236}">
+                <a16:creationId xmlns:a16="http://schemas.microsoft.com/office/drawing/2014/main" id="{0BA8CA0C-C9CA-27F6-9310-7A60628605CF}"/>
+              </a:ext>
+            </a:extLst>
+          </p:cNvPr>
+          <p:cNvCxnSpPr>
+            <a:cxnSpLocks/>
+          </p:cNvCxnSpPr>
+          <p:nvPr/>
+        </p:nvCxnSpPr>
+        <p:spPr>
+          <a:xfrm>
+            <a:off x="524435" y="3744864"/>
+            <a:ext cx="5620870" cy="0"/>
+          </a:xfrm>
+          <a:prstGeom prst="line">
+            <a:avLst/>
+          </a:prstGeom>
+          <a:ln w="57150">
+            <a:solidFill>
+              <a:srgbClr val="FF0000"/>
+            </a:solidFill>
+          </a:ln>
+        </p:spPr>
+        <p:style>
+          <a:lnRef idx="1">
+            <a:schemeClr val="accent1"/>
+          </a:lnRef>
+          <a:fillRef idx="0">
+            <a:schemeClr val="accent1"/>
+          </a:fillRef>
+          <a:effectRef idx="0">
+            <a:schemeClr val="accent1"/>
+          </a:effectRef>
+          <a:fontRef idx="minor">
+            <a:schemeClr val="tx1"/>
+          </a:fontRef>
+        </p:style>
+      </p:cxnSp>
     </p:spTree>
     <p:extLst>
       <p:ext uri="{BB962C8B-B14F-4D97-AF65-F5344CB8AC3E}">
@@ -7313,6 +8818,479 @@
           </a:prstGeom>
         </p:spPr>
       </p:pic>
+      <p:cxnSp>
+        <p:nvCxnSpPr>
+          <p:cNvPr id="2" name="Straight Connector 1">
+            <a:extLst>
+              <a:ext uri="{FF2B5EF4-FFF2-40B4-BE49-F238E27FC236}">
+                <a16:creationId xmlns:a16="http://schemas.microsoft.com/office/drawing/2014/main" id="{1275AD00-15B6-791D-8507-7B609D5255C9}"/>
+              </a:ext>
+            </a:extLst>
+          </p:cNvPr>
+          <p:cNvCxnSpPr>
+            <a:cxnSpLocks/>
+          </p:cNvCxnSpPr>
+          <p:nvPr/>
+        </p:nvCxnSpPr>
+        <p:spPr>
+          <a:xfrm>
+            <a:off x="1882588" y="662817"/>
+            <a:ext cx="8516471" cy="0"/>
+          </a:xfrm>
+          <a:prstGeom prst="line">
+            <a:avLst/>
+          </a:prstGeom>
+          <a:ln w="57150">
+            <a:solidFill>
+              <a:srgbClr val="FF0000"/>
+            </a:solidFill>
+          </a:ln>
+        </p:spPr>
+        <p:style>
+          <a:lnRef idx="1">
+            <a:schemeClr val="accent1"/>
+          </a:lnRef>
+          <a:fillRef idx="0">
+            <a:schemeClr val="accent1"/>
+          </a:fillRef>
+          <a:effectRef idx="0">
+            <a:schemeClr val="accent1"/>
+          </a:effectRef>
+          <a:fontRef idx="minor">
+            <a:schemeClr val="tx1"/>
+          </a:fontRef>
+        </p:style>
+      </p:cxnSp>
+      <p:cxnSp>
+        <p:nvCxnSpPr>
+          <p:cNvPr id="7" name="Straight Connector 6">
+            <a:extLst>
+              <a:ext uri="{FF2B5EF4-FFF2-40B4-BE49-F238E27FC236}">
+                <a16:creationId xmlns:a16="http://schemas.microsoft.com/office/drawing/2014/main" id="{931C07F6-DA08-9734-E7A0-BB824967AD63}"/>
+              </a:ext>
+            </a:extLst>
+          </p:cNvPr>
+          <p:cNvCxnSpPr>
+            <a:cxnSpLocks/>
+          </p:cNvCxnSpPr>
+          <p:nvPr/>
+        </p:nvCxnSpPr>
+        <p:spPr>
+          <a:xfrm>
+            <a:off x="959223" y="976582"/>
+            <a:ext cx="9439836" cy="0"/>
+          </a:xfrm>
+          <a:prstGeom prst="line">
+            <a:avLst/>
+          </a:prstGeom>
+          <a:ln w="57150">
+            <a:solidFill>
+              <a:srgbClr val="FF0000"/>
+            </a:solidFill>
+          </a:ln>
+        </p:spPr>
+        <p:style>
+          <a:lnRef idx="1">
+            <a:schemeClr val="accent1"/>
+          </a:lnRef>
+          <a:fillRef idx="0">
+            <a:schemeClr val="accent1"/>
+          </a:fillRef>
+          <a:effectRef idx="0">
+            <a:schemeClr val="accent1"/>
+          </a:effectRef>
+          <a:fontRef idx="minor">
+            <a:schemeClr val="tx1"/>
+          </a:fontRef>
+        </p:style>
+      </p:cxnSp>
+      <p:cxnSp>
+        <p:nvCxnSpPr>
+          <p:cNvPr id="9" name="Straight Connector 8">
+            <a:extLst>
+              <a:ext uri="{FF2B5EF4-FFF2-40B4-BE49-F238E27FC236}">
+                <a16:creationId xmlns:a16="http://schemas.microsoft.com/office/drawing/2014/main" id="{73FCA541-77EB-CA12-FF55-A359C6682BEB}"/>
+              </a:ext>
+            </a:extLst>
+          </p:cNvPr>
+          <p:cNvCxnSpPr>
+            <a:cxnSpLocks/>
+          </p:cNvCxnSpPr>
+          <p:nvPr/>
+        </p:nvCxnSpPr>
+        <p:spPr>
+          <a:xfrm>
+            <a:off x="2411506" y="4042511"/>
+            <a:ext cx="7987553" cy="0"/>
+          </a:xfrm>
+          <a:prstGeom prst="line">
+            <a:avLst/>
+          </a:prstGeom>
+          <a:ln w="57150">
+            <a:solidFill>
+              <a:srgbClr val="FF0000"/>
+            </a:solidFill>
+          </a:ln>
+        </p:spPr>
+        <p:style>
+          <a:lnRef idx="1">
+            <a:schemeClr val="accent1"/>
+          </a:lnRef>
+          <a:fillRef idx="0">
+            <a:schemeClr val="accent1"/>
+          </a:fillRef>
+          <a:effectRef idx="0">
+            <a:schemeClr val="accent1"/>
+          </a:effectRef>
+          <a:fontRef idx="minor">
+            <a:schemeClr val="tx1"/>
+          </a:fontRef>
+        </p:style>
+      </p:cxnSp>
+      <p:cxnSp>
+        <p:nvCxnSpPr>
+          <p:cNvPr id="11" name="Straight Connector 10">
+            <a:extLst>
+              <a:ext uri="{FF2B5EF4-FFF2-40B4-BE49-F238E27FC236}">
+                <a16:creationId xmlns:a16="http://schemas.microsoft.com/office/drawing/2014/main" id="{2BD0C20E-F05D-1632-CFC4-7808F7F3B133}"/>
+              </a:ext>
+            </a:extLst>
+          </p:cNvPr>
+          <p:cNvCxnSpPr>
+            <a:cxnSpLocks/>
+          </p:cNvCxnSpPr>
+          <p:nvPr/>
+        </p:nvCxnSpPr>
+        <p:spPr>
+          <a:xfrm>
+            <a:off x="959223" y="4320417"/>
+            <a:ext cx="7987553" cy="0"/>
+          </a:xfrm>
+          <a:prstGeom prst="line">
+            <a:avLst/>
+          </a:prstGeom>
+          <a:ln w="57150">
+            <a:solidFill>
+              <a:srgbClr val="FF0000"/>
+            </a:solidFill>
+          </a:ln>
+        </p:spPr>
+        <p:style>
+          <a:lnRef idx="1">
+            <a:schemeClr val="accent1"/>
+          </a:lnRef>
+          <a:fillRef idx="0">
+            <a:schemeClr val="accent1"/>
+          </a:fillRef>
+          <a:effectRef idx="0">
+            <a:schemeClr val="accent1"/>
+          </a:effectRef>
+          <a:fontRef idx="minor">
+            <a:schemeClr val="tx1"/>
+          </a:fontRef>
+        </p:style>
+      </p:cxnSp>
+      <p:cxnSp>
+        <p:nvCxnSpPr>
+          <p:cNvPr id="12" name="Straight Connector 11">
+            <a:extLst>
+              <a:ext uri="{FF2B5EF4-FFF2-40B4-BE49-F238E27FC236}">
+                <a16:creationId xmlns:a16="http://schemas.microsoft.com/office/drawing/2014/main" id="{8BC84910-016B-41BF-8572-ABBF2649933B}"/>
+              </a:ext>
+            </a:extLst>
+          </p:cNvPr>
+          <p:cNvCxnSpPr>
+            <a:cxnSpLocks/>
+          </p:cNvCxnSpPr>
+          <p:nvPr/>
+        </p:nvCxnSpPr>
+        <p:spPr>
+          <a:xfrm>
+            <a:off x="8086165" y="2213711"/>
+            <a:ext cx="2483222" cy="0"/>
+          </a:xfrm>
+          <a:prstGeom prst="line">
+            <a:avLst/>
+          </a:prstGeom>
+          <a:ln w="57150">
+            <a:solidFill>
+              <a:srgbClr val="FF0000"/>
+            </a:solidFill>
+          </a:ln>
+        </p:spPr>
+        <p:style>
+          <a:lnRef idx="1">
+            <a:schemeClr val="accent1"/>
+          </a:lnRef>
+          <a:fillRef idx="0">
+            <a:schemeClr val="accent1"/>
+          </a:fillRef>
+          <a:effectRef idx="0">
+            <a:schemeClr val="accent1"/>
+          </a:effectRef>
+          <a:fontRef idx="minor">
+            <a:schemeClr val="tx1"/>
+          </a:fontRef>
+        </p:style>
+      </p:cxnSp>
+      <p:cxnSp>
+        <p:nvCxnSpPr>
+          <p:cNvPr id="14" name="Straight Connector 13">
+            <a:extLst>
+              <a:ext uri="{FF2B5EF4-FFF2-40B4-BE49-F238E27FC236}">
+                <a16:creationId xmlns:a16="http://schemas.microsoft.com/office/drawing/2014/main" id="{DCF73C7A-1134-3264-1757-E1458E8D1663}"/>
+              </a:ext>
+            </a:extLst>
+          </p:cNvPr>
+          <p:cNvCxnSpPr>
+            <a:cxnSpLocks/>
+          </p:cNvCxnSpPr>
+          <p:nvPr/>
+        </p:nvCxnSpPr>
+        <p:spPr>
+          <a:xfrm>
+            <a:off x="959223" y="2500581"/>
+            <a:ext cx="6140824" cy="0"/>
+          </a:xfrm>
+          <a:prstGeom prst="line">
+            <a:avLst/>
+          </a:prstGeom>
+          <a:ln w="57150">
+            <a:solidFill>
+              <a:srgbClr val="FF0000"/>
+            </a:solidFill>
+          </a:ln>
+        </p:spPr>
+        <p:style>
+          <a:lnRef idx="1">
+            <a:schemeClr val="accent1"/>
+          </a:lnRef>
+          <a:fillRef idx="0">
+            <a:schemeClr val="accent1"/>
+          </a:fillRef>
+          <a:effectRef idx="0">
+            <a:schemeClr val="accent1"/>
+          </a:effectRef>
+          <a:fontRef idx="minor">
+            <a:schemeClr val="tx1"/>
+          </a:fontRef>
+        </p:style>
+      </p:cxnSp>
+      <p:cxnSp>
+        <p:nvCxnSpPr>
+          <p:cNvPr id="16" name="Straight Connector 15">
+            <a:extLst>
+              <a:ext uri="{FF2B5EF4-FFF2-40B4-BE49-F238E27FC236}">
+                <a16:creationId xmlns:a16="http://schemas.microsoft.com/office/drawing/2014/main" id="{9E0C1CA0-CA86-EBA0-F826-57D5C4722E3E}"/>
+              </a:ext>
+            </a:extLst>
+          </p:cNvPr>
+          <p:cNvCxnSpPr>
+            <a:cxnSpLocks/>
+          </p:cNvCxnSpPr>
+          <p:nvPr/>
+        </p:nvCxnSpPr>
+        <p:spPr>
+          <a:xfrm>
+            <a:off x="5199529" y="5530652"/>
+            <a:ext cx="5369858" cy="0"/>
+          </a:xfrm>
+          <a:prstGeom prst="line">
+            <a:avLst/>
+          </a:prstGeom>
+          <a:ln w="57150">
+            <a:solidFill>
+              <a:srgbClr val="FF0000"/>
+            </a:solidFill>
+          </a:ln>
+        </p:spPr>
+        <p:style>
+          <a:lnRef idx="1">
+            <a:schemeClr val="accent1"/>
+          </a:lnRef>
+          <a:fillRef idx="0">
+            <a:schemeClr val="accent1"/>
+          </a:fillRef>
+          <a:effectRef idx="0">
+            <a:schemeClr val="accent1"/>
+          </a:effectRef>
+          <a:fontRef idx="minor">
+            <a:schemeClr val="tx1"/>
+          </a:fontRef>
+        </p:style>
+      </p:cxnSp>
+      <p:cxnSp>
+        <p:nvCxnSpPr>
+          <p:cNvPr id="18" name="Straight Connector 17">
+            <a:extLst>
+              <a:ext uri="{FF2B5EF4-FFF2-40B4-BE49-F238E27FC236}">
+                <a16:creationId xmlns:a16="http://schemas.microsoft.com/office/drawing/2014/main" id="{19D3FC0D-5736-0298-AC2A-EA5469557638}"/>
+              </a:ext>
+            </a:extLst>
+          </p:cNvPr>
+          <p:cNvCxnSpPr>
+            <a:cxnSpLocks/>
+          </p:cNvCxnSpPr>
+          <p:nvPr/>
+        </p:nvCxnSpPr>
+        <p:spPr>
+          <a:xfrm>
+            <a:off x="959223" y="5826487"/>
+            <a:ext cx="1210236" cy="0"/>
+          </a:xfrm>
+          <a:prstGeom prst="line">
+            <a:avLst/>
+          </a:prstGeom>
+          <a:ln w="57150">
+            <a:solidFill>
+              <a:srgbClr val="FF0000"/>
+            </a:solidFill>
+          </a:ln>
+        </p:spPr>
+        <p:style>
+          <a:lnRef idx="1">
+            <a:schemeClr val="accent1"/>
+          </a:lnRef>
+          <a:fillRef idx="0">
+            <a:schemeClr val="accent1"/>
+          </a:fillRef>
+          <a:effectRef idx="0">
+            <a:schemeClr val="accent1"/>
+          </a:effectRef>
+          <a:fontRef idx="minor">
+            <a:schemeClr val="tx1"/>
+          </a:fontRef>
+        </p:style>
+      </p:cxnSp>
+      <p:cxnSp>
+        <p:nvCxnSpPr>
+          <p:cNvPr id="20" name="Straight Connector 19">
+            <a:extLst>
+              <a:ext uri="{FF2B5EF4-FFF2-40B4-BE49-F238E27FC236}">
+                <a16:creationId xmlns:a16="http://schemas.microsoft.com/office/drawing/2014/main" id="{C204EAB1-17B1-9939-5511-28CF1FEEC6A2}"/>
+              </a:ext>
+            </a:extLst>
+          </p:cNvPr>
+          <p:cNvCxnSpPr>
+            <a:cxnSpLocks/>
+          </p:cNvCxnSpPr>
+          <p:nvPr/>
+        </p:nvCxnSpPr>
+        <p:spPr>
+          <a:xfrm>
+            <a:off x="4724399" y="5826487"/>
+            <a:ext cx="5674660" cy="0"/>
+          </a:xfrm>
+          <a:prstGeom prst="line">
+            <a:avLst/>
+          </a:prstGeom>
+          <a:ln w="57150">
+            <a:solidFill>
+              <a:srgbClr val="FF0000"/>
+            </a:solidFill>
+          </a:ln>
+        </p:spPr>
+        <p:style>
+          <a:lnRef idx="1">
+            <a:schemeClr val="accent1"/>
+          </a:lnRef>
+          <a:fillRef idx="0">
+            <a:schemeClr val="accent1"/>
+          </a:fillRef>
+          <a:effectRef idx="0">
+            <a:schemeClr val="accent1"/>
+          </a:effectRef>
+          <a:fontRef idx="minor">
+            <a:schemeClr val="tx1"/>
+          </a:fontRef>
+        </p:style>
+      </p:cxnSp>
+      <p:cxnSp>
+        <p:nvCxnSpPr>
+          <p:cNvPr id="22" name="Straight Connector 21">
+            <a:extLst>
+              <a:ext uri="{FF2B5EF4-FFF2-40B4-BE49-F238E27FC236}">
+                <a16:creationId xmlns:a16="http://schemas.microsoft.com/office/drawing/2014/main" id="{8B8E8B74-875B-2BCC-829C-EBC4E4F97E37}"/>
+              </a:ext>
+            </a:extLst>
+          </p:cNvPr>
+          <p:cNvCxnSpPr>
+            <a:cxnSpLocks/>
+          </p:cNvCxnSpPr>
+          <p:nvPr/>
+        </p:nvCxnSpPr>
+        <p:spPr>
+          <a:xfrm>
+            <a:off x="959223" y="6158181"/>
+            <a:ext cx="9439836" cy="0"/>
+          </a:xfrm>
+          <a:prstGeom prst="line">
+            <a:avLst/>
+          </a:prstGeom>
+          <a:ln w="57150">
+            <a:solidFill>
+              <a:srgbClr val="FF0000"/>
+            </a:solidFill>
+          </a:ln>
+        </p:spPr>
+        <p:style>
+          <a:lnRef idx="1">
+            <a:schemeClr val="accent1"/>
+          </a:lnRef>
+          <a:fillRef idx="0">
+            <a:schemeClr val="accent1"/>
+          </a:fillRef>
+          <a:effectRef idx="0">
+            <a:schemeClr val="accent1"/>
+          </a:effectRef>
+          <a:fontRef idx="minor">
+            <a:schemeClr val="tx1"/>
+          </a:fontRef>
+        </p:style>
+      </p:cxnSp>
+      <p:cxnSp>
+        <p:nvCxnSpPr>
+          <p:cNvPr id="24" name="Straight Connector 23">
+            <a:extLst>
+              <a:ext uri="{FF2B5EF4-FFF2-40B4-BE49-F238E27FC236}">
+                <a16:creationId xmlns:a16="http://schemas.microsoft.com/office/drawing/2014/main" id="{50C8311A-C2F0-DB19-2B5E-B3975EC50049}"/>
+              </a:ext>
+            </a:extLst>
+          </p:cNvPr>
+          <p:cNvCxnSpPr>
+            <a:cxnSpLocks/>
+          </p:cNvCxnSpPr>
+          <p:nvPr/>
+        </p:nvCxnSpPr>
+        <p:spPr>
+          <a:xfrm>
+            <a:off x="959223" y="6463119"/>
+            <a:ext cx="9610164" cy="0"/>
+          </a:xfrm>
+          <a:prstGeom prst="line">
+            <a:avLst/>
+          </a:prstGeom>
+          <a:ln w="57150">
+            <a:solidFill>
+              <a:srgbClr val="FF0000"/>
+            </a:solidFill>
+          </a:ln>
+        </p:spPr>
+        <p:style>
+          <a:lnRef idx="1">
+            <a:schemeClr val="accent1"/>
+          </a:lnRef>
+          <a:fillRef idx="0">
+            <a:schemeClr val="accent1"/>
+          </a:fillRef>
+          <a:effectRef idx="0">
+            <a:schemeClr val="accent1"/>
+          </a:effectRef>
+          <a:fontRef idx="minor">
+            <a:schemeClr val="tx1"/>
+          </a:fontRef>
+        </p:style>
+      </p:cxnSp>
     </p:spTree>
     <p:extLst>
       <p:ext uri="{BB962C8B-B14F-4D97-AF65-F5344CB8AC3E}">
@@ -7409,6 +9387,264 @@
           </a:prstGeom>
         </p:spPr>
       </p:pic>
+      <p:cxnSp>
+        <p:nvCxnSpPr>
+          <p:cNvPr id="2" name="Straight Connector 1">
+            <a:extLst>
+              <a:ext uri="{FF2B5EF4-FFF2-40B4-BE49-F238E27FC236}">
+                <a16:creationId xmlns:a16="http://schemas.microsoft.com/office/drawing/2014/main" id="{0ABC6B1D-1F09-5E86-0B35-2E48D736B203}"/>
+              </a:ext>
+            </a:extLst>
+          </p:cNvPr>
+          <p:cNvCxnSpPr>
+            <a:cxnSpLocks/>
+          </p:cNvCxnSpPr>
+          <p:nvPr/>
+        </p:nvCxnSpPr>
+        <p:spPr>
+          <a:xfrm>
+            <a:off x="564776" y="2106272"/>
+            <a:ext cx="10605248" cy="0"/>
+          </a:xfrm>
+          <a:prstGeom prst="line">
+            <a:avLst/>
+          </a:prstGeom>
+          <a:ln w="57150">
+            <a:solidFill>
+              <a:srgbClr val="FF0000"/>
+            </a:solidFill>
+          </a:ln>
+        </p:spPr>
+        <p:style>
+          <a:lnRef idx="1">
+            <a:schemeClr val="accent1"/>
+          </a:lnRef>
+          <a:fillRef idx="0">
+            <a:schemeClr val="accent1"/>
+          </a:fillRef>
+          <a:effectRef idx="0">
+            <a:schemeClr val="accent1"/>
+          </a:effectRef>
+          <a:fontRef idx="minor">
+            <a:schemeClr val="tx1"/>
+          </a:fontRef>
+        </p:style>
+      </p:cxnSp>
+      <p:cxnSp>
+        <p:nvCxnSpPr>
+          <p:cNvPr id="5" name="Straight Connector 4">
+            <a:extLst>
+              <a:ext uri="{FF2B5EF4-FFF2-40B4-BE49-F238E27FC236}">
+                <a16:creationId xmlns:a16="http://schemas.microsoft.com/office/drawing/2014/main" id="{CD245920-0BC0-53AE-E65B-5295DD361B32}"/>
+              </a:ext>
+            </a:extLst>
+          </p:cNvPr>
+          <p:cNvCxnSpPr>
+            <a:cxnSpLocks/>
+          </p:cNvCxnSpPr>
+          <p:nvPr/>
+        </p:nvCxnSpPr>
+        <p:spPr>
+          <a:xfrm>
+            <a:off x="564776" y="2437966"/>
+            <a:ext cx="10605248" cy="0"/>
+          </a:xfrm>
+          <a:prstGeom prst="line">
+            <a:avLst/>
+          </a:prstGeom>
+          <a:ln w="57150">
+            <a:solidFill>
+              <a:srgbClr val="FF0000"/>
+            </a:solidFill>
+          </a:ln>
+        </p:spPr>
+        <p:style>
+          <a:lnRef idx="1">
+            <a:schemeClr val="accent1"/>
+          </a:lnRef>
+          <a:fillRef idx="0">
+            <a:schemeClr val="accent1"/>
+          </a:fillRef>
+          <a:effectRef idx="0">
+            <a:schemeClr val="accent1"/>
+          </a:effectRef>
+          <a:fontRef idx="minor">
+            <a:schemeClr val="tx1"/>
+          </a:fontRef>
+        </p:style>
+      </p:cxnSp>
+      <p:cxnSp>
+        <p:nvCxnSpPr>
+          <p:cNvPr id="6" name="Straight Connector 5">
+            <a:extLst>
+              <a:ext uri="{FF2B5EF4-FFF2-40B4-BE49-F238E27FC236}">
+                <a16:creationId xmlns:a16="http://schemas.microsoft.com/office/drawing/2014/main" id="{B08441AA-0CF0-89D4-069F-CE51FBAC64B7}"/>
+              </a:ext>
+            </a:extLst>
+          </p:cNvPr>
+          <p:cNvCxnSpPr>
+            <a:cxnSpLocks/>
+          </p:cNvCxnSpPr>
+          <p:nvPr/>
+        </p:nvCxnSpPr>
+        <p:spPr>
+          <a:xfrm>
+            <a:off x="564776" y="2769660"/>
+            <a:ext cx="3200400" cy="0"/>
+          </a:xfrm>
+          <a:prstGeom prst="line">
+            <a:avLst/>
+          </a:prstGeom>
+          <a:ln w="57150">
+            <a:solidFill>
+              <a:srgbClr val="FF0000"/>
+            </a:solidFill>
+          </a:ln>
+        </p:spPr>
+        <p:style>
+          <a:lnRef idx="1">
+            <a:schemeClr val="accent1"/>
+          </a:lnRef>
+          <a:fillRef idx="0">
+            <a:schemeClr val="accent1"/>
+          </a:fillRef>
+          <a:effectRef idx="0">
+            <a:schemeClr val="accent1"/>
+          </a:effectRef>
+          <a:fontRef idx="minor">
+            <a:schemeClr val="tx1"/>
+          </a:fontRef>
+        </p:style>
+      </p:cxnSp>
+      <p:cxnSp>
+        <p:nvCxnSpPr>
+          <p:cNvPr id="9" name="Straight Connector 8">
+            <a:extLst>
+              <a:ext uri="{FF2B5EF4-FFF2-40B4-BE49-F238E27FC236}">
+                <a16:creationId xmlns:a16="http://schemas.microsoft.com/office/drawing/2014/main" id="{4BC3B30B-ACD6-B92E-7B9C-E56CB86C7490}"/>
+              </a:ext>
+            </a:extLst>
+          </p:cNvPr>
+          <p:cNvCxnSpPr>
+            <a:cxnSpLocks/>
+          </p:cNvCxnSpPr>
+          <p:nvPr/>
+        </p:nvCxnSpPr>
+        <p:spPr>
+          <a:xfrm>
+            <a:off x="1541929" y="3271684"/>
+            <a:ext cx="9856695" cy="0"/>
+          </a:xfrm>
+          <a:prstGeom prst="line">
+            <a:avLst/>
+          </a:prstGeom>
+          <a:ln w="57150">
+            <a:solidFill>
+              <a:srgbClr val="FF0000"/>
+            </a:solidFill>
+          </a:ln>
+        </p:spPr>
+        <p:style>
+          <a:lnRef idx="1">
+            <a:schemeClr val="accent1"/>
+          </a:lnRef>
+          <a:fillRef idx="0">
+            <a:schemeClr val="accent1"/>
+          </a:fillRef>
+          <a:effectRef idx="0">
+            <a:schemeClr val="accent1"/>
+          </a:effectRef>
+          <a:fontRef idx="minor">
+            <a:schemeClr val="tx1"/>
+          </a:fontRef>
+        </p:style>
+      </p:cxnSp>
+      <p:cxnSp>
+        <p:nvCxnSpPr>
+          <p:cNvPr id="11" name="Straight Connector 10">
+            <a:extLst>
+              <a:ext uri="{FF2B5EF4-FFF2-40B4-BE49-F238E27FC236}">
+                <a16:creationId xmlns:a16="http://schemas.microsoft.com/office/drawing/2014/main" id="{492001C3-5469-826B-5313-AC1CA94C7791}"/>
+              </a:ext>
+            </a:extLst>
+          </p:cNvPr>
+          <p:cNvCxnSpPr>
+            <a:cxnSpLocks/>
+          </p:cNvCxnSpPr>
+          <p:nvPr/>
+        </p:nvCxnSpPr>
+        <p:spPr>
+          <a:xfrm>
+            <a:off x="8337176" y="4652248"/>
+            <a:ext cx="2931460" cy="0"/>
+          </a:xfrm>
+          <a:prstGeom prst="line">
+            <a:avLst/>
+          </a:prstGeom>
+          <a:ln w="57150">
+            <a:solidFill>
+              <a:srgbClr val="FF0000"/>
+            </a:solidFill>
+          </a:ln>
+        </p:spPr>
+        <p:style>
+          <a:lnRef idx="1">
+            <a:schemeClr val="accent1"/>
+          </a:lnRef>
+          <a:fillRef idx="0">
+            <a:schemeClr val="accent1"/>
+          </a:fillRef>
+          <a:effectRef idx="0">
+            <a:schemeClr val="accent1"/>
+          </a:effectRef>
+          <a:fontRef idx="minor">
+            <a:schemeClr val="tx1"/>
+          </a:fontRef>
+        </p:style>
+      </p:cxnSp>
+      <p:cxnSp>
+        <p:nvCxnSpPr>
+          <p:cNvPr id="13" name="Straight Connector 12">
+            <a:extLst>
+              <a:ext uri="{FF2B5EF4-FFF2-40B4-BE49-F238E27FC236}">
+                <a16:creationId xmlns:a16="http://schemas.microsoft.com/office/drawing/2014/main" id="{21478D8B-3AAD-A095-534E-71A68D4DB107}"/>
+              </a:ext>
+            </a:extLst>
+          </p:cNvPr>
+          <p:cNvCxnSpPr>
+            <a:cxnSpLocks/>
+          </p:cNvCxnSpPr>
+          <p:nvPr/>
+        </p:nvCxnSpPr>
+        <p:spPr>
+          <a:xfrm>
+            <a:off x="564776" y="5028357"/>
+            <a:ext cx="8462684" cy="0"/>
+          </a:xfrm>
+          <a:prstGeom prst="line">
+            <a:avLst/>
+          </a:prstGeom>
+          <a:ln w="57150">
+            <a:solidFill>
+              <a:srgbClr val="FF0000"/>
+            </a:solidFill>
+          </a:ln>
+        </p:spPr>
+        <p:style>
+          <a:lnRef idx="1">
+            <a:schemeClr val="accent1"/>
+          </a:lnRef>
+          <a:fillRef idx="0">
+            <a:schemeClr val="accent1"/>
+          </a:fillRef>
+          <a:effectRef idx="0">
+            <a:schemeClr val="accent1"/>
+          </a:effectRef>
+          <a:fontRef idx="minor">
+            <a:schemeClr val="tx1"/>
+          </a:fontRef>
+        </p:style>
+      </p:cxnSp>
     </p:spTree>
     <p:extLst>
       <p:ext uri="{BB962C8B-B14F-4D97-AF65-F5344CB8AC3E}">
@@ -7505,6 +9741,522 @@
           </a:prstGeom>
         </p:spPr>
       </p:pic>
+      <p:cxnSp>
+        <p:nvCxnSpPr>
+          <p:cNvPr id="2" name="Straight Connector 1">
+            <a:extLst>
+              <a:ext uri="{FF2B5EF4-FFF2-40B4-BE49-F238E27FC236}">
+                <a16:creationId xmlns:a16="http://schemas.microsoft.com/office/drawing/2014/main" id="{94396BD8-6F88-635D-D793-3E3FD4811698}"/>
+              </a:ext>
+            </a:extLst>
+          </p:cNvPr>
+          <p:cNvCxnSpPr>
+            <a:cxnSpLocks/>
+          </p:cNvCxnSpPr>
+          <p:nvPr/>
+        </p:nvCxnSpPr>
+        <p:spPr>
+          <a:xfrm>
+            <a:off x="2043952" y="2411072"/>
+            <a:ext cx="8426824" cy="0"/>
+          </a:xfrm>
+          <a:prstGeom prst="line">
+            <a:avLst/>
+          </a:prstGeom>
+          <a:ln w="57150">
+            <a:solidFill>
+              <a:srgbClr val="FF0000"/>
+            </a:solidFill>
+          </a:ln>
+        </p:spPr>
+        <p:style>
+          <a:lnRef idx="1">
+            <a:schemeClr val="accent1"/>
+          </a:lnRef>
+          <a:fillRef idx="0">
+            <a:schemeClr val="accent1"/>
+          </a:fillRef>
+          <a:effectRef idx="0">
+            <a:schemeClr val="accent1"/>
+          </a:effectRef>
+          <a:fontRef idx="minor">
+            <a:schemeClr val="tx1"/>
+          </a:fontRef>
+        </p:style>
+      </p:cxnSp>
+      <p:cxnSp>
+        <p:nvCxnSpPr>
+          <p:cNvPr id="6" name="Straight Connector 5">
+            <a:extLst>
+              <a:ext uri="{FF2B5EF4-FFF2-40B4-BE49-F238E27FC236}">
+                <a16:creationId xmlns:a16="http://schemas.microsoft.com/office/drawing/2014/main" id="{BC086AE2-43B7-AC2D-DB51-7BD9F8AD54FF}"/>
+              </a:ext>
+            </a:extLst>
+          </p:cNvPr>
+          <p:cNvCxnSpPr>
+            <a:cxnSpLocks/>
+          </p:cNvCxnSpPr>
+          <p:nvPr/>
+        </p:nvCxnSpPr>
+        <p:spPr>
+          <a:xfrm>
+            <a:off x="1174375" y="2688977"/>
+            <a:ext cx="8812307" cy="0"/>
+          </a:xfrm>
+          <a:prstGeom prst="line">
+            <a:avLst/>
+          </a:prstGeom>
+          <a:ln w="57150">
+            <a:solidFill>
+              <a:srgbClr val="FF0000"/>
+            </a:solidFill>
+          </a:ln>
+        </p:spPr>
+        <p:style>
+          <a:lnRef idx="1">
+            <a:schemeClr val="accent1"/>
+          </a:lnRef>
+          <a:fillRef idx="0">
+            <a:schemeClr val="accent1"/>
+          </a:fillRef>
+          <a:effectRef idx="0">
+            <a:schemeClr val="accent1"/>
+          </a:effectRef>
+          <a:fontRef idx="minor">
+            <a:schemeClr val="tx1"/>
+          </a:fontRef>
+        </p:style>
+      </p:cxnSp>
+      <p:cxnSp>
+        <p:nvCxnSpPr>
+          <p:cNvPr id="8" name="Straight Connector 7">
+            <a:extLst>
+              <a:ext uri="{FF2B5EF4-FFF2-40B4-BE49-F238E27FC236}">
+                <a16:creationId xmlns:a16="http://schemas.microsoft.com/office/drawing/2014/main" id="{142DFDB2-304A-2A4F-79A9-7A652E5C3041}"/>
+              </a:ext>
+            </a:extLst>
+          </p:cNvPr>
+          <p:cNvCxnSpPr>
+            <a:cxnSpLocks/>
+          </p:cNvCxnSpPr>
+          <p:nvPr/>
+        </p:nvCxnSpPr>
+        <p:spPr>
+          <a:xfrm>
+            <a:off x="6992471" y="3029637"/>
+            <a:ext cx="3478305" cy="0"/>
+          </a:xfrm>
+          <a:prstGeom prst="line">
+            <a:avLst/>
+          </a:prstGeom>
+          <a:ln w="57150">
+            <a:solidFill>
+              <a:srgbClr val="FF0000"/>
+            </a:solidFill>
+          </a:ln>
+        </p:spPr>
+        <p:style>
+          <a:lnRef idx="1">
+            <a:schemeClr val="accent1"/>
+          </a:lnRef>
+          <a:fillRef idx="0">
+            <a:schemeClr val="accent1"/>
+          </a:fillRef>
+          <a:effectRef idx="0">
+            <a:schemeClr val="accent1"/>
+          </a:effectRef>
+          <a:fontRef idx="minor">
+            <a:schemeClr val="tx1"/>
+          </a:fontRef>
+        </p:style>
+      </p:cxnSp>
+      <p:cxnSp>
+        <p:nvCxnSpPr>
+          <p:cNvPr id="12" name="Straight Connector 11">
+            <a:extLst>
+              <a:ext uri="{FF2B5EF4-FFF2-40B4-BE49-F238E27FC236}">
+                <a16:creationId xmlns:a16="http://schemas.microsoft.com/office/drawing/2014/main" id="{B4BE5034-3071-DBC6-4F9E-6B396C169C56}"/>
+              </a:ext>
+            </a:extLst>
+          </p:cNvPr>
+          <p:cNvCxnSpPr>
+            <a:cxnSpLocks/>
+          </p:cNvCxnSpPr>
+          <p:nvPr/>
+        </p:nvCxnSpPr>
+        <p:spPr>
+          <a:xfrm>
+            <a:off x="1174375" y="3267201"/>
+            <a:ext cx="9296401" cy="0"/>
+          </a:xfrm>
+          <a:prstGeom prst="line">
+            <a:avLst/>
+          </a:prstGeom>
+          <a:ln w="57150">
+            <a:solidFill>
+              <a:srgbClr val="FF0000"/>
+            </a:solidFill>
+          </a:ln>
+        </p:spPr>
+        <p:style>
+          <a:lnRef idx="1">
+            <a:schemeClr val="accent1"/>
+          </a:lnRef>
+          <a:fillRef idx="0">
+            <a:schemeClr val="accent1"/>
+          </a:fillRef>
+          <a:effectRef idx="0">
+            <a:schemeClr val="accent1"/>
+          </a:effectRef>
+          <a:fontRef idx="minor">
+            <a:schemeClr val="tx1"/>
+          </a:fontRef>
+        </p:style>
+      </p:cxnSp>
+      <p:cxnSp>
+        <p:nvCxnSpPr>
+          <p:cNvPr id="13" name="Straight Connector 12">
+            <a:extLst>
+              <a:ext uri="{FF2B5EF4-FFF2-40B4-BE49-F238E27FC236}">
+                <a16:creationId xmlns:a16="http://schemas.microsoft.com/office/drawing/2014/main" id="{BD0DC17C-D1D4-A12B-6B3D-7436E5AB8E8E}"/>
+              </a:ext>
+            </a:extLst>
+          </p:cNvPr>
+          <p:cNvCxnSpPr>
+            <a:cxnSpLocks/>
+          </p:cNvCxnSpPr>
+          <p:nvPr/>
+        </p:nvCxnSpPr>
+        <p:spPr>
+          <a:xfrm>
+            <a:off x="1174375" y="3652683"/>
+            <a:ext cx="9296401" cy="0"/>
+          </a:xfrm>
+          <a:prstGeom prst="line">
+            <a:avLst/>
+          </a:prstGeom>
+          <a:ln w="57150">
+            <a:solidFill>
+              <a:srgbClr val="FF0000"/>
+            </a:solidFill>
+          </a:ln>
+        </p:spPr>
+        <p:style>
+          <a:lnRef idx="1">
+            <a:schemeClr val="accent1"/>
+          </a:lnRef>
+          <a:fillRef idx="0">
+            <a:schemeClr val="accent1"/>
+          </a:fillRef>
+          <a:effectRef idx="0">
+            <a:schemeClr val="accent1"/>
+          </a:effectRef>
+          <a:fontRef idx="minor">
+            <a:schemeClr val="tx1"/>
+          </a:fontRef>
+        </p:style>
+      </p:cxnSp>
+      <p:cxnSp>
+        <p:nvCxnSpPr>
+          <p:cNvPr id="14" name="Straight Connector 13">
+            <a:extLst>
+              <a:ext uri="{FF2B5EF4-FFF2-40B4-BE49-F238E27FC236}">
+                <a16:creationId xmlns:a16="http://schemas.microsoft.com/office/drawing/2014/main" id="{258A432F-437A-30D1-59D6-0C410817EF41}"/>
+              </a:ext>
+            </a:extLst>
+          </p:cNvPr>
+          <p:cNvCxnSpPr>
+            <a:cxnSpLocks/>
+          </p:cNvCxnSpPr>
+          <p:nvPr/>
+        </p:nvCxnSpPr>
+        <p:spPr>
+          <a:xfrm>
+            <a:off x="1174375" y="3939554"/>
+            <a:ext cx="9296401" cy="0"/>
+          </a:xfrm>
+          <a:prstGeom prst="line">
+            <a:avLst/>
+          </a:prstGeom>
+          <a:ln w="57150">
+            <a:solidFill>
+              <a:srgbClr val="FF0000"/>
+            </a:solidFill>
+          </a:ln>
+        </p:spPr>
+        <p:style>
+          <a:lnRef idx="1">
+            <a:schemeClr val="accent1"/>
+          </a:lnRef>
+          <a:fillRef idx="0">
+            <a:schemeClr val="accent1"/>
+          </a:fillRef>
+          <a:effectRef idx="0">
+            <a:schemeClr val="accent1"/>
+          </a:effectRef>
+          <a:fontRef idx="minor">
+            <a:schemeClr val="tx1"/>
+          </a:fontRef>
+        </p:style>
+      </p:cxnSp>
+      <p:cxnSp>
+        <p:nvCxnSpPr>
+          <p:cNvPr id="15" name="Straight Connector 14">
+            <a:extLst>
+              <a:ext uri="{FF2B5EF4-FFF2-40B4-BE49-F238E27FC236}">
+                <a16:creationId xmlns:a16="http://schemas.microsoft.com/office/drawing/2014/main" id="{0C3EE2E5-EAAB-E202-4C79-0AE426FDE612}"/>
+              </a:ext>
+            </a:extLst>
+          </p:cNvPr>
+          <p:cNvCxnSpPr>
+            <a:cxnSpLocks/>
+          </p:cNvCxnSpPr>
+          <p:nvPr/>
+        </p:nvCxnSpPr>
+        <p:spPr>
+          <a:xfrm>
+            <a:off x="1174375" y="4226424"/>
+            <a:ext cx="9296401" cy="0"/>
+          </a:xfrm>
+          <a:prstGeom prst="line">
+            <a:avLst/>
+          </a:prstGeom>
+          <a:ln w="57150">
+            <a:solidFill>
+              <a:srgbClr val="FF0000"/>
+            </a:solidFill>
+          </a:ln>
+        </p:spPr>
+        <p:style>
+          <a:lnRef idx="1">
+            <a:schemeClr val="accent1"/>
+          </a:lnRef>
+          <a:fillRef idx="0">
+            <a:schemeClr val="accent1"/>
+          </a:fillRef>
+          <a:effectRef idx="0">
+            <a:schemeClr val="accent1"/>
+          </a:effectRef>
+          <a:fontRef idx="minor">
+            <a:schemeClr val="tx1"/>
+          </a:fontRef>
+        </p:style>
+      </p:cxnSp>
+      <p:cxnSp>
+        <p:nvCxnSpPr>
+          <p:cNvPr id="16" name="Straight Connector 15">
+            <a:extLst>
+              <a:ext uri="{FF2B5EF4-FFF2-40B4-BE49-F238E27FC236}">
+                <a16:creationId xmlns:a16="http://schemas.microsoft.com/office/drawing/2014/main" id="{1D0E6FA6-5432-0F58-4607-6A389EDCAE17}"/>
+              </a:ext>
+            </a:extLst>
+          </p:cNvPr>
+          <p:cNvCxnSpPr>
+            <a:cxnSpLocks/>
+          </p:cNvCxnSpPr>
+          <p:nvPr/>
+        </p:nvCxnSpPr>
+        <p:spPr>
+          <a:xfrm>
+            <a:off x="1174375" y="4495366"/>
+            <a:ext cx="2178425" cy="0"/>
+          </a:xfrm>
+          <a:prstGeom prst="line">
+            <a:avLst/>
+          </a:prstGeom>
+          <a:ln w="57150">
+            <a:solidFill>
+              <a:srgbClr val="FF0000"/>
+            </a:solidFill>
+          </a:ln>
+        </p:spPr>
+        <p:style>
+          <a:lnRef idx="1">
+            <a:schemeClr val="accent1"/>
+          </a:lnRef>
+          <a:fillRef idx="0">
+            <a:schemeClr val="accent1"/>
+          </a:fillRef>
+          <a:effectRef idx="0">
+            <a:schemeClr val="accent1"/>
+          </a:effectRef>
+          <a:fontRef idx="minor">
+            <a:schemeClr val="tx1"/>
+          </a:fontRef>
+        </p:style>
+      </p:cxnSp>
+      <p:cxnSp>
+        <p:nvCxnSpPr>
+          <p:cNvPr id="18" name="Straight Connector 17">
+            <a:extLst>
+              <a:ext uri="{FF2B5EF4-FFF2-40B4-BE49-F238E27FC236}">
+                <a16:creationId xmlns:a16="http://schemas.microsoft.com/office/drawing/2014/main" id="{B8A2C865-FB77-3E73-59DE-1CDCE9A67EA6}"/>
+              </a:ext>
+            </a:extLst>
+          </p:cNvPr>
+          <p:cNvCxnSpPr>
+            <a:cxnSpLocks/>
+          </p:cNvCxnSpPr>
+          <p:nvPr/>
+        </p:nvCxnSpPr>
+        <p:spPr>
+          <a:xfrm>
+            <a:off x="1428749" y="5660778"/>
+            <a:ext cx="7535957" cy="0"/>
+          </a:xfrm>
+          <a:prstGeom prst="line">
+            <a:avLst/>
+          </a:prstGeom>
+          <a:ln w="57150">
+            <a:solidFill>
+              <a:srgbClr val="FF0000"/>
+            </a:solidFill>
+          </a:ln>
+        </p:spPr>
+        <p:style>
+          <a:lnRef idx="1">
+            <a:schemeClr val="accent1"/>
+          </a:lnRef>
+          <a:fillRef idx="0">
+            <a:schemeClr val="accent1"/>
+          </a:fillRef>
+          <a:effectRef idx="0">
+            <a:schemeClr val="accent1"/>
+          </a:effectRef>
+          <a:fontRef idx="minor">
+            <a:schemeClr val="tx1"/>
+          </a:fontRef>
+        </p:style>
+      </p:cxnSp>
+      <p:cxnSp>
+        <p:nvCxnSpPr>
+          <p:cNvPr id="20" name="Straight Connector 19">
+            <a:extLst>
+              <a:ext uri="{FF2B5EF4-FFF2-40B4-BE49-F238E27FC236}">
+                <a16:creationId xmlns:a16="http://schemas.microsoft.com/office/drawing/2014/main" id="{77746E30-9072-9304-C111-6D4EFCDD4BB0}"/>
+              </a:ext>
+            </a:extLst>
+          </p:cNvPr>
+          <p:cNvCxnSpPr>
+            <a:cxnSpLocks/>
+          </p:cNvCxnSpPr>
+          <p:nvPr/>
+        </p:nvCxnSpPr>
+        <p:spPr>
+          <a:xfrm>
+            <a:off x="2420471" y="5391837"/>
+            <a:ext cx="8166847" cy="0"/>
+          </a:xfrm>
+          <a:prstGeom prst="line">
+            <a:avLst/>
+          </a:prstGeom>
+          <a:ln w="57150">
+            <a:solidFill>
+              <a:srgbClr val="FF0000"/>
+            </a:solidFill>
+          </a:ln>
+        </p:spPr>
+        <p:style>
+          <a:lnRef idx="1">
+            <a:schemeClr val="accent1"/>
+          </a:lnRef>
+          <a:fillRef idx="0">
+            <a:schemeClr val="accent1"/>
+          </a:fillRef>
+          <a:effectRef idx="0">
+            <a:schemeClr val="accent1"/>
+          </a:effectRef>
+          <a:fontRef idx="minor">
+            <a:schemeClr val="tx1"/>
+          </a:fontRef>
+        </p:style>
+      </p:cxnSp>
+      <p:cxnSp>
+        <p:nvCxnSpPr>
+          <p:cNvPr id="22" name="Straight Connector 21">
+            <a:extLst>
+              <a:ext uri="{FF2B5EF4-FFF2-40B4-BE49-F238E27FC236}">
+                <a16:creationId xmlns:a16="http://schemas.microsoft.com/office/drawing/2014/main" id="{8BC5D8DA-37F6-78FA-7AA5-B9D00C28BB7D}"/>
+              </a:ext>
+            </a:extLst>
+          </p:cNvPr>
+          <p:cNvCxnSpPr>
+            <a:cxnSpLocks/>
+          </p:cNvCxnSpPr>
+          <p:nvPr/>
+        </p:nvCxnSpPr>
+        <p:spPr>
+          <a:xfrm>
+            <a:off x="7404847" y="6019366"/>
+            <a:ext cx="3182471" cy="0"/>
+          </a:xfrm>
+          <a:prstGeom prst="line">
+            <a:avLst/>
+          </a:prstGeom>
+          <a:ln w="57150">
+            <a:solidFill>
+              <a:srgbClr val="FF0000"/>
+            </a:solidFill>
+          </a:ln>
+        </p:spPr>
+        <p:style>
+          <a:lnRef idx="1">
+            <a:schemeClr val="accent1"/>
+          </a:lnRef>
+          <a:fillRef idx="0">
+            <a:schemeClr val="accent1"/>
+          </a:fillRef>
+          <a:effectRef idx="0">
+            <a:schemeClr val="accent1"/>
+          </a:effectRef>
+          <a:fontRef idx="minor">
+            <a:schemeClr val="tx1"/>
+          </a:fontRef>
+        </p:style>
+      </p:cxnSp>
+      <p:cxnSp>
+        <p:nvCxnSpPr>
+          <p:cNvPr id="24" name="Straight Connector 23">
+            <a:extLst>
+              <a:ext uri="{FF2B5EF4-FFF2-40B4-BE49-F238E27FC236}">
+                <a16:creationId xmlns:a16="http://schemas.microsoft.com/office/drawing/2014/main" id="{7F65C9C2-CDB0-F262-19B6-7BFE4DD19434}"/>
+              </a:ext>
+            </a:extLst>
+          </p:cNvPr>
+          <p:cNvCxnSpPr>
+            <a:cxnSpLocks/>
+          </p:cNvCxnSpPr>
+          <p:nvPr/>
+        </p:nvCxnSpPr>
+        <p:spPr>
+          <a:xfrm>
+            <a:off x="1174375" y="6279480"/>
+            <a:ext cx="6230472" cy="0"/>
+          </a:xfrm>
+          <a:prstGeom prst="line">
+            <a:avLst/>
+          </a:prstGeom>
+          <a:ln w="57150">
+            <a:solidFill>
+              <a:srgbClr val="FF0000"/>
+            </a:solidFill>
+          </a:ln>
+        </p:spPr>
+        <p:style>
+          <a:lnRef idx="1">
+            <a:schemeClr val="accent1"/>
+          </a:lnRef>
+          <a:fillRef idx="0">
+            <a:schemeClr val="accent1"/>
+          </a:fillRef>
+          <a:effectRef idx="0">
+            <a:schemeClr val="accent1"/>
+          </a:effectRef>
+          <a:fontRef idx="minor">
+            <a:schemeClr val="tx1"/>
+          </a:fontRef>
+        </p:style>
+      </p:cxnSp>
     </p:spTree>
     <p:extLst>
       <p:ext uri="{BB962C8B-B14F-4D97-AF65-F5344CB8AC3E}">
@@ -7601,6 +10353,264 @@
           </a:prstGeom>
         </p:spPr>
       </p:pic>
+      <p:cxnSp>
+        <p:nvCxnSpPr>
+          <p:cNvPr id="2" name="Straight Connector 1">
+            <a:extLst>
+              <a:ext uri="{FF2B5EF4-FFF2-40B4-BE49-F238E27FC236}">
+                <a16:creationId xmlns:a16="http://schemas.microsoft.com/office/drawing/2014/main" id="{46C8B14D-35EB-190D-B8E2-104D65E5CC7D}"/>
+              </a:ext>
+            </a:extLst>
+          </p:cNvPr>
+          <p:cNvCxnSpPr>
+            <a:cxnSpLocks/>
+          </p:cNvCxnSpPr>
+          <p:nvPr/>
+        </p:nvCxnSpPr>
+        <p:spPr>
+          <a:xfrm>
+            <a:off x="1447799" y="1868707"/>
+            <a:ext cx="10152530" cy="0"/>
+          </a:xfrm>
+          <a:prstGeom prst="line">
+            <a:avLst/>
+          </a:prstGeom>
+          <a:ln w="57150">
+            <a:solidFill>
+              <a:srgbClr val="FF0000"/>
+            </a:solidFill>
+          </a:ln>
+        </p:spPr>
+        <p:style>
+          <a:lnRef idx="1">
+            <a:schemeClr val="accent1"/>
+          </a:lnRef>
+          <a:fillRef idx="0">
+            <a:schemeClr val="accent1"/>
+          </a:fillRef>
+          <a:effectRef idx="0">
+            <a:schemeClr val="accent1"/>
+          </a:effectRef>
+          <a:fontRef idx="minor">
+            <a:schemeClr val="tx1"/>
+          </a:fontRef>
+        </p:style>
+      </p:cxnSp>
+      <p:cxnSp>
+        <p:nvCxnSpPr>
+          <p:cNvPr id="6" name="Straight Connector 5">
+            <a:extLst>
+              <a:ext uri="{FF2B5EF4-FFF2-40B4-BE49-F238E27FC236}">
+                <a16:creationId xmlns:a16="http://schemas.microsoft.com/office/drawing/2014/main" id="{6E7EDF5E-6735-81E1-334A-1243B351AEE3}"/>
+              </a:ext>
+            </a:extLst>
+          </p:cNvPr>
+          <p:cNvCxnSpPr>
+            <a:cxnSpLocks/>
+          </p:cNvCxnSpPr>
+          <p:nvPr/>
+        </p:nvCxnSpPr>
+        <p:spPr>
+          <a:xfrm>
+            <a:off x="596152" y="2200401"/>
+            <a:ext cx="9067801" cy="0"/>
+          </a:xfrm>
+          <a:prstGeom prst="line">
+            <a:avLst/>
+          </a:prstGeom>
+          <a:ln w="57150">
+            <a:solidFill>
+              <a:srgbClr val="FF0000"/>
+            </a:solidFill>
+          </a:ln>
+        </p:spPr>
+        <p:style>
+          <a:lnRef idx="1">
+            <a:schemeClr val="accent1"/>
+          </a:lnRef>
+          <a:fillRef idx="0">
+            <a:schemeClr val="accent1"/>
+          </a:fillRef>
+          <a:effectRef idx="0">
+            <a:schemeClr val="accent1"/>
+          </a:effectRef>
+          <a:fontRef idx="minor">
+            <a:schemeClr val="tx1"/>
+          </a:fontRef>
+        </p:style>
+      </p:cxnSp>
+      <p:cxnSp>
+        <p:nvCxnSpPr>
+          <p:cNvPr id="8" name="Straight Connector 7">
+            <a:extLst>
+              <a:ext uri="{FF2B5EF4-FFF2-40B4-BE49-F238E27FC236}">
+                <a16:creationId xmlns:a16="http://schemas.microsoft.com/office/drawing/2014/main" id="{D2E93373-2CB5-84BE-1F5A-BBC764BA3666}"/>
+              </a:ext>
+            </a:extLst>
+          </p:cNvPr>
+          <p:cNvCxnSpPr>
+            <a:cxnSpLocks/>
+          </p:cNvCxnSpPr>
+          <p:nvPr/>
+        </p:nvCxnSpPr>
+        <p:spPr>
+          <a:xfrm>
+            <a:off x="596152" y="2949092"/>
+            <a:ext cx="11004177" cy="0"/>
+          </a:xfrm>
+          <a:prstGeom prst="line">
+            <a:avLst/>
+          </a:prstGeom>
+          <a:ln w="57150">
+            <a:solidFill>
+              <a:srgbClr val="FF0000"/>
+            </a:solidFill>
+          </a:ln>
+        </p:spPr>
+        <p:style>
+          <a:lnRef idx="1">
+            <a:schemeClr val="accent1"/>
+          </a:lnRef>
+          <a:fillRef idx="0">
+            <a:schemeClr val="accent1"/>
+          </a:fillRef>
+          <a:effectRef idx="0">
+            <a:schemeClr val="accent1"/>
+          </a:effectRef>
+          <a:fontRef idx="minor">
+            <a:schemeClr val="tx1"/>
+          </a:fontRef>
+        </p:style>
+      </p:cxnSp>
+      <p:cxnSp>
+        <p:nvCxnSpPr>
+          <p:cNvPr id="10" name="Straight Connector 9">
+            <a:extLst>
+              <a:ext uri="{FF2B5EF4-FFF2-40B4-BE49-F238E27FC236}">
+                <a16:creationId xmlns:a16="http://schemas.microsoft.com/office/drawing/2014/main" id="{4010620A-452A-3BC7-1E09-F0A036D692E0}"/>
+              </a:ext>
+            </a:extLst>
+          </p:cNvPr>
+          <p:cNvCxnSpPr>
+            <a:cxnSpLocks/>
+          </p:cNvCxnSpPr>
+          <p:nvPr/>
+        </p:nvCxnSpPr>
+        <p:spPr>
+          <a:xfrm>
+            <a:off x="443752" y="3280786"/>
+            <a:ext cx="3931024" cy="0"/>
+          </a:xfrm>
+          <a:prstGeom prst="line">
+            <a:avLst/>
+          </a:prstGeom>
+          <a:ln w="57150">
+            <a:solidFill>
+              <a:srgbClr val="FF0000"/>
+            </a:solidFill>
+          </a:ln>
+        </p:spPr>
+        <p:style>
+          <a:lnRef idx="1">
+            <a:schemeClr val="accent1"/>
+          </a:lnRef>
+          <a:fillRef idx="0">
+            <a:schemeClr val="accent1"/>
+          </a:fillRef>
+          <a:effectRef idx="0">
+            <a:schemeClr val="accent1"/>
+          </a:effectRef>
+          <a:fontRef idx="minor">
+            <a:schemeClr val="tx1"/>
+          </a:fontRef>
+        </p:style>
+      </p:cxnSp>
+      <p:cxnSp>
+        <p:nvCxnSpPr>
+          <p:cNvPr id="12" name="Straight Connector 11">
+            <a:extLst>
+              <a:ext uri="{FF2B5EF4-FFF2-40B4-BE49-F238E27FC236}">
+                <a16:creationId xmlns:a16="http://schemas.microsoft.com/office/drawing/2014/main" id="{32B5AC51-DB62-BC13-D1CA-1A4DA55FD81A}"/>
+              </a:ext>
+            </a:extLst>
+          </p:cNvPr>
+          <p:cNvCxnSpPr>
+            <a:cxnSpLocks/>
+          </p:cNvCxnSpPr>
+          <p:nvPr/>
+        </p:nvCxnSpPr>
+        <p:spPr>
+          <a:xfrm>
+            <a:off x="6651812" y="4015892"/>
+            <a:ext cx="4948517" cy="0"/>
+          </a:xfrm>
+          <a:prstGeom prst="line">
+            <a:avLst/>
+          </a:prstGeom>
+          <a:ln w="57150">
+            <a:solidFill>
+              <a:srgbClr val="FF0000"/>
+            </a:solidFill>
+          </a:ln>
+        </p:spPr>
+        <p:style>
+          <a:lnRef idx="1">
+            <a:schemeClr val="accent1"/>
+          </a:lnRef>
+          <a:fillRef idx="0">
+            <a:schemeClr val="accent1"/>
+          </a:fillRef>
+          <a:effectRef idx="0">
+            <a:schemeClr val="accent1"/>
+          </a:effectRef>
+          <a:fontRef idx="minor">
+            <a:schemeClr val="tx1"/>
+          </a:fontRef>
+        </p:style>
+      </p:cxnSp>
+      <p:cxnSp>
+        <p:nvCxnSpPr>
+          <p:cNvPr id="14" name="Straight Connector 13">
+            <a:extLst>
+              <a:ext uri="{FF2B5EF4-FFF2-40B4-BE49-F238E27FC236}">
+                <a16:creationId xmlns:a16="http://schemas.microsoft.com/office/drawing/2014/main" id="{50ADA290-8F45-F19A-AD33-2B9D05C1F559}"/>
+              </a:ext>
+            </a:extLst>
+          </p:cNvPr>
+          <p:cNvCxnSpPr>
+            <a:cxnSpLocks/>
+          </p:cNvCxnSpPr>
+          <p:nvPr/>
+        </p:nvCxnSpPr>
+        <p:spPr>
+          <a:xfrm>
+            <a:off x="596152" y="4428268"/>
+            <a:ext cx="11004177" cy="0"/>
+          </a:xfrm>
+          <a:prstGeom prst="line">
+            <a:avLst/>
+          </a:prstGeom>
+          <a:ln w="57150">
+            <a:solidFill>
+              <a:srgbClr val="FF0000"/>
+            </a:solidFill>
+          </a:ln>
+        </p:spPr>
+        <p:style>
+          <a:lnRef idx="1">
+            <a:schemeClr val="accent1"/>
+          </a:lnRef>
+          <a:fillRef idx="0">
+            <a:schemeClr val="accent1"/>
+          </a:fillRef>
+          <a:effectRef idx="0">
+            <a:schemeClr val="accent1"/>
+          </a:effectRef>
+          <a:fontRef idx="minor">
+            <a:schemeClr val="tx1"/>
+          </a:fontRef>
+        </p:style>
+      </p:cxnSp>
     </p:spTree>
     <p:extLst>
       <p:ext uri="{BB962C8B-B14F-4D97-AF65-F5344CB8AC3E}">
@@ -7697,6 +10707,135 @@
           </a:prstGeom>
         </p:spPr>
       </p:pic>
+      <p:cxnSp>
+        <p:nvCxnSpPr>
+          <p:cNvPr id="2" name="Straight Connector 1">
+            <a:extLst>
+              <a:ext uri="{FF2B5EF4-FFF2-40B4-BE49-F238E27FC236}">
+                <a16:creationId xmlns:a16="http://schemas.microsoft.com/office/drawing/2014/main" id="{3D8E04BE-22AE-CE6B-63E0-78615517D225}"/>
+              </a:ext>
+            </a:extLst>
+          </p:cNvPr>
+          <p:cNvCxnSpPr>
+            <a:cxnSpLocks/>
+          </p:cNvCxnSpPr>
+          <p:nvPr/>
+        </p:nvCxnSpPr>
+        <p:spPr>
+          <a:xfrm>
+            <a:off x="398928" y="2267775"/>
+            <a:ext cx="6324601" cy="0"/>
+          </a:xfrm>
+          <a:prstGeom prst="line">
+            <a:avLst/>
+          </a:prstGeom>
+          <a:ln w="57150">
+            <a:solidFill>
+              <a:srgbClr val="FF0000"/>
+            </a:solidFill>
+          </a:ln>
+        </p:spPr>
+        <p:style>
+          <a:lnRef idx="1">
+            <a:schemeClr val="accent1"/>
+          </a:lnRef>
+          <a:fillRef idx="0">
+            <a:schemeClr val="accent1"/>
+          </a:fillRef>
+          <a:effectRef idx="0">
+            <a:schemeClr val="accent1"/>
+          </a:effectRef>
+          <a:fontRef idx="minor">
+            <a:schemeClr val="tx1"/>
+          </a:fontRef>
+        </p:style>
+      </p:cxnSp>
+      <p:cxnSp>
+        <p:nvCxnSpPr>
+          <p:cNvPr id="6" name="Straight Connector 5">
+            <a:extLst>
+              <a:ext uri="{FF2B5EF4-FFF2-40B4-BE49-F238E27FC236}">
+                <a16:creationId xmlns:a16="http://schemas.microsoft.com/office/drawing/2014/main" id="{2F4891AD-19E2-AAB5-D451-2AF58BBB0229}"/>
+              </a:ext>
+            </a:extLst>
+          </p:cNvPr>
+          <p:cNvCxnSpPr>
+            <a:cxnSpLocks/>
+          </p:cNvCxnSpPr>
+          <p:nvPr/>
+        </p:nvCxnSpPr>
+        <p:spPr>
+          <a:xfrm>
+            <a:off x="2008094" y="3289751"/>
+            <a:ext cx="4087906" cy="0"/>
+          </a:xfrm>
+          <a:prstGeom prst="line">
+            <a:avLst/>
+          </a:prstGeom>
+          <a:ln w="57150">
+            <a:solidFill>
+              <a:srgbClr val="FF0000"/>
+            </a:solidFill>
+          </a:ln>
+        </p:spPr>
+        <p:style>
+          <a:lnRef idx="1">
+            <a:schemeClr val="accent1"/>
+          </a:lnRef>
+          <a:fillRef idx="0">
+            <a:schemeClr val="accent1"/>
+          </a:fillRef>
+          <a:effectRef idx="0">
+            <a:schemeClr val="accent1"/>
+          </a:effectRef>
+          <a:fontRef idx="minor">
+            <a:schemeClr val="tx1"/>
+          </a:fontRef>
+        </p:style>
+      </p:cxnSp>
+      <p:cxnSp>
+        <p:nvCxnSpPr>
+          <p:cNvPr id="8" name="Straight Connector 7">
+            <a:extLst>
+              <a:ext uri="{FF2B5EF4-FFF2-40B4-BE49-F238E27FC236}">
+                <a16:creationId xmlns:a16="http://schemas.microsoft.com/office/drawing/2014/main" id="{BD7403D0-7CCC-026B-EFDA-F80BFE97C810}"/>
+              </a:ext>
+            </a:extLst>
+          </p:cNvPr>
+          <p:cNvCxnSpPr>
+            <a:cxnSpLocks/>
+          </p:cNvCxnSpPr>
+          <p:nvPr/>
+        </p:nvCxnSpPr>
+        <p:spPr>
+          <a:xfrm>
+            <a:off x="528918" y="4837857"/>
+            <a:ext cx="7360023" cy="0"/>
+          </a:xfrm>
+          <a:prstGeom prst="line">
+            <a:avLst/>
+          </a:prstGeom>
+          <a:ln w="57150">
+            <a:solidFill>
+              <a:srgbClr val="FF0000"/>
+            </a:solidFill>
+          </a:ln>
+        </p:spPr>
+        <p:style>
+          <a:lnRef idx="1">
+            <a:schemeClr val="accent1"/>
+          </a:lnRef>
+          <a:fillRef idx="0">
+            <a:schemeClr val="accent1"/>
+          </a:fillRef>
+          <a:effectRef idx="0">
+            <a:schemeClr val="accent1"/>
+          </a:effectRef>
+          <a:fontRef idx="minor">
+            <a:schemeClr val="tx1"/>
+          </a:fontRef>
+        </p:style>
+      </p:cxnSp>
     </p:spTree>
     <p:extLst>
       <p:ext uri="{BB962C8B-B14F-4D97-AF65-F5344CB8AC3E}">
@@ -7793,6 +10932,92 @@
           </a:prstGeom>
         </p:spPr>
       </p:pic>
+      <p:cxnSp>
+        <p:nvCxnSpPr>
+          <p:cNvPr id="2" name="Straight Connector 1">
+            <a:extLst>
+              <a:ext uri="{FF2B5EF4-FFF2-40B4-BE49-F238E27FC236}">
+                <a16:creationId xmlns:a16="http://schemas.microsoft.com/office/drawing/2014/main" id="{EFD820DC-DE22-9A33-8BCC-91F6BB860AB8}"/>
+              </a:ext>
+            </a:extLst>
+          </p:cNvPr>
+          <p:cNvCxnSpPr>
+            <a:cxnSpLocks/>
+          </p:cNvCxnSpPr>
+          <p:nvPr/>
+        </p:nvCxnSpPr>
+        <p:spPr>
+          <a:xfrm>
+            <a:off x="1541930" y="2142269"/>
+            <a:ext cx="10219764" cy="0"/>
+          </a:xfrm>
+          <a:prstGeom prst="line">
+            <a:avLst/>
+          </a:prstGeom>
+          <a:ln w="57150">
+            <a:solidFill>
+              <a:srgbClr val="FF0000"/>
+            </a:solidFill>
+          </a:ln>
+        </p:spPr>
+        <p:style>
+          <a:lnRef idx="1">
+            <a:schemeClr val="accent1"/>
+          </a:lnRef>
+          <a:fillRef idx="0">
+            <a:schemeClr val="accent1"/>
+          </a:fillRef>
+          <a:effectRef idx="0">
+            <a:schemeClr val="accent1"/>
+          </a:effectRef>
+          <a:fontRef idx="minor">
+            <a:schemeClr val="tx1"/>
+          </a:fontRef>
+        </p:style>
+      </p:cxnSp>
+      <p:cxnSp>
+        <p:nvCxnSpPr>
+          <p:cNvPr id="6" name="Straight Connector 5">
+            <a:extLst>
+              <a:ext uri="{FF2B5EF4-FFF2-40B4-BE49-F238E27FC236}">
+                <a16:creationId xmlns:a16="http://schemas.microsoft.com/office/drawing/2014/main" id="{8A68346D-54E3-57C5-219B-96564CDFDC26}"/>
+              </a:ext>
+            </a:extLst>
+          </p:cNvPr>
+          <p:cNvCxnSpPr>
+            <a:cxnSpLocks/>
+          </p:cNvCxnSpPr>
+          <p:nvPr/>
+        </p:nvCxnSpPr>
+        <p:spPr>
+          <a:xfrm>
+            <a:off x="510989" y="2456034"/>
+            <a:ext cx="5585011" cy="0"/>
+          </a:xfrm>
+          <a:prstGeom prst="line">
+            <a:avLst/>
+          </a:prstGeom>
+          <a:ln w="57150">
+            <a:solidFill>
+              <a:srgbClr val="FF0000"/>
+            </a:solidFill>
+          </a:ln>
+        </p:spPr>
+        <p:style>
+          <a:lnRef idx="1">
+            <a:schemeClr val="accent1"/>
+          </a:lnRef>
+          <a:fillRef idx="0">
+            <a:schemeClr val="accent1"/>
+          </a:fillRef>
+          <a:effectRef idx="0">
+            <a:schemeClr val="accent1"/>
+          </a:effectRef>
+          <a:fontRef idx="minor">
+            <a:schemeClr val="tx1"/>
+          </a:fontRef>
+        </p:style>
+      </p:cxnSp>
     </p:spTree>
     <p:extLst>
       <p:ext uri="{BB962C8B-B14F-4D97-AF65-F5344CB8AC3E}">
@@ -8542,6 +11767,565 @@
           </a:prstGeom>
         </p:spPr>
       </p:pic>
+      <p:cxnSp>
+        <p:nvCxnSpPr>
+          <p:cNvPr id="2" name="Straight Connector 1">
+            <a:extLst>
+              <a:ext uri="{FF2B5EF4-FFF2-40B4-BE49-F238E27FC236}">
+                <a16:creationId xmlns:a16="http://schemas.microsoft.com/office/drawing/2014/main" id="{C63EF8AF-8DE7-1BCA-C10E-9B56C6C55BB1}"/>
+              </a:ext>
+            </a:extLst>
+          </p:cNvPr>
+          <p:cNvCxnSpPr>
+            <a:cxnSpLocks/>
+          </p:cNvCxnSpPr>
+          <p:nvPr/>
+        </p:nvCxnSpPr>
+        <p:spPr>
+          <a:xfrm>
+            <a:off x="2617694" y="421046"/>
+            <a:ext cx="5074024" cy="0"/>
+          </a:xfrm>
+          <a:prstGeom prst="line">
+            <a:avLst/>
+          </a:prstGeom>
+          <a:ln w="57150">
+            <a:solidFill>
+              <a:srgbClr val="FF0000"/>
+            </a:solidFill>
+          </a:ln>
+        </p:spPr>
+        <p:style>
+          <a:lnRef idx="1">
+            <a:schemeClr val="accent1"/>
+          </a:lnRef>
+          <a:fillRef idx="0">
+            <a:schemeClr val="accent1"/>
+          </a:fillRef>
+          <a:effectRef idx="0">
+            <a:schemeClr val="accent1"/>
+          </a:effectRef>
+          <a:fontRef idx="minor">
+            <a:schemeClr val="tx1"/>
+          </a:fontRef>
+        </p:style>
+      </p:cxnSp>
+      <p:cxnSp>
+        <p:nvCxnSpPr>
+          <p:cNvPr id="7" name="Straight Connector 6">
+            <a:extLst>
+              <a:ext uri="{FF2B5EF4-FFF2-40B4-BE49-F238E27FC236}">
+                <a16:creationId xmlns:a16="http://schemas.microsoft.com/office/drawing/2014/main" id="{0AE57BB2-70B3-BD21-A5BC-F67A0AD20035}"/>
+              </a:ext>
+            </a:extLst>
+          </p:cNvPr>
+          <p:cNvCxnSpPr>
+            <a:cxnSpLocks/>
+          </p:cNvCxnSpPr>
+          <p:nvPr/>
+        </p:nvCxnSpPr>
+        <p:spPr>
+          <a:xfrm>
+            <a:off x="1021976" y="1200976"/>
+            <a:ext cx="6669742" cy="0"/>
+          </a:xfrm>
+          <a:prstGeom prst="line">
+            <a:avLst/>
+          </a:prstGeom>
+          <a:ln w="57150">
+            <a:solidFill>
+              <a:srgbClr val="FF0000"/>
+            </a:solidFill>
+          </a:ln>
+        </p:spPr>
+        <p:style>
+          <a:lnRef idx="1">
+            <a:schemeClr val="accent1"/>
+          </a:lnRef>
+          <a:fillRef idx="0">
+            <a:schemeClr val="accent1"/>
+          </a:fillRef>
+          <a:effectRef idx="0">
+            <a:schemeClr val="accent1"/>
+          </a:effectRef>
+          <a:fontRef idx="minor">
+            <a:schemeClr val="tx1"/>
+          </a:fontRef>
+        </p:style>
+      </p:cxnSp>
+      <p:cxnSp>
+        <p:nvCxnSpPr>
+          <p:cNvPr id="9" name="Straight Connector 8">
+            <a:extLst>
+              <a:ext uri="{FF2B5EF4-FFF2-40B4-BE49-F238E27FC236}">
+                <a16:creationId xmlns:a16="http://schemas.microsoft.com/office/drawing/2014/main" id="{CF58EB09-2D31-2817-1B9A-ACFFDCBBA144}"/>
+              </a:ext>
+            </a:extLst>
+          </p:cNvPr>
+          <p:cNvCxnSpPr>
+            <a:cxnSpLocks/>
+          </p:cNvCxnSpPr>
+          <p:nvPr/>
+        </p:nvCxnSpPr>
+        <p:spPr>
+          <a:xfrm>
+            <a:off x="636494" y="1989870"/>
+            <a:ext cx="6212541" cy="0"/>
+          </a:xfrm>
+          <a:prstGeom prst="line">
+            <a:avLst/>
+          </a:prstGeom>
+          <a:ln w="57150">
+            <a:solidFill>
+              <a:srgbClr val="FF0000"/>
+            </a:solidFill>
+          </a:ln>
+        </p:spPr>
+        <p:style>
+          <a:lnRef idx="1">
+            <a:schemeClr val="accent1"/>
+          </a:lnRef>
+          <a:fillRef idx="0">
+            <a:schemeClr val="accent1"/>
+          </a:fillRef>
+          <a:effectRef idx="0">
+            <a:schemeClr val="accent1"/>
+          </a:effectRef>
+          <a:fontRef idx="minor">
+            <a:schemeClr val="tx1"/>
+          </a:fontRef>
+        </p:style>
+      </p:cxnSp>
+      <p:cxnSp>
+        <p:nvCxnSpPr>
+          <p:cNvPr id="11" name="Straight Connector 10">
+            <a:extLst>
+              <a:ext uri="{FF2B5EF4-FFF2-40B4-BE49-F238E27FC236}">
+                <a16:creationId xmlns:a16="http://schemas.microsoft.com/office/drawing/2014/main" id="{633A0C7E-EBC5-3E7A-FF41-6862CC921ED2}"/>
+              </a:ext>
+            </a:extLst>
+          </p:cNvPr>
+          <p:cNvCxnSpPr>
+            <a:cxnSpLocks/>
+          </p:cNvCxnSpPr>
+          <p:nvPr/>
+        </p:nvCxnSpPr>
+        <p:spPr>
+          <a:xfrm>
+            <a:off x="2617694" y="2850481"/>
+            <a:ext cx="6185647" cy="0"/>
+          </a:xfrm>
+          <a:prstGeom prst="line">
+            <a:avLst/>
+          </a:prstGeom>
+          <a:ln w="57150">
+            <a:solidFill>
+              <a:srgbClr val="FF0000"/>
+            </a:solidFill>
+          </a:ln>
+        </p:spPr>
+        <p:style>
+          <a:lnRef idx="1">
+            <a:schemeClr val="accent1"/>
+          </a:lnRef>
+          <a:fillRef idx="0">
+            <a:schemeClr val="accent1"/>
+          </a:fillRef>
+          <a:effectRef idx="0">
+            <a:schemeClr val="accent1"/>
+          </a:effectRef>
+          <a:fontRef idx="minor">
+            <a:schemeClr val="tx1"/>
+          </a:fontRef>
+        </p:style>
+      </p:cxnSp>
+      <p:cxnSp>
+        <p:nvCxnSpPr>
+          <p:cNvPr id="13" name="Straight Connector 12">
+            <a:extLst>
+              <a:ext uri="{FF2B5EF4-FFF2-40B4-BE49-F238E27FC236}">
+                <a16:creationId xmlns:a16="http://schemas.microsoft.com/office/drawing/2014/main" id="{49D1151E-B596-4439-DDDD-D7A42A94296B}"/>
+              </a:ext>
+            </a:extLst>
+          </p:cNvPr>
+          <p:cNvCxnSpPr>
+            <a:cxnSpLocks/>
+          </p:cNvCxnSpPr>
+          <p:nvPr/>
+        </p:nvCxnSpPr>
+        <p:spPr>
+          <a:xfrm>
+            <a:off x="340658" y="3164245"/>
+            <a:ext cx="8462683" cy="0"/>
+          </a:xfrm>
+          <a:prstGeom prst="line">
+            <a:avLst/>
+          </a:prstGeom>
+          <a:ln w="57150">
+            <a:solidFill>
+              <a:srgbClr val="FF0000"/>
+            </a:solidFill>
+          </a:ln>
+        </p:spPr>
+        <p:style>
+          <a:lnRef idx="1">
+            <a:schemeClr val="accent1"/>
+          </a:lnRef>
+          <a:fillRef idx="0">
+            <a:schemeClr val="accent1"/>
+          </a:fillRef>
+          <a:effectRef idx="0">
+            <a:schemeClr val="accent1"/>
+          </a:effectRef>
+          <a:fontRef idx="minor">
+            <a:schemeClr val="tx1"/>
+          </a:fontRef>
+        </p:style>
+      </p:cxnSp>
+      <p:cxnSp>
+        <p:nvCxnSpPr>
+          <p:cNvPr id="15" name="Straight Connector 14">
+            <a:extLst>
+              <a:ext uri="{FF2B5EF4-FFF2-40B4-BE49-F238E27FC236}">
+                <a16:creationId xmlns:a16="http://schemas.microsoft.com/office/drawing/2014/main" id="{D09D95E0-B48D-C5BF-5AA7-EE6F556271C3}"/>
+              </a:ext>
+            </a:extLst>
+          </p:cNvPr>
+          <p:cNvCxnSpPr>
+            <a:cxnSpLocks/>
+          </p:cNvCxnSpPr>
+          <p:nvPr/>
+        </p:nvCxnSpPr>
+        <p:spPr>
+          <a:xfrm>
+            <a:off x="493059" y="5060577"/>
+            <a:ext cx="7682753" cy="0"/>
+          </a:xfrm>
+          <a:prstGeom prst="line">
+            <a:avLst/>
+          </a:prstGeom>
+          <a:ln w="57150">
+            <a:solidFill>
+              <a:srgbClr val="FF0000"/>
+            </a:solidFill>
+          </a:ln>
+        </p:spPr>
+        <p:style>
+          <a:lnRef idx="1">
+            <a:schemeClr val="accent1"/>
+          </a:lnRef>
+          <a:fillRef idx="0">
+            <a:schemeClr val="accent1"/>
+          </a:fillRef>
+          <a:effectRef idx="0">
+            <a:schemeClr val="accent1"/>
+          </a:effectRef>
+          <a:fontRef idx="minor">
+            <a:schemeClr val="tx1"/>
+          </a:fontRef>
+        </p:style>
+      </p:cxnSp>
+      <p:cxnSp>
+        <p:nvCxnSpPr>
+          <p:cNvPr id="17" name="Straight Connector 16">
+            <a:extLst>
+              <a:ext uri="{FF2B5EF4-FFF2-40B4-BE49-F238E27FC236}">
+                <a16:creationId xmlns:a16="http://schemas.microsoft.com/office/drawing/2014/main" id="{163E1F62-75CD-8FE3-7D90-84B306558DEA}"/>
+              </a:ext>
+            </a:extLst>
+          </p:cNvPr>
+          <p:cNvCxnSpPr>
+            <a:cxnSpLocks/>
+          </p:cNvCxnSpPr>
+          <p:nvPr/>
+        </p:nvCxnSpPr>
+        <p:spPr>
+          <a:xfrm>
+            <a:off x="340658" y="3666268"/>
+            <a:ext cx="8166847" cy="0"/>
+          </a:xfrm>
+          <a:prstGeom prst="line">
+            <a:avLst/>
+          </a:prstGeom>
+          <a:ln w="57150">
+            <a:solidFill>
+              <a:srgbClr val="FF0000"/>
+            </a:solidFill>
+          </a:ln>
+        </p:spPr>
+        <p:style>
+          <a:lnRef idx="1">
+            <a:schemeClr val="accent1"/>
+          </a:lnRef>
+          <a:fillRef idx="0">
+            <a:schemeClr val="accent1"/>
+          </a:fillRef>
+          <a:effectRef idx="0">
+            <a:schemeClr val="accent1"/>
+          </a:effectRef>
+          <a:fontRef idx="minor">
+            <a:schemeClr val="tx1"/>
+          </a:fontRef>
+        </p:style>
+      </p:cxnSp>
+      <p:cxnSp>
+        <p:nvCxnSpPr>
+          <p:cNvPr id="18" name="Straight Connector 17">
+            <a:extLst>
+              <a:ext uri="{FF2B5EF4-FFF2-40B4-BE49-F238E27FC236}">
+                <a16:creationId xmlns:a16="http://schemas.microsoft.com/office/drawing/2014/main" id="{3D04671B-7BC6-ECEC-F44A-877DC553491E}"/>
+              </a:ext>
+            </a:extLst>
+          </p:cNvPr>
+          <p:cNvCxnSpPr>
+            <a:cxnSpLocks/>
+          </p:cNvCxnSpPr>
+          <p:nvPr/>
+        </p:nvCxnSpPr>
+        <p:spPr>
+          <a:xfrm>
+            <a:off x="340658" y="3935209"/>
+            <a:ext cx="2026024" cy="0"/>
+          </a:xfrm>
+          <a:prstGeom prst="line">
+            <a:avLst/>
+          </a:prstGeom>
+          <a:ln w="57150">
+            <a:solidFill>
+              <a:srgbClr val="FF0000"/>
+            </a:solidFill>
+          </a:ln>
+        </p:spPr>
+        <p:style>
+          <a:lnRef idx="1">
+            <a:schemeClr val="accent1"/>
+          </a:lnRef>
+          <a:fillRef idx="0">
+            <a:schemeClr val="accent1"/>
+          </a:fillRef>
+          <a:effectRef idx="0">
+            <a:schemeClr val="accent1"/>
+          </a:effectRef>
+          <a:fontRef idx="minor">
+            <a:schemeClr val="tx1"/>
+          </a:fontRef>
+        </p:style>
+      </p:cxnSp>
+      <p:cxnSp>
+        <p:nvCxnSpPr>
+          <p:cNvPr id="20" name="Straight Connector 19">
+            <a:extLst>
+              <a:ext uri="{FF2B5EF4-FFF2-40B4-BE49-F238E27FC236}">
+                <a16:creationId xmlns:a16="http://schemas.microsoft.com/office/drawing/2014/main" id="{89E1AFE9-5CBA-D021-3827-2A4663CA33C9}"/>
+              </a:ext>
+            </a:extLst>
+          </p:cNvPr>
+          <p:cNvCxnSpPr>
+            <a:cxnSpLocks/>
+          </p:cNvCxnSpPr>
+          <p:nvPr/>
+        </p:nvCxnSpPr>
+        <p:spPr>
+          <a:xfrm>
+            <a:off x="7691718" y="3935209"/>
+            <a:ext cx="1111623" cy="0"/>
+          </a:xfrm>
+          <a:prstGeom prst="line">
+            <a:avLst/>
+          </a:prstGeom>
+          <a:ln w="57150">
+            <a:solidFill>
+              <a:srgbClr val="FF0000"/>
+            </a:solidFill>
+          </a:ln>
+        </p:spPr>
+        <p:style>
+          <a:lnRef idx="1">
+            <a:schemeClr val="accent1"/>
+          </a:lnRef>
+          <a:fillRef idx="0">
+            <a:schemeClr val="accent1"/>
+          </a:fillRef>
+          <a:effectRef idx="0">
+            <a:schemeClr val="accent1"/>
+          </a:effectRef>
+          <a:fontRef idx="minor">
+            <a:schemeClr val="tx1"/>
+          </a:fontRef>
+        </p:style>
+      </p:cxnSp>
+      <p:cxnSp>
+        <p:nvCxnSpPr>
+          <p:cNvPr id="22" name="Straight Connector 21">
+            <a:extLst>
+              <a:ext uri="{FF2B5EF4-FFF2-40B4-BE49-F238E27FC236}">
+                <a16:creationId xmlns:a16="http://schemas.microsoft.com/office/drawing/2014/main" id="{48752B14-4A96-EA70-3BB0-D6FC8F41F178}"/>
+              </a:ext>
+            </a:extLst>
+          </p:cNvPr>
+          <p:cNvCxnSpPr>
+            <a:cxnSpLocks/>
+          </p:cNvCxnSpPr>
+          <p:nvPr/>
+        </p:nvCxnSpPr>
+        <p:spPr>
+          <a:xfrm>
+            <a:off x="1219200" y="4204151"/>
+            <a:ext cx="7584141" cy="0"/>
+          </a:xfrm>
+          <a:prstGeom prst="line">
+            <a:avLst/>
+          </a:prstGeom>
+          <a:ln w="57150">
+            <a:solidFill>
+              <a:srgbClr val="FF0000"/>
+            </a:solidFill>
+          </a:ln>
+        </p:spPr>
+        <p:style>
+          <a:lnRef idx="1">
+            <a:schemeClr val="accent1"/>
+          </a:lnRef>
+          <a:fillRef idx="0">
+            <a:schemeClr val="accent1"/>
+          </a:fillRef>
+          <a:effectRef idx="0">
+            <a:schemeClr val="accent1"/>
+          </a:effectRef>
+          <a:fontRef idx="minor">
+            <a:schemeClr val="tx1"/>
+          </a:fontRef>
+        </p:style>
+      </p:cxnSp>
+      <p:cxnSp>
+        <p:nvCxnSpPr>
+          <p:cNvPr id="24" name="Straight Connector 23">
+            <a:extLst>
+              <a:ext uri="{FF2B5EF4-FFF2-40B4-BE49-F238E27FC236}">
+                <a16:creationId xmlns:a16="http://schemas.microsoft.com/office/drawing/2014/main" id="{85C26EF1-E6CF-40DE-E511-76BD6C2DFB95}"/>
+              </a:ext>
+            </a:extLst>
+          </p:cNvPr>
+          <p:cNvCxnSpPr>
+            <a:cxnSpLocks/>
+          </p:cNvCxnSpPr>
+          <p:nvPr/>
+        </p:nvCxnSpPr>
+        <p:spPr>
+          <a:xfrm>
+            <a:off x="340658" y="4508951"/>
+            <a:ext cx="8462683" cy="0"/>
+          </a:xfrm>
+          <a:prstGeom prst="line">
+            <a:avLst/>
+          </a:prstGeom>
+          <a:ln w="57150">
+            <a:solidFill>
+              <a:srgbClr val="FF0000"/>
+            </a:solidFill>
+          </a:ln>
+        </p:spPr>
+        <p:style>
+          <a:lnRef idx="1">
+            <a:schemeClr val="accent1"/>
+          </a:lnRef>
+          <a:fillRef idx="0">
+            <a:schemeClr val="accent1"/>
+          </a:fillRef>
+          <a:effectRef idx="0">
+            <a:schemeClr val="accent1"/>
+          </a:effectRef>
+          <a:fontRef idx="minor">
+            <a:schemeClr val="tx1"/>
+          </a:fontRef>
+        </p:style>
+      </p:cxnSp>
+      <p:cxnSp>
+        <p:nvCxnSpPr>
+          <p:cNvPr id="26" name="Straight Connector 25">
+            <a:extLst>
+              <a:ext uri="{FF2B5EF4-FFF2-40B4-BE49-F238E27FC236}">
+                <a16:creationId xmlns:a16="http://schemas.microsoft.com/office/drawing/2014/main" id="{EDE7FFF7-47EE-9278-4772-959DCA21498A}"/>
+              </a:ext>
+            </a:extLst>
+          </p:cNvPr>
+          <p:cNvCxnSpPr>
+            <a:cxnSpLocks/>
+          </p:cNvCxnSpPr>
+          <p:nvPr/>
+        </p:nvCxnSpPr>
+        <p:spPr>
+          <a:xfrm>
+            <a:off x="340658" y="4759963"/>
+            <a:ext cx="8319248" cy="0"/>
+          </a:xfrm>
+          <a:prstGeom prst="line">
+            <a:avLst/>
+          </a:prstGeom>
+          <a:ln w="57150">
+            <a:solidFill>
+              <a:srgbClr val="FF0000"/>
+            </a:solidFill>
+          </a:ln>
+        </p:spPr>
+        <p:style>
+          <a:lnRef idx="1">
+            <a:schemeClr val="accent1"/>
+          </a:lnRef>
+          <a:fillRef idx="0">
+            <a:schemeClr val="accent1"/>
+          </a:fillRef>
+          <a:effectRef idx="0">
+            <a:schemeClr val="accent1"/>
+          </a:effectRef>
+          <a:fontRef idx="minor">
+            <a:schemeClr val="tx1"/>
+          </a:fontRef>
+        </p:style>
+      </p:cxnSp>
+      <p:cxnSp>
+        <p:nvCxnSpPr>
+          <p:cNvPr id="28" name="Straight Connector 27">
+            <a:extLst>
+              <a:ext uri="{FF2B5EF4-FFF2-40B4-BE49-F238E27FC236}">
+                <a16:creationId xmlns:a16="http://schemas.microsoft.com/office/drawing/2014/main" id="{F2EFA36E-2D4C-1B3C-0775-94B497DAC511}"/>
+              </a:ext>
+            </a:extLst>
+          </p:cNvPr>
+          <p:cNvCxnSpPr>
+            <a:cxnSpLocks/>
+          </p:cNvCxnSpPr>
+          <p:nvPr/>
+        </p:nvCxnSpPr>
+        <p:spPr>
+          <a:xfrm>
+            <a:off x="636494" y="3164245"/>
+            <a:ext cx="8166847" cy="0"/>
+          </a:xfrm>
+          <a:prstGeom prst="line">
+            <a:avLst/>
+          </a:prstGeom>
+          <a:ln w="57150">
+            <a:solidFill>
+              <a:srgbClr val="FF0000"/>
+            </a:solidFill>
+          </a:ln>
+        </p:spPr>
+        <p:style>
+          <a:lnRef idx="1">
+            <a:schemeClr val="accent1"/>
+          </a:lnRef>
+          <a:fillRef idx="0">
+            <a:schemeClr val="accent1"/>
+          </a:fillRef>
+          <a:effectRef idx="0">
+            <a:schemeClr val="accent1"/>
+          </a:effectRef>
+          <a:fontRef idx="minor">
+            <a:schemeClr val="tx1"/>
+          </a:fontRef>
+        </p:style>
+      </p:cxnSp>
     </p:spTree>
     <p:extLst>
       <p:ext uri="{BB962C8B-B14F-4D97-AF65-F5344CB8AC3E}">
@@ -8638,6 +12422,393 @@
           </a:prstGeom>
         </p:spPr>
       </p:pic>
+      <p:cxnSp>
+        <p:nvCxnSpPr>
+          <p:cNvPr id="2" name="Straight Connector 1">
+            <a:extLst>
+              <a:ext uri="{FF2B5EF4-FFF2-40B4-BE49-F238E27FC236}">
+                <a16:creationId xmlns:a16="http://schemas.microsoft.com/office/drawing/2014/main" id="{92A4F458-E63A-7B46-E07F-5F6043BBD808}"/>
+              </a:ext>
+            </a:extLst>
+          </p:cNvPr>
+          <p:cNvCxnSpPr>
+            <a:cxnSpLocks/>
+          </p:cNvCxnSpPr>
+          <p:nvPr/>
+        </p:nvCxnSpPr>
+        <p:spPr>
+          <a:xfrm>
+            <a:off x="2644589" y="1604386"/>
+            <a:ext cx="6355976" cy="0"/>
+          </a:xfrm>
+          <a:prstGeom prst="line">
+            <a:avLst/>
+          </a:prstGeom>
+          <a:ln w="57150">
+            <a:solidFill>
+              <a:srgbClr val="FF0000"/>
+            </a:solidFill>
+          </a:ln>
+        </p:spPr>
+        <p:style>
+          <a:lnRef idx="1">
+            <a:schemeClr val="accent1"/>
+          </a:lnRef>
+          <a:fillRef idx="0">
+            <a:schemeClr val="accent1"/>
+          </a:fillRef>
+          <a:effectRef idx="0">
+            <a:schemeClr val="accent1"/>
+          </a:effectRef>
+          <a:fontRef idx="minor">
+            <a:schemeClr val="tx1"/>
+          </a:fontRef>
+        </p:style>
+      </p:cxnSp>
+      <p:cxnSp>
+        <p:nvCxnSpPr>
+          <p:cNvPr id="6" name="Straight Connector 5">
+            <a:extLst>
+              <a:ext uri="{FF2B5EF4-FFF2-40B4-BE49-F238E27FC236}">
+                <a16:creationId xmlns:a16="http://schemas.microsoft.com/office/drawing/2014/main" id="{7C6D7FD9-3FA4-D2FB-12FA-745D57AADB90}"/>
+              </a:ext>
+            </a:extLst>
+          </p:cNvPr>
+          <p:cNvCxnSpPr>
+            <a:cxnSpLocks/>
+          </p:cNvCxnSpPr>
+          <p:nvPr/>
+        </p:nvCxnSpPr>
+        <p:spPr>
+          <a:xfrm>
+            <a:off x="1147483" y="1971939"/>
+            <a:ext cx="3460376" cy="0"/>
+          </a:xfrm>
+          <a:prstGeom prst="line">
+            <a:avLst/>
+          </a:prstGeom>
+          <a:ln w="57150">
+            <a:solidFill>
+              <a:srgbClr val="FF0000"/>
+            </a:solidFill>
+          </a:ln>
+        </p:spPr>
+        <p:style>
+          <a:lnRef idx="1">
+            <a:schemeClr val="accent1"/>
+          </a:lnRef>
+          <a:fillRef idx="0">
+            <a:schemeClr val="accent1"/>
+          </a:fillRef>
+          <a:effectRef idx="0">
+            <a:schemeClr val="accent1"/>
+          </a:effectRef>
+          <a:fontRef idx="minor">
+            <a:schemeClr val="tx1"/>
+          </a:fontRef>
+        </p:style>
+      </p:cxnSp>
+      <p:cxnSp>
+        <p:nvCxnSpPr>
+          <p:cNvPr id="8" name="Straight Connector 7">
+            <a:extLst>
+              <a:ext uri="{FF2B5EF4-FFF2-40B4-BE49-F238E27FC236}">
+                <a16:creationId xmlns:a16="http://schemas.microsoft.com/office/drawing/2014/main" id="{052DE2D0-5808-A9F7-F279-3A3567DE061C}"/>
+              </a:ext>
+            </a:extLst>
+          </p:cNvPr>
+          <p:cNvCxnSpPr>
+            <a:cxnSpLocks/>
+          </p:cNvCxnSpPr>
+          <p:nvPr/>
+        </p:nvCxnSpPr>
+        <p:spPr>
+          <a:xfrm>
+            <a:off x="2958354" y="2402245"/>
+            <a:ext cx="8624046" cy="0"/>
+          </a:xfrm>
+          <a:prstGeom prst="line">
+            <a:avLst/>
+          </a:prstGeom>
+          <a:ln w="57150">
+            <a:solidFill>
+              <a:srgbClr val="FF0000"/>
+            </a:solidFill>
+          </a:ln>
+        </p:spPr>
+        <p:style>
+          <a:lnRef idx="1">
+            <a:schemeClr val="accent1"/>
+          </a:lnRef>
+          <a:fillRef idx="0">
+            <a:schemeClr val="accent1"/>
+          </a:fillRef>
+          <a:effectRef idx="0">
+            <a:schemeClr val="accent1"/>
+          </a:effectRef>
+          <a:fontRef idx="minor">
+            <a:schemeClr val="tx1"/>
+          </a:fontRef>
+        </p:style>
+      </p:cxnSp>
+      <p:cxnSp>
+        <p:nvCxnSpPr>
+          <p:cNvPr id="11" name="Straight Connector 10">
+            <a:extLst>
+              <a:ext uri="{FF2B5EF4-FFF2-40B4-BE49-F238E27FC236}">
+                <a16:creationId xmlns:a16="http://schemas.microsoft.com/office/drawing/2014/main" id="{E4B21517-661A-A082-3295-71A7D47560EA}"/>
+              </a:ext>
+            </a:extLst>
+          </p:cNvPr>
+          <p:cNvCxnSpPr>
+            <a:cxnSpLocks/>
+          </p:cNvCxnSpPr>
+          <p:nvPr/>
+        </p:nvCxnSpPr>
+        <p:spPr>
+          <a:xfrm>
+            <a:off x="295836" y="2751868"/>
+            <a:ext cx="11286564" cy="0"/>
+          </a:xfrm>
+          <a:prstGeom prst="line">
+            <a:avLst/>
+          </a:prstGeom>
+          <a:ln w="57150">
+            <a:solidFill>
+              <a:srgbClr val="FF0000"/>
+            </a:solidFill>
+          </a:ln>
+        </p:spPr>
+        <p:style>
+          <a:lnRef idx="1">
+            <a:schemeClr val="accent1"/>
+          </a:lnRef>
+          <a:fillRef idx="0">
+            <a:schemeClr val="accent1"/>
+          </a:fillRef>
+          <a:effectRef idx="0">
+            <a:schemeClr val="accent1"/>
+          </a:effectRef>
+          <a:fontRef idx="minor">
+            <a:schemeClr val="tx1"/>
+          </a:fontRef>
+        </p:style>
+      </p:cxnSp>
+      <p:cxnSp>
+        <p:nvCxnSpPr>
+          <p:cNvPr id="13" name="Straight Connector 12">
+            <a:extLst>
+              <a:ext uri="{FF2B5EF4-FFF2-40B4-BE49-F238E27FC236}">
+                <a16:creationId xmlns:a16="http://schemas.microsoft.com/office/drawing/2014/main" id="{A6CC4A9D-E0AB-F1F1-3B43-E3DFF6F72C08}"/>
+              </a:ext>
+            </a:extLst>
+          </p:cNvPr>
+          <p:cNvCxnSpPr>
+            <a:cxnSpLocks/>
+          </p:cNvCxnSpPr>
+          <p:nvPr/>
+        </p:nvCxnSpPr>
+        <p:spPr>
+          <a:xfrm>
+            <a:off x="295836" y="3093087"/>
+            <a:ext cx="11286564" cy="0"/>
+          </a:xfrm>
+          <a:prstGeom prst="line">
+            <a:avLst/>
+          </a:prstGeom>
+          <a:ln w="57150">
+            <a:solidFill>
+              <a:srgbClr val="FF0000"/>
+            </a:solidFill>
+          </a:ln>
+        </p:spPr>
+        <p:style>
+          <a:lnRef idx="1">
+            <a:schemeClr val="accent1"/>
+          </a:lnRef>
+          <a:fillRef idx="0">
+            <a:schemeClr val="accent1"/>
+          </a:fillRef>
+          <a:effectRef idx="0">
+            <a:schemeClr val="accent1"/>
+          </a:effectRef>
+          <a:fontRef idx="minor">
+            <a:schemeClr val="tx1"/>
+          </a:fontRef>
+        </p:style>
+      </p:cxnSp>
+      <p:cxnSp>
+        <p:nvCxnSpPr>
+          <p:cNvPr id="15" name="Straight Connector 14">
+            <a:extLst>
+              <a:ext uri="{FF2B5EF4-FFF2-40B4-BE49-F238E27FC236}">
+                <a16:creationId xmlns:a16="http://schemas.microsoft.com/office/drawing/2014/main" id="{F75FDC69-8E45-E25C-D358-0BB0BC0775A2}"/>
+              </a:ext>
+            </a:extLst>
+          </p:cNvPr>
+          <p:cNvCxnSpPr>
+            <a:cxnSpLocks/>
+          </p:cNvCxnSpPr>
+          <p:nvPr/>
+        </p:nvCxnSpPr>
+        <p:spPr>
+          <a:xfrm>
+            <a:off x="295836" y="3429000"/>
+            <a:ext cx="11286564" cy="0"/>
+          </a:xfrm>
+          <a:prstGeom prst="line">
+            <a:avLst/>
+          </a:prstGeom>
+          <a:ln w="57150">
+            <a:solidFill>
+              <a:srgbClr val="FF0000"/>
+            </a:solidFill>
+          </a:ln>
+        </p:spPr>
+        <p:style>
+          <a:lnRef idx="1">
+            <a:schemeClr val="accent1"/>
+          </a:lnRef>
+          <a:fillRef idx="0">
+            <a:schemeClr val="accent1"/>
+          </a:fillRef>
+          <a:effectRef idx="0">
+            <a:schemeClr val="accent1"/>
+          </a:effectRef>
+          <a:fontRef idx="minor">
+            <a:schemeClr val="tx1"/>
+          </a:fontRef>
+        </p:style>
+      </p:cxnSp>
+      <p:cxnSp>
+        <p:nvCxnSpPr>
+          <p:cNvPr id="16" name="Straight Connector 15">
+            <a:extLst>
+              <a:ext uri="{FF2B5EF4-FFF2-40B4-BE49-F238E27FC236}">
+                <a16:creationId xmlns:a16="http://schemas.microsoft.com/office/drawing/2014/main" id="{AC247DD0-7814-92D1-11D4-3BAC3AD9277F}"/>
+              </a:ext>
+            </a:extLst>
+          </p:cNvPr>
+          <p:cNvCxnSpPr>
+            <a:cxnSpLocks/>
+          </p:cNvCxnSpPr>
+          <p:nvPr/>
+        </p:nvCxnSpPr>
+        <p:spPr>
+          <a:xfrm>
+            <a:off x="300754" y="3818668"/>
+            <a:ext cx="6189693" cy="0"/>
+          </a:xfrm>
+          <a:prstGeom prst="line">
+            <a:avLst/>
+          </a:prstGeom>
+          <a:ln w="57150">
+            <a:solidFill>
+              <a:srgbClr val="FF0000"/>
+            </a:solidFill>
+          </a:ln>
+        </p:spPr>
+        <p:style>
+          <a:lnRef idx="1">
+            <a:schemeClr val="accent1"/>
+          </a:lnRef>
+          <a:fillRef idx="0">
+            <a:schemeClr val="accent1"/>
+          </a:fillRef>
+          <a:effectRef idx="0">
+            <a:schemeClr val="accent1"/>
+          </a:effectRef>
+          <a:fontRef idx="minor">
+            <a:schemeClr val="tx1"/>
+          </a:fontRef>
+        </p:style>
+      </p:cxnSp>
+      <p:cxnSp>
+        <p:nvCxnSpPr>
+          <p:cNvPr id="18" name="Straight Connector 17">
+            <a:extLst>
+              <a:ext uri="{FF2B5EF4-FFF2-40B4-BE49-F238E27FC236}">
+                <a16:creationId xmlns:a16="http://schemas.microsoft.com/office/drawing/2014/main" id="{A60573F0-9E84-F708-5452-7FA9AE02F695}"/>
+              </a:ext>
+            </a:extLst>
+          </p:cNvPr>
+          <p:cNvCxnSpPr>
+            <a:cxnSpLocks/>
+          </p:cNvCxnSpPr>
+          <p:nvPr/>
+        </p:nvCxnSpPr>
+        <p:spPr>
+          <a:xfrm>
+            <a:off x="3783106" y="5611609"/>
+            <a:ext cx="7799294" cy="0"/>
+          </a:xfrm>
+          <a:prstGeom prst="line">
+            <a:avLst/>
+          </a:prstGeom>
+          <a:ln w="57150">
+            <a:solidFill>
+              <a:srgbClr val="FF0000"/>
+            </a:solidFill>
+          </a:ln>
+        </p:spPr>
+        <p:style>
+          <a:lnRef idx="1">
+            <a:schemeClr val="accent1"/>
+          </a:lnRef>
+          <a:fillRef idx="0">
+            <a:schemeClr val="accent1"/>
+          </a:fillRef>
+          <a:effectRef idx="0">
+            <a:schemeClr val="accent1"/>
+          </a:effectRef>
+          <a:fontRef idx="minor">
+            <a:schemeClr val="tx1"/>
+          </a:fontRef>
+        </p:style>
+      </p:cxnSp>
+      <p:cxnSp>
+        <p:nvCxnSpPr>
+          <p:cNvPr id="20" name="Straight Connector 19">
+            <a:extLst>
+              <a:ext uri="{FF2B5EF4-FFF2-40B4-BE49-F238E27FC236}">
+                <a16:creationId xmlns:a16="http://schemas.microsoft.com/office/drawing/2014/main" id="{BF6B7D4A-6531-5F8A-B747-8EDE4C681BA7}"/>
+              </a:ext>
+            </a:extLst>
+          </p:cNvPr>
+          <p:cNvCxnSpPr>
+            <a:cxnSpLocks/>
+          </p:cNvCxnSpPr>
+          <p:nvPr/>
+        </p:nvCxnSpPr>
+        <p:spPr>
+          <a:xfrm>
+            <a:off x="103095" y="6078894"/>
+            <a:ext cx="2541494" cy="0"/>
+          </a:xfrm>
+          <a:prstGeom prst="line">
+            <a:avLst/>
+          </a:prstGeom>
+          <a:ln w="57150">
+            <a:solidFill>
+              <a:srgbClr val="FF0000"/>
+            </a:solidFill>
+          </a:ln>
+        </p:spPr>
+        <p:style>
+          <a:lnRef idx="1">
+            <a:schemeClr val="accent1"/>
+          </a:lnRef>
+          <a:fillRef idx="0">
+            <a:schemeClr val="accent1"/>
+          </a:fillRef>
+          <a:effectRef idx="0">
+            <a:schemeClr val="accent1"/>
+          </a:effectRef>
+          <a:fontRef idx="minor">
+            <a:schemeClr val="tx1"/>
+          </a:fontRef>
+        </p:style>
+      </p:cxnSp>
     </p:spTree>
     <p:extLst>
       <p:ext uri="{BB962C8B-B14F-4D97-AF65-F5344CB8AC3E}">

--- a/DigSite/New Arcaism/uarm 2024 2/kant CRP prologo.pptx
+++ b/DigSite/New Arcaism/uarm 2024 2/kant CRP prologo.pptx
@@ -311,7 +311,7 @@
           <a:p>
             <a:fld id="{341C1540-EF5E-4452-9660-2C343EDE8172}" type="datetimeFigureOut">
               <a:rPr lang="es-PE" smtClean="0"/>
-              <a:t>1/10/2024</a:t>
+              <a:t>4/10/2024</a:t>
             </a:fld>
             <a:endParaRPr lang="es-PE"/>
           </a:p>
@@ -511,7 +511,7 @@
           <a:p>
             <a:fld id="{341C1540-EF5E-4452-9660-2C343EDE8172}" type="datetimeFigureOut">
               <a:rPr lang="es-PE" smtClean="0"/>
-              <a:t>1/10/2024</a:t>
+              <a:t>4/10/2024</a:t>
             </a:fld>
             <a:endParaRPr lang="es-PE"/>
           </a:p>
@@ -721,7 +721,7 @@
           <a:p>
             <a:fld id="{341C1540-EF5E-4452-9660-2C343EDE8172}" type="datetimeFigureOut">
               <a:rPr lang="es-PE" smtClean="0"/>
-              <a:t>1/10/2024</a:t>
+              <a:t>4/10/2024</a:t>
             </a:fld>
             <a:endParaRPr lang="es-PE"/>
           </a:p>
@@ -921,7 +921,7 @@
           <a:p>
             <a:fld id="{341C1540-EF5E-4452-9660-2C343EDE8172}" type="datetimeFigureOut">
               <a:rPr lang="es-PE" smtClean="0"/>
-              <a:t>1/10/2024</a:t>
+              <a:t>4/10/2024</a:t>
             </a:fld>
             <a:endParaRPr lang="es-PE"/>
           </a:p>
@@ -1197,7 +1197,7 @@
           <a:p>
             <a:fld id="{341C1540-EF5E-4452-9660-2C343EDE8172}" type="datetimeFigureOut">
               <a:rPr lang="es-PE" smtClean="0"/>
-              <a:t>1/10/2024</a:t>
+              <a:t>4/10/2024</a:t>
             </a:fld>
             <a:endParaRPr lang="es-PE"/>
           </a:p>
@@ -1465,7 +1465,7 @@
           <a:p>
             <a:fld id="{341C1540-EF5E-4452-9660-2C343EDE8172}" type="datetimeFigureOut">
               <a:rPr lang="es-PE" smtClean="0"/>
-              <a:t>1/10/2024</a:t>
+              <a:t>4/10/2024</a:t>
             </a:fld>
             <a:endParaRPr lang="es-PE"/>
           </a:p>
@@ -1880,7 +1880,7 @@
           <a:p>
             <a:fld id="{341C1540-EF5E-4452-9660-2C343EDE8172}" type="datetimeFigureOut">
               <a:rPr lang="es-PE" smtClean="0"/>
-              <a:t>1/10/2024</a:t>
+              <a:t>4/10/2024</a:t>
             </a:fld>
             <a:endParaRPr lang="es-PE"/>
           </a:p>
@@ -2022,7 +2022,7 @@
           <a:p>
             <a:fld id="{341C1540-EF5E-4452-9660-2C343EDE8172}" type="datetimeFigureOut">
               <a:rPr lang="es-PE" smtClean="0"/>
-              <a:t>1/10/2024</a:t>
+              <a:t>4/10/2024</a:t>
             </a:fld>
             <a:endParaRPr lang="es-PE"/>
           </a:p>
@@ -2135,7 +2135,7 @@
           <a:p>
             <a:fld id="{341C1540-EF5E-4452-9660-2C343EDE8172}" type="datetimeFigureOut">
               <a:rPr lang="es-PE" smtClean="0"/>
-              <a:t>1/10/2024</a:t>
+              <a:t>4/10/2024</a:t>
             </a:fld>
             <a:endParaRPr lang="es-PE"/>
           </a:p>
@@ -2448,7 +2448,7 @@
           <a:p>
             <a:fld id="{341C1540-EF5E-4452-9660-2C343EDE8172}" type="datetimeFigureOut">
               <a:rPr lang="es-PE" smtClean="0"/>
-              <a:t>1/10/2024</a:t>
+              <a:t>4/10/2024</a:t>
             </a:fld>
             <a:endParaRPr lang="es-PE"/>
           </a:p>
@@ -2737,7 +2737,7 @@
           <a:p>
             <a:fld id="{341C1540-EF5E-4452-9660-2C343EDE8172}" type="datetimeFigureOut">
               <a:rPr lang="es-PE" smtClean="0"/>
-              <a:t>1/10/2024</a:t>
+              <a:t>4/10/2024</a:t>
             </a:fld>
             <a:endParaRPr lang="es-PE"/>
           </a:p>
@@ -2980,7 +2980,7 @@
           <a:p>
             <a:fld id="{341C1540-EF5E-4452-9660-2C343EDE8172}" type="datetimeFigureOut">
               <a:rPr lang="es-PE" smtClean="0"/>
-              <a:t>1/10/2024</a:t>
+              <a:t>4/10/2024</a:t>
             </a:fld>
             <a:endParaRPr lang="es-PE"/>
           </a:p>
@@ -12905,6 +12905,135 @@
           </a:prstGeom>
         </p:spPr>
       </p:pic>
+      <p:cxnSp>
+        <p:nvCxnSpPr>
+          <p:cNvPr id="2" name="Straight Connector 1">
+            <a:extLst>
+              <a:ext uri="{FF2B5EF4-FFF2-40B4-BE49-F238E27FC236}">
+                <a16:creationId xmlns:a16="http://schemas.microsoft.com/office/drawing/2014/main" id="{F149EAE8-52F9-38A0-E4B0-7A828AEE29BF}"/>
+              </a:ext>
+            </a:extLst>
+          </p:cNvPr>
+          <p:cNvCxnSpPr>
+            <a:cxnSpLocks/>
+          </p:cNvCxnSpPr>
+          <p:nvPr/>
+        </p:nvCxnSpPr>
+        <p:spPr>
+          <a:xfrm>
+            <a:off x="7117976" y="627254"/>
+            <a:ext cx="4572000" cy="0"/>
+          </a:xfrm>
+          <a:prstGeom prst="line">
+            <a:avLst/>
+          </a:prstGeom>
+          <a:ln w="57150">
+            <a:solidFill>
+              <a:srgbClr val="FF0000"/>
+            </a:solidFill>
+          </a:ln>
+        </p:spPr>
+        <p:style>
+          <a:lnRef idx="1">
+            <a:schemeClr val="accent1"/>
+          </a:lnRef>
+          <a:fillRef idx="0">
+            <a:schemeClr val="accent1"/>
+          </a:fillRef>
+          <a:effectRef idx="0">
+            <a:schemeClr val="accent1"/>
+          </a:effectRef>
+          <a:fontRef idx="minor">
+            <a:schemeClr val="tx1"/>
+          </a:fontRef>
+        </p:style>
+      </p:cxnSp>
+      <p:cxnSp>
+        <p:nvCxnSpPr>
+          <p:cNvPr id="6" name="Straight Connector 5">
+            <a:extLst>
+              <a:ext uri="{FF2B5EF4-FFF2-40B4-BE49-F238E27FC236}">
+                <a16:creationId xmlns:a16="http://schemas.microsoft.com/office/drawing/2014/main" id="{23F06FD3-68AE-4133-F640-2FE91E4895B0}"/>
+              </a:ext>
+            </a:extLst>
+          </p:cNvPr>
+          <p:cNvCxnSpPr>
+            <a:cxnSpLocks/>
+          </p:cNvCxnSpPr>
+          <p:nvPr/>
+        </p:nvCxnSpPr>
+        <p:spPr>
+          <a:xfrm>
+            <a:off x="385482" y="1030665"/>
+            <a:ext cx="11304494" cy="0"/>
+          </a:xfrm>
+          <a:prstGeom prst="line">
+            <a:avLst/>
+          </a:prstGeom>
+          <a:ln w="57150">
+            <a:solidFill>
+              <a:srgbClr val="FF0000"/>
+            </a:solidFill>
+          </a:ln>
+        </p:spPr>
+        <p:style>
+          <a:lnRef idx="1">
+            <a:schemeClr val="accent1"/>
+          </a:lnRef>
+          <a:fillRef idx="0">
+            <a:schemeClr val="accent1"/>
+          </a:fillRef>
+          <a:effectRef idx="0">
+            <a:schemeClr val="accent1"/>
+          </a:effectRef>
+          <a:fontRef idx="minor">
+            <a:schemeClr val="tx1"/>
+          </a:fontRef>
+        </p:style>
+      </p:cxnSp>
+      <p:cxnSp>
+        <p:nvCxnSpPr>
+          <p:cNvPr id="8" name="Straight Connector 7">
+            <a:extLst>
+              <a:ext uri="{FF2B5EF4-FFF2-40B4-BE49-F238E27FC236}">
+                <a16:creationId xmlns:a16="http://schemas.microsoft.com/office/drawing/2014/main" id="{0554E81A-B2C9-6089-8DDC-3F5880F51D17}"/>
+              </a:ext>
+            </a:extLst>
+          </p:cNvPr>
+          <p:cNvCxnSpPr>
+            <a:cxnSpLocks/>
+          </p:cNvCxnSpPr>
+          <p:nvPr/>
+        </p:nvCxnSpPr>
+        <p:spPr>
+          <a:xfrm>
+            <a:off x="385482" y="1362359"/>
+            <a:ext cx="10910047" cy="0"/>
+          </a:xfrm>
+          <a:prstGeom prst="line">
+            <a:avLst/>
+          </a:prstGeom>
+          <a:ln w="57150">
+            <a:solidFill>
+              <a:srgbClr val="FF0000"/>
+            </a:solidFill>
+          </a:ln>
+        </p:spPr>
+        <p:style>
+          <a:lnRef idx="1">
+            <a:schemeClr val="accent1"/>
+          </a:lnRef>
+          <a:fillRef idx="0">
+            <a:schemeClr val="accent1"/>
+          </a:fillRef>
+          <a:effectRef idx="0">
+            <a:schemeClr val="accent1"/>
+          </a:effectRef>
+          <a:fontRef idx="minor">
+            <a:schemeClr val="tx1"/>
+          </a:fontRef>
+        </p:style>
+      </p:cxnSp>
     </p:spTree>
     <p:extLst>
       <p:ext uri="{BB962C8B-B14F-4D97-AF65-F5344CB8AC3E}">

--- a/DigSite/New Arcaism/uarm 2024 2/kant CRP prologo.pptx
+++ b/DigSite/New Arcaism/uarm 2024 2/kant CRP prologo.pptx
@@ -311,7 +311,7 @@
           <a:p>
             <a:fld id="{341C1540-EF5E-4452-9660-2C343EDE8172}" type="datetimeFigureOut">
               <a:rPr lang="es-PE" smtClean="0"/>
-              <a:t>4/10/2024</a:t>
+              <a:t>6/10/2024</a:t>
             </a:fld>
             <a:endParaRPr lang="es-PE"/>
           </a:p>
@@ -511,7 +511,7 @@
           <a:p>
             <a:fld id="{341C1540-EF5E-4452-9660-2C343EDE8172}" type="datetimeFigureOut">
               <a:rPr lang="es-PE" smtClean="0"/>
-              <a:t>4/10/2024</a:t>
+              <a:t>6/10/2024</a:t>
             </a:fld>
             <a:endParaRPr lang="es-PE"/>
           </a:p>
@@ -721,7 +721,7 @@
           <a:p>
             <a:fld id="{341C1540-EF5E-4452-9660-2C343EDE8172}" type="datetimeFigureOut">
               <a:rPr lang="es-PE" smtClean="0"/>
-              <a:t>4/10/2024</a:t>
+              <a:t>6/10/2024</a:t>
             </a:fld>
             <a:endParaRPr lang="es-PE"/>
           </a:p>
@@ -921,7 +921,7 @@
           <a:p>
             <a:fld id="{341C1540-EF5E-4452-9660-2C343EDE8172}" type="datetimeFigureOut">
               <a:rPr lang="es-PE" smtClean="0"/>
-              <a:t>4/10/2024</a:t>
+              <a:t>6/10/2024</a:t>
             </a:fld>
             <a:endParaRPr lang="es-PE"/>
           </a:p>
@@ -1197,7 +1197,7 @@
           <a:p>
             <a:fld id="{341C1540-EF5E-4452-9660-2C343EDE8172}" type="datetimeFigureOut">
               <a:rPr lang="es-PE" smtClean="0"/>
-              <a:t>4/10/2024</a:t>
+              <a:t>6/10/2024</a:t>
             </a:fld>
             <a:endParaRPr lang="es-PE"/>
           </a:p>
@@ -1465,7 +1465,7 @@
           <a:p>
             <a:fld id="{341C1540-EF5E-4452-9660-2C343EDE8172}" type="datetimeFigureOut">
               <a:rPr lang="es-PE" smtClean="0"/>
-              <a:t>4/10/2024</a:t>
+              <a:t>6/10/2024</a:t>
             </a:fld>
             <a:endParaRPr lang="es-PE"/>
           </a:p>
@@ -1880,7 +1880,7 @@
           <a:p>
             <a:fld id="{341C1540-EF5E-4452-9660-2C343EDE8172}" type="datetimeFigureOut">
               <a:rPr lang="es-PE" smtClean="0"/>
-              <a:t>4/10/2024</a:t>
+              <a:t>6/10/2024</a:t>
             </a:fld>
             <a:endParaRPr lang="es-PE"/>
           </a:p>
@@ -2022,7 +2022,7 @@
           <a:p>
             <a:fld id="{341C1540-EF5E-4452-9660-2C343EDE8172}" type="datetimeFigureOut">
               <a:rPr lang="es-PE" smtClean="0"/>
-              <a:t>4/10/2024</a:t>
+              <a:t>6/10/2024</a:t>
             </a:fld>
             <a:endParaRPr lang="es-PE"/>
           </a:p>
@@ -2135,7 +2135,7 @@
           <a:p>
             <a:fld id="{341C1540-EF5E-4452-9660-2C343EDE8172}" type="datetimeFigureOut">
               <a:rPr lang="es-PE" smtClean="0"/>
-              <a:t>4/10/2024</a:t>
+              <a:t>6/10/2024</a:t>
             </a:fld>
             <a:endParaRPr lang="es-PE"/>
           </a:p>
@@ -2448,7 +2448,7 @@
           <a:p>
             <a:fld id="{341C1540-EF5E-4452-9660-2C343EDE8172}" type="datetimeFigureOut">
               <a:rPr lang="es-PE" smtClean="0"/>
-              <a:t>4/10/2024</a:t>
+              <a:t>6/10/2024</a:t>
             </a:fld>
             <a:endParaRPr lang="es-PE"/>
           </a:p>
@@ -2737,7 +2737,7 @@
           <a:p>
             <a:fld id="{341C1540-EF5E-4452-9660-2C343EDE8172}" type="datetimeFigureOut">
               <a:rPr lang="es-PE" smtClean="0"/>
-              <a:t>4/10/2024</a:t>
+              <a:t>6/10/2024</a:t>
             </a:fld>
             <a:endParaRPr lang="es-PE"/>
           </a:p>
@@ -2980,7 +2980,7 @@
           <a:p>
             <a:fld id="{341C1540-EF5E-4452-9660-2C343EDE8172}" type="datetimeFigureOut">
               <a:rPr lang="es-PE" smtClean="0"/>
-              <a:t>4/10/2024</a:t>
+              <a:t>6/10/2024</a:t>
             </a:fld>
             <a:endParaRPr lang="es-PE"/>
           </a:p>
@@ -13034,6 +13034,565 @@
           </a:fontRef>
         </p:style>
       </p:cxnSp>
+      <p:cxnSp>
+        <p:nvCxnSpPr>
+          <p:cNvPr id="5" name="Straight Connector 4">
+            <a:extLst>
+              <a:ext uri="{FF2B5EF4-FFF2-40B4-BE49-F238E27FC236}">
+                <a16:creationId xmlns:a16="http://schemas.microsoft.com/office/drawing/2014/main" id="{89EE5FF9-D5E4-C4CE-C3DC-77FF5DA88911}"/>
+              </a:ext>
+            </a:extLst>
+          </p:cNvPr>
+          <p:cNvCxnSpPr>
+            <a:cxnSpLocks/>
+          </p:cNvCxnSpPr>
+          <p:nvPr/>
+        </p:nvCxnSpPr>
+        <p:spPr>
+          <a:xfrm>
+            <a:off x="1470212" y="1747841"/>
+            <a:ext cx="10372164" cy="0"/>
+          </a:xfrm>
+          <a:prstGeom prst="line">
+            <a:avLst/>
+          </a:prstGeom>
+          <a:ln w="57150">
+            <a:solidFill>
+              <a:srgbClr val="FF0000"/>
+            </a:solidFill>
+          </a:ln>
+        </p:spPr>
+        <p:style>
+          <a:lnRef idx="1">
+            <a:schemeClr val="accent1"/>
+          </a:lnRef>
+          <a:fillRef idx="0">
+            <a:schemeClr val="accent1"/>
+          </a:fillRef>
+          <a:effectRef idx="0">
+            <a:schemeClr val="accent1"/>
+          </a:effectRef>
+          <a:fontRef idx="minor">
+            <a:schemeClr val="tx1"/>
+          </a:fontRef>
+        </p:style>
+      </p:cxnSp>
+      <p:cxnSp>
+        <p:nvCxnSpPr>
+          <p:cNvPr id="9" name="Straight Connector 8">
+            <a:extLst>
+              <a:ext uri="{FF2B5EF4-FFF2-40B4-BE49-F238E27FC236}">
+                <a16:creationId xmlns:a16="http://schemas.microsoft.com/office/drawing/2014/main" id="{3F8BE5BB-B170-739B-2F29-7CF68FA9281A}"/>
+              </a:ext>
+            </a:extLst>
+          </p:cNvPr>
+          <p:cNvCxnSpPr>
+            <a:cxnSpLocks/>
+          </p:cNvCxnSpPr>
+          <p:nvPr/>
+        </p:nvCxnSpPr>
+        <p:spPr>
+          <a:xfrm>
+            <a:off x="385482" y="2124359"/>
+            <a:ext cx="11456894" cy="0"/>
+          </a:xfrm>
+          <a:prstGeom prst="line">
+            <a:avLst/>
+          </a:prstGeom>
+          <a:ln w="57150">
+            <a:solidFill>
+              <a:srgbClr val="FF0000"/>
+            </a:solidFill>
+          </a:ln>
+        </p:spPr>
+        <p:style>
+          <a:lnRef idx="1">
+            <a:schemeClr val="accent1"/>
+          </a:lnRef>
+          <a:fillRef idx="0">
+            <a:schemeClr val="accent1"/>
+          </a:fillRef>
+          <a:effectRef idx="0">
+            <a:schemeClr val="accent1"/>
+          </a:effectRef>
+          <a:fontRef idx="minor">
+            <a:schemeClr val="tx1"/>
+          </a:fontRef>
+        </p:style>
+      </p:cxnSp>
+      <p:cxnSp>
+        <p:nvCxnSpPr>
+          <p:cNvPr id="11" name="Straight Connector 10">
+            <a:extLst>
+              <a:ext uri="{FF2B5EF4-FFF2-40B4-BE49-F238E27FC236}">
+                <a16:creationId xmlns:a16="http://schemas.microsoft.com/office/drawing/2014/main" id="{C766A01B-5034-712F-C6B8-8209FD8B6AB9}"/>
+              </a:ext>
+            </a:extLst>
+          </p:cNvPr>
+          <p:cNvCxnSpPr>
+            <a:cxnSpLocks/>
+          </p:cNvCxnSpPr>
+          <p:nvPr/>
+        </p:nvCxnSpPr>
+        <p:spPr>
+          <a:xfrm>
+            <a:off x="385482" y="2456053"/>
+            <a:ext cx="11456894" cy="0"/>
+          </a:xfrm>
+          <a:prstGeom prst="line">
+            <a:avLst/>
+          </a:prstGeom>
+          <a:ln w="57150">
+            <a:solidFill>
+              <a:srgbClr val="FF0000"/>
+            </a:solidFill>
+          </a:ln>
+        </p:spPr>
+        <p:style>
+          <a:lnRef idx="1">
+            <a:schemeClr val="accent1"/>
+          </a:lnRef>
+          <a:fillRef idx="0">
+            <a:schemeClr val="accent1"/>
+          </a:fillRef>
+          <a:effectRef idx="0">
+            <a:schemeClr val="accent1"/>
+          </a:effectRef>
+          <a:fontRef idx="minor">
+            <a:schemeClr val="tx1"/>
+          </a:fontRef>
+        </p:style>
+      </p:cxnSp>
+      <p:cxnSp>
+        <p:nvCxnSpPr>
+          <p:cNvPr id="12" name="Straight Connector 11">
+            <a:extLst>
+              <a:ext uri="{FF2B5EF4-FFF2-40B4-BE49-F238E27FC236}">
+                <a16:creationId xmlns:a16="http://schemas.microsoft.com/office/drawing/2014/main" id="{7C5A0A02-9A98-E334-C527-AB7CBC9346E7}"/>
+              </a:ext>
+            </a:extLst>
+          </p:cNvPr>
+          <p:cNvCxnSpPr>
+            <a:cxnSpLocks/>
+          </p:cNvCxnSpPr>
+          <p:nvPr/>
+        </p:nvCxnSpPr>
+        <p:spPr>
+          <a:xfrm>
+            <a:off x="385482" y="2814642"/>
+            <a:ext cx="6589059" cy="0"/>
+          </a:xfrm>
+          <a:prstGeom prst="line">
+            <a:avLst/>
+          </a:prstGeom>
+          <a:ln w="57150">
+            <a:solidFill>
+              <a:srgbClr val="FF0000"/>
+            </a:solidFill>
+          </a:ln>
+        </p:spPr>
+        <p:style>
+          <a:lnRef idx="1">
+            <a:schemeClr val="accent1"/>
+          </a:lnRef>
+          <a:fillRef idx="0">
+            <a:schemeClr val="accent1"/>
+          </a:fillRef>
+          <a:effectRef idx="0">
+            <a:schemeClr val="accent1"/>
+          </a:effectRef>
+          <a:fontRef idx="minor">
+            <a:schemeClr val="tx1"/>
+          </a:fontRef>
+        </p:style>
+      </p:cxnSp>
+      <p:cxnSp>
+        <p:nvCxnSpPr>
+          <p:cNvPr id="14" name="Straight Connector 13">
+            <a:extLst>
+              <a:ext uri="{FF2B5EF4-FFF2-40B4-BE49-F238E27FC236}">
+                <a16:creationId xmlns:a16="http://schemas.microsoft.com/office/drawing/2014/main" id="{697BFFBB-D733-B5EB-BA72-F88924D6D22A}"/>
+              </a:ext>
+            </a:extLst>
+          </p:cNvPr>
+          <p:cNvCxnSpPr>
+            <a:cxnSpLocks/>
+          </p:cNvCxnSpPr>
+          <p:nvPr/>
+        </p:nvCxnSpPr>
+        <p:spPr>
+          <a:xfrm>
+            <a:off x="233082" y="3567677"/>
+            <a:ext cx="11456894" cy="0"/>
+          </a:xfrm>
+          <a:prstGeom prst="line">
+            <a:avLst/>
+          </a:prstGeom>
+          <a:ln w="57150">
+            <a:solidFill>
+              <a:srgbClr val="FF0000"/>
+            </a:solidFill>
+          </a:ln>
+        </p:spPr>
+        <p:style>
+          <a:lnRef idx="1">
+            <a:schemeClr val="accent1"/>
+          </a:lnRef>
+          <a:fillRef idx="0">
+            <a:schemeClr val="accent1"/>
+          </a:fillRef>
+          <a:effectRef idx="0">
+            <a:schemeClr val="accent1"/>
+          </a:effectRef>
+          <a:fontRef idx="minor">
+            <a:schemeClr val="tx1"/>
+          </a:fontRef>
+        </p:style>
+      </p:cxnSp>
+      <p:cxnSp>
+        <p:nvCxnSpPr>
+          <p:cNvPr id="15" name="Straight Connector 14">
+            <a:extLst>
+              <a:ext uri="{FF2B5EF4-FFF2-40B4-BE49-F238E27FC236}">
+                <a16:creationId xmlns:a16="http://schemas.microsoft.com/office/drawing/2014/main" id="{8B3CE189-1675-98AB-AAB9-EFA9BF6C50E5}"/>
+              </a:ext>
+            </a:extLst>
+          </p:cNvPr>
+          <p:cNvCxnSpPr>
+            <a:cxnSpLocks/>
+          </p:cNvCxnSpPr>
+          <p:nvPr/>
+        </p:nvCxnSpPr>
+        <p:spPr>
+          <a:xfrm>
+            <a:off x="8319247" y="3191159"/>
+            <a:ext cx="3370729" cy="0"/>
+          </a:xfrm>
+          <a:prstGeom prst="line">
+            <a:avLst/>
+          </a:prstGeom>
+          <a:ln w="57150">
+            <a:solidFill>
+              <a:srgbClr val="FF0000"/>
+            </a:solidFill>
+          </a:ln>
+        </p:spPr>
+        <p:style>
+          <a:lnRef idx="1">
+            <a:schemeClr val="accent1"/>
+          </a:lnRef>
+          <a:fillRef idx="0">
+            <a:schemeClr val="accent1"/>
+          </a:fillRef>
+          <a:effectRef idx="0">
+            <a:schemeClr val="accent1"/>
+          </a:effectRef>
+          <a:fontRef idx="minor">
+            <a:schemeClr val="tx1"/>
+          </a:fontRef>
+        </p:style>
+      </p:cxnSp>
+      <p:cxnSp>
+        <p:nvCxnSpPr>
+          <p:cNvPr id="17" name="Straight Connector 16">
+            <a:extLst>
+              <a:ext uri="{FF2B5EF4-FFF2-40B4-BE49-F238E27FC236}">
+                <a16:creationId xmlns:a16="http://schemas.microsoft.com/office/drawing/2014/main" id="{C49188E1-4EB7-20AF-94DE-365F7BFEDCAC}"/>
+              </a:ext>
+            </a:extLst>
+          </p:cNvPr>
+          <p:cNvCxnSpPr>
+            <a:cxnSpLocks/>
+          </p:cNvCxnSpPr>
+          <p:nvPr/>
+        </p:nvCxnSpPr>
+        <p:spPr>
+          <a:xfrm>
+            <a:off x="233082" y="3926265"/>
+            <a:ext cx="11456894" cy="0"/>
+          </a:xfrm>
+          <a:prstGeom prst="line">
+            <a:avLst/>
+          </a:prstGeom>
+          <a:ln w="57150">
+            <a:solidFill>
+              <a:srgbClr val="FF0000"/>
+            </a:solidFill>
+          </a:ln>
+        </p:spPr>
+        <p:style>
+          <a:lnRef idx="1">
+            <a:schemeClr val="accent1"/>
+          </a:lnRef>
+          <a:fillRef idx="0">
+            <a:schemeClr val="accent1"/>
+          </a:fillRef>
+          <a:effectRef idx="0">
+            <a:schemeClr val="accent1"/>
+          </a:effectRef>
+          <a:fontRef idx="minor">
+            <a:schemeClr val="tx1"/>
+          </a:fontRef>
+        </p:style>
+      </p:cxnSp>
+      <p:cxnSp>
+        <p:nvCxnSpPr>
+          <p:cNvPr id="18" name="Straight Connector 17">
+            <a:extLst>
+              <a:ext uri="{FF2B5EF4-FFF2-40B4-BE49-F238E27FC236}">
+                <a16:creationId xmlns:a16="http://schemas.microsoft.com/office/drawing/2014/main" id="{66EB2F3A-1FFA-3911-0930-419EC5D120F3}"/>
+              </a:ext>
+            </a:extLst>
+          </p:cNvPr>
+          <p:cNvCxnSpPr>
+            <a:cxnSpLocks/>
+          </p:cNvCxnSpPr>
+          <p:nvPr/>
+        </p:nvCxnSpPr>
+        <p:spPr>
+          <a:xfrm>
+            <a:off x="233082" y="4284853"/>
+            <a:ext cx="11456894" cy="0"/>
+          </a:xfrm>
+          <a:prstGeom prst="line">
+            <a:avLst/>
+          </a:prstGeom>
+          <a:ln w="57150">
+            <a:solidFill>
+              <a:srgbClr val="FF0000"/>
+            </a:solidFill>
+          </a:ln>
+        </p:spPr>
+        <p:style>
+          <a:lnRef idx="1">
+            <a:schemeClr val="accent1"/>
+          </a:lnRef>
+          <a:fillRef idx="0">
+            <a:schemeClr val="accent1"/>
+          </a:fillRef>
+          <a:effectRef idx="0">
+            <a:schemeClr val="accent1"/>
+          </a:effectRef>
+          <a:fontRef idx="minor">
+            <a:schemeClr val="tx1"/>
+          </a:fontRef>
+        </p:style>
+      </p:cxnSp>
+      <p:cxnSp>
+        <p:nvCxnSpPr>
+          <p:cNvPr id="19" name="Straight Connector 18">
+            <a:extLst>
+              <a:ext uri="{FF2B5EF4-FFF2-40B4-BE49-F238E27FC236}">
+                <a16:creationId xmlns:a16="http://schemas.microsoft.com/office/drawing/2014/main" id="{C0199647-56A7-11A1-9291-D505199890B8}"/>
+              </a:ext>
+            </a:extLst>
+          </p:cNvPr>
+          <p:cNvCxnSpPr>
+            <a:cxnSpLocks/>
+          </p:cNvCxnSpPr>
+          <p:nvPr/>
+        </p:nvCxnSpPr>
+        <p:spPr>
+          <a:xfrm>
+            <a:off x="233082" y="4697229"/>
+            <a:ext cx="11456894" cy="0"/>
+          </a:xfrm>
+          <a:prstGeom prst="line">
+            <a:avLst/>
+          </a:prstGeom>
+          <a:ln w="57150">
+            <a:solidFill>
+              <a:srgbClr val="FF0000"/>
+            </a:solidFill>
+          </a:ln>
+        </p:spPr>
+        <p:style>
+          <a:lnRef idx="1">
+            <a:schemeClr val="accent1"/>
+          </a:lnRef>
+          <a:fillRef idx="0">
+            <a:schemeClr val="accent1"/>
+          </a:fillRef>
+          <a:effectRef idx="0">
+            <a:schemeClr val="accent1"/>
+          </a:effectRef>
+          <a:fontRef idx="minor">
+            <a:schemeClr val="tx1"/>
+          </a:fontRef>
+        </p:style>
+      </p:cxnSp>
+      <p:cxnSp>
+        <p:nvCxnSpPr>
+          <p:cNvPr id="20" name="Straight Connector 19">
+            <a:extLst>
+              <a:ext uri="{FF2B5EF4-FFF2-40B4-BE49-F238E27FC236}">
+                <a16:creationId xmlns:a16="http://schemas.microsoft.com/office/drawing/2014/main" id="{B88BABBC-5912-27BE-2022-B415099B2901}"/>
+              </a:ext>
+            </a:extLst>
+          </p:cNvPr>
+          <p:cNvCxnSpPr>
+            <a:cxnSpLocks/>
+          </p:cNvCxnSpPr>
+          <p:nvPr/>
+        </p:nvCxnSpPr>
+        <p:spPr>
+          <a:xfrm>
+            <a:off x="233082" y="5037889"/>
+            <a:ext cx="5862918" cy="0"/>
+          </a:xfrm>
+          <a:prstGeom prst="line">
+            <a:avLst/>
+          </a:prstGeom>
+          <a:ln w="57150">
+            <a:solidFill>
+              <a:srgbClr val="FF0000"/>
+            </a:solidFill>
+          </a:ln>
+        </p:spPr>
+        <p:style>
+          <a:lnRef idx="1">
+            <a:schemeClr val="accent1"/>
+          </a:lnRef>
+          <a:fillRef idx="0">
+            <a:schemeClr val="accent1"/>
+          </a:fillRef>
+          <a:effectRef idx="0">
+            <a:schemeClr val="accent1"/>
+          </a:effectRef>
+          <a:fontRef idx="minor">
+            <a:schemeClr val="tx1"/>
+          </a:fontRef>
+        </p:style>
+      </p:cxnSp>
+      <p:cxnSp>
+        <p:nvCxnSpPr>
+          <p:cNvPr id="22" name="Straight Connector 21">
+            <a:extLst>
+              <a:ext uri="{FF2B5EF4-FFF2-40B4-BE49-F238E27FC236}">
+                <a16:creationId xmlns:a16="http://schemas.microsoft.com/office/drawing/2014/main" id="{8EDC9906-B2A2-B8C9-FE91-373502036EC5}"/>
+              </a:ext>
+            </a:extLst>
+          </p:cNvPr>
+          <p:cNvCxnSpPr>
+            <a:cxnSpLocks/>
+          </p:cNvCxnSpPr>
+          <p:nvPr/>
+        </p:nvCxnSpPr>
+        <p:spPr>
+          <a:xfrm>
+            <a:off x="385482" y="5737135"/>
+            <a:ext cx="11456894" cy="0"/>
+          </a:xfrm>
+          <a:prstGeom prst="line">
+            <a:avLst/>
+          </a:prstGeom>
+          <a:ln w="57150">
+            <a:solidFill>
+              <a:srgbClr val="FF0000"/>
+            </a:solidFill>
+          </a:ln>
+        </p:spPr>
+        <p:style>
+          <a:lnRef idx="1">
+            <a:schemeClr val="accent1"/>
+          </a:lnRef>
+          <a:fillRef idx="0">
+            <a:schemeClr val="accent1"/>
+          </a:fillRef>
+          <a:effectRef idx="0">
+            <a:schemeClr val="accent1"/>
+          </a:effectRef>
+          <a:fontRef idx="minor">
+            <a:schemeClr val="tx1"/>
+          </a:fontRef>
+        </p:style>
+      </p:cxnSp>
+      <p:cxnSp>
+        <p:nvCxnSpPr>
+          <p:cNvPr id="23" name="Straight Connector 22">
+            <a:extLst>
+              <a:ext uri="{FF2B5EF4-FFF2-40B4-BE49-F238E27FC236}">
+                <a16:creationId xmlns:a16="http://schemas.microsoft.com/office/drawing/2014/main" id="{A6B0F202-1ECA-839A-7798-C3DA3A3441EF}"/>
+              </a:ext>
+            </a:extLst>
+          </p:cNvPr>
+          <p:cNvCxnSpPr>
+            <a:cxnSpLocks/>
+          </p:cNvCxnSpPr>
+          <p:nvPr/>
+        </p:nvCxnSpPr>
+        <p:spPr>
+          <a:xfrm>
+            <a:off x="3155576" y="5414406"/>
+            <a:ext cx="8668871" cy="0"/>
+          </a:xfrm>
+          <a:prstGeom prst="line">
+            <a:avLst/>
+          </a:prstGeom>
+          <a:ln w="57150">
+            <a:solidFill>
+              <a:srgbClr val="FF0000"/>
+            </a:solidFill>
+          </a:ln>
+        </p:spPr>
+        <p:style>
+          <a:lnRef idx="1">
+            <a:schemeClr val="accent1"/>
+          </a:lnRef>
+          <a:fillRef idx="0">
+            <a:schemeClr val="accent1"/>
+          </a:fillRef>
+          <a:effectRef idx="0">
+            <a:schemeClr val="accent1"/>
+          </a:effectRef>
+          <a:fontRef idx="minor">
+            <a:schemeClr val="tx1"/>
+          </a:fontRef>
+        </p:style>
+      </p:cxnSp>
+      <p:cxnSp>
+        <p:nvCxnSpPr>
+          <p:cNvPr id="25" name="Straight Connector 24">
+            <a:extLst>
+              <a:ext uri="{FF2B5EF4-FFF2-40B4-BE49-F238E27FC236}">
+                <a16:creationId xmlns:a16="http://schemas.microsoft.com/office/drawing/2014/main" id="{0DFD8B63-0369-B88D-F949-13B819125E73}"/>
+              </a:ext>
+            </a:extLst>
+          </p:cNvPr>
+          <p:cNvCxnSpPr>
+            <a:cxnSpLocks/>
+          </p:cNvCxnSpPr>
+          <p:nvPr/>
+        </p:nvCxnSpPr>
+        <p:spPr>
+          <a:xfrm>
+            <a:off x="233082" y="6167442"/>
+            <a:ext cx="9932894" cy="0"/>
+          </a:xfrm>
+          <a:prstGeom prst="line">
+            <a:avLst/>
+          </a:prstGeom>
+          <a:ln w="57150">
+            <a:solidFill>
+              <a:srgbClr val="FF0000"/>
+            </a:solidFill>
+          </a:ln>
+        </p:spPr>
+        <p:style>
+          <a:lnRef idx="1">
+            <a:schemeClr val="accent1"/>
+          </a:lnRef>
+          <a:fillRef idx="0">
+            <a:schemeClr val="accent1"/>
+          </a:fillRef>
+          <a:effectRef idx="0">
+            <a:schemeClr val="accent1"/>
+          </a:effectRef>
+          <a:fontRef idx="minor">
+            <a:schemeClr val="tx1"/>
+          </a:fontRef>
+        </p:style>
+      </p:cxnSp>
     </p:spTree>
     <p:extLst>
       <p:ext uri="{BB962C8B-B14F-4D97-AF65-F5344CB8AC3E}">
@@ -13130,6 +13689,909 @@
           </a:prstGeom>
         </p:spPr>
       </p:pic>
+      <p:cxnSp>
+        <p:nvCxnSpPr>
+          <p:cNvPr id="2" name="Straight Connector 1">
+            <a:extLst>
+              <a:ext uri="{FF2B5EF4-FFF2-40B4-BE49-F238E27FC236}">
+                <a16:creationId xmlns:a16="http://schemas.microsoft.com/office/drawing/2014/main" id="{5C137955-C47B-3829-70E2-5BBA0D550B59}"/>
+              </a:ext>
+            </a:extLst>
+          </p:cNvPr>
+          <p:cNvCxnSpPr>
+            <a:cxnSpLocks/>
+          </p:cNvCxnSpPr>
+          <p:nvPr/>
+        </p:nvCxnSpPr>
+        <p:spPr>
+          <a:xfrm>
+            <a:off x="242047" y="367276"/>
+            <a:ext cx="9816353" cy="0"/>
+          </a:xfrm>
+          <a:prstGeom prst="line">
+            <a:avLst/>
+          </a:prstGeom>
+          <a:ln w="57150">
+            <a:solidFill>
+              <a:srgbClr val="FF0000"/>
+            </a:solidFill>
+          </a:ln>
+        </p:spPr>
+        <p:style>
+          <a:lnRef idx="1">
+            <a:schemeClr val="accent1"/>
+          </a:lnRef>
+          <a:fillRef idx="0">
+            <a:schemeClr val="accent1"/>
+          </a:fillRef>
+          <a:effectRef idx="0">
+            <a:schemeClr val="accent1"/>
+          </a:effectRef>
+          <a:fontRef idx="minor">
+            <a:schemeClr val="tx1"/>
+          </a:fontRef>
+        </p:style>
+      </p:cxnSp>
+      <p:cxnSp>
+        <p:nvCxnSpPr>
+          <p:cNvPr id="6" name="Straight Connector 5">
+            <a:extLst>
+              <a:ext uri="{FF2B5EF4-FFF2-40B4-BE49-F238E27FC236}">
+                <a16:creationId xmlns:a16="http://schemas.microsoft.com/office/drawing/2014/main" id="{7E605513-B240-38D8-681B-CCDAC0F5E4B3}"/>
+              </a:ext>
+            </a:extLst>
+          </p:cNvPr>
+          <p:cNvCxnSpPr>
+            <a:cxnSpLocks/>
+          </p:cNvCxnSpPr>
+          <p:nvPr/>
+        </p:nvCxnSpPr>
+        <p:spPr>
+          <a:xfrm>
+            <a:off x="242047" y="743795"/>
+            <a:ext cx="9816353" cy="0"/>
+          </a:xfrm>
+          <a:prstGeom prst="line">
+            <a:avLst/>
+          </a:prstGeom>
+          <a:ln w="57150">
+            <a:solidFill>
+              <a:srgbClr val="FF0000"/>
+            </a:solidFill>
+          </a:ln>
+        </p:spPr>
+        <p:style>
+          <a:lnRef idx="1">
+            <a:schemeClr val="accent1"/>
+          </a:lnRef>
+          <a:fillRef idx="0">
+            <a:schemeClr val="accent1"/>
+          </a:fillRef>
+          <a:effectRef idx="0">
+            <a:schemeClr val="accent1"/>
+          </a:effectRef>
+          <a:fontRef idx="minor">
+            <a:schemeClr val="tx1"/>
+          </a:fontRef>
+        </p:style>
+      </p:cxnSp>
+      <p:cxnSp>
+        <p:nvCxnSpPr>
+          <p:cNvPr id="8" name="Straight Connector 7">
+            <a:extLst>
+              <a:ext uri="{FF2B5EF4-FFF2-40B4-BE49-F238E27FC236}">
+                <a16:creationId xmlns:a16="http://schemas.microsoft.com/office/drawing/2014/main" id="{408C91BB-87C0-E682-C5DE-CBAE7714FB8E}"/>
+              </a:ext>
+            </a:extLst>
+          </p:cNvPr>
+          <p:cNvCxnSpPr>
+            <a:cxnSpLocks/>
+          </p:cNvCxnSpPr>
+          <p:nvPr/>
+        </p:nvCxnSpPr>
+        <p:spPr>
+          <a:xfrm>
+            <a:off x="242047" y="1021701"/>
+            <a:ext cx="4455459" cy="0"/>
+          </a:xfrm>
+          <a:prstGeom prst="line">
+            <a:avLst/>
+          </a:prstGeom>
+          <a:ln w="57150">
+            <a:solidFill>
+              <a:srgbClr val="FF0000"/>
+            </a:solidFill>
+          </a:ln>
+        </p:spPr>
+        <p:style>
+          <a:lnRef idx="1">
+            <a:schemeClr val="accent1"/>
+          </a:lnRef>
+          <a:fillRef idx="0">
+            <a:schemeClr val="accent1"/>
+          </a:fillRef>
+          <a:effectRef idx="0">
+            <a:schemeClr val="accent1"/>
+          </a:effectRef>
+          <a:fontRef idx="minor">
+            <a:schemeClr val="tx1"/>
+          </a:fontRef>
+        </p:style>
+      </p:cxnSp>
+      <p:cxnSp>
+        <p:nvCxnSpPr>
+          <p:cNvPr id="10" name="Straight Connector 9">
+            <a:extLst>
+              <a:ext uri="{FF2B5EF4-FFF2-40B4-BE49-F238E27FC236}">
+                <a16:creationId xmlns:a16="http://schemas.microsoft.com/office/drawing/2014/main" id="{3E4481B5-4633-D9AE-8E1A-CFBFCAE34683}"/>
+              </a:ext>
+            </a:extLst>
+          </p:cNvPr>
+          <p:cNvCxnSpPr>
+            <a:cxnSpLocks/>
+          </p:cNvCxnSpPr>
+          <p:nvPr/>
+        </p:nvCxnSpPr>
+        <p:spPr>
+          <a:xfrm>
+            <a:off x="3567953" y="1308571"/>
+            <a:ext cx="6490447" cy="0"/>
+          </a:xfrm>
+          <a:prstGeom prst="line">
+            <a:avLst/>
+          </a:prstGeom>
+          <a:ln w="57150">
+            <a:solidFill>
+              <a:srgbClr val="FF0000"/>
+            </a:solidFill>
+          </a:ln>
+        </p:spPr>
+        <p:style>
+          <a:lnRef idx="1">
+            <a:schemeClr val="accent1"/>
+          </a:lnRef>
+          <a:fillRef idx="0">
+            <a:schemeClr val="accent1"/>
+          </a:fillRef>
+          <a:effectRef idx="0">
+            <a:schemeClr val="accent1"/>
+          </a:effectRef>
+          <a:fontRef idx="minor">
+            <a:schemeClr val="tx1"/>
+          </a:fontRef>
+        </p:style>
+      </p:cxnSp>
+      <p:cxnSp>
+        <p:nvCxnSpPr>
+          <p:cNvPr id="12" name="Straight Connector 11">
+            <a:extLst>
+              <a:ext uri="{FF2B5EF4-FFF2-40B4-BE49-F238E27FC236}">
+                <a16:creationId xmlns:a16="http://schemas.microsoft.com/office/drawing/2014/main" id="{069835E5-CFD2-1924-3F53-DC8726ECECF6}"/>
+              </a:ext>
+            </a:extLst>
+          </p:cNvPr>
+          <p:cNvCxnSpPr>
+            <a:cxnSpLocks/>
+          </p:cNvCxnSpPr>
+          <p:nvPr/>
+        </p:nvCxnSpPr>
+        <p:spPr>
+          <a:xfrm>
+            <a:off x="242047" y="1649230"/>
+            <a:ext cx="9816353" cy="0"/>
+          </a:xfrm>
+          <a:prstGeom prst="line">
+            <a:avLst/>
+          </a:prstGeom>
+          <a:ln w="57150">
+            <a:solidFill>
+              <a:srgbClr val="FF0000"/>
+            </a:solidFill>
+          </a:ln>
+        </p:spPr>
+        <p:style>
+          <a:lnRef idx="1">
+            <a:schemeClr val="accent1"/>
+          </a:lnRef>
+          <a:fillRef idx="0">
+            <a:schemeClr val="accent1"/>
+          </a:fillRef>
+          <a:effectRef idx="0">
+            <a:schemeClr val="accent1"/>
+          </a:effectRef>
+          <a:fontRef idx="minor">
+            <a:schemeClr val="tx1"/>
+          </a:fontRef>
+        </p:style>
+      </p:cxnSp>
+      <p:cxnSp>
+        <p:nvCxnSpPr>
+          <p:cNvPr id="13" name="Straight Connector 12">
+            <a:extLst>
+              <a:ext uri="{FF2B5EF4-FFF2-40B4-BE49-F238E27FC236}">
+                <a16:creationId xmlns:a16="http://schemas.microsoft.com/office/drawing/2014/main" id="{2F1419BA-DDD8-54AC-0C1B-547AC541577E}"/>
+              </a:ext>
+            </a:extLst>
+          </p:cNvPr>
+          <p:cNvCxnSpPr>
+            <a:cxnSpLocks/>
+          </p:cNvCxnSpPr>
+          <p:nvPr/>
+        </p:nvCxnSpPr>
+        <p:spPr>
+          <a:xfrm>
+            <a:off x="242047" y="1971959"/>
+            <a:ext cx="9816353" cy="0"/>
+          </a:xfrm>
+          <a:prstGeom prst="line">
+            <a:avLst/>
+          </a:prstGeom>
+          <a:ln w="57150">
+            <a:solidFill>
+              <a:srgbClr val="FF0000"/>
+            </a:solidFill>
+          </a:ln>
+        </p:spPr>
+        <p:style>
+          <a:lnRef idx="1">
+            <a:schemeClr val="accent1"/>
+          </a:lnRef>
+          <a:fillRef idx="0">
+            <a:schemeClr val="accent1"/>
+          </a:fillRef>
+          <a:effectRef idx="0">
+            <a:schemeClr val="accent1"/>
+          </a:effectRef>
+          <a:fontRef idx="minor">
+            <a:schemeClr val="tx1"/>
+          </a:fontRef>
+        </p:style>
+      </p:cxnSp>
+      <p:cxnSp>
+        <p:nvCxnSpPr>
+          <p:cNvPr id="14" name="Straight Connector 13">
+            <a:extLst>
+              <a:ext uri="{FF2B5EF4-FFF2-40B4-BE49-F238E27FC236}">
+                <a16:creationId xmlns:a16="http://schemas.microsoft.com/office/drawing/2014/main" id="{4205B379-AFAE-B7E8-7497-764EB74495F4}"/>
+              </a:ext>
+            </a:extLst>
+          </p:cNvPr>
+          <p:cNvCxnSpPr>
+            <a:cxnSpLocks/>
+          </p:cNvCxnSpPr>
+          <p:nvPr/>
+        </p:nvCxnSpPr>
+        <p:spPr>
+          <a:xfrm>
+            <a:off x="242047" y="2294690"/>
+            <a:ext cx="9816353" cy="0"/>
+          </a:xfrm>
+          <a:prstGeom prst="line">
+            <a:avLst/>
+          </a:prstGeom>
+          <a:ln w="57150">
+            <a:solidFill>
+              <a:srgbClr val="FF0000"/>
+            </a:solidFill>
+          </a:ln>
+        </p:spPr>
+        <p:style>
+          <a:lnRef idx="1">
+            <a:schemeClr val="accent1"/>
+          </a:lnRef>
+          <a:fillRef idx="0">
+            <a:schemeClr val="accent1"/>
+          </a:fillRef>
+          <a:effectRef idx="0">
+            <a:schemeClr val="accent1"/>
+          </a:effectRef>
+          <a:fontRef idx="minor">
+            <a:schemeClr val="tx1"/>
+          </a:fontRef>
+        </p:style>
+      </p:cxnSp>
+      <p:cxnSp>
+        <p:nvCxnSpPr>
+          <p:cNvPr id="15" name="Straight Connector 14">
+            <a:extLst>
+              <a:ext uri="{FF2B5EF4-FFF2-40B4-BE49-F238E27FC236}">
+                <a16:creationId xmlns:a16="http://schemas.microsoft.com/office/drawing/2014/main" id="{7A34027F-9D7B-EFD5-3B30-18611A88066B}"/>
+              </a:ext>
+            </a:extLst>
+          </p:cNvPr>
+          <p:cNvCxnSpPr>
+            <a:cxnSpLocks/>
+          </p:cNvCxnSpPr>
+          <p:nvPr/>
+        </p:nvCxnSpPr>
+        <p:spPr>
+          <a:xfrm>
+            <a:off x="242047" y="2581560"/>
+            <a:ext cx="9816353" cy="0"/>
+          </a:xfrm>
+          <a:prstGeom prst="line">
+            <a:avLst/>
+          </a:prstGeom>
+          <a:ln w="57150">
+            <a:solidFill>
+              <a:srgbClr val="FF0000"/>
+            </a:solidFill>
+          </a:ln>
+        </p:spPr>
+        <p:style>
+          <a:lnRef idx="1">
+            <a:schemeClr val="accent1"/>
+          </a:lnRef>
+          <a:fillRef idx="0">
+            <a:schemeClr val="accent1"/>
+          </a:fillRef>
+          <a:effectRef idx="0">
+            <a:schemeClr val="accent1"/>
+          </a:effectRef>
+          <a:fontRef idx="minor">
+            <a:schemeClr val="tx1"/>
+          </a:fontRef>
+        </p:style>
+      </p:cxnSp>
+      <p:cxnSp>
+        <p:nvCxnSpPr>
+          <p:cNvPr id="16" name="Straight Connector 15">
+            <a:extLst>
+              <a:ext uri="{FF2B5EF4-FFF2-40B4-BE49-F238E27FC236}">
+                <a16:creationId xmlns:a16="http://schemas.microsoft.com/office/drawing/2014/main" id="{9CEAAE26-50B5-6664-EA63-BB320C19915D}"/>
+              </a:ext>
+            </a:extLst>
+          </p:cNvPr>
+          <p:cNvCxnSpPr>
+            <a:cxnSpLocks/>
+          </p:cNvCxnSpPr>
+          <p:nvPr/>
+        </p:nvCxnSpPr>
+        <p:spPr>
+          <a:xfrm>
+            <a:off x="242047" y="2904289"/>
+            <a:ext cx="2841812" cy="0"/>
+          </a:xfrm>
+          <a:prstGeom prst="line">
+            <a:avLst/>
+          </a:prstGeom>
+          <a:ln w="57150">
+            <a:solidFill>
+              <a:srgbClr val="FF0000"/>
+            </a:solidFill>
+          </a:ln>
+        </p:spPr>
+        <p:style>
+          <a:lnRef idx="1">
+            <a:schemeClr val="accent1"/>
+          </a:lnRef>
+          <a:fillRef idx="0">
+            <a:schemeClr val="accent1"/>
+          </a:fillRef>
+          <a:effectRef idx="0">
+            <a:schemeClr val="accent1"/>
+          </a:effectRef>
+          <a:fontRef idx="minor">
+            <a:schemeClr val="tx1"/>
+          </a:fontRef>
+        </p:style>
+      </p:cxnSp>
+      <p:cxnSp>
+        <p:nvCxnSpPr>
+          <p:cNvPr id="18" name="Straight Connector 17">
+            <a:extLst>
+              <a:ext uri="{FF2B5EF4-FFF2-40B4-BE49-F238E27FC236}">
+                <a16:creationId xmlns:a16="http://schemas.microsoft.com/office/drawing/2014/main" id="{FA2AE23F-E56B-F611-FA53-4F2425E6735A}"/>
+              </a:ext>
+            </a:extLst>
+          </p:cNvPr>
+          <p:cNvCxnSpPr>
+            <a:cxnSpLocks/>
+          </p:cNvCxnSpPr>
+          <p:nvPr/>
+        </p:nvCxnSpPr>
+        <p:spPr>
+          <a:xfrm>
+            <a:off x="7033932" y="2904289"/>
+            <a:ext cx="3024468" cy="0"/>
+          </a:xfrm>
+          <a:prstGeom prst="line">
+            <a:avLst/>
+          </a:prstGeom>
+          <a:ln w="57150">
+            <a:solidFill>
+              <a:srgbClr val="FF0000"/>
+            </a:solidFill>
+          </a:ln>
+        </p:spPr>
+        <p:style>
+          <a:lnRef idx="1">
+            <a:schemeClr val="accent1"/>
+          </a:lnRef>
+          <a:fillRef idx="0">
+            <a:schemeClr val="accent1"/>
+          </a:fillRef>
+          <a:effectRef idx="0">
+            <a:schemeClr val="accent1"/>
+          </a:effectRef>
+          <a:fontRef idx="minor">
+            <a:schemeClr val="tx1"/>
+          </a:fontRef>
+        </p:style>
+      </p:cxnSp>
+      <p:cxnSp>
+        <p:nvCxnSpPr>
+          <p:cNvPr id="20" name="Straight Connector 19">
+            <a:extLst>
+              <a:ext uri="{FF2B5EF4-FFF2-40B4-BE49-F238E27FC236}">
+                <a16:creationId xmlns:a16="http://schemas.microsoft.com/office/drawing/2014/main" id="{3E9A9C46-939E-DFC8-A30F-1B722C7845E8}"/>
+              </a:ext>
+            </a:extLst>
+          </p:cNvPr>
+          <p:cNvCxnSpPr>
+            <a:cxnSpLocks/>
+          </p:cNvCxnSpPr>
+          <p:nvPr/>
+        </p:nvCxnSpPr>
+        <p:spPr>
+          <a:xfrm>
+            <a:off x="242047" y="3173230"/>
+            <a:ext cx="9816353" cy="0"/>
+          </a:xfrm>
+          <a:prstGeom prst="line">
+            <a:avLst/>
+          </a:prstGeom>
+          <a:ln w="57150">
+            <a:solidFill>
+              <a:srgbClr val="FF0000"/>
+            </a:solidFill>
+          </a:ln>
+        </p:spPr>
+        <p:style>
+          <a:lnRef idx="1">
+            <a:schemeClr val="accent1"/>
+          </a:lnRef>
+          <a:fillRef idx="0">
+            <a:schemeClr val="accent1"/>
+          </a:fillRef>
+          <a:effectRef idx="0">
+            <a:schemeClr val="accent1"/>
+          </a:effectRef>
+          <a:fontRef idx="minor">
+            <a:schemeClr val="tx1"/>
+          </a:fontRef>
+        </p:style>
+      </p:cxnSp>
+      <p:cxnSp>
+        <p:nvCxnSpPr>
+          <p:cNvPr id="21" name="Straight Connector 20">
+            <a:extLst>
+              <a:ext uri="{FF2B5EF4-FFF2-40B4-BE49-F238E27FC236}">
+                <a16:creationId xmlns:a16="http://schemas.microsoft.com/office/drawing/2014/main" id="{96FCDDD9-388F-4F6C-306A-2DCFC2CC9CE6}"/>
+              </a:ext>
+            </a:extLst>
+          </p:cNvPr>
+          <p:cNvCxnSpPr>
+            <a:cxnSpLocks/>
+          </p:cNvCxnSpPr>
+          <p:nvPr/>
+        </p:nvCxnSpPr>
+        <p:spPr>
+          <a:xfrm>
+            <a:off x="242047" y="3567677"/>
+            <a:ext cx="9816353" cy="0"/>
+          </a:xfrm>
+          <a:prstGeom prst="line">
+            <a:avLst/>
+          </a:prstGeom>
+          <a:ln w="57150">
+            <a:solidFill>
+              <a:srgbClr val="FF0000"/>
+            </a:solidFill>
+          </a:ln>
+        </p:spPr>
+        <p:style>
+          <a:lnRef idx="1">
+            <a:schemeClr val="accent1"/>
+          </a:lnRef>
+          <a:fillRef idx="0">
+            <a:schemeClr val="accent1"/>
+          </a:fillRef>
+          <a:effectRef idx="0">
+            <a:schemeClr val="accent1"/>
+          </a:effectRef>
+          <a:fontRef idx="minor">
+            <a:schemeClr val="tx1"/>
+          </a:fontRef>
+        </p:style>
+      </p:cxnSp>
+      <p:cxnSp>
+        <p:nvCxnSpPr>
+          <p:cNvPr id="22" name="Straight Connector 21">
+            <a:extLst>
+              <a:ext uri="{FF2B5EF4-FFF2-40B4-BE49-F238E27FC236}">
+                <a16:creationId xmlns:a16="http://schemas.microsoft.com/office/drawing/2014/main" id="{BFA28A97-BFA9-0864-4839-C876CF3CC293}"/>
+              </a:ext>
+            </a:extLst>
+          </p:cNvPr>
+          <p:cNvCxnSpPr>
+            <a:cxnSpLocks/>
+          </p:cNvCxnSpPr>
+          <p:nvPr/>
+        </p:nvCxnSpPr>
+        <p:spPr>
+          <a:xfrm>
+            <a:off x="242047" y="3854548"/>
+            <a:ext cx="403412" cy="0"/>
+          </a:xfrm>
+          <a:prstGeom prst="line">
+            <a:avLst/>
+          </a:prstGeom>
+          <a:ln w="57150">
+            <a:solidFill>
+              <a:srgbClr val="FF0000"/>
+            </a:solidFill>
+          </a:ln>
+        </p:spPr>
+        <p:style>
+          <a:lnRef idx="1">
+            <a:schemeClr val="accent1"/>
+          </a:lnRef>
+          <a:fillRef idx="0">
+            <a:schemeClr val="accent1"/>
+          </a:fillRef>
+          <a:effectRef idx="0">
+            <a:schemeClr val="accent1"/>
+          </a:effectRef>
+          <a:fontRef idx="minor">
+            <a:schemeClr val="tx1"/>
+          </a:fontRef>
+        </p:style>
+      </p:cxnSp>
+      <p:cxnSp>
+        <p:nvCxnSpPr>
+          <p:cNvPr id="24" name="Straight Connector 23">
+            <a:extLst>
+              <a:ext uri="{FF2B5EF4-FFF2-40B4-BE49-F238E27FC236}">
+                <a16:creationId xmlns:a16="http://schemas.microsoft.com/office/drawing/2014/main" id="{A6BE5D9A-3E41-CEB7-D010-CFEF1C8ED07B}"/>
+              </a:ext>
+            </a:extLst>
+          </p:cNvPr>
+          <p:cNvCxnSpPr>
+            <a:cxnSpLocks/>
+          </p:cNvCxnSpPr>
+          <p:nvPr/>
+        </p:nvCxnSpPr>
+        <p:spPr>
+          <a:xfrm>
+            <a:off x="2940424" y="4141419"/>
+            <a:ext cx="7117976" cy="0"/>
+          </a:xfrm>
+          <a:prstGeom prst="line">
+            <a:avLst/>
+          </a:prstGeom>
+          <a:ln w="57150">
+            <a:solidFill>
+              <a:srgbClr val="FF0000"/>
+            </a:solidFill>
+          </a:ln>
+        </p:spPr>
+        <p:style>
+          <a:lnRef idx="1">
+            <a:schemeClr val="accent1"/>
+          </a:lnRef>
+          <a:fillRef idx="0">
+            <a:schemeClr val="accent1"/>
+          </a:fillRef>
+          <a:effectRef idx="0">
+            <a:schemeClr val="accent1"/>
+          </a:effectRef>
+          <a:fontRef idx="minor">
+            <a:schemeClr val="tx1"/>
+          </a:fontRef>
+        </p:style>
+      </p:cxnSp>
+      <p:cxnSp>
+        <p:nvCxnSpPr>
+          <p:cNvPr id="26" name="Straight Connector 25">
+            <a:extLst>
+              <a:ext uri="{FF2B5EF4-FFF2-40B4-BE49-F238E27FC236}">
+                <a16:creationId xmlns:a16="http://schemas.microsoft.com/office/drawing/2014/main" id="{70B71971-0B21-42DB-530D-43CA3C67F9C7}"/>
+              </a:ext>
+            </a:extLst>
+          </p:cNvPr>
+          <p:cNvCxnSpPr>
+            <a:cxnSpLocks/>
+          </p:cNvCxnSpPr>
+          <p:nvPr/>
+        </p:nvCxnSpPr>
+        <p:spPr>
+          <a:xfrm>
+            <a:off x="242047" y="4464148"/>
+            <a:ext cx="9816353" cy="0"/>
+          </a:xfrm>
+          <a:prstGeom prst="line">
+            <a:avLst/>
+          </a:prstGeom>
+          <a:ln w="57150">
+            <a:solidFill>
+              <a:srgbClr val="FF0000"/>
+            </a:solidFill>
+          </a:ln>
+        </p:spPr>
+        <p:style>
+          <a:lnRef idx="1">
+            <a:schemeClr val="accent1"/>
+          </a:lnRef>
+          <a:fillRef idx="0">
+            <a:schemeClr val="accent1"/>
+          </a:fillRef>
+          <a:effectRef idx="0">
+            <a:schemeClr val="accent1"/>
+          </a:effectRef>
+          <a:fontRef idx="minor">
+            <a:schemeClr val="tx1"/>
+          </a:fontRef>
+        </p:style>
+      </p:cxnSp>
+      <p:cxnSp>
+        <p:nvCxnSpPr>
+          <p:cNvPr id="27" name="Straight Connector 26">
+            <a:extLst>
+              <a:ext uri="{FF2B5EF4-FFF2-40B4-BE49-F238E27FC236}">
+                <a16:creationId xmlns:a16="http://schemas.microsoft.com/office/drawing/2014/main" id="{16D4D34E-C6E8-7C28-AF66-E2F5E8CAA864}"/>
+              </a:ext>
+            </a:extLst>
+          </p:cNvPr>
+          <p:cNvCxnSpPr>
+            <a:cxnSpLocks/>
+          </p:cNvCxnSpPr>
+          <p:nvPr/>
+        </p:nvCxnSpPr>
+        <p:spPr>
+          <a:xfrm>
+            <a:off x="242047" y="4768948"/>
+            <a:ext cx="9816353" cy="0"/>
+          </a:xfrm>
+          <a:prstGeom prst="line">
+            <a:avLst/>
+          </a:prstGeom>
+          <a:ln w="57150">
+            <a:solidFill>
+              <a:srgbClr val="FF0000"/>
+            </a:solidFill>
+          </a:ln>
+        </p:spPr>
+        <p:style>
+          <a:lnRef idx="1">
+            <a:schemeClr val="accent1"/>
+          </a:lnRef>
+          <a:fillRef idx="0">
+            <a:schemeClr val="accent1"/>
+          </a:fillRef>
+          <a:effectRef idx="0">
+            <a:schemeClr val="accent1"/>
+          </a:effectRef>
+          <a:fontRef idx="minor">
+            <a:schemeClr val="tx1"/>
+          </a:fontRef>
+        </p:style>
+      </p:cxnSp>
+      <p:cxnSp>
+        <p:nvCxnSpPr>
+          <p:cNvPr id="28" name="Straight Connector 27">
+            <a:extLst>
+              <a:ext uri="{FF2B5EF4-FFF2-40B4-BE49-F238E27FC236}">
+                <a16:creationId xmlns:a16="http://schemas.microsoft.com/office/drawing/2014/main" id="{F672F6EA-1442-8A21-CBDA-2D25D094EB3B}"/>
+              </a:ext>
+            </a:extLst>
+          </p:cNvPr>
+          <p:cNvCxnSpPr>
+            <a:cxnSpLocks/>
+          </p:cNvCxnSpPr>
+          <p:nvPr/>
+        </p:nvCxnSpPr>
+        <p:spPr>
+          <a:xfrm>
+            <a:off x="242047" y="5091677"/>
+            <a:ext cx="9816353" cy="0"/>
+          </a:xfrm>
+          <a:prstGeom prst="line">
+            <a:avLst/>
+          </a:prstGeom>
+          <a:ln w="57150">
+            <a:solidFill>
+              <a:srgbClr val="FF0000"/>
+            </a:solidFill>
+          </a:ln>
+        </p:spPr>
+        <p:style>
+          <a:lnRef idx="1">
+            <a:schemeClr val="accent1"/>
+          </a:lnRef>
+          <a:fillRef idx="0">
+            <a:schemeClr val="accent1"/>
+          </a:fillRef>
+          <a:effectRef idx="0">
+            <a:schemeClr val="accent1"/>
+          </a:effectRef>
+          <a:fontRef idx="minor">
+            <a:schemeClr val="tx1"/>
+          </a:fontRef>
+        </p:style>
+      </p:cxnSp>
+      <p:cxnSp>
+        <p:nvCxnSpPr>
+          <p:cNvPr id="29" name="Straight Connector 28">
+            <a:extLst>
+              <a:ext uri="{FF2B5EF4-FFF2-40B4-BE49-F238E27FC236}">
+                <a16:creationId xmlns:a16="http://schemas.microsoft.com/office/drawing/2014/main" id="{57280016-E0C6-4DB4-8112-25328D23D113}"/>
+              </a:ext>
+            </a:extLst>
+          </p:cNvPr>
+          <p:cNvCxnSpPr>
+            <a:cxnSpLocks/>
+          </p:cNvCxnSpPr>
+          <p:nvPr/>
+        </p:nvCxnSpPr>
+        <p:spPr>
+          <a:xfrm>
+            <a:off x="242047" y="5432336"/>
+            <a:ext cx="9816353" cy="0"/>
+          </a:xfrm>
+          <a:prstGeom prst="line">
+            <a:avLst/>
+          </a:prstGeom>
+          <a:ln w="57150">
+            <a:solidFill>
+              <a:srgbClr val="FF0000"/>
+            </a:solidFill>
+          </a:ln>
+        </p:spPr>
+        <p:style>
+          <a:lnRef idx="1">
+            <a:schemeClr val="accent1"/>
+          </a:lnRef>
+          <a:fillRef idx="0">
+            <a:schemeClr val="accent1"/>
+          </a:fillRef>
+          <a:effectRef idx="0">
+            <a:schemeClr val="accent1"/>
+          </a:effectRef>
+          <a:fontRef idx="minor">
+            <a:schemeClr val="tx1"/>
+          </a:fontRef>
+        </p:style>
+      </p:cxnSp>
+      <p:cxnSp>
+        <p:nvCxnSpPr>
+          <p:cNvPr id="30" name="Straight Connector 29">
+            <a:extLst>
+              <a:ext uri="{FF2B5EF4-FFF2-40B4-BE49-F238E27FC236}">
+                <a16:creationId xmlns:a16="http://schemas.microsoft.com/office/drawing/2014/main" id="{C7232B95-091D-F81C-5A9B-38E790A64A72}"/>
+              </a:ext>
+            </a:extLst>
+          </p:cNvPr>
+          <p:cNvCxnSpPr>
+            <a:cxnSpLocks/>
+          </p:cNvCxnSpPr>
+          <p:nvPr/>
+        </p:nvCxnSpPr>
+        <p:spPr>
+          <a:xfrm>
+            <a:off x="242047" y="5737136"/>
+            <a:ext cx="2698377" cy="0"/>
+          </a:xfrm>
+          <a:prstGeom prst="line">
+            <a:avLst/>
+          </a:prstGeom>
+          <a:ln w="57150">
+            <a:solidFill>
+              <a:srgbClr val="FF0000"/>
+            </a:solidFill>
+          </a:ln>
+        </p:spPr>
+        <p:style>
+          <a:lnRef idx="1">
+            <a:schemeClr val="accent1"/>
+          </a:lnRef>
+          <a:fillRef idx="0">
+            <a:schemeClr val="accent1"/>
+          </a:fillRef>
+          <a:effectRef idx="0">
+            <a:schemeClr val="accent1"/>
+          </a:effectRef>
+          <a:fontRef idx="minor">
+            <a:schemeClr val="tx1"/>
+          </a:fontRef>
+        </p:style>
+      </p:cxnSp>
+      <p:cxnSp>
+        <p:nvCxnSpPr>
+          <p:cNvPr id="32" name="Straight Connector 31">
+            <a:extLst>
+              <a:ext uri="{FF2B5EF4-FFF2-40B4-BE49-F238E27FC236}">
+                <a16:creationId xmlns:a16="http://schemas.microsoft.com/office/drawing/2014/main" id="{41C4D35E-1EFD-7A22-C867-084E2BBA30FE}"/>
+              </a:ext>
+            </a:extLst>
+          </p:cNvPr>
+          <p:cNvCxnSpPr>
+            <a:cxnSpLocks/>
+          </p:cNvCxnSpPr>
+          <p:nvPr/>
+        </p:nvCxnSpPr>
+        <p:spPr>
+          <a:xfrm>
+            <a:off x="242047" y="6319980"/>
+            <a:ext cx="9816353" cy="0"/>
+          </a:xfrm>
+          <a:prstGeom prst="line">
+            <a:avLst/>
+          </a:prstGeom>
+          <a:ln w="57150">
+            <a:solidFill>
+              <a:srgbClr val="FF0000"/>
+            </a:solidFill>
+          </a:ln>
+        </p:spPr>
+        <p:style>
+          <a:lnRef idx="1">
+            <a:schemeClr val="accent1"/>
+          </a:lnRef>
+          <a:fillRef idx="0">
+            <a:schemeClr val="accent1"/>
+          </a:fillRef>
+          <a:effectRef idx="0">
+            <a:schemeClr val="accent1"/>
+          </a:effectRef>
+          <a:fontRef idx="minor">
+            <a:schemeClr val="tx1"/>
+          </a:fontRef>
+        </p:style>
+      </p:cxnSp>
+      <p:cxnSp>
+        <p:nvCxnSpPr>
+          <p:cNvPr id="33" name="Straight Connector 32">
+            <a:extLst>
+              <a:ext uri="{FF2B5EF4-FFF2-40B4-BE49-F238E27FC236}">
+                <a16:creationId xmlns:a16="http://schemas.microsoft.com/office/drawing/2014/main" id="{66C00BA5-7EEE-79A3-6BF6-87047426747F}"/>
+              </a:ext>
+            </a:extLst>
+          </p:cNvPr>
+          <p:cNvCxnSpPr>
+            <a:cxnSpLocks/>
+          </p:cNvCxnSpPr>
+          <p:nvPr/>
+        </p:nvCxnSpPr>
+        <p:spPr>
+          <a:xfrm>
+            <a:off x="242047" y="6731212"/>
+            <a:ext cx="2142565" cy="0"/>
+          </a:xfrm>
+          <a:prstGeom prst="line">
+            <a:avLst/>
+          </a:prstGeom>
+          <a:ln w="57150">
+            <a:solidFill>
+              <a:srgbClr val="FF0000"/>
+            </a:solidFill>
+          </a:ln>
+        </p:spPr>
+        <p:style>
+          <a:lnRef idx="1">
+            <a:schemeClr val="accent1"/>
+          </a:lnRef>
+          <a:fillRef idx="0">
+            <a:schemeClr val="accent1"/>
+          </a:fillRef>
+          <a:effectRef idx="0">
+            <a:schemeClr val="accent1"/>
+          </a:effectRef>
+          <a:fontRef idx="minor">
+            <a:schemeClr val="tx1"/>
+          </a:fontRef>
+        </p:style>
+      </p:cxnSp>
     </p:spTree>
     <p:extLst>
       <p:ext uri="{BB962C8B-B14F-4D97-AF65-F5344CB8AC3E}">
@@ -13226,6 +14688,178 @@
           </a:prstGeom>
         </p:spPr>
       </p:pic>
+      <p:cxnSp>
+        <p:nvCxnSpPr>
+          <p:cNvPr id="2" name="Straight Connector 1">
+            <a:extLst>
+              <a:ext uri="{FF2B5EF4-FFF2-40B4-BE49-F238E27FC236}">
+                <a16:creationId xmlns:a16="http://schemas.microsoft.com/office/drawing/2014/main" id="{EB86B018-F070-D14F-BCEF-C1350AEB0749}"/>
+              </a:ext>
+            </a:extLst>
+          </p:cNvPr>
+          <p:cNvCxnSpPr>
+            <a:cxnSpLocks/>
+          </p:cNvCxnSpPr>
+          <p:nvPr/>
+        </p:nvCxnSpPr>
+        <p:spPr>
+          <a:xfrm>
+            <a:off x="1532964" y="2716031"/>
+            <a:ext cx="10354236" cy="0"/>
+          </a:xfrm>
+          <a:prstGeom prst="line">
+            <a:avLst/>
+          </a:prstGeom>
+          <a:ln w="57150">
+            <a:solidFill>
+              <a:srgbClr val="FF0000"/>
+            </a:solidFill>
+          </a:ln>
+        </p:spPr>
+        <p:style>
+          <a:lnRef idx="1">
+            <a:schemeClr val="accent1"/>
+          </a:lnRef>
+          <a:fillRef idx="0">
+            <a:schemeClr val="accent1"/>
+          </a:fillRef>
+          <a:effectRef idx="0">
+            <a:schemeClr val="accent1"/>
+          </a:effectRef>
+          <a:fontRef idx="minor">
+            <a:schemeClr val="tx1"/>
+          </a:fontRef>
+        </p:style>
+      </p:cxnSp>
+      <p:cxnSp>
+        <p:nvCxnSpPr>
+          <p:cNvPr id="6" name="Straight Connector 5">
+            <a:extLst>
+              <a:ext uri="{FF2B5EF4-FFF2-40B4-BE49-F238E27FC236}">
+                <a16:creationId xmlns:a16="http://schemas.microsoft.com/office/drawing/2014/main" id="{BD6E0BA7-D0ED-5C6A-5E33-61760C2677FC}"/>
+              </a:ext>
+            </a:extLst>
+          </p:cNvPr>
+          <p:cNvCxnSpPr>
+            <a:cxnSpLocks/>
+          </p:cNvCxnSpPr>
+          <p:nvPr/>
+        </p:nvCxnSpPr>
+        <p:spPr>
+          <a:xfrm>
+            <a:off x="466164" y="3047725"/>
+            <a:ext cx="11421036" cy="0"/>
+          </a:xfrm>
+          <a:prstGeom prst="line">
+            <a:avLst/>
+          </a:prstGeom>
+          <a:ln w="57150">
+            <a:solidFill>
+              <a:srgbClr val="FF0000"/>
+            </a:solidFill>
+          </a:ln>
+        </p:spPr>
+        <p:style>
+          <a:lnRef idx="1">
+            <a:schemeClr val="accent1"/>
+          </a:lnRef>
+          <a:fillRef idx="0">
+            <a:schemeClr val="accent1"/>
+          </a:fillRef>
+          <a:effectRef idx="0">
+            <a:schemeClr val="accent1"/>
+          </a:effectRef>
+          <a:fontRef idx="minor">
+            <a:schemeClr val="tx1"/>
+          </a:fontRef>
+        </p:style>
+      </p:cxnSp>
+      <p:cxnSp>
+        <p:nvCxnSpPr>
+          <p:cNvPr id="8" name="Straight Connector 7">
+            <a:extLst>
+              <a:ext uri="{FF2B5EF4-FFF2-40B4-BE49-F238E27FC236}">
+                <a16:creationId xmlns:a16="http://schemas.microsoft.com/office/drawing/2014/main" id="{E0BAEB8C-3F52-5ADE-2490-71897119D19E}"/>
+              </a:ext>
+            </a:extLst>
+          </p:cNvPr>
+          <p:cNvCxnSpPr>
+            <a:cxnSpLocks/>
+          </p:cNvCxnSpPr>
+          <p:nvPr/>
+        </p:nvCxnSpPr>
+        <p:spPr>
+          <a:xfrm>
+            <a:off x="466164" y="3429000"/>
+            <a:ext cx="11421036" cy="0"/>
+          </a:xfrm>
+          <a:prstGeom prst="line">
+            <a:avLst/>
+          </a:prstGeom>
+          <a:ln w="57150">
+            <a:solidFill>
+              <a:srgbClr val="FF0000"/>
+            </a:solidFill>
+          </a:ln>
+        </p:spPr>
+        <p:style>
+          <a:lnRef idx="1">
+            <a:schemeClr val="accent1"/>
+          </a:lnRef>
+          <a:fillRef idx="0">
+            <a:schemeClr val="accent1"/>
+          </a:fillRef>
+          <a:effectRef idx="0">
+            <a:schemeClr val="accent1"/>
+          </a:effectRef>
+          <a:fontRef idx="minor">
+            <a:schemeClr val="tx1"/>
+          </a:fontRef>
+        </p:style>
+      </p:cxnSp>
+      <p:cxnSp>
+        <p:nvCxnSpPr>
+          <p:cNvPr id="9" name="Straight Connector 8">
+            <a:extLst>
+              <a:ext uri="{FF2B5EF4-FFF2-40B4-BE49-F238E27FC236}">
+                <a16:creationId xmlns:a16="http://schemas.microsoft.com/office/drawing/2014/main" id="{05E2A716-1605-76A8-43C6-0CFFCF157270}"/>
+              </a:ext>
+            </a:extLst>
+          </p:cNvPr>
+          <p:cNvCxnSpPr>
+            <a:cxnSpLocks/>
+          </p:cNvCxnSpPr>
+          <p:nvPr/>
+        </p:nvCxnSpPr>
+        <p:spPr>
+          <a:xfrm>
+            <a:off x="466164" y="3773866"/>
+            <a:ext cx="9018495" cy="0"/>
+          </a:xfrm>
+          <a:prstGeom prst="line">
+            <a:avLst/>
+          </a:prstGeom>
+          <a:ln w="57150">
+            <a:solidFill>
+              <a:srgbClr val="FF0000"/>
+            </a:solidFill>
+          </a:ln>
+        </p:spPr>
+        <p:style>
+          <a:lnRef idx="1">
+            <a:schemeClr val="accent1"/>
+          </a:lnRef>
+          <a:fillRef idx="0">
+            <a:schemeClr val="accent1"/>
+          </a:fillRef>
+          <a:effectRef idx="0">
+            <a:schemeClr val="accent1"/>
+          </a:effectRef>
+          <a:fontRef idx="minor">
+            <a:schemeClr val="tx1"/>
+          </a:fontRef>
+        </p:style>
+      </p:cxnSp>
     </p:spTree>
     <p:extLst>
       <p:ext uri="{BB962C8B-B14F-4D97-AF65-F5344CB8AC3E}">
@@ -13352,6 +14986,608 @@
           </a:prstGeom>
         </p:spPr>
       </p:pic>
+      <p:cxnSp>
+        <p:nvCxnSpPr>
+          <p:cNvPr id="2" name="Straight Connector 1">
+            <a:extLst>
+              <a:ext uri="{FF2B5EF4-FFF2-40B4-BE49-F238E27FC236}">
+                <a16:creationId xmlns:a16="http://schemas.microsoft.com/office/drawing/2014/main" id="{9A1AA697-9997-1975-8D7C-895E6EF1505E}"/>
+              </a:ext>
+            </a:extLst>
+          </p:cNvPr>
+          <p:cNvCxnSpPr>
+            <a:cxnSpLocks/>
+          </p:cNvCxnSpPr>
+          <p:nvPr/>
+        </p:nvCxnSpPr>
+        <p:spPr>
+          <a:xfrm>
+            <a:off x="2886635" y="645184"/>
+            <a:ext cx="6795247" cy="0"/>
+          </a:xfrm>
+          <a:prstGeom prst="line">
+            <a:avLst/>
+          </a:prstGeom>
+          <a:ln w="57150">
+            <a:solidFill>
+              <a:srgbClr val="FF0000"/>
+            </a:solidFill>
+          </a:ln>
+        </p:spPr>
+        <p:style>
+          <a:lnRef idx="1">
+            <a:schemeClr val="accent1"/>
+          </a:lnRef>
+          <a:fillRef idx="0">
+            <a:schemeClr val="accent1"/>
+          </a:fillRef>
+          <a:effectRef idx="0">
+            <a:schemeClr val="accent1"/>
+          </a:effectRef>
+          <a:fontRef idx="minor">
+            <a:schemeClr val="tx1"/>
+          </a:fontRef>
+        </p:style>
+      </p:cxnSp>
+      <p:cxnSp>
+        <p:nvCxnSpPr>
+          <p:cNvPr id="8" name="Straight Connector 7">
+            <a:extLst>
+              <a:ext uri="{FF2B5EF4-FFF2-40B4-BE49-F238E27FC236}">
+                <a16:creationId xmlns:a16="http://schemas.microsoft.com/office/drawing/2014/main" id="{40477331-E929-3BD2-9F82-F24EEF9574B1}"/>
+              </a:ext>
+            </a:extLst>
+          </p:cNvPr>
+          <p:cNvCxnSpPr>
+            <a:cxnSpLocks/>
+          </p:cNvCxnSpPr>
+          <p:nvPr/>
+        </p:nvCxnSpPr>
+        <p:spPr>
+          <a:xfrm>
+            <a:off x="770964" y="949984"/>
+            <a:ext cx="8229601" cy="0"/>
+          </a:xfrm>
+          <a:prstGeom prst="line">
+            <a:avLst/>
+          </a:prstGeom>
+          <a:ln w="57150">
+            <a:solidFill>
+              <a:srgbClr val="FF0000"/>
+            </a:solidFill>
+          </a:ln>
+        </p:spPr>
+        <p:style>
+          <a:lnRef idx="1">
+            <a:schemeClr val="accent1"/>
+          </a:lnRef>
+          <a:fillRef idx="0">
+            <a:schemeClr val="accent1"/>
+          </a:fillRef>
+          <a:effectRef idx="0">
+            <a:schemeClr val="accent1"/>
+          </a:effectRef>
+          <a:fontRef idx="minor">
+            <a:schemeClr val="tx1"/>
+          </a:fontRef>
+        </p:style>
+      </p:cxnSp>
+      <p:cxnSp>
+        <p:nvCxnSpPr>
+          <p:cNvPr id="10" name="Straight Connector 9">
+            <a:extLst>
+              <a:ext uri="{FF2B5EF4-FFF2-40B4-BE49-F238E27FC236}">
+                <a16:creationId xmlns:a16="http://schemas.microsoft.com/office/drawing/2014/main" id="{C0E86705-0136-6594-AF1D-20EBED495549}"/>
+              </a:ext>
+            </a:extLst>
+          </p:cNvPr>
+          <p:cNvCxnSpPr>
+            <a:cxnSpLocks/>
+          </p:cNvCxnSpPr>
+          <p:nvPr/>
+        </p:nvCxnSpPr>
+        <p:spPr>
+          <a:xfrm>
+            <a:off x="8050306" y="2106431"/>
+            <a:ext cx="1819836" cy="0"/>
+          </a:xfrm>
+          <a:prstGeom prst="line">
+            <a:avLst/>
+          </a:prstGeom>
+          <a:ln w="57150">
+            <a:solidFill>
+              <a:srgbClr val="FF0000"/>
+            </a:solidFill>
+          </a:ln>
+        </p:spPr>
+        <p:style>
+          <a:lnRef idx="1">
+            <a:schemeClr val="accent1"/>
+          </a:lnRef>
+          <a:fillRef idx="0">
+            <a:schemeClr val="accent1"/>
+          </a:fillRef>
+          <a:effectRef idx="0">
+            <a:schemeClr val="accent1"/>
+          </a:effectRef>
+          <a:fontRef idx="minor">
+            <a:schemeClr val="tx1"/>
+          </a:fontRef>
+        </p:style>
+      </p:cxnSp>
+      <p:cxnSp>
+        <p:nvCxnSpPr>
+          <p:cNvPr id="12" name="Straight Connector 11">
+            <a:extLst>
+              <a:ext uri="{FF2B5EF4-FFF2-40B4-BE49-F238E27FC236}">
+                <a16:creationId xmlns:a16="http://schemas.microsoft.com/office/drawing/2014/main" id="{CD391816-4E43-8773-B415-6281ECBB6721}"/>
+              </a:ext>
+            </a:extLst>
+          </p:cNvPr>
+          <p:cNvCxnSpPr>
+            <a:cxnSpLocks/>
+          </p:cNvCxnSpPr>
+          <p:nvPr/>
+        </p:nvCxnSpPr>
+        <p:spPr>
+          <a:xfrm>
+            <a:off x="770964" y="2375372"/>
+            <a:ext cx="9099178" cy="0"/>
+          </a:xfrm>
+          <a:prstGeom prst="line">
+            <a:avLst/>
+          </a:prstGeom>
+          <a:ln w="57150">
+            <a:solidFill>
+              <a:srgbClr val="FF0000"/>
+            </a:solidFill>
+          </a:ln>
+        </p:spPr>
+        <p:style>
+          <a:lnRef idx="1">
+            <a:schemeClr val="accent1"/>
+          </a:lnRef>
+          <a:fillRef idx="0">
+            <a:schemeClr val="accent1"/>
+          </a:fillRef>
+          <a:effectRef idx="0">
+            <a:schemeClr val="accent1"/>
+          </a:effectRef>
+          <a:fontRef idx="minor">
+            <a:schemeClr val="tx1"/>
+          </a:fontRef>
+        </p:style>
+      </p:cxnSp>
+      <p:cxnSp>
+        <p:nvCxnSpPr>
+          <p:cNvPr id="14" name="Straight Connector 13">
+            <a:extLst>
+              <a:ext uri="{FF2B5EF4-FFF2-40B4-BE49-F238E27FC236}">
+                <a16:creationId xmlns:a16="http://schemas.microsoft.com/office/drawing/2014/main" id="{77FC4F45-69B3-C017-657E-D187D325E361}"/>
+              </a:ext>
+            </a:extLst>
+          </p:cNvPr>
+          <p:cNvCxnSpPr>
+            <a:cxnSpLocks/>
+          </p:cNvCxnSpPr>
+          <p:nvPr/>
+        </p:nvCxnSpPr>
+        <p:spPr>
+          <a:xfrm>
+            <a:off x="770964" y="2716031"/>
+            <a:ext cx="9099178" cy="0"/>
+          </a:xfrm>
+          <a:prstGeom prst="line">
+            <a:avLst/>
+          </a:prstGeom>
+          <a:ln w="57150">
+            <a:solidFill>
+              <a:srgbClr val="FF0000"/>
+            </a:solidFill>
+          </a:ln>
+        </p:spPr>
+        <p:style>
+          <a:lnRef idx="1">
+            <a:schemeClr val="accent1"/>
+          </a:lnRef>
+          <a:fillRef idx="0">
+            <a:schemeClr val="accent1"/>
+          </a:fillRef>
+          <a:effectRef idx="0">
+            <a:schemeClr val="accent1"/>
+          </a:effectRef>
+          <a:fontRef idx="minor">
+            <a:schemeClr val="tx1"/>
+          </a:fontRef>
+        </p:style>
+      </p:cxnSp>
+      <p:cxnSp>
+        <p:nvCxnSpPr>
+          <p:cNvPr id="16" name="Straight Connector 15">
+            <a:extLst>
+              <a:ext uri="{FF2B5EF4-FFF2-40B4-BE49-F238E27FC236}">
+                <a16:creationId xmlns:a16="http://schemas.microsoft.com/office/drawing/2014/main" id="{895BB771-7582-25EA-AEA1-15A9A7E5D4F3}"/>
+              </a:ext>
+            </a:extLst>
+          </p:cNvPr>
+          <p:cNvCxnSpPr>
+            <a:cxnSpLocks/>
+          </p:cNvCxnSpPr>
+          <p:nvPr/>
+        </p:nvCxnSpPr>
+        <p:spPr>
+          <a:xfrm>
+            <a:off x="770964" y="2958078"/>
+            <a:ext cx="5325036" cy="0"/>
+          </a:xfrm>
+          <a:prstGeom prst="line">
+            <a:avLst/>
+          </a:prstGeom>
+          <a:ln w="57150">
+            <a:solidFill>
+              <a:srgbClr val="FF0000"/>
+            </a:solidFill>
+          </a:ln>
+        </p:spPr>
+        <p:style>
+          <a:lnRef idx="1">
+            <a:schemeClr val="accent1"/>
+          </a:lnRef>
+          <a:fillRef idx="0">
+            <a:schemeClr val="accent1"/>
+          </a:fillRef>
+          <a:effectRef idx="0">
+            <a:schemeClr val="accent1"/>
+          </a:effectRef>
+          <a:fontRef idx="minor">
+            <a:schemeClr val="tx1"/>
+          </a:fontRef>
+        </p:style>
+      </p:cxnSp>
+      <p:cxnSp>
+        <p:nvCxnSpPr>
+          <p:cNvPr id="17" name="Straight Connector 16">
+            <a:extLst>
+              <a:ext uri="{FF2B5EF4-FFF2-40B4-BE49-F238E27FC236}">
+                <a16:creationId xmlns:a16="http://schemas.microsoft.com/office/drawing/2014/main" id="{E47B6EB9-3467-A7AC-6087-1BC2FED2B205}"/>
+              </a:ext>
+            </a:extLst>
+          </p:cNvPr>
+          <p:cNvCxnSpPr>
+            <a:cxnSpLocks/>
+          </p:cNvCxnSpPr>
+          <p:nvPr/>
+        </p:nvCxnSpPr>
+        <p:spPr>
+          <a:xfrm>
+            <a:off x="770964" y="3567677"/>
+            <a:ext cx="8229601" cy="0"/>
+          </a:xfrm>
+          <a:prstGeom prst="line">
+            <a:avLst/>
+          </a:prstGeom>
+          <a:ln w="57150">
+            <a:solidFill>
+              <a:srgbClr val="FF0000"/>
+            </a:solidFill>
+          </a:ln>
+        </p:spPr>
+        <p:style>
+          <a:lnRef idx="1">
+            <a:schemeClr val="accent1"/>
+          </a:lnRef>
+          <a:fillRef idx="0">
+            <a:schemeClr val="accent1"/>
+          </a:fillRef>
+          <a:effectRef idx="0">
+            <a:schemeClr val="accent1"/>
+          </a:effectRef>
+          <a:fontRef idx="minor">
+            <a:schemeClr val="tx1"/>
+          </a:fontRef>
+        </p:style>
+      </p:cxnSp>
+      <p:cxnSp>
+        <p:nvCxnSpPr>
+          <p:cNvPr id="20" name="Straight Connector 19">
+            <a:extLst>
+              <a:ext uri="{FF2B5EF4-FFF2-40B4-BE49-F238E27FC236}">
+                <a16:creationId xmlns:a16="http://schemas.microsoft.com/office/drawing/2014/main" id="{F36C8982-4A0D-50A7-80CE-CF7C47D98290}"/>
+              </a:ext>
+            </a:extLst>
+          </p:cNvPr>
+          <p:cNvCxnSpPr>
+            <a:cxnSpLocks/>
+          </p:cNvCxnSpPr>
+          <p:nvPr/>
+        </p:nvCxnSpPr>
+        <p:spPr>
+          <a:xfrm>
+            <a:off x="1775012" y="3262878"/>
+            <a:ext cx="8095130" cy="0"/>
+          </a:xfrm>
+          <a:prstGeom prst="line">
+            <a:avLst/>
+          </a:prstGeom>
+          <a:ln w="57150">
+            <a:solidFill>
+              <a:srgbClr val="FF0000"/>
+            </a:solidFill>
+          </a:ln>
+        </p:spPr>
+        <p:style>
+          <a:lnRef idx="1">
+            <a:schemeClr val="accent1"/>
+          </a:lnRef>
+          <a:fillRef idx="0">
+            <a:schemeClr val="accent1"/>
+          </a:fillRef>
+          <a:effectRef idx="0">
+            <a:schemeClr val="accent1"/>
+          </a:effectRef>
+          <a:fontRef idx="minor">
+            <a:schemeClr val="tx1"/>
+          </a:fontRef>
+        </p:style>
+      </p:cxnSp>
+      <p:cxnSp>
+        <p:nvCxnSpPr>
+          <p:cNvPr id="22" name="Straight Connector 21">
+            <a:extLst>
+              <a:ext uri="{FF2B5EF4-FFF2-40B4-BE49-F238E27FC236}">
+                <a16:creationId xmlns:a16="http://schemas.microsoft.com/office/drawing/2014/main" id="{2D35A793-542E-2649-35B1-48080BA86509}"/>
+              </a:ext>
+            </a:extLst>
+          </p:cNvPr>
+          <p:cNvCxnSpPr>
+            <a:cxnSpLocks/>
+          </p:cNvCxnSpPr>
+          <p:nvPr/>
+        </p:nvCxnSpPr>
+        <p:spPr>
+          <a:xfrm>
+            <a:off x="7225553" y="4428290"/>
+            <a:ext cx="2644589" cy="0"/>
+          </a:xfrm>
+          <a:prstGeom prst="line">
+            <a:avLst/>
+          </a:prstGeom>
+          <a:ln w="57150">
+            <a:solidFill>
+              <a:srgbClr val="FF0000"/>
+            </a:solidFill>
+          </a:ln>
+        </p:spPr>
+        <p:style>
+          <a:lnRef idx="1">
+            <a:schemeClr val="accent1"/>
+          </a:lnRef>
+          <a:fillRef idx="0">
+            <a:schemeClr val="accent1"/>
+          </a:fillRef>
+          <a:effectRef idx="0">
+            <a:schemeClr val="accent1"/>
+          </a:effectRef>
+          <a:fontRef idx="minor">
+            <a:schemeClr val="tx1"/>
+          </a:fontRef>
+        </p:style>
+      </p:cxnSp>
+      <p:cxnSp>
+        <p:nvCxnSpPr>
+          <p:cNvPr id="24" name="Straight Connector 23">
+            <a:extLst>
+              <a:ext uri="{FF2B5EF4-FFF2-40B4-BE49-F238E27FC236}">
+                <a16:creationId xmlns:a16="http://schemas.microsoft.com/office/drawing/2014/main" id="{70D29919-2421-5D00-BE88-042098C13043}"/>
+              </a:ext>
+            </a:extLst>
+          </p:cNvPr>
+          <p:cNvCxnSpPr>
+            <a:cxnSpLocks/>
+          </p:cNvCxnSpPr>
+          <p:nvPr/>
+        </p:nvCxnSpPr>
+        <p:spPr>
+          <a:xfrm>
+            <a:off x="770964" y="4697231"/>
+            <a:ext cx="9099178" cy="0"/>
+          </a:xfrm>
+          <a:prstGeom prst="line">
+            <a:avLst/>
+          </a:prstGeom>
+          <a:ln w="57150">
+            <a:solidFill>
+              <a:srgbClr val="FF0000"/>
+            </a:solidFill>
+          </a:ln>
+        </p:spPr>
+        <p:style>
+          <a:lnRef idx="1">
+            <a:schemeClr val="accent1"/>
+          </a:lnRef>
+          <a:fillRef idx="0">
+            <a:schemeClr val="accent1"/>
+          </a:fillRef>
+          <a:effectRef idx="0">
+            <a:schemeClr val="accent1"/>
+          </a:effectRef>
+          <a:fontRef idx="minor">
+            <a:schemeClr val="tx1"/>
+          </a:fontRef>
+        </p:style>
+      </p:cxnSp>
+      <p:cxnSp>
+        <p:nvCxnSpPr>
+          <p:cNvPr id="25" name="Straight Connector 24">
+            <a:extLst>
+              <a:ext uri="{FF2B5EF4-FFF2-40B4-BE49-F238E27FC236}">
+                <a16:creationId xmlns:a16="http://schemas.microsoft.com/office/drawing/2014/main" id="{E5BC300F-4495-AA47-0933-5300625C18A3}"/>
+              </a:ext>
+            </a:extLst>
+          </p:cNvPr>
+          <p:cNvCxnSpPr>
+            <a:cxnSpLocks/>
+          </p:cNvCxnSpPr>
+          <p:nvPr/>
+        </p:nvCxnSpPr>
+        <p:spPr>
+          <a:xfrm>
+            <a:off x="770964" y="5002031"/>
+            <a:ext cx="9099178" cy="0"/>
+          </a:xfrm>
+          <a:prstGeom prst="line">
+            <a:avLst/>
+          </a:prstGeom>
+          <a:ln w="57150">
+            <a:solidFill>
+              <a:srgbClr val="FF0000"/>
+            </a:solidFill>
+          </a:ln>
+        </p:spPr>
+        <p:style>
+          <a:lnRef idx="1">
+            <a:schemeClr val="accent1"/>
+          </a:lnRef>
+          <a:fillRef idx="0">
+            <a:schemeClr val="accent1"/>
+          </a:fillRef>
+          <a:effectRef idx="0">
+            <a:schemeClr val="accent1"/>
+          </a:effectRef>
+          <a:fontRef idx="minor">
+            <a:schemeClr val="tx1"/>
+          </a:fontRef>
+        </p:style>
+      </p:cxnSp>
+      <p:cxnSp>
+        <p:nvCxnSpPr>
+          <p:cNvPr id="26" name="Straight Connector 25">
+            <a:extLst>
+              <a:ext uri="{FF2B5EF4-FFF2-40B4-BE49-F238E27FC236}">
+                <a16:creationId xmlns:a16="http://schemas.microsoft.com/office/drawing/2014/main" id="{EF67CD85-8E6B-3DE7-DEE7-B993A2CB909C}"/>
+              </a:ext>
+            </a:extLst>
+          </p:cNvPr>
+          <p:cNvCxnSpPr>
+            <a:cxnSpLocks/>
+          </p:cNvCxnSpPr>
+          <p:nvPr/>
+        </p:nvCxnSpPr>
+        <p:spPr>
+          <a:xfrm>
+            <a:off x="770964" y="5270972"/>
+            <a:ext cx="9099178" cy="0"/>
+          </a:xfrm>
+          <a:prstGeom prst="line">
+            <a:avLst/>
+          </a:prstGeom>
+          <a:ln w="57150">
+            <a:solidFill>
+              <a:srgbClr val="FF0000"/>
+            </a:solidFill>
+          </a:ln>
+        </p:spPr>
+        <p:style>
+          <a:lnRef idx="1">
+            <a:schemeClr val="accent1"/>
+          </a:lnRef>
+          <a:fillRef idx="0">
+            <a:schemeClr val="accent1"/>
+          </a:fillRef>
+          <a:effectRef idx="0">
+            <a:schemeClr val="accent1"/>
+          </a:effectRef>
+          <a:fontRef idx="minor">
+            <a:schemeClr val="tx1"/>
+          </a:fontRef>
+        </p:style>
+      </p:cxnSp>
+      <p:cxnSp>
+        <p:nvCxnSpPr>
+          <p:cNvPr id="27" name="Straight Connector 26">
+            <a:extLst>
+              <a:ext uri="{FF2B5EF4-FFF2-40B4-BE49-F238E27FC236}">
+                <a16:creationId xmlns:a16="http://schemas.microsoft.com/office/drawing/2014/main" id="{12D6255C-67DB-F387-0B9E-92C092237BEB}"/>
+              </a:ext>
+            </a:extLst>
+          </p:cNvPr>
+          <p:cNvCxnSpPr>
+            <a:cxnSpLocks/>
+          </p:cNvCxnSpPr>
+          <p:nvPr/>
+        </p:nvCxnSpPr>
+        <p:spPr>
+          <a:xfrm>
+            <a:off x="770964" y="5575772"/>
+            <a:ext cx="9099178" cy="0"/>
+          </a:xfrm>
+          <a:prstGeom prst="line">
+            <a:avLst/>
+          </a:prstGeom>
+          <a:ln w="57150">
+            <a:solidFill>
+              <a:srgbClr val="FF0000"/>
+            </a:solidFill>
+          </a:ln>
+        </p:spPr>
+        <p:style>
+          <a:lnRef idx="1">
+            <a:schemeClr val="accent1"/>
+          </a:lnRef>
+          <a:fillRef idx="0">
+            <a:schemeClr val="accent1"/>
+          </a:fillRef>
+          <a:effectRef idx="0">
+            <a:schemeClr val="accent1"/>
+          </a:effectRef>
+          <a:fontRef idx="minor">
+            <a:schemeClr val="tx1"/>
+          </a:fontRef>
+        </p:style>
+      </p:cxnSp>
+      <p:cxnSp>
+        <p:nvCxnSpPr>
+          <p:cNvPr id="28" name="Straight Connector 27">
+            <a:extLst>
+              <a:ext uri="{FF2B5EF4-FFF2-40B4-BE49-F238E27FC236}">
+                <a16:creationId xmlns:a16="http://schemas.microsoft.com/office/drawing/2014/main" id="{6B6D7E1C-135B-0077-A57F-D495B97BAF9E}"/>
+              </a:ext>
+            </a:extLst>
+          </p:cNvPr>
+          <p:cNvCxnSpPr>
+            <a:cxnSpLocks/>
+          </p:cNvCxnSpPr>
+          <p:nvPr/>
+        </p:nvCxnSpPr>
+        <p:spPr>
+          <a:xfrm>
+            <a:off x="770964" y="5880573"/>
+            <a:ext cx="5002307" cy="0"/>
+          </a:xfrm>
+          <a:prstGeom prst="line">
+            <a:avLst/>
+          </a:prstGeom>
+          <a:ln w="57150">
+            <a:solidFill>
+              <a:srgbClr val="FF0000"/>
+            </a:solidFill>
+          </a:ln>
+        </p:spPr>
+        <p:style>
+          <a:lnRef idx="1">
+            <a:schemeClr val="accent1"/>
+          </a:lnRef>
+          <a:fillRef idx="0">
+            <a:schemeClr val="accent1"/>
+          </a:fillRef>
+          <a:effectRef idx="0">
+            <a:schemeClr val="accent1"/>
+          </a:effectRef>
+          <a:fontRef idx="minor">
+            <a:schemeClr val="tx1"/>
+          </a:fontRef>
+        </p:style>
+      </p:cxnSp>
     </p:spTree>
     <p:extLst>
       <p:ext uri="{BB962C8B-B14F-4D97-AF65-F5344CB8AC3E}">
@@ -13448,6 +15684,393 @@
           </a:prstGeom>
         </p:spPr>
       </p:pic>
+      <p:cxnSp>
+        <p:nvCxnSpPr>
+          <p:cNvPr id="2" name="Straight Connector 1">
+            <a:extLst>
+              <a:ext uri="{FF2B5EF4-FFF2-40B4-BE49-F238E27FC236}">
+                <a16:creationId xmlns:a16="http://schemas.microsoft.com/office/drawing/2014/main" id="{7D7B6B07-148F-FF45-312A-CEF90D868EF6}"/>
+              </a:ext>
+            </a:extLst>
+          </p:cNvPr>
+          <p:cNvCxnSpPr>
+            <a:cxnSpLocks/>
+          </p:cNvCxnSpPr>
+          <p:nvPr/>
+        </p:nvCxnSpPr>
+        <p:spPr>
+          <a:xfrm>
+            <a:off x="4625788" y="582431"/>
+            <a:ext cx="5656730" cy="0"/>
+          </a:xfrm>
+          <a:prstGeom prst="line">
+            <a:avLst/>
+          </a:prstGeom>
+          <a:ln w="57150">
+            <a:solidFill>
+              <a:srgbClr val="FF0000"/>
+            </a:solidFill>
+          </a:ln>
+        </p:spPr>
+        <p:style>
+          <a:lnRef idx="1">
+            <a:schemeClr val="accent1"/>
+          </a:lnRef>
+          <a:fillRef idx="0">
+            <a:schemeClr val="accent1"/>
+          </a:fillRef>
+          <a:effectRef idx="0">
+            <a:schemeClr val="accent1"/>
+          </a:effectRef>
+          <a:fontRef idx="minor">
+            <a:schemeClr val="tx1"/>
+          </a:fontRef>
+        </p:style>
+      </p:cxnSp>
+      <p:cxnSp>
+        <p:nvCxnSpPr>
+          <p:cNvPr id="6" name="Straight Connector 5">
+            <a:extLst>
+              <a:ext uri="{FF2B5EF4-FFF2-40B4-BE49-F238E27FC236}">
+                <a16:creationId xmlns:a16="http://schemas.microsoft.com/office/drawing/2014/main" id="{9C6F02CC-99B3-2AAB-DB71-9BC9FFF198EA}"/>
+              </a:ext>
+            </a:extLst>
+          </p:cNvPr>
+          <p:cNvCxnSpPr>
+            <a:cxnSpLocks/>
+          </p:cNvCxnSpPr>
+          <p:nvPr/>
+        </p:nvCxnSpPr>
+        <p:spPr>
+          <a:xfrm>
+            <a:off x="448234" y="905161"/>
+            <a:ext cx="6669742" cy="0"/>
+          </a:xfrm>
+          <a:prstGeom prst="line">
+            <a:avLst/>
+          </a:prstGeom>
+          <a:ln w="57150">
+            <a:solidFill>
+              <a:srgbClr val="FF0000"/>
+            </a:solidFill>
+          </a:ln>
+        </p:spPr>
+        <p:style>
+          <a:lnRef idx="1">
+            <a:schemeClr val="accent1"/>
+          </a:lnRef>
+          <a:fillRef idx="0">
+            <a:schemeClr val="accent1"/>
+          </a:fillRef>
+          <a:effectRef idx="0">
+            <a:schemeClr val="accent1"/>
+          </a:effectRef>
+          <a:fontRef idx="minor">
+            <a:schemeClr val="tx1"/>
+          </a:fontRef>
+        </p:style>
+      </p:cxnSp>
+      <p:cxnSp>
+        <p:nvCxnSpPr>
+          <p:cNvPr id="8" name="Straight Connector 7">
+            <a:extLst>
+              <a:ext uri="{FF2B5EF4-FFF2-40B4-BE49-F238E27FC236}">
+                <a16:creationId xmlns:a16="http://schemas.microsoft.com/office/drawing/2014/main" id="{90BF5D61-7110-53A4-DCFE-002348B0B767}"/>
+              </a:ext>
+            </a:extLst>
+          </p:cNvPr>
+          <p:cNvCxnSpPr>
+            <a:cxnSpLocks/>
+          </p:cNvCxnSpPr>
+          <p:nvPr/>
+        </p:nvCxnSpPr>
+        <p:spPr>
+          <a:xfrm>
+            <a:off x="1703293" y="1496831"/>
+            <a:ext cx="8793257" cy="0"/>
+          </a:xfrm>
+          <a:prstGeom prst="line">
+            <a:avLst/>
+          </a:prstGeom>
+          <a:ln w="57150">
+            <a:solidFill>
+              <a:srgbClr val="FF0000"/>
+            </a:solidFill>
+          </a:ln>
+        </p:spPr>
+        <p:style>
+          <a:lnRef idx="1">
+            <a:schemeClr val="accent1"/>
+          </a:lnRef>
+          <a:fillRef idx="0">
+            <a:schemeClr val="accent1"/>
+          </a:fillRef>
+          <a:effectRef idx="0">
+            <a:schemeClr val="accent1"/>
+          </a:effectRef>
+          <a:fontRef idx="minor">
+            <a:schemeClr val="tx1"/>
+          </a:fontRef>
+        </p:style>
+      </p:cxnSp>
+      <p:cxnSp>
+        <p:nvCxnSpPr>
+          <p:cNvPr id="11" name="Straight Connector 10">
+            <a:extLst>
+              <a:ext uri="{FF2B5EF4-FFF2-40B4-BE49-F238E27FC236}">
+                <a16:creationId xmlns:a16="http://schemas.microsoft.com/office/drawing/2014/main" id="{C12A5B2D-26E2-8C43-3696-E526E97F3CF9}"/>
+              </a:ext>
+            </a:extLst>
+          </p:cNvPr>
+          <p:cNvCxnSpPr>
+            <a:cxnSpLocks/>
+          </p:cNvCxnSpPr>
+          <p:nvPr/>
+        </p:nvCxnSpPr>
+        <p:spPr>
+          <a:xfrm>
+            <a:off x="448234" y="1792666"/>
+            <a:ext cx="6669742" cy="0"/>
+          </a:xfrm>
+          <a:prstGeom prst="line">
+            <a:avLst/>
+          </a:prstGeom>
+          <a:ln w="57150">
+            <a:solidFill>
+              <a:srgbClr val="FF0000"/>
+            </a:solidFill>
+          </a:ln>
+        </p:spPr>
+        <p:style>
+          <a:lnRef idx="1">
+            <a:schemeClr val="accent1"/>
+          </a:lnRef>
+          <a:fillRef idx="0">
+            <a:schemeClr val="accent1"/>
+          </a:fillRef>
+          <a:effectRef idx="0">
+            <a:schemeClr val="accent1"/>
+          </a:effectRef>
+          <a:fontRef idx="minor">
+            <a:schemeClr val="tx1"/>
+          </a:fontRef>
+        </p:style>
+      </p:cxnSp>
+      <p:cxnSp>
+        <p:nvCxnSpPr>
+          <p:cNvPr id="13" name="Straight Connector 12">
+            <a:extLst>
+              <a:ext uri="{FF2B5EF4-FFF2-40B4-BE49-F238E27FC236}">
+                <a16:creationId xmlns:a16="http://schemas.microsoft.com/office/drawing/2014/main" id="{19EA6815-D1C9-F049-4177-981E15066837}"/>
+              </a:ext>
+            </a:extLst>
+          </p:cNvPr>
+          <p:cNvCxnSpPr>
+            <a:cxnSpLocks/>
+          </p:cNvCxnSpPr>
+          <p:nvPr/>
+        </p:nvCxnSpPr>
+        <p:spPr>
+          <a:xfrm>
+            <a:off x="1013011" y="4320714"/>
+            <a:ext cx="9269507" cy="0"/>
+          </a:xfrm>
+          <a:prstGeom prst="line">
+            <a:avLst/>
+          </a:prstGeom>
+          <a:ln w="57150">
+            <a:solidFill>
+              <a:srgbClr val="FF0000"/>
+            </a:solidFill>
+          </a:ln>
+        </p:spPr>
+        <p:style>
+          <a:lnRef idx="1">
+            <a:schemeClr val="accent1"/>
+          </a:lnRef>
+          <a:fillRef idx="0">
+            <a:schemeClr val="accent1"/>
+          </a:fillRef>
+          <a:effectRef idx="0">
+            <a:schemeClr val="accent1"/>
+          </a:effectRef>
+          <a:fontRef idx="minor">
+            <a:schemeClr val="tx1"/>
+          </a:fontRef>
+        </p:style>
+      </p:cxnSp>
+      <p:cxnSp>
+        <p:nvCxnSpPr>
+          <p:cNvPr id="15" name="Straight Connector 14">
+            <a:extLst>
+              <a:ext uri="{FF2B5EF4-FFF2-40B4-BE49-F238E27FC236}">
+                <a16:creationId xmlns:a16="http://schemas.microsoft.com/office/drawing/2014/main" id="{945A3DE4-20AA-2434-5DB1-795DE28E1C6F}"/>
+              </a:ext>
+            </a:extLst>
+          </p:cNvPr>
+          <p:cNvCxnSpPr>
+            <a:cxnSpLocks/>
+          </p:cNvCxnSpPr>
+          <p:nvPr/>
+        </p:nvCxnSpPr>
+        <p:spPr>
+          <a:xfrm>
+            <a:off x="448234" y="4688267"/>
+            <a:ext cx="9834284" cy="0"/>
+          </a:xfrm>
+          <a:prstGeom prst="line">
+            <a:avLst/>
+          </a:prstGeom>
+          <a:ln w="57150">
+            <a:solidFill>
+              <a:srgbClr val="FF0000"/>
+            </a:solidFill>
+          </a:ln>
+        </p:spPr>
+        <p:style>
+          <a:lnRef idx="1">
+            <a:schemeClr val="accent1"/>
+          </a:lnRef>
+          <a:fillRef idx="0">
+            <a:schemeClr val="accent1"/>
+          </a:fillRef>
+          <a:effectRef idx="0">
+            <a:schemeClr val="accent1"/>
+          </a:effectRef>
+          <a:fontRef idx="minor">
+            <a:schemeClr val="tx1"/>
+          </a:fontRef>
+        </p:style>
+      </p:cxnSp>
+      <p:cxnSp>
+        <p:nvCxnSpPr>
+          <p:cNvPr id="17" name="Straight Connector 16">
+            <a:extLst>
+              <a:ext uri="{FF2B5EF4-FFF2-40B4-BE49-F238E27FC236}">
+                <a16:creationId xmlns:a16="http://schemas.microsoft.com/office/drawing/2014/main" id="{F1CA627F-AAF2-D0D9-D4A7-D5DDB436CF61}"/>
+              </a:ext>
+            </a:extLst>
+          </p:cNvPr>
+          <p:cNvCxnSpPr>
+            <a:cxnSpLocks/>
+          </p:cNvCxnSpPr>
+          <p:nvPr/>
+        </p:nvCxnSpPr>
+        <p:spPr>
+          <a:xfrm>
+            <a:off x="448234" y="4984102"/>
+            <a:ext cx="9834284" cy="0"/>
+          </a:xfrm>
+          <a:prstGeom prst="line">
+            <a:avLst/>
+          </a:prstGeom>
+          <a:ln w="57150">
+            <a:solidFill>
+              <a:srgbClr val="FF0000"/>
+            </a:solidFill>
+          </a:ln>
+        </p:spPr>
+        <p:style>
+          <a:lnRef idx="1">
+            <a:schemeClr val="accent1"/>
+          </a:lnRef>
+          <a:fillRef idx="0">
+            <a:schemeClr val="accent1"/>
+          </a:fillRef>
+          <a:effectRef idx="0">
+            <a:schemeClr val="accent1"/>
+          </a:effectRef>
+          <a:fontRef idx="minor">
+            <a:schemeClr val="tx1"/>
+          </a:fontRef>
+        </p:style>
+      </p:cxnSp>
+      <p:cxnSp>
+        <p:nvCxnSpPr>
+          <p:cNvPr id="18" name="Straight Connector 17">
+            <a:extLst>
+              <a:ext uri="{FF2B5EF4-FFF2-40B4-BE49-F238E27FC236}">
+                <a16:creationId xmlns:a16="http://schemas.microsoft.com/office/drawing/2014/main" id="{84698B73-DF91-3CF1-8E0B-2A57EBB7195A}"/>
+              </a:ext>
+            </a:extLst>
+          </p:cNvPr>
+          <p:cNvCxnSpPr>
+            <a:cxnSpLocks/>
+          </p:cNvCxnSpPr>
+          <p:nvPr/>
+        </p:nvCxnSpPr>
+        <p:spPr>
+          <a:xfrm>
+            <a:off x="448234" y="5306832"/>
+            <a:ext cx="9834284" cy="0"/>
+          </a:xfrm>
+          <a:prstGeom prst="line">
+            <a:avLst/>
+          </a:prstGeom>
+          <a:ln w="57150">
+            <a:solidFill>
+              <a:srgbClr val="FF0000"/>
+            </a:solidFill>
+          </a:ln>
+        </p:spPr>
+        <p:style>
+          <a:lnRef idx="1">
+            <a:schemeClr val="accent1"/>
+          </a:lnRef>
+          <a:fillRef idx="0">
+            <a:schemeClr val="accent1"/>
+          </a:fillRef>
+          <a:effectRef idx="0">
+            <a:schemeClr val="accent1"/>
+          </a:effectRef>
+          <a:fontRef idx="minor">
+            <a:schemeClr val="tx1"/>
+          </a:fontRef>
+        </p:style>
+      </p:cxnSp>
+      <p:cxnSp>
+        <p:nvCxnSpPr>
+          <p:cNvPr id="19" name="Straight Connector 18">
+            <a:extLst>
+              <a:ext uri="{FF2B5EF4-FFF2-40B4-BE49-F238E27FC236}">
+                <a16:creationId xmlns:a16="http://schemas.microsoft.com/office/drawing/2014/main" id="{DD59872A-8DFB-844B-42DD-D4E555C8F1C0}"/>
+              </a:ext>
+            </a:extLst>
+          </p:cNvPr>
+          <p:cNvCxnSpPr>
+            <a:cxnSpLocks/>
+          </p:cNvCxnSpPr>
+          <p:nvPr/>
+        </p:nvCxnSpPr>
+        <p:spPr>
+          <a:xfrm>
+            <a:off x="448234" y="5584738"/>
+            <a:ext cx="2940425" cy="0"/>
+          </a:xfrm>
+          <a:prstGeom prst="line">
+            <a:avLst/>
+          </a:prstGeom>
+          <a:ln w="57150">
+            <a:solidFill>
+              <a:srgbClr val="FF0000"/>
+            </a:solidFill>
+          </a:ln>
+        </p:spPr>
+        <p:style>
+          <a:lnRef idx="1">
+            <a:schemeClr val="accent1"/>
+          </a:lnRef>
+          <a:fillRef idx="0">
+            <a:schemeClr val="accent1"/>
+          </a:fillRef>
+          <a:effectRef idx="0">
+            <a:schemeClr val="accent1"/>
+          </a:effectRef>
+          <a:fontRef idx="minor">
+            <a:schemeClr val="tx1"/>
+          </a:fontRef>
+        </p:style>
+      </p:cxnSp>
     </p:spTree>
     <p:extLst>
       <p:ext uri="{BB962C8B-B14F-4D97-AF65-F5344CB8AC3E}">
@@ -13544,6 +16167,264 @@
           </a:prstGeom>
         </p:spPr>
       </p:pic>
+      <p:cxnSp>
+        <p:nvCxnSpPr>
+          <p:cNvPr id="2" name="Straight Connector 1">
+            <a:extLst>
+              <a:ext uri="{FF2B5EF4-FFF2-40B4-BE49-F238E27FC236}">
+                <a16:creationId xmlns:a16="http://schemas.microsoft.com/office/drawing/2014/main" id="{5A717969-6A81-B1C1-8602-1F63378CDC77}"/>
+              </a:ext>
+            </a:extLst>
+          </p:cNvPr>
+          <p:cNvCxnSpPr>
+            <a:cxnSpLocks/>
+          </p:cNvCxnSpPr>
+          <p:nvPr/>
+        </p:nvCxnSpPr>
+        <p:spPr>
+          <a:xfrm>
+            <a:off x="5056094" y="2563632"/>
+            <a:ext cx="5838186" cy="0"/>
+          </a:xfrm>
+          <a:prstGeom prst="line">
+            <a:avLst/>
+          </a:prstGeom>
+          <a:ln w="57150">
+            <a:solidFill>
+              <a:srgbClr val="FF0000"/>
+            </a:solidFill>
+          </a:ln>
+        </p:spPr>
+        <p:style>
+          <a:lnRef idx="1">
+            <a:schemeClr val="accent1"/>
+          </a:lnRef>
+          <a:fillRef idx="0">
+            <a:schemeClr val="accent1"/>
+          </a:fillRef>
+          <a:effectRef idx="0">
+            <a:schemeClr val="accent1"/>
+          </a:effectRef>
+          <a:fontRef idx="minor">
+            <a:schemeClr val="tx1"/>
+          </a:fontRef>
+        </p:style>
+      </p:cxnSp>
+      <p:cxnSp>
+        <p:nvCxnSpPr>
+          <p:cNvPr id="6" name="Straight Connector 5">
+            <a:extLst>
+              <a:ext uri="{FF2B5EF4-FFF2-40B4-BE49-F238E27FC236}">
+                <a16:creationId xmlns:a16="http://schemas.microsoft.com/office/drawing/2014/main" id="{EDFF8596-214C-357A-1417-D8714231E3BC}"/>
+              </a:ext>
+            </a:extLst>
+          </p:cNvPr>
+          <p:cNvCxnSpPr>
+            <a:cxnSpLocks/>
+          </p:cNvCxnSpPr>
+          <p:nvPr/>
+        </p:nvCxnSpPr>
+        <p:spPr>
+          <a:xfrm>
+            <a:off x="257814" y="2913255"/>
+            <a:ext cx="10636466" cy="0"/>
+          </a:xfrm>
+          <a:prstGeom prst="line">
+            <a:avLst/>
+          </a:prstGeom>
+          <a:ln w="57150">
+            <a:solidFill>
+              <a:srgbClr val="FF0000"/>
+            </a:solidFill>
+          </a:ln>
+        </p:spPr>
+        <p:style>
+          <a:lnRef idx="1">
+            <a:schemeClr val="accent1"/>
+          </a:lnRef>
+          <a:fillRef idx="0">
+            <a:schemeClr val="accent1"/>
+          </a:fillRef>
+          <a:effectRef idx="0">
+            <a:schemeClr val="accent1"/>
+          </a:effectRef>
+          <a:fontRef idx="minor">
+            <a:schemeClr val="tx1"/>
+          </a:fontRef>
+        </p:style>
+      </p:cxnSp>
+      <p:cxnSp>
+        <p:nvCxnSpPr>
+          <p:cNvPr id="9" name="Straight Connector 8">
+            <a:extLst>
+              <a:ext uri="{FF2B5EF4-FFF2-40B4-BE49-F238E27FC236}">
+                <a16:creationId xmlns:a16="http://schemas.microsoft.com/office/drawing/2014/main" id="{D59971C8-0796-88E1-E5D9-4453A6540428}"/>
+              </a:ext>
+            </a:extLst>
+          </p:cNvPr>
+          <p:cNvCxnSpPr>
+            <a:cxnSpLocks/>
+          </p:cNvCxnSpPr>
+          <p:nvPr/>
+        </p:nvCxnSpPr>
+        <p:spPr>
+          <a:xfrm>
+            <a:off x="257814" y="3209090"/>
+            <a:ext cx="10636466" cy="0"/>
+          </a:xfrm>
+          <a:prstGeom prst="line">
+            <a:avLst/>
+          </a:prstGeom>
+          <a:ln w="57150">
+            <a:solidFill>
+              <a:srgbClr val="FF0000"/>
+            </a:solidFill>
+          </a:ln>
+        </p:spPr>
+        <p:style>
+          <a:lnRef idx="1">
+            <a:schemeClr val="accent1"/>
+          </a:lnRef>
+          <a:fillRef idx="0">
+            <a:schemeClr val="accent1"/>
+          </a:fillRef>
+          <a:effectRef idx="0">
+            <a:schemeClr val="accent1"/>
+          </a:effectRef>
+          <a:fontRef idx="minor">
+            <a:schemeClr val="tx1"/>
+          </a:fontRef>
+        </p:style>
+      </p:cxnSp>
+      <p:cxnSp>
+        <p:nvCxnSpPr>
+          <p:cNvPr id="10" name="Straight Connector 9">
+            <a:extLst>
+              <a:ext uri="{FF2B5EF4-FFF2-40B4-BE49-F238E27FC236}">
+                <a16:creationId xmlns:a16="http://schemas.microsoft.com/office/drawing/2014/main" id="{8CB5F6C8-4837-C7DF-31D1-8DE934142DEA}"/>
+              </a:ext>
+            </a:extLst>
+          </p:cNvPr>
+          <p:cNvCxnSpPr>
+            <a:cxnSpLocks/>
+          </p:cNvCxnSpPr>
+          <p:nvPr/>
+        </p:nvCxnSpPr>
+        <p:spPr>
+          <a:xfrm>
+            <a:off x="257814" y="3603537"/>
+            <a:ext cx="4798280" cy="0"/>
+          </a:xfrm>
+          <a:prstGeom prst="line">
+            <a:avLst/>
+          </a:prstGeom>
+          <a:ln w="57150">
+            <a:solidFill>
+              <a:srgbClr val="FF0000"/>
+            </a:solidFill>
+          </a:ln>
+        </p:spPr>
+        <p:style>
+          <a:lnRef idx="1">
+            <a:schemeClr val="accent1"/>
+          </a:lnRef>
+          <a:fillRef idx="0">
+            <a:schemeClr val="accent1"/>
+          </a:fillRef>
+          <a:effectRef idx="0">
+            <a:schemeClr val="accent1"/>
+          </a:effectRef>
+          <a:fontRef idx="minor">
+            <a:schemeClr val="tx1"/>
+          </a:fontRef>
+        </p:style>
+      </p:cxnSp>
+      <p:cxnSp>
+        <p:nvCxnSpPr>
+          <p:cNvPr id="12" name="Straight Connector 11">
+            <a:extLst>
+              <a:ext uri="{FF2B5EF4-FFF2-40B4-BE49-F238E27FC236}">
+                <a16:creationId xmlns:a16="http://schemas.microsoft.com/office/drawing/2014/main" id="{608821F1-FFE6-042A-6034-E4085B901329}"/>
+              </a:ext>
+            </a:extLst>
+          </p:cNvPr>
+          <p:cNvCxnSpPr>
+            <a:cxnSpLocks/>
+          </p:cNvCxnSpPr>
+          <p:nvPr/>
+        </p:nvCxnSpPr>
+        <p:spPr>
+          <a:xfrm>
+            <a:off x="4930588" y="3890408"/>
+            <a:ext cx="5963692" cy="0"/>
+          </a:xfrm>
+          <a:prstGeom prst="line">
+            <a:avLst/>
+          </a:prstGeom>
+          <a:ln w="57150">
+            <a:solidFill>
+              <a:srgbClr val="FF0000"/>
+            </a:solidFill>
+          </a:ln>
+        </p:spPr>
+        <p:style>
+          <a:lnRef idx="1">
+            <a:schemeClr val="accent1"/>
+          </a:lnRef>
+          <a:fillRef idx="0">
+            <a:schemeClr val="accent1"/>
+          </a:fillRef>
+          <a:effectRef idx="0">
+            <a:schemeClr val="accent1"/>
+          </a:effectRef>
+          <a:fontRef idx="minor">
+            <a:schemeClr val="tx1"/>
+          </a:fontRef>
+        </p:style>
+      </p:cxnSp>
+      <p:cxnSp>
+        <p:nvCxnSpPr>
+          <p:cNvPr id="14" name="Straight Connector 13">
+            <a:extLst>
+              <a:ext uri="{FF2B5EF4-FFF2-40B4-BE49-F238E27FC236}">
+                <a16:creationId xmlns:a16="http://schemas.microsoft.com/office/drawing/2014/main" id="{B5BD97FA-2AEF-2290-924B-5D6CF1E5ED64}"/>
+              </a:ext>
+            </a:extLst>
+          </p:cNvPr>
+          <p:cNvCxnSpPr>
+            <a:cxnSpLocks/>
+          </p:cNvCxnSpPr>
+          <p:nvPr/>
+        </p:nvCxnSpPr>
+        <p:spPr>
+          <a:xfrm>
+            <a:off x="257814" y="4266926"/>
+            <a:ext cx="8115221" cy="0"/>
+          </a:xfrm>
+          <a:prstGeom prst="line">
+            <a:avLst/>
+          </a:prstGeom>
+          <a:ln w="57150">
+            <a:solidFill>
+              <a:srgbClr val="FF0000"/>
+            </a:solidFill>
+          </a:ln>
+        </p:spPr>
+        <p:style>
+          <a:lnRef idx="1">
+            <a:schemeClr val="accent1"/>
+          </a:lnRef>
+          <a:fillRef idx="0">
+            <a:schemeClr val="accent1"/>
+          </a:fillRef>
+          <a:effectRef idx="0">
+            <a:schemeClr val="accent1"/>
+          </a:effectRef>
+          <a:fontRef idx="minor">
+            <a:schemeClr val="tx1"/>
+          </a:fontRef>
+        </p:style>
+      </p:cxnSp>
     </p:spTree>
     <p:extLst>
       <p:ext uri="{BB962C8B-B14F-4D97-AF65-F5344CB8AC3E}">
@@ -13640,6 +16521,608 @@
           </a:prstGeom>
         </p:spPr>
       </p:pic>
+      <p:cxnSp>
+        <p:nvCxnSpPr>
+          <p:cNvPr id="2" name="Straight Connector 1">
+            <a:extLst>
+              <a:ext uri="{FF2B5EF4-FFF2-40B4-BE49-F238E27FC236}">
+                <a16:creationId xmlns:a16="http://schemas.microsoft.com/office/drawing/2014/main" id="{888A387D-E9CA-8D2D-D2C6-7219DDBBE232}"/>
+              </a:ext>
+            </a:extLst>
+          </p:cNvPr>
+          <p:cNvCxnSpPr>
+            <a:cxnSpLocks/>
+          </p:cNvCxnSpPr>
+          <p:nvPr/>
+        </p:nvCxnSpPr>
+        <p:spPr>
+          <a:xfrm>
+            <a:off x="4554071" y="2160220"/>
+            <a:ext cx="6234795" cy="0"/>
+          </a:xfrm>
+          <a:prstGeom prst="line">
+            <a:avLst/>
+          </a:prstGeom>
+          <a:ln w="57150">
+            <a:solidFill>
+              <a:srgbClr val="FF0000"/>
+            </a:solidFill>
+          </a:ln>
+        </p:spPr>
+        <p:style>
+          <a:lnRef idx="1">
+            <a:schemeClr val="accent1"/>
+          </a:lnRef>
+          <a:fillRef idx="0">
+            <a:schemeClr val="accent1"/>
+          </a:fillRef>
+          <a:effectRef idx="0">
+            <a:schemeClr val="accent1"/>
+          </a:effectRef>
+          <a:fontRef idx="minor">
+            <a:schemeClr val="tx1"/>
+          </a:fontRef>
+        </p:style>
+      </p:cxnSp>
+      <p:cxnSp>
+        <p:nvCxnSpPr>
+          <p:cNvPr id="6" name="Straight Connector 5">
+            <a:extLst>
+              <a:ext uri="{FF2B5EF4-FFF2-40B4-BE49-F238E27FC236}">
+                <a16:creationId xmlns:a16="http://schemas.microsoft.com/office/drawing/2014/main" id="{45689B61-E5F5-1BFC-7C14-3C299AC39277}"/>
+              </a:ext>
+            </a:extLst>
+          </p:cNvPr>
+          <p:cNvCxnSpPr>
+            <a:cxnSpLocks/>
+          </p:cNvCxnSpPr>
+          <p:nvPr/>
+        </p:nvCxnSpPr>
+        <p:spPr>
+          <a:xfrm>
+            <a:off x="336334" y="2500878"/>
+            <a:ext cx="10636466" cy="0"/>
+          </a:xfrm>
+          <a:prstGeom prst="line">
+            <a:avLst/>
+          </a:prstGeom>
+          <a:ln w="57150">
+            <a:solidFill>
+              <a:srgbClr val="FF0000"/>
+            </a:solidFill>
+          </a:ln>
+        </p:spPr>
+        <p:style>
+          <a:lnRef idx="1">
+            <a:schemeClr val="accent1"/>
+          </a:lnRef>
+          <a:fillRef idx="0">
+            <a:schemeClr val="accent1"/>
+          </a:fillRef>
+          <a:effectRef idx="0">
+            <a:schemeClr val="accent1"/>
+          </a:effectRef>
+          <a:fontRef idx="minor">
+            <a:schemeClr val="tx1"/>
+          </a:fontRef>
+        </p:style>
+      </p:cxnSp>
+      <p:cxnSp>
+        <p:nvCxnSpPr>
+          <p:cNvPr id="7" name="Straight Connector 6">
+            <a:extLst>
+              <a:ext uri="{FF2B5EF4-FFF2-40B4-BE49-F238E27FC236}">
+                <a16:creationId xmlns:a16="http://schemas.microsoft.com/office/drawing/2014/main" id="{FC50C942-21C9-04D3-195A-57FB66D30A44}"/>
+              </a:ext>
+            </a:extLst>
+          </p:cNvPr>
+          <p:cNvCxnSpPr>
+            <a:cxnSpLocks/>
+          </p:cNvCxnSpPr>
+          <p:nvPr/>
+        </p:nvCxnSpPr>
+        <p:spPr>
+          <a:xfrm>
+            <a:off x="336334" y="2841537"/>
+            <a:ext cx="10636466" cy="0"/>
+          </a:xfrm>
+          <a:prstGeom prst="line">
+            <a:avLst/>
+          </a:prstGeom>
+          <a:ln w="57150">
+            <a:solidFill>
+              <a:srgbClr val="FF0000"/>
+            </a:solidFill>
+          </a:ln>
+        </p:spPr>
+        <p:style>
+          <a:lnRef idx="1">
+            <a:schemeClr val="accent1"/>
+          </a:lnRef>
+          <a:fillRef idx="0">
+            <a:schemeClr val="accent1"/>
+          </a:fillRef>
+          <a:effectRef idx="0">
+            <a:schemeClr val="accent1"/>
+          </a:effectRef>
+          <a:fontRef idx="minor">
+            <a:schemeClr val="tx1"/>
+          </a:fontRef>
+        </p:style>
+      </p:cxnSp>
+      <p:cxnSp>
+        <p:nvCxnSpPr>
+          <p:cNvPr id="8" name="Straight Connector 7">
+            <a:extLst>
+              <a:ext uri="{FF2B5EF4-FFF2-40B4-BE49-F238E27FC236}">
+                <a16:creationId xmlns:a16="http://schemas.microsoft.com/office/drawing/2014/main" id="{425D5AC8-DE43-CC5B-4B6F-E80153A5519D}"/>
+              </a:ext>
+            </a:extLst>
+          </p:cNvPr>
+          <p:cNvCxnSpPr>
+            <a:cxnSpLocks/>
+          </p:cNvCxnSpPr>
+          <p:nvPr/>
+        </p:nvCxnSpPr>
+        <p:spPr>
+          <a:xfrm>
+            <a:off x="336334" y="3218055"/>
+            <a:ext cx="10636466" cy="0"/>
+          </a:xfrm>
+          <a:prstGeom prst="line">
+            <a:avLst/>
+          </a:prstGeom>
+          <a:ln w="57150">
+            <a:solidFill>
+              <a:srgbClr val="FF0000"/>
+            </a:solidFill>
+          </a:ln>
+        </p:spPr>
+        <p:style>
+          <a:lnRef idx="1">
+            <a:schemeClr val="accent1"/>
+          </a:lnRef>
+          <a:fillRef idx="0">
+            <a:schemeClr val="accent1"/>
+          </a:fillRef>
+          <a:effectRef idx="0">
+            <a:schemeClr val="accent1"/>
+          </a:effectRef>
+          <a:fontRef idx="minor">
+            <a:schemeClr val="tx1"/>
+          </a:fontRef>
+        </p:style>
+      </p:cxnSp>
+      <p:cxnSp>
+        <p:nvCxnSpPr>
+          <p:cNvPr id="9" name="Straight Connector 8">
+            <a:extLst>
+              <a:ext uri="{FF2B5EF4-FFF2-40B4-BE49-F238E27FC236}">
+                <a16:creationId xmlns:a16="http://schemas.microsoft.com/office/drawing/2014/main" id="{A6E34319-3131-43B3-B1F6-7740DA0E80AB}"/>
+              </a:ext>
+            </a:extLst>
+          </p:cNvPr>
+          <p:cNvCxnSpPr>
+            <a:cxnSpLocks/>
+          </p:cNvCxnSpPr>
+          <p:nvPr/>
+        </p:nvCxnSpPr>
+        <p:spPr>
+          <a:xfrm>
+            <a:off x="336334" y="3558713"/>
+            <a:ext cx="10636466" cy="0"/>
+          </a:xfrm>
+          <a:prstGeom prst="line">
+            <a:avLst/>
+          </a:prstGeom>
+          <a:ln w="57150">
+            <a:solidFill>
+              <a:srgbClr val="FF0000"/>
+            </a:solidFill>
+          </a:ln>
+        </p:spPr>
+        <p:style>
+          <a:lnRef idx="1">
+            <a:schemeClr val="accent1"/>
+          </a:lnRef>
+          <a:fillRef idx="0">
+            <a:schemeClr val="accent1"/>
+          </a:fillRef>
+          <a:effectRef idx="0">
+            <a:schemeClr val="accent1"/>
+          </a:effectRef>
+          <a:fontRef idx="minor">
+            <a:schemeClr val="tx1"/>
+          </a:fontRef>
+        </p:style>
+      </p:cxnSp>
+      <p:cxnSp>
+        <p:nvCxnSpPr>
+          <p:cNvPr id="10" name="Straight Connector 9">
+            <a:extLst>
+              <a:ext uri="{FF2B5EF4-FFF2-40B4-BE49-F238E27FC236}">
+                <a16:creationId xmlns:a16="http://schemas.microsoft.com/office/drawing/2014/main" id="{A54A4BD2-8F9A-EFA8-8ABF-781ABDC713D6}"/>
+              </a:ext>
+            </a:extLst>
+          </p:cNvPr>
+          <p:cNvCxnSpPr>
+            <a:cxnSpLocks/>
+          </p:cNvCxnSpPr>
+          <p:nvPr/>
+        </p:nvCxnSpPr>
+        <p:spPr>
+          <a:xfrm>
+            <a:off x="336334" y="3881443"/>
+            <a:ext cx="10636466" cy="0"/>
+          </a:xfrm>
+          <a:prstGeom prst="line">
+            <a:avLst/>
+          </a:prstGeom>
+          <a:ln w="57150">
+            <a:solidFill>
+              <a:srgbClr val="FF0000"/>
+            </a:solidFill>
+          </a:ln>
+        </p:spPr>
+        <p:style>
+          <a:lnRef idx="1">
+            <a:schemeClr val="accent1"/>
+          </a:lnRef>
+          <a:fillRef idx="0">
+            <a:schemeClr val="accent1"/>
+          </a:fillRef>
+          <a:effectRef idx="0">
+            <a:schemeClr val="accent1"/>
+          </a:effectRef>
+          <a:fontRef idx="minor">
+            <a:schemeClr val="tx1"/>
+          </a:fontRef>
+        </p:style>
+      </p:cxnSp>
+      <p:cxnSp>
+        <p:nvCxnSpPr>
+          <p:cNvPr id="11" name="Straight Connector 10">
+            <a:extLst>
+              <a:ext uri="{FF2B5EF4-FFF2-40B4-BE49-F238E27FC236}">
+                <a16:creationId xmlns:a16="http://schemas.microsoft.com/office/drawing/2014/main" id="{2DBCDA0E-C54D-03F8-212D-809A6773B7C2}"/>
+              </a:ext>
+            </a:extLst>
+          </p:cNvPr>
+          <p:cNvCxnSpPr>
+            <a:cxnSpLocks/>
+          </p:cNvCxnSpPr>
+          <p:nvPr/>
+        </p:nvCxnSpPr>
+        <p:spPr>
+          <a:xfrm>
+            <a:off x="336334" y="4150385"/>
+            <a:ext cx="10636466" cy="0"/>
+          </a:xfrm>
+          <a:prstGeom prst="line">
+            <a:avLst/>
+          </a:prstGeom>
+          <a:ln w="57150">
+            <a:solidFill>
+              <a:srgbClr val="FF0000"/>
+            </a:solidFill>
+          </a:ln>
+        </p:spPr>
+        <p:style>
+          <a:lnRef idx="1">
+            <a:schemeClr val="accent1"/>
+          </a:lnRef>
+          <a:fillRef idx="0">
+            <a:schemeClr val="accent1"/>
+          </a:fillRef>
+          <a:effectRef idx="0">
+            <a:schemeClr val="accent1"/>
+          </a:effectRef>
+          <a:fontRef idx="minor">
+            <a:schemeClr val="tx1"/>
+          </a:fontRef>
+        </p:style>
+      </p:cxnSp>
+      <p:cxnSp>
+        <p:nvCxnSpPr>
+          <p:cNvPr id="12" name="Straight Connector 11">
+            <a:extLst>
+              <a:ext uri="{FF2B5EF4-FFF2-40B4-BE49-F238E27FC236}">
+                <a16:creationId xmlns:a16="http://schemas.microsoft.com/office/drawing/2014/main" id="{1A192AFE-52A9-4B19-DC31-BF5B7075FE6C}"/>
+              </a:ext>
+            </a:extLst>
+          </p:cNvPr>
+          <p:cNvCxnSpPr>
+            <a:cxnSpLocks/>
+          </p:cNvCxnSpPr>
+          <p:nvPr/>
+        </p:nvCxnSpPr>
+        <p:spPr>
+          <a:xfrm>
+            <a:off x="336334" y="4508973"/>
+            <a:ext cx="10636466" cy="0"/>
+          </a:xfrm>
+          <a:prstGeom prst="line">
+            <a:avLst/>
+          </a:prstGeom>
+          <a:ln w="57150">
+            <a:solidFill>
+              <a:srgbClr val="FF0000"/>
+            </a:solidFill>
+          </a:ln>
+        </p:spPr>
+        <p:style>
+          <a:lnRef idx="1">
+            <a:schemeClr val="accent1"/>
+          </a:lnRef>
+          <a:fillRef idx="0">
+            <a:schemeClr val="accent1"/>
+          </a:fillRef>
+          <a:effectRef idx="0">
+            <a:schemeClr val="accent1"/>
+          </a:effectRef>
+          <a:fontRef idx="minor">
+            <a:schemeClr val="tx1"/>
+          </a:fontRef>
+        </p:style>
+      </p:cxnSp>
+      <p:cxnSp>
+        <p:nvCxnSpPr>
+          <p:cNvPr id="13" name="Straight Connector 12">
+            <a:extLst>
+              <a:ext uri="{FF2B5EF4-FFF2-40B4-BE49-F238E27FC236}">
+                <a16:creationId xmlns:a16="http://schemas.microsoft.com/office/drawing/2014/main" id="{2809633F-C78B-D4B9-3260-C013F75204C8}"/>
+              </a:ext>
+            </a:extLst>
+          </p:cNvPr>
+          <p:cNvCxnSpPr>
+            <a:cxnSpLocks/>
+          </p:cNvCxnSpPr>
+          <p:nvPr/>
+        </p:nvCxnSpPr>
+        <p:spPr>
+          <a:xfrm>
+            <a:off x="336334" y="4831702"/>
+            <a:ext cx="9973078" cy="0"/>
+          </a:xfrm>
+          <a:prstGeom prst="line">
+            <a:avLst/>
+          </a:prstGeom>
+          <a:ln w="57150">
+            <a:solidFill>
+              <a:srgbClr val="FF0000"/>
+            </a:solidFill>
+          </a:ln>
+        </p:spPr>
+        <p:style>
+          <a:lnRef idx="1">
+            <a:schemeClr val="accent1"/>
+          </a:lnRef>
+          <a:fillRef idx="0">
+            <a:schemeClr val="accent1"/>
+          </a:fillRef>
+          <a:effectRef idx="0">
+            <a:schemeClr val="accent1"/>
+          </a:effectRef>
+          <a:fontRef idx="minor">
+            <a:schemeClr val="tx1"/>
+          </a:fontRef>
+        </p:style>
+      </p:cxnSp>
+      <p:cxnSp>
+        <p:nvCxnSpPr>
+          <p:cNvPr id="15" name="Straight Connector 14">
+            <a:extLst>
+              <a:ext uri="{FF2B5EF4-FFF2-40B4-BE49-F238E27FC236}">
+                <a16:creationId xmlns:a16="http://schemas.microsoft.com/office/drawing/2014/main" id="{1D57C555-026F-0282-F9D0-100B061F4071}"/>
+              </a:ext>
+            </a:extLst>
+          </p:cNvPr>
+          <p:cNvCxnSpPr>
+            <a:cxnSpLocks/>
+          </p:cNvCxnSpPr>
+          <p:nvPr/>
+        </p:nvCxnSpPr>
+        <p:spPr>
+          <a:xfrm>
+            <a:off x="5289176" y="5172361"/>
+            <a:ext cx="5499690" cy="0"/>
+          </a:xfrm>
+          <a:prstGeom prst="line">
+            <a:avLst/>
+          </a:prstGeom>
+          <a:ln w="57150">
+            <a:solidFill>
+              <a:srgbClr val="FF0000"/>
+            </a:solidFill>
+          </a:ln>
+        </p:spPr>
+        <p:style>
+          <a:lnRef idx="1">
+            <a:schemeClr val="accent1"/>
+          </a:lnRef>
+          <a:fillRef idx="0">
+            <a:schemeClr val="accent1"/>
+          </a:fillRef>
+          <a:effectRef idx="0">
+            <a:schemeClr val="accent1"/>
+          </a:effectRef>
+          <a:fontRef idx="minor">
+            <a:schemeClr val="tx1"/>
+          </a:fontRef>
+        </p:style>
+      </p:cxnSp>
+      <p:cxnSp>
+        <p:nvCxnSpPr>
+          <p:cNvPr id="17" name="Straight Connector 16">
+            <a:extLst>
+              <a:ext uri="{FF2B5EF4-FFF2-40B4-BE49-F238E27FC236}">
+                <a16:creationId xmlns:a16="http://schemas.microsoft.com/office/drawing/2014/main" id="{8CF7DB1E-AA5B-4400-5CC8-1CDB14F59E92}"/>
+              </a:ext>
+            </a:extLst>
+          </p:cNvPr>
+          <p:cNvCxnSpPr>
+            <a:cxnSpLocks/>
+          </p:cNvCxnSpPr>
+          <p:nvPr/>
+        </p:nvCxnSpPr>
+        <p:spPr>
+          <a:xfrm>
+            <a:off x="152400" y="5530950"/>
+            <a:ext cx="10636466" cy="0"/>
+          </a:xfrm>
+          <a:prstGeom prst="line">
+            <a:avLst/>
+          </a:prstGeom>
+          <a:ln w="57150">
+            <a:solidFill>
+              <a:srgbClr val="FF0000"/>
+            </a:solidFill>
+          </a:ln>
+        </p:spPr>
+        <p:style>
+          <a:lnRef idx="1">
+            <a:schemeClr val="accent1"/>
+          </a:lnRef>
+          <a:fillRef idx="0">
+            <a:schemeClr val="accent1"/>
+          </a:fillRef>
+          <a:effectRef idx="0">
+            <a:schemeClr val="accent1"/>
+          </a:effectRef>
+          <a:fontRef idx="minor">
+            <a:schemeClr val="tx1"/>
+          </a:fontRef>
+        </p:style>
+      </p:cxnSp>
+      <p:cxnSp>
+        <p:nvCxnSpPr>
+          <p:cNvPr id="18" name="Straight Connector 17">
+            <a:extLst>
+              <a:ext uri="{FF2B5EF4-FFF2-40B4-BE49-F238E27FC236}">
+                <a16:creationId xmlns:a16="http://schemas.microsoft.com/office/drawing/2014/main" id="{E2A08051-4F9C-67F8-6132-34D36704DC89}"/>
+              </a:ext>
+            </a:extLst>
+          </p:cNvPr>
+          <p:cNvCxnSpPr>
+            <a:cxnSpLocks/>
+          </p:cNvCxnSpPr>
+          <p:nvPr/>
+        </p:nvCxnSpPr>
+        <p:spPr>
+          <a:xfrm>
+            <a:off x="152400" y="5853679"/>
+            <a:ext cx="10636466" cy="0"/>
+          </a:xfrm>
+          <a:prstGeom prst="line">
+            <a:avLst/>
+          </a:prstGeom>
+          <a:ln w="57150">
+            <a:solidFill>
+              <a:srgbClr val="FF0000"/>
+            </a:solidFill>
+          </a:ln>
+        </p:spPr>
+        <p:style>
+          <a:lnRef idx="1">
+            <a:schemeClr val="accent1"/>
+          </a:lnRef>
+          <a:fillRef idx="0">
+            <a:schemeClr val="accent1"/>
+          </a:fillRef>
+          <a:effectRef idx="0">
+            <a:schemeClr val="accent1"/>
+          </a:effectRef>
+          <a:fontRef idx="minor">
+            <a:schemeClr val="tx1"/>
+          </a:fontRef>
+        </p:style>
+      </p:cxnSp>
+      <p:cxnSp>
+        <p:nvCxnSpPr>
+          <p:cNvPr id="19" name="Straight Connector 18">
+            <a:extLst>
+              <a:ext uri="{FF2B5EF4-FFF2-40B4-BE49-F238E27FC236}">
+                <a16:creationId xmlns:a16="http://schemas.microsoft.com/office/drawing/2014/main" id="{1163D265-D175-A176-B95A-D38F608A281D}"/>
+              </a:ext>
+            </a:extLst>
+          </p:cNvPr>
+          <p:cNvCxnSpPr>
+            <a:cxnSpLocks/>
+          </p:cNvCxnSpPr>
+          <p:nvPr/>
+        </p:nvCxnSpPr>
+        <p:spPr>
+          <a:xfrm>
+            <a:off x="152400" y="6158478"/>
+            <a:ext cx="10636466" cy="0"/>
+          </a:xfrm>
+          <a:prstGeom prst="line">
+            <a:avLst/>
+          </a:prstGeom>
+          <a:ln w="57150">
+            <a:solidFill>
+              <a:srgbClr val="FF0000"/>
+            </a:solidFill>
+          </a:ln>
+        </p:spPr>
+        <p:style>
+          <a:lnRef idx="1">
+            <a:schemeClr val="accent1"/>
+          </a:lnRef>
+          <a:fillRef idx="0">
+            <a:schemeClr val="accent1"/>
+          </a:fillRef>
+          <a:effectRef idx="0">
+            <a:schemeClr val="accent1"/>
+          </a:effectRef>
+          <a:fontRef idx="minor">
+            <a:schemeClr val="tx1"/>
+          </a:fontRef>
+        </p:style>
+      </p:cxnSp>
+      <p:cxnSp>
+        <p:nvCxnSpPr>
+          <p:cNvPr id="20" name="Straight Connector 19">
+            <a:extLst>
+              <a:ext uri="{FF2B5EF4-FFF2-40B4-BE49-F238E27FC236}">
+                <a16:creationId xmlns:a16="http://schemas.microsoft.com/office/drawing/2014/main" id="{30AE8FAB-ED9A-C7DB-1598-D1079894B2AD}"/>
+              </a:ext>
+            </a:extLst>
+          </p:cNvPr>
+          <p:cNvCxnSpPr>
+            <a:cxnSpLocks/>
+          </p:cNvCxnSpPr>
+          <p:nvPr/>
+        </p:nvCxnSpPr>
+        <p:spPr>
+          <a:xfrm>
+            <a:off x="152400" y="6624250"/>
+            <a:ext cx="10636466" cy="0"/>
+          </a:xfrm>
+          <a:prstGeom prst="line">
+            <a:avLst/>
+          </a:prstGeom>
+          <a:ln w="57150">
+            <a:solidFill>
+              <a:srgbClr val="FF0000"/>
+            </a:solidFill>
+          </a:ln>
+        </p:spPr>
+        <p:style>
+          <a:lnRef idx="1">
+            <a:schemeClr val="accent1"/>
+          </a:lnRef>
+          <a:fillRef idx="0">
+            <a:schemeClr val="accent1"/>
+          </a:fillRef>
+          <a:effectRef idx="0">
+            <a:schemeClr val="accent1"/>
+          </a:effectRef>
+          <a:fontRef idx="minor">
+            <a:schemeClr val="tx1"/>
+          </a:fontRef>
+        </p:style>
+      </p:cxnSp>
     </p:spTree>
     <p:extLst>
       <p:ext uri="{BB962C8B-B14F-4D97-AF65-F5344CB8AC3E}">
@@ -13736,6 +17219,694 @@
           </a:prstGeom>
         </p:spPr>
       </p:pic>
+      <p:cxnSp>
+        <p:nvCxnSpPr>
+          <p:cNvPr id="2" name="Straight Connector 1">
+            <a:extLst>
+              <a:ext uri="{FF2B5EF4-FFF2-40B4-BE49-F238E27FC236}">
+                <a16:creationId xmlns:a16="http://schemas.microsoft.com/office/drawing/2014/main" id="{39AE6B3B-A76E-AA81-AC7E-1FF6EB2710E2}"/>
+              </a:ext>
+            </a:extLst>
+          </p:cNvPr>
+          <p:cNvCxnSpPr>
+            <a:cxnSpLocks/>
+          </p:cNvCxnSpPr>
+          <p:nvPr/>
+        </p:nvCxnSpPr>
+        <p:spPr>
+          <a:xfrm>
+            <a:off x="336334" y="528644"/>
+            <a:ext cx="10636466" cy="0"/>
+          </a:xfrm>
+          <a:prstGeom prst="line">
+            <a:avLst/>
+          </a:prstGeom>
+          <a:ln w="57150">
+            <a:solidFill>
+              <a:srgbClr val="FF0000"/>
+            </a:solidFill>
+          </a:ln>
+        </p:spPr>
+        <p:style>
+          <a:lnRef idx="1">
+            <a:schemeClr val="accent1"/>
+          </a:lnRef>
+          <a:fillRef idx="0">
+            <a:schemeClr val="accent1"/>
+          </a:fillRef>
+          <a:effectRef idx="0">
+            <a:schemeClr val="accent1"/>
+          </a:effectRef>
+          <a:fontRef idx="minor">
+            <a:schemeClr val="tx1"/>
+          </a:fontRef>
+        </p:style>
+      </p:cxnSp>
+      <p:cxnSp>
+        <p:nvCxnSpPr>
+          <p:cNvPr id="6" name="Straight Connector 5">
+            <a:extLst>
+              <a:ext uri="{FF2B5EF4-FFF2-40B4-BE49-F238E27FC236}">
+                <a16:creationId xmlns:a16="http://schemas.microsoft.com/office/drawing/2014/main" id="{EB11E905-3A4C-5622-59DC-DA00C235C66D}"/>
+              </a:ext>
+            </a:extLst>
+          </p:cNvPr>
+          <p:cNvCxnSpPr>
+            <a:cxnSpLocks/>
+          </p:cNvCxnSpPr>
+          <p:nvPr/>
+        </p:nvCxnSpPr>
+        <p:spPr>
+          <a:xfrm>
+            <a:off x="336334" y="851373"/>
+            <a:ext cx="10636466" cy="0"/>
+          </a:xfrm>
+          <a:prstGeom prst="line">
+            <a:avLst/>
+          </a:prstGeom>
+          <a:ln w="57150">
+            <a:solidFill>
+              <a:srgbClr val="FF0000"/>
+            </a:solidFill>
+          </a:ln>
+        </p:spPr>
+        <p:style>
+          <a:lnRef idx="1">
+            <a:schemeClr val="accent1"/>
+          </a:lnRef>
+          <a:fillRef idx="0">
+            <a:schemeClr val="accent1"/>
+          </a:fillRef>
+          <a:effectRef idx="0">
+            <a:schemeClr val="accent1"/>
+          </a:effectRef>
+          <a:fontRef idx="minor">
+            <a:schemeClr val="tx1"/>
+          </a:fontRef>
+        </p:style>
+      </p:cxnSp>
+      <p:cxnSp>
+        <p:nvCxnSpPr>
+          <p:cNvPr id="7" name="Straight Connector 6">
+            <a:extLst>
+              <a:ext uri="{FF2B5EF4-FFF2-40B4-BE49-F238E27FC236}">
+                <a16:creationId xmlns:a16="http://schemas.microsoft.com/office/drawing/2014/main" id="{FC2D7F29-863B-E07B-0750-A86DB23C2C51}"/>
+              </a:ext>
+            </a:extLst>
+          </p:cNvPr>
+          <p:cNvCxnSpPr>
+            <a:cxnSpLocks/>
+          </p:cNvCxnSpPr>
+          <p:nvPr/>
+        </p:nvCxnSpPr>
+        <p:spPr>
+          <a:xfrm>
+            <a:off x="336334" y="1227891"/>
+            <a:ext cx="10636466" cy="0"/>
+          </a:xfrm>
+          <a:prstGeom prst="line">
+            <a:avLst/>
+          </a:prstGeom>
+          <a:ln w="57150">
+            <a:solidFill>
+              <a:srgbClr val="FF0000"/>
+            </a:solidFill>
+          </a:ln>
+        </p:spPr>
+        <p:style>
+          <a:lnRef idx="1">
+            <a:schemeClr val="accent1"/>
+          </a:lnRef>
+          <a:fillRef idx="0">
+            <a:schemeClr val="accent1"/>
+          </a:fillRef>
+          <a:effectRef idx="0">
+            <a:schemeClr val="accent1"/>
+          </a:effectRef>
+          <a:fontRef idx="minor">
+            <a:schemeClr val="tx1"/>
+          </a:fontRef>
+        </p:style>
+      </p:cxnSp>
+      <p:cxnSp>
+        <p:nvCxnSpPr>
+          <p:cNvPr id="8" name="Straight Connector 7">
+            <a:extLst>
+              <a:ext uri="{FF2B5EF4-FFF2-40B4-BE49-F238E27FC236}">
+                <a16:creationId xmlns:a16="http://schemas.microsoft.com/office/drawing/2014/main" id="{6E7F0E6D-13BF-FCE1-8447-5FF8DCC7B6A1}"/>
+              </a:ext>
+            </a:extLst>
+          </p:cNvPr>
+          <p:cNvCxnSpPr>
+            <a:cxnSpLocks/>
+          </p:cNvCxnSpPr>
+          <p:nvPr/>
+        </p:nvCxnSpPr>
+        <p:spPr>
+          <a:xfrm>
+            <a:off x="336334" y="1550620"/>
+            <a:ext cx="10636466" cy="0"/>
+          </a:xfrm>
+          <a:prstGeom prst="line">
+            <a:avLst/>
+          </a:prstGeom>
+          <a:ln w="57150">
+            <a:solidFill>
+              <a:srgbClr val="FF0000"/>
+            </a:solidFill>
+          </a:ln>
+        </p:spPr>
+        <p:style>
+          <a:lnRef idx="1">
+            <a:schemeClr val="accent1"/>
+          </a:lnRef>
+          <a:fillRef idx="0">
+            <a:schemeClr val="accent1"/>
+          </a:fillRef>
+          <a:effectRef idx="0">
+            <a:schemeClr val="accent1"/>
+          </a:effectRef>
+          <a:fontRef idx="minor">
+            <a:schemeClr val="tx1"/>
+          </a:fontRef>
+        </p:style>
+      </p:cxnSp>
+      <p:cxnSp>
+        <p:nvCxnSpPr>
+          <p:cNvPr id="9" name="Straight Connector 8">
+            <a:extLst>
+              <a:ext uri="{FF2B5EF4-FFF2-40B4-BE49-F238E27FC236}">
+                <a16:creationId xmlns:a16="http://schemas.microsoft.com/office/drawing/2014/main" id="{6B38DD26-3CB8-B9D3-4A1F-8A54665B2ED5}"/>
+              </a:ext>
+            </a:extLst>
+          </p:cNvPr>
+          <p:cNvCxnSpPr>
+            <a:cxnSpLocks/>
+          </p:cNvCxnSpPr>
+          <p:nvPr/>
+        </p:nvCxnSpPr>
+        <p:spPr>
+          <a:xfrm>
+            <a:off x="336334" y="1891278"/>
+            <a:ext cx="10636466" cy="0"/>
+          </a:xfrm>
+          <a:prstGeom prst="line">
+            <a:avLst/>
+          </a:prstGeom>
+          <a:ln w="57150">
+            <a:solidFill>
+              <a:srgbClr val="FF0000"/>
+            </a:solidFill>
+          </a:ln>
+        </p:spPr>
+        <p:style>
+          <a:lnRef idx="1">
+            <a:schemeClr val="accent1"/>
+          </a:lnRef>
+          <a:fillRef idx="0">
+            <a:schemeClr val="accent1"/>
+          </a:fillRef>
+          <a:effectRef idx="0">
+            <a:schemeClr val="accent1"/>
+          </a:effectRef>
+          <a:fontRef idx="minor">
+            <a:schemeClr val="tx1"/>
+          </a:fontRef>
+        </p:style>
+      </p:cxnSp>
+      <p:cxnSp>
+        <p:nvCxnSpPr>
+          <p:cNvPr id="10" name="Straight Connector 9">
+            <a:extLst>
+              <a:ext uri="{FF2B5EF4-FFF2-40B4-BE49-F238E27FC236}">
+                <a16:creationId xmlns:a16="http://schemas.microsoft.com/office/drawing/2014/main" id="{A17DC21D-DA0B-7E9A-E294-60974CFE0F23}"/>
+              </a:ext>
+            </a:extLst>
+          </p:cNvPr>
+          <p:cNvCxnSpPr>
+            <a:cxnSpLocks/>
+          </p:cNvCxnSpPr>
+          <p:nvPr/>
+        </p:nvCxnSpPr>
+        <p:spPr>
+          <a:xfrm>
+            <a:off x="463284" y="2196079"/>
+            <a:ext cx="10636466" cy="0"/>
+          </a:xfrm>
+          <a:prstGeom prst="line">
+            <a:avLst/>
+          </a:prstGeom>
+          <a:ln w="57150">
+            <a:solidFill>
+              <a:srgbClr val="FF0000"/>
+            </a:solidFill>
+          </a:ln>
+        </p:spPr>
+        <p:style>
+          <a:lnRef idx="1">
+            <a:schemeClr val="accent1"/>
+          </a:lnRef>
+          <a:fillRef idx="0">
+            <a:schemeClr val="accent1"/>
+          </a:fillRef>
+          <a:effectRef idx="0">
+            <a:schemeClr val="accent1"/>
+          </a:effectRef>
+          <a:fontRef idx="minor">
+            <a:schemeClr val="tx1"/>
+          </a:fontRef>
+        </p:style>
+      </p:cxnSp>
+      <p:cxnSp>
+        <p:nvCxnSpPr>
+          <p:cNvPr id="11" name="Straight Connector 10">
+            <a:extLst>
+              <a:ext uri="{FF2B5EF4-FFF2-40B4-BE49-F238E27FC236}">
+                <a16:creationId xmlns:a16="http://schemas.microsoft.com/office/drawing/2014/main" id="{D0F60887-610C-D2F3-5FCE-0062056E8C02}"/>
+              </a:ext>
+            </a:extLst>
+          </p:cNvPr>
+          <p:cNvCxnSpPr>
+            <a:cxnSpLocks/>
+          </p:cNvCxnSpPr>
+          <p:nvPr/>
+        </p:nvCxnSpPr>
+        <p:spPr>
+          <a:xfrm>
+            <a:off x="336334" y="2590525"/>
+            <a:ext cx="10636466" cy="0"/>
+          </a:xfrm>
+          <a:prstGeom prst="line">
+            <a:avLst/>
+          </a:prstGeom>
+          <a:ln w="57150">
+            <a:solidFill>
+              <a:srgbClr val="FF0000"/>
+            </a:solidFill>
+          </a:ln>
+        </p:spPr>
+        <p:style>
+          <a:lnRef idx="1">
+            <a:schemeClr val="accent1"/>
+          </a:lnRef>
+          <a:fillRef idx="0">
+            <a:schemeClr val="accent1"/>
+          </a:fillRef>
+          <a:effectRef idx="0">
+            <a:schemeClr val="accent1"/>
+          </a:effectRef>
+          <a:fontRef idx="minor">
+            <a:schemeClr val="tx1"/>
+          </a:fontRef>
+        </p:style>
+      </p:cxnSp>
+      <p:cxnSp>
+        <p:nvCxnSpPr>
+          <p:cNvPr id="12" name="Straight Connector 11">
+            <a:extLst>
+              <a:ext uri="{FF2B5EF4-FFF2-40B4-BE49-F238E27FC236}">
+                <a16:creationId xmlns:a16="http://schemas.microsoft.com/office/drawing/2014/main" id="{07EBB88B-E5FB-BDC0-ECF3-A0869684440D}"/>
+              </a:ext>
+            </a:extLst>
+          </p:cNvPr>
+          <p:cNvCxnSpPr>
+            <a:cxnSpLocks/>
+          </p:cNvCxnSpPr>
+          <p:nvPr/>
+        </p:nvCxnSpPr>
+        <p:spPr>
+          <a:xfrm>
+            <a:off x="336334" y="2913255"/>
+            <a:ext cx="10636466" cy="0"/>
+          </a:xfrm>
+          <a:prstGeom prst="line">
+            <a:avLst/>
+          </a:prstGeom>
+          <a:ln w="57150">
+            <a:solidFill>
+              <a:srgbClr val="FF0000"/>
+            </a:solidFill>
+          </a:ln>
+        </p:spPr>
+        <p:style>
+          <a:lnRef idx="1">
+            <a:schemeClr val="accent1"/>
+          </a:lnRef>
+          <a:fillRef idx="0">
+            <a:schemeClr val="accent1"/>
+          </a:fillRef>
+          <a:effectRef idx="0">
+            <a:schemeClr val="accent1"/>
+          </a:effectRef>
+          <a:fontRef idx="minor">
+            <a:schemeClr val="tx1"/>
+          </a:fontRef>
+        </p:style>
+      </p:cxnSp>
+      <p:cxnSp>
+        <p:nvCxnSpPr>
+          <p:cNvPr id="13" name="Straight Connector 12">
+            <a:extLst>
+              <a:ext uri="{FF2B5EF4-FFF2-40B4-BE49-F238E27FC236}">
+                <a16:creationId xmlns:a16="http://schemas.microsoft.com/office/drawing/2014/main" id="{CDB9480D-7251-24D9-8066-32A7CC020C00}"/>
+              </a:ext>
+            </a:extLst>
+          </p:cNvPr>
+          <p:cNvCxnSpPr>
+            <a:cxnSpLocks/>
+          </p:cNvCxnSpPr>
+          <p:nvPr/>
+        </p:nvCxnSpPr>
+        <p:spPr>
+          <a:xfrm>
+            <a:off x="336334" y="3253914"/>
+            <a:ext cx="8233925" cy="0"/>
+          </a:xfrm>
+          <a:prstGeom prst="line">
+            <a:avLst/>
+          </a:prstGeom>
+          <a:ln w="57150">
+            <a:solidFill>
+              <a:srgbClr val="FF0000"/>
+            </a:solidFill>
+          </a:ln>
+        </p:spPr>
+        <p:style>
+          <a:lnRef idx="1">
+            <a:schemeClr val="accent1"/>
+          </a:lnRef>
+          <a:fillRef idx="0">
+            <a:schemeClr val="accent1"/>
+          </a:fillRef>
+          <a:effectRef idx="0">
+            <a:schemeClr val="accent1"/>
+          </a:effectRef>
+          <a:fontRef idx="minor">
+            <a:schemeClr val="tx1"/>
+          </a:fontRef>
+        </p:style>
+      </p:cxnSp>
+      <p:cxnSp>
+        <p:nvCxnSpPr>
+          <p:cNvPr id="15" name="Straight Connector 14">
+            <a:extLst>
+              <a:ext uri="{FF2B5EF4-FFF2-40B4-BE49-F238E27FC236}">
+                <a16:creationId xmlns:a16="http://schemas.microsoft.com/office/drawing/2014/main" id="{AC5AB78E-EAB6-FA13-477C-389442766A20}"/>
+              </a:ext>
+            </a:extLst>
+          </p:cNvPr>
+          <p:cNvCxnSpPr>
+            <a:cxnSpLocks/>
+          </p:cNvCxnSpPr>
+          <p:nvPr/>
+        </p:nvCxnSpPr>
+        <p:spPr>
+          <a:xfrm>
+            <a:off x="9359153" y="4240031"/>
+            <a:ext cx="1434475" cy="0"/>
+          </a:xfrm>
+          <a:prstGeom prst="line">
+            <a:avLst/>
+          </a:prstGeom>
+          <a:ln w="57150">
+            <a:solidFill>
+              <a:srgbClr val="FF0000"/>
+            </a:solidFill>
+          </a:ln>
+        </p:spPr>
+        <p:style>
+          <a:lnRef idx="1">
+            <a:schemeClr val="accent1"/>
+          </a:lnRef>
+          <a:fillRef idx="0">
+            <a:schemeClr val="accent1"/>
+          </a:fillRef>
+          <a:effectRef idx="0">
+            <a:schemeClr val="accent1"/>
+          </a:effectRef>
+          <a:fontRef idx="minor">
+            <a:schemeClr val="tx1"/>
+          </a:fontRef>
+        </p:style>
+      </p:cxnSp>
+      <p:cxnSp>
+        <p:nvCxnSpPr>
+          <p:cNvPr id="17" name="Straight Connector 16">
+            <a:extLst>
+              <a:ext uri="{FF2B5EF4-FFF2-40B4-BE49-F238E27FC236}">
+                <a16:creationId xmlns:a16="http://schemas.microsoft.com/office/drawing/2014/main" id="{6C1A4DD2-9690-87FB-8843-62EBD295833A}"/>
+              </a:ext>
+            </a:extLst>
+          </p:cNvPr>
+          <p:cNvCxnSpPr>
+            <a:cxnSpLocks/>
+          </p:cNvCxnSpPr>
+          <p:nvPr/>
+        </p:nvCxnSpPr>
+        <p:spPr>
+          <a:xfrm>
+            <a:off x="336334" y="4634479"/>
+            <a:ext cx="2639948" cy="0"/>
+          </a:xfrm>
+          <a:prstGeom prst="line">
+            <a:avLst/>
+          </a:prstGeom>
+          <a:ln w="57150">
+            <a:solidFill>
+              <a:srgbClr val="FF0000"/>
+            </a:solidFill>
+          </a:ln>
+        </p:spPr>
+        <p:style>
+          <a:lnRef idx="1">
+            <a:schemeClr val="accent1"/>
+          </a:lnRef>
+          <a:fillRef idx="0">
+            <a:schemeClr val="accent1"/>
+          </a:fillRef>
+          <a:effectRef idx="0">
+            <a:schemeClr val="accent1"/>
+          </a:effectRef>
+          <a:fontRef idx="minor">
+            <a:schemeClr val="tx1"/>
+          </a:fontRef>
+        </p:style>
+      </p:cxnSp>
+      <p:cxnSp>
+        <p:nvCxnSpPr>
+          <p:cNvPr id="18" name="Straight Connector 17">
+            <a:extLst>
+              <a:ext uri="{FF2B5EF4-FFF2-40B4-BE49-F238E27FC236}">
+                <a16:creationId xmlns:a16="http://schemas.microsoft.com/office/drawing/2014/main" id="{49234EBB-AEF1-B721-727C-9F74D401B2A2}"/>
+              </a:ext>
+            </a:extLst>
+          </p:cNvPr>
+          <p:cNvCxnSpPr>
+            <a:cxnSpLocks/>
+          </p:cNvCxnSpPr>
+          <p:nvPr/>
+        </p:nvCxnSpPr>
+        <p:spPr>
+          <a:xfrm>
+            <a:off x="6436659" y="4957207"/>
+            <a:ext cx="4356969" cy="0"/>
+          </a:xfrm>
+          <a:prstGeom prst="line">
+            <a:avLst/>
+          </a:prstGeom>
+          <a:ln w="57150">
+            <a:solidFill>
+              <a:srgbClr val="FF0000"/>
+            </a:solidFill>
+          </a:ln>
+        </p:spPr>
+        <p:style>
+          <a:lnRef idx="1">
+            <a:schemeClr val="accent1"/>
+          </a:lnRef>
+          <a:fillRef idx="0">
+            <a:schemeClr val="accent1"/>
+          </a:fillRef>
+          <a:effectRef idx="0">
+            <a:schemeClr val="accent1"/>
+          </a:effectRef>
+          <a:fontRef idx="minor">
+            <a:schemeClr val="tx1"/>
+          </a:fontRef>
+        </p:style>
+      </p:cxnSp>
+      <p:cxnSp>
+        <p:nvCxnSpPr>
+          <p:cNvPr id="21" name="Straight Connector 20">
+            <a:extLst>
+              <a:ext uri="{FF2B5EF4-FFF2-40B4-BE49-F238E27FC236}">
+                <a16:creationId xmlns:a16="http://schemas.microsoft.com/office/drawing/2014/main" id="{E717044B-F3E1-CD51-833E-99375EB08636}"/>
+              </a:ext>
+            </a:extLst>
+          </p:cNvPr>
+          <p:cNvCxnSpPr>
+            <a:cxnSpLocks/>
+          </p:cNvCxnSpPr>
+          <p:nvPr/>
+        </p:nvCxnSpPr>
+        <p:spPr>
+          <a:xfrm>
+            <a:off x="336334" y="5279938"/>
+            <a:ext cx="10636466" cy="0"/>
+          </a:xfrm>
+          <a:prstGeom prst="line">
+            <a:avLst/>
+          </a:prstGeom>
+          <a:ln w="57150">
+            <a:solidFill>
+              <a:srgbClr val="FF0000"/>
+            </a:solidFill>
+          </a:ln>
+        </p:spPr>
+        <p:style>
+          <a:lnRef idx="1">
+            <a:schemeClr val="accent1"/>
+          </a:lnRef>
+          <a:fillRef idx="0">
+            <a:schemeClr val="accent1"/>
+          </a:fillRef>
+          <a:effectRef idx="0">
+            <a:schemeClr val="accent1"/>
+          </a:effectRef>
+          <a:fontRef idx="minor">
+            <a:schemeClr val="tx1"/>
+          </a:fontRef>
+        </p:style>
+      </p:cxnSp>
+      <p:cxnSp>
+        <p:nvCxnSpPr>
+          <p:cNvPr id="22" name="Straight Connector 21">
+            <a:extLst>
+              <a:ext uri="{FF2B5EF4-FFF2-40B4-BE49-F238E27FC236}">
+                <a16:creationId xmlns:a16="http://schemas.microsoft.com/office/drawing/2014/main" id="{9CCA5363-BC23-DB17-5C06-36008DE3AA72}"/>
+              </a:ext>
+            </a:extLst>
+          </p:cNvPr>
+          <p:cNvCxnSpPr>
+            <a:cxnSpLocks/>
+          </p:cNvCxnSpPr>
+          <p:nvPr/>
+        </p:nvCxnSpPr>
+        <p:spPr>
+          <a:xfrm>
+            <a:off x="336334" y="5620596"/>
+            <a:ext cx="10636466" cy="0"/>
+          </a:xfrm>
+          <a:prstGeom prst="line">
+            <a:avLst/>
+          </a:prstGeom>
+          <a:ln w="57150">
+            <a:solidFill>
+              <a:srgbClr val="FF0000"/>
+            </a:solidFill>
+          </a:ln>
+        </p:spPr>
+        <p:style>
+          <a:lnRef idx="1">
+            <a:schemeClr val="accent1"/>
+          </a:lnRef>
+          <a:fillRef idx="0">
+            <a:schemeClr val="accent1"/>
+          </a:fillRef>
+          <a:effectRef idx="0">
+            <a:schemeClr val="accent1"/>
+          </a:effectRef>
+          <a:fontRef idx="minor">
+            <a:schemeClr val="tx1"/>
+          </a:fontRef>
+        </p:style>
+      </p:cxnSp>
+      <p:cxnSp>
+        <p:nvCxnSpPr>
+          <p:cNvPr id="23" name="Straight Connector 22">
+            <a:extLst>
+              <a:ext uri="{FF2B5EF4-FFF2-40B4-BE49-F238E27FC236}">
+                <a16:creationId xmlns:a16="http://schemas.microsoft.com/office/drawing/2014/main" id="{64A5DC74-7B79-795D-6340-BDEEF448B151}"/>
+              </a:ext>
+            </a:extLst>
+          </p:cNvPr>
+          <p:cNvCxnSpPr>
+            <a:cxnSpLocks/>
+          </p:cNvCxnSpPr>
+          <p:nvPr/>
+        </p:nvCxnSpPr>
+        <p:spPr>
+          <a:xfrm>
+            <a:off x="336334" y="5979184"/>
+            <a:ext cx="10636466" cy="0"/>
+          </a:xfrm>
+          <a:prstGeom prst="line">
+            <a:avLst/>
+          </a:prstGeom>
+          <a:ln w="57150">
+            <a:solidFill>
+              <a:srgbClr val="FF0000"/>
+            </a:solidFill>
+          </a:ln>
+        </p:spPr>
+        <p:style>
+          <a:lnRef idx="1">
+            <a:schemeClr val="accent1"/>
+          </a:lnRef>
+          <a:fillRef idx="0">
+            <a:schemeClr val="accent1"/>
+          </a:fillRef>
+          <a:effectRef idx="0">
+            <a:schemeClr val="accent1"/>
+          </a:effectRef>
+          <a:fontRef idx="minor">
+            <a:schemeClr val="tx1"/>
+          </a:fontRef>
+        </p:style>
+      </p:cxnSp>
+      <p:cxnSp>
+        <p:nvCxnSpPr>
+          <p:cNvPr id="24" name="Straight Connector 23">
+            <a:extLst>
+              <a:ext uri="{FF2B5EF4-FFF2-40B4-BE49-F238E27FC236}">
+                <a16:creationId xmlns:a16="http://schemas.microsoft.com/office/drawing/2014/main" id="{7E516B71-DFE9-37B3-816D-7B67D54F01E7}"/>
+              </a:ext>
+            </a:extLst>
+          </p:cNvPr>
+          <p:cNvCxnSpPr>
+            <a:cxnSpLocks/>
+          </p:cNvCxnSpPr>
+          <p:nvPr/>
+        </p:nvCxnSpPr>
+        <p:spPr>
+          <a:xfrm>
+            <a:off x="336334" y="6302326"/>
+            <a:ext cx="1456607" cy="0"/>
+          </a:xfrm>
+          <a:prstGeom prst="line">
+            <a:avLst/>
+          </a:prstGeom>
+          <a:ln w="57150">
+            <a:solidFill>
+              <a:srgbClr val="FF0000"/>
+            </a:solidFill>
+          </a:ln>
+        </p:spPr>
+        <p:style>
+          <a:lnRef idx="1">
+            <a:schemeClr val="accent1"/>
+          </a:lnRef>
+          <a:fillRef idx="0">
+            <a:schemeClr val="accent1"/>
+          </a:fillRef>
+          <a:effectRef idx="0">
+            <a:schemeClr val="accent1"/>
+          </a:effectRef>
+          <a:fontRef idx="minor">
+            <a:schemeClr val="tx1"/>
+          </a:fontRef>
+        </p:style>
+      </p:cxnSp>
     </p:spTree>
     <p:extLst>
       <p:ext uri="{BB962C8B-B14F-4D97-AF65-F5344CB8AC3E}">
@@ -14128,6 +18299,866 @@
           </a:prstGeom>
         </p:spPr>
       </p:pic>
+      <p:cxnSp>
+        <p:nvCxnSpPr>
+          <p:cNvPr id="2" name="Straight Connector 1">
+            <a:extLst>
+              <a:ext uri="{FF2B5EF4-FFF2-40B4-BE49-F238E27FC236}">
+                <a16:creationId xmlns:a16="http://schemas.microsoft.com/office/drawing/2014/main" id="{65378137-FE1D-1CB4-2A69-7D698CF1D79A}"/>
+              </a:ext>
+            </a:extLst>
+          </p:cNvPr>
+          <p:cNvCxnSpPr>
+            <a:cxnSpLocks/>
+          </p:cNvCxnSpPr>
+          <p:nvPr/>
+        </p:nvCxnSpPr>
+        <p:spPr>
+          <a:xfrm>
+            <a:off x="2348753" y="636219"/>
+            <a:ext cx="6705600" cy="0"/>
+          </a:xfrm>
+          <a:prstGeom prst="line">
+            <a:avLst/>
+          </a:prstGeom>
+          <a:ln w="57150">
+            <a:solidFill>
+              <a:srgbClr val="FF0000"/>
+            </a:solidFill>
+          </a:ln>
+        </p:spPr>
+        <p:style>
+          <a:lnRef idx="1">
+            <a:schemeClr val="accent1"/>
+          </a:lnRef>
+          <a:fillRef idx="0">
+            <a:schemeClr val="accent1"/>
+          </a:fillRef>
+          <a:effectRef idx="0">
+            <a:schemeClr val="accent1"/>
+          </a:effectRef>
+          <a:fontRef idx="minor">
+            <a:schemeClr val="tx1"/>
+          </a:fontRef>
+        </p:style>
+      </p:cxnSp>
+      <p:cxnSp>
+        <p:nvCxnSpPr>
+          <p:cNvPr id="7" name="Straight Connector 6">
+            <a:extLst>
+              <a:ext uri="{FF2B5EF4-FFF2-40B4-BE49-F238E27FC236}">
+                <a16:creationId xmlns:a16="http://schemas.microsoft.com/office/drawing/2014/main" id="{4879498A-0649-C2D1-50D5-E32A72CB8C0E}"/>
+              </a:ext>
+            </a:extLst>
+          </p:cNvPr>
+          <p:cNvCxnSpPr>
+            <a:cxnSpLocks/>
+          </p:cNvCxnSpPr>
+          <p:nvPr/>
+        </p:nvCxnSpPr>
+        <p:spPr>
+          <a:xfrm>
+            <a:off x="1960005" y="873440"/>
+            <a:ext cx="7094348" cy="0"/>
+          </a:xfrm>
+          <a:prstGeom prst="line">
+            <a:avLst/>
+          </a:prstGeom>
+          <a:ln w="57150">
+            <a:solidFill>
+              <a:srgbClr val="FF0000"/>
+            </a:solidFill>
+          </a:ln>
+        </p:spPr>
+        <p:style>
+          <a:lnRef idx="1">
+            <a:schemeClr val="accent1"/>
+          </a:lnRef>
+          <a:fillRef idx="0">
+            <a:schemeClr val="accent1"/>
+          </a:fillRef>
+          <a:effectRef idx="0">
+            <a:schemeClr val="accent1"/>
+          </a:effectRef>
+          <a:fontRef idx="minor">
+            <a:schemeClr val="tx1"/>
+          </a:fontRef>
+        </p:style>
+      </p:cxnSp>
+      <p:cxnSp>
+        <p:nvCxnSpPr>
+          <p:cNvPr id="9" name="Straight Connector 8">
+            <a:extLst>
+              <a:ext uri="{FF2B5EF4-FFF2-40B4-BE49-F238E27FC236}">
+                <a16:creationId xmlns:a16="http://schemas.microsoft.com/office/drawing/2014/main" id="{634DE507-0063-C553-58FC-F592A7506077}"/>
+              </a:ext>
+            </a:extLst>
+          </p:cNvPr>
+          <p:cNvCxnSpPr>
+            <a:cxnSpLocks/>
+          </p:cNvCxnSpPr>
+          <p:nvPr/>
+        </p:nvCxnSpPr>
+        <p:spPr>
+          <a:xfrm>
+            <a:off x="1960005" y="1082110"/>
+            <a:ext cx="7094348" cy="0"/>
+          </a:xfrm>
+          <a:prstGeom prst="line">
+            <a:avLst/>
+          </a:prstGeom>
+          <a:ln w="57150">
+            <a:solidFill>
+              <a:srgbClr val="FF0000"/>
+            </a:solidFill>
+          </a:ln>
+        </p:spPr>
+        <p:style>
+          <a:lnRef idx="1">
+            <a:schemeClr val="accent1"/>
+          </a:lnRef>
+          <a:fillRef idx="0">
+            <a:schemeClr val="accent1"/>
+          </a:fillRef>
+          <a:effectRef idx="0">
+            <a:schemeClr val="accent1"/>
+          </a:effectRef>
+          <a:fontRef idx="minor">
+            <a:schemeClr val="tx1"/>
+          </a:fontRef>
+        </p:style>
+      </p:cxnSp>
+      <p:cxnSp>
+        <p:nvCxnSpPr>
+          <p:cNvPr id="10" name="Straight Connector 9">
+            <a:extLst>
+              <a:ext uri="{FF2B5EF4-FFF2-40B4-BE49-F238E27FC236}">
+                <a16:creationId xmlns:a16="http://schemas.microsoft.com/office/drawing/2014/main" id="{718EA374-4316-19BD-FC5A-9EDEFDE333B9}"/>
+              </a:ext>
+            </a:extLst>
+          </p:cNvPr>
+          <p:cNvCxnSpPr>
+            <a:cxnSpLocks/>
+          </p:cNvCxnSpPr>
+          <p:nvPr/>
+        </p:nvCxnSpPr>
+        <p:spPr>
+          <a:xfrm>
+            <a:off x="1960005" y="1307194"/>
+            <a:ext cx="7094348" cy="0"/>
+          </a:xfrm>
+          <a:prstGeom prst="line">
+            <a:avLst/>
+          </a:prstGeom>
+          <a:ln w="57150">
+            <a:solidFill>
+              <a:srgbClr val="FF0000"/>
+            </a:solidFill>
+          </a:ln>
+        </p:spPr>
+        <p:style>
+          <a:lnRef idx="1">
+            <a:schemeClr val="accent1"/>
+          </a:lnRef>
+          <a:fillRef idx="0">
+            <a:schemeClr val="accent1"/>
+          </a:fillRef>
+          <a:effectRef idx="0">
+            <a:schemeClr val="accent1"/>
+          </a:effectRef>
+          <a:fontRef idx="minor">
+            <a:schemeClr val="tx1"/>
+          </a:fontRef>
+        </p:style>
+      </p:cxnSp>
+      <p:cxnSp>
+        <p:nvCxnSpPr>
+          <p:cNvPr id="12" name="Straight Connector 11">
+            <a:extLst>
+              <a:ext uri="{FF2B5EF4-FFF2-40B4-BE49-F238E27FC236}">
+                <a16:creationId xmlns:a16="http://schemas.microsoft.com/office/drawing/2014/main" id="{383D1934-8825-5EB0-4D5A-D38D2E7CC351}"/>
+              </a:ext>
+            </a:extLst>
+          </p:cNvPr>
+          <p:cNvCxnSpPr>
+            <a:cxnSpLocks/>
+          </p:cNvCxnSpPr>
+          <p:nvPr/>
+        </p:nvCxnSpPr>
+        <p:spPr>
+          <a:xfrm>
+            <a:off x="1960005" y="1532277"/>
+            <a:ext cx="7094348" cy="0"/>
+          </a:xfrm>
+          <a:prstGeom prst="line">
+            <a:avLst/>
+          </a:prstGeom>
+          <a:ln w="57150">
+            <a:solidFill>
+              <a:srgbClr val="FF0000"/>
+            </a:solidFill>
+          </a:ln>
+        </p:spPr>
+        <p:style>
+          <a:lnRef idx="1">
+            <a:schemeClr val="accent1"/>
+          </a:lnRef>
+          <a:fillRef idx="0">
+            <a:schemeClr val="accent1"/>
+          </a:fillRef>
+          <a:effectRef idx="0">
+            <a:schemeClr val="accent1"/>
+          </a:effectRef>
+          <a:fontRef idx="minor">
+            <a:schemeClr val="tx1"/>
+          </a:fontRef>
+        </p:style>
+      </p:cxnSp>
+      <p:cxnSp>
+        <p:nvCxnSpPr>
+          <p:cNvPr id="14" name="Straight Connector 13">
+            <a:extLst>
+              <a:ext uri="{FF2B5EF4-FFF2-40B4-BE49-F238E27FC236}">
+                <a16:creationId xmlns:a16="http://schemas.microsoft.com/office/drawing/2014/main" id="{DB25E58C-2A68-BB79-7F85-FAFAFF7EA0D6}"/>
+              </a:ext>
+            </a:extLst>
+          </p:cNvPr>
+          <p:cNvCxnSpPr>
+            <a:cxnSpLocks/>
+          </p:cNvCxnSpPr>
+          <p:nvPr/>
+        </p:nvCxnSpPr>
+        <p:spPr>
+          <a:xfrm>
+            <a:off x="1960005" y="1771427"/>
+            <a:ext cx="7094348" cy="0"/>
+          </a:xfrm>
+          <a:prstGeom prst="line">
+            <a:avLst/>
+          </a:prstGeom>
+          <a:ln w="57150">
+            <a:solidFill>
+              <a:srgbClr val="FF0000"/>
+            </a:solidFill>
+          </a:ln>
+        </p:spPr>
+        <p:style>
+          <a:lnRef idx="1">
+            <a:schemeClr val="accent1"/>
+          </a:lnRef>
+          <a:fillRef idx="0">
+            <a:schemeClr val="accent1"/>
+          </a:fillRef>
+          <a:effectRef idx="0">
+            <a:schemeClr val="accent1"/>
+          </a:effectRef>
+          <a:fontRef idx="minor">
+            <a:schemeClr val="tx1"/>
+          </a:fontRef>
+        </p:style>
+      </p:cxnSp>
+      <p:cxnSp>
+        <p:nvCxnSpPr>
+          <p:cNvPr id="15" name="Straight Connector 14">
+            <a:extLst>
+              <a:ext uri="{FF2B5EF4-FFF2-40B4-BE49-F238E27FC236}">
+                <a16:creationId xmlns:a16="http://schemas.microsoft.com/office/drawing/2014/main" id="{D0A676B4-2020-0373-56D1-C86D0CC275E3}"/>
+              </a:ext>
+            </a:extLst>
+          </p:cNvPr>
+          <p:cNvCxnSpPr>
+            <a:cxnSpLocks/>
+          </p:cNvCxnSpPr>
+          <p:nvPr/>
+        </p:nvCxnSpPr>
+        <p:spPr>
+          <a:xfrm>
+            <a:off x="1960005" y="2024646"/>
+            <a:ext cx="1134887" cy="0"/>
+          </a:xfrm>
+          <a:prstGeom prst="line">
+            <a:avLst/>
+          </a:prstGeom>
+          <a:ln w="57150">
+            <a:solidFill>
+              <a:srgbClr val="FF0000"/>
+            </a:solidFill>
+          </a:ln>
+        </p:spPr>
+        <p:style>
+          <a:lnRef idx="1">
+            <a:schemeClr val="accent1"/>
+          </a:lnRef>
+          <a:fillRef idx="0">
+            <a:schemeClr val="accent1"/>
+          </a:fillRef>
+          <a:effectRef idx="0">
+            <a:schemeClr val="accent1"/>
+          </a:effectRef>
+          <a:fontRef idx="minor">
+            <a:schemeClr val="tx1"/>
+          </a:fontRef>
+        </p:style>
+      </p:cxnSp>
+      <p:cxnSp>
+        <p:nvCxnSpPr>
+          <p:cNvPr id="17" name="Straight Connector 16">
+            <a:extLst>
+              <a:ext uri="{FF2B5EF4-FFF2-40B4-BE49-F238E27FC236}">
+                <a16:creationId xmlns:a16="http://schemas.microsoft.com/office/drawing/2014/main" id="{8536B268-4AB1-1352-F2D1-9AAA882CE791}"/>
+              </a:ext>
+            </a:extLst>
+          </p:cNvPr>
+          <p:cNvCxnSpPr>
+            <a:cxnSpLocks/>
+          </p:cNvCxnSpPr>
+          <p:nvPr/>
+        </p:nvCxnSpPr>
+        <p:spPr>
+          <a:xfrm>
+            <a:off x="1960005" y="2235661"/>
+            <a:ext cx="7094348" cy="0"/>
+          </a:xfrm>
+          <a:prstGeom prst="line">
+            <a:avLst/>
+          </a:prstGeom>
+          <a:ln w="57150">
+            <a:solidFill>
+              <a:srgbClr val="FF0000"/>
+            </a:solidFill>
+          </a:ln>
+        </p:spPr>
+        <p:style>
+          <a:lnRef idx="1">
+            <a:schemeClr val="accent1"/>
+          </a:lnRef>
+          <a:fillRef idx="0">
+            <a:schemeClr val="accent1"/>
+          </a:fillRef>
+          <a:effectRef idx="0">
+            <a:schemeClr val="accent1"/>
+          </a:effectRef>
+          <a:fontRef idx="minor">
+            <a:schemeClr val="tx1"/>
+          </a:fontRef>
+        </p:style>
+      </p:cxnSp>
+      <p:cxnSp>
+        <p:nvCxnSpPr>
+          <p:cNvPr id="18" name="Straight Connector 17">
+            <a:extLst>
+              <a:ext uri="{FF2B5EF4-FFF2-40B4-BE49-F238E27FC236}">
+                <a16:creationId xmlns:a16="http://schemas.microsoft.com/office/drawing/2014/main" id="{ADD21F42-5FDC-FC69-E15C-29BAE0F2B3A6}"/>
+              </a:ext>
+            </a:extLst>
+          </p:cNvPr>
+          <p:cNvCxnSpPr>
+            <a:cxnSpLocks/>
+          </p:cNvCxnSpPr>
+          <p:nvPr/>
+        </p:nvCxnSpPr>
+        <p:spPr>
+          <a:xfrm>
+            <a:off x="8147445" y="2024646"/>
+            <a:ext cx="906908" cy="0"/>
+          </a:xfrm>
+          <a:prstGeom prst="line">
+            <a:avLst/>
+          </a:prstGeom>
+          <a:ln w="57150">
+            <a:solidFill>
+              <a:srgbClr val="FF0000"/>
+            </a:solidFill>
+          </a:ln>
+        </p:spPr>
+        <p:style>
+          <a:lnRef idx="1">
+            <a:schemeClr val="accent1"/>
+          </a:lnRef>
+          <a:fillRef idx="0">
+            <a:schemeClr val="accent1"/>
+          </a:fillRef>
+          <a:effectRef idx="0">
+            <a:schemeClr val="accent1"/>
+          </a:effectRef>
+          <a:fontRef idx="minor">
+            <a:schemeClr val="tx1"/>
+          </a:fontRef>
+        </p:style>
+      </p:cxnSp>
+      <p:cxnSp>
+        <p:nvCxnSpPr>
+          <p:cNvPr id="21" name="Straight Connector 20">
+            <a:extLst>
+              <a:ext uri="{FF2B5EF4-FFF2-40B4-BE49-F238E27FC236}">
+                <a16:creationId xmlns:a16="http://schemas.microsoft.com/office/drawing/2014/main" id="{D04CAF65-C7A0-1B23-BE77-7E28821B6AFA}"/>
+              </a:ext>
+            </a:extLst>
+          </p:cNvPr>
+          <p:cNvCxnSpPr>
+            <a:cxnSpLocks/>
+          </p:cNvCxnSpPr>
+          <p:nvPr/>
+        </p:nvCxnSpPr>
+        <p:spPr>
+          <a:xfrm>
+            <a:off x="1960005" y="2458400"/>
+            <a:ext cx="7094348" cy="0"/>
+          </a:xfrm>
+          <a:prstGeom prst="line">
+            <a:avLst/>
+          </a:prstGeom>
+          <a:ln w="57150">
+            <a:solidFill>
+              <a:srgbClr val="FF0000"/>
+            </a:solidFill>
+          </a:ln>
+        </p:spPr>
+        <p:style>
+          <a:lnRef idx="1">
+            <a:schemeClr val="accent1"/>
+          </a:lnRef>
+          <a:fillRef idx="0">
+            <a:schemeClr val="accent1"/>
+          </a:fillRef>
+          <a:effectRef idx="0">
+            <a:schemeClr val="accent1"/>
+          </a:effectRef>
+          <a:fontRef idx="minor">
+            <a:schemeClr val="tx1"/>
+          </a:fontRef>
+        </p:style>
+      </p:cxnSp>
+      <p:cxnSp>
+        <p:nvCxnSpPr>
+          <p:cNvPr id="22" name="Straight Connector 21">
+            <a:extLst>
+              <a:ext uri="{FF2B5EF4-FFF2-40B4-BE49-F238E27FC236}">
+                <a16:creationId xmlns:a16="http://schemas.microsoft.com/office/drawing/2014/main" id="{3BA8BE37-B6EF-87C8-BDC8-7AC693C41774}"/>
+              </a:ext>
+            </a:extLst>
+          </p:cNvPr>
+          <p:cNvCxnSpPr>
+            <a:cxnSpLocks/>
+          </p:cNvCxnSpPr>
+          <p:nvPr/>
+        </p:nvCxnSpPr>
+        <p:spPr>
+          <a:xfrm>
+            <a:off x="1960005" y="2683483"/>
+            <a:ext cx="7094348" cy="0"/>
+          </a:xfrm>
+          <a:prstGeom prst="line">
+            <a:avLst/>
+          </a:prstGeom>
+          <a:ln w="57150">
+            <a:solidFill>
+              <a:srgbClr val="FF0000"/>
+            </a:solidFill>
+          </a:ln>
+        </p:spPr>
+        <p:style>
+          <a:lnRef idx="1">
+            <a:schemeClr val="accent1"/>
+          </a:lnRef>
+          <a:fillRef idx="0">
+            <a:schemeClr val="accent1"/>
+          </a:fillRef>
+          <a:effectRef idx="0">
+            <a:schemeClr val="accent1"/>
+          </a:effectRef>
+          <a:fontRef idx="minor">
+            <a:schemeClr val="tx1"/>
+          </a:fontRef>
+        </p:style>
+      </p:cxnSp>
+      <p:cxnSp>
+        <p:nvCxnSpPr>
+          <p:cNvPr id="23" name="Straight Connector 22">
+            <a:extLst>
+              <a:ext uri="{FF2B5EF4-FFF2-40B4-BE49-F238E27FC236}">
+                <a16:creationId xmlns:a16="http://schemas.microsoft.com/office/drawing/2014/main" id="{7916E899-1F17-80C0-5C0C-77BF596DAA3A}"/>
+              </a:ext>
+            </a:extLst>
+          </p:cNvPr>
+          <p:cNvCxnSpPr>
+            <a:cxnSpLocks/>
+          </p:cNvCxnSpPr>
+          <p:nvPr/>
+        </p:nvCxnSpPr>
+        <p:spPr>
+          <a:xfrm>
+            <a:off x="1960005" y="2908565"/>
+            <a:ext cx="7094348" cy="0"/>
+          </a:xfrm>
+          <a:prstGeom prst="line">
+            <a:avLst/>
+          </a:prstGeom>
+          <a:ln w="57150">
+            <a:solidFill>
+              <a:srgbClr val="FF0000"/>
+            </a:solidFill>
+          </a:ln>
+        </p:spPr>
+        <p:style>
+          <a:lnRef idx="1">
+            <a:schemeClr val="accent1"/>
+          </a:lnRef>
+          <a:fillRef idx="0">
+            <a:schemeClr val="accent1"/>
+          </a:fillRef>
+          <a:effectRef idx="0">
+            <a:schemeClr val="accent1"/>
+          </a:effectRef>
+          <a:fontRef idx="minor">
+            <a:schemeClr val="tx1"/>
+          </a:fontRef>
+        </p:style>
+      </p:cxnSp>
+      <p:cxnSp>
+        <p:nvCxnSpPr>
+          <p:cNvPr id="24" name="Straight Connector 23">
+            <a:extLst>
+              <a:ext uri="{FF2B5EF4-FFF2-40B4-BE49-F238E27FC236}">
+                <a16:creationId xmlns:a16="http://schemas.microsoft.com/office/drawing/2014/main" id="{CF805F0F-39ED-EB65-A3B4-DC743440C465}"/>
+              </a:ext>
+            </a:extLst>
+          </p:cNvPr>
+          <p:cNvCxnSpPr>
+            <a:cxnSpLocks/>
+          </p:cNvCxnSpPr>
+          <p:nvPr/>
+        </p:nvCxnSpPr>
+        <p:spPr>
+          <a:xfrm>
+            <a:off x="1960005" y="3133648"/>
+            <a:ext cx="7094348" cy="0"/>
+          </a:xfrm>
+          <a:prstGeom prst="line">
+            <a:avLst/>
+          </a:prstGeom>
+          <a:ln w="57150">
+            <a:solidFill>
+              <a:srgbClr val="FF0000"/>
+            </a:solidFill>
+          </a:ln>
+        </p:spPr>
+        <p:style>
+          <a:lnRef idx="1">
+            <a:schemeClr val="accent1"/>
+          </a:lnRef>
+          <a:fillRef idx="0">
+            <a:schemeClr val="accent1"/>
+          </a:fillRef>
+          <a:effectRef idx="0">
+            <a:schemeClr val="accent1"/>
+          </a:effectRef>
+          <a:fontRef idx="minor">
+            <a:schemeClr val="tx1"/>
+          </a:fontRef>
+        </p:style>
+      </p:cxnSp>
+      <p:cxnSp>
+        <p:nvCxnSpPr>
+          <p:cNvPr id="25" name="Straight Connector 24">
+            <a:extLst>
+              <a:ext uri="{FF2B5EF4-FFF2-40B4-BE49-F238E27FC236}">
+                <a16:creationId xmlns:a16="http://schemas.microsoft.com/office/drawing/2014/main" id="{AEC51A8E-732A-AB42-F788-12F36C6A217B}"/>
+              </a:ext>
+            </a:extLst>
+          </p:cNvPr>
+          <p:cNvCxnSpPr>
+            <a:cxnSpLocks/>
+          </p:cNvCxnSpPr>
+          <p:nvPr/>
+        </p:nvCxnSpPr>
+        <p:spPr>
+          <a:xfrm>
+            <a:off x="1960005" y="3369283"/>
+            <a:ext cx="7094348" cy="0"/>
+          </a:xfrm>
+          <a:prstGeom prst="line">
+            <a:avLst/>
+          </a:prstGeom>
+          <a:ln w="57150">
+            <a:solidFill>
+              <a:srgbClr val="FF0000"/>
+            </a:solidFill>
+          </a:ln>
+        </p:spPr>
+        <p:style>
+          <a:lnRef idx="1">
+            <a:schemeClr val="accent1"/>
+          </a:lnRef>
+          <a:fillRef idx="0">
+            <a:schemeClr val="accent1"/>
+          </a:fillRef>
+          <a:effectRef idx="0">
+            <a:schemeClr val="accent1"/>
+          </a:effectRef>
+          <a:fontRef idx="minor">
+            <a:schemeClr val="tx1"/>
+          </a:fontRef>
+        </p:style>
+      </p:cxnSp>
+      <p:cxnSp>
+        <p:nvCxnSpPr>
+          <p:cNvPr id="26" name="Straight Connector 25">
+            <a:extLst>
+              <a:ext uri="{FF2B5EF4-FFF2-40B4-BE49-F238E27FC236}">
+                <a16:creationId xmlns:a16="http://schemas.microsoft.com/office/drawing/2014/main" id="{E81DC36B-8288-F61C-8EB8-5424701A0F97}"/>
+              </a:ext>
+            </a:extLst>
+          </p:cNvPr>
+          <p:cNvCxnSpPr>
+            <a:cxnSpLocks/>
+          </p:cNvCxnSpPr>
+          <p:nvPr/>
+        </p:nvCxnSpPr>
+        <p:spPr>
+          <a:xfrm>
+            <a:off x="1859187" y="3597883"/>
+            <a:ext cx="7094348" cy="0"/>
+          </a:xfrm>
+          <a:prstGeom prst="line">
+            <a:avLst/>
+          </a:prstGeom>
+          <a:ln w="57150">
+            <a:solidFill>
+              <a:srgbClr val="FF0000"/>
+            </a:solidFill>
+          </a:ln>
+        </p:spPr>
+        <p:style>
+          <a:lnRef idx="1">
+            <a:schemeClr val="accent1"/>
+          </a:lnRef>
+          <a:fillRef idx="0">
+            <a:schemeClr val="accent1"/>
+          </a:fillRef>
+          <a:effectRef idx="0">
+            <a:schemeClr val="accent1"/>
+          </a:effectRef>
+          <a:fontRef idx="minor">
+            <a:schemeClr val="tx1"/>
+          </a:fontRef>
+        </p:style>
+      </p:cxnSp>
+      <p:cxnSp>
+        <p:nvCxnSpPr>
+          <p:cNvPr id="27" name="Straight Connector 26">
+            <a:extLst>
+              <a:ext uri="{FF2B5EF4-FFF2-40B4-BE49-F238E27FC236}">
+                <a16:creationId xmlns:a16="http://schemas.microsoft.com/office/drawing/2014/main" id="{0EA248AD-FD50-09E4-96E5-1B67C4C02A6E}"/>
+              </a:ext>
+            </a:extLst>
+          </p:cNvPr>
+          <p:cNvCxnSpPr>
+            <a:cxnSpLocks/>
+          </p:cNvCxnSpPr>
+          <p:nvPr/>
+        </p:nvCxnSpPr>
+        <p:spPr>
+          <a:xfrm>
+            <a:off x="1859187" y="3822965"/>
+            <a:ext cx="7094348" cy="0"/>
+          </a:xfrm>
+          <a:prstGeom prst="line">
+            <a:avLst/>
+          </a:prstGeom>
+          <a:ln w="57150">
+            <a:solidFill>
+              <a:srgbClr val="FF0000"/>
+            </a:solidFill>
+          </a:ln>
+        </p:spPr>
+        <p:style>
+          <a:lnRef idx="1">
+            <a:schemeClr val="accent1"/>
+          </a:lnRef>
+          <a:fillRef idx="0">
+            <a:schemeClr val="accent1"/>
+          </a:fillRef>
+          <a:effectRef idx="0">
+            <a:schemeClr val="accent1"/>
+          </a:effectRef>
+          <a:fontRef idx="minor">
+            <a:schemeClr val="tx1"/>
+          </a:fontRef>
+        </p:style>
+      </p:cxnSp>
+      <p:cxnSp>
+        <p:nvCxnSpPr>
+          <p:cNvPr id="28" name="Straight Connector 27">
+            <a:extLst>
+              <a:ext uri="{FF2B5EF4-FFF2-40B4-BE49-F238E27FC236}">
+                <a16:creationId xmlns:a16="http://schemas.microsoft.com/office/drawing/2014/main" id="{C2366769-2F53-1BCB-086C-024E1037C94F}"/>
+              </a:ext>
+            </a:extLst>
+          </p:cNvPr>
+          <p:cNvCxnSpPr>
+            <a:cxnSpLocks/>
+          </p:cNvCxnSpPr>
+          <p:nvPr/>
+        </p:nvCxnSpPr>
+        <p:spPr>
+          <a:xfrm>
+            <a:off x="1859187" y="4019913"/>
+            <a:ext cx="7094348" cy="0"/>
+          </a:xfrm>
+          <a:prstGeom prst="line">
+            <a:avLst/>
+          </a:prstGeom>
+          <a:ln w="57150">
+            <a:solidFill>
+              <a:srgbClr val="FF0000"/>
+            </a:solidFill>
+          </a:ln>
+        </p:spPr>
+        <p:style>
+          <a:lnRef idx="1">
+            <a:schemeClr val="accent1"/>
+          </a:lnRef>
+          <a:fillRef idx="0">
+            <a:schemeClr val="accent1"/>
+          </a:fillRef>
+          <a:effectRef idx="0">
+            <a:schemeClr val="accent1"/>
+          </a:effectRef>
+          <a:fontRef idx="minor">
+            <a:schemeClr val="tx1"/>
+          </a:fontRef>
+        </p:style>
+      </p:cxnSp>
+      <p:cxnSp>
+        <p:nvCxnSpPr>
+          <p:cNvPr id="29" name="Straight Connector 28">
+            <a:extLst>
+              <a:ext uri="{FF2B5EF4-FFF2-40B4-BE49-F238E27FC236}">
+                <a16:creationId xmlns:a16="http://schemas.microsoft.com/office/drawing/2014/main" id="{8ED25B6B-CCE4-C8D3-3B1C-ECC274B75897}"/>
+              </a:ext>
+            </a:extLst>
+          </p:cNvPr>
+          <p:cNvCxnSpPr>
+            <a:cxnSpLocks/>
+          </p:cNvCxnSpPr>
+          <p:nvPr/>
+        </p:nvCxnSpPr>
+        <p:spPr>
+          <a:xfrm>
+            <a:off x="1859187" y="4259065"/>
+            <a:ext cx="4471275" cy="0"/>
+          </a:xfrm>
+          <a:prstGeom prst="line">
+            <a:avLst/>
+          </a:prstGeom>
+          <a:ln w="57150">
+            <a:solidFill>
+              <a:srgbClr val="FF0000"/>
+            </a:solidFill>
+          </a:ln>
+        </p:spPr>
+        <p:style>
+          <a:lnRef idx="1">
+            <a:schemeClr val="accent1"/>
+          </a:lnRef>
+          <a:fillRef idx="0">
+            <a:schemeClr val="accent1"/>
+          </a:fillRef>
+          <a:effectRef idx="0">
+            <a:schemeClr val="accent1"/>
+          </a:effectRef>
+          <a:fontRef idx="minor">
+            <a:schemeClr val="tx1"/>
+          </a:fontRef>
+        </p:style>
+      </p:cxnSp>
+      <p:cxnSp>
+        <p:nvCxnSpPr>
+          <p:cNvPr id="31" name="Straight Connector 30">
+            <a:extLst>
+              <a:ext uri="{FF2B5EF4-FFF2-40B4-BE49-F238E27FC236}">
+                <a16:creationId xmlns:a16="http://schemas.microsoft.com/office/drawing/2014/main" id="{85C71730-0CED-3B9E-262B-75A92939D679}"/>
+              </a:ext>
+            </a:extLst>
+          </p:cNvPr>
+          <p:cNvCxnSpPr>
+            <a:cxnSpLocks/>
+          </p:cNvCxnSpPr>
+          <p:nvPr/>
+        </p:nvCxnSpPr>
+        <p:spPr>
+          <a:xfrm>
+            <a:off x="3676170" y="4485893"/>
+            <a:ext cx="5378183" cy="0"/>
+          </a:xfrm>
+          <a:prstGeom prst="line">
+            <a:avLst/>
+          </a:prstGeom>
+          <a:ln w="57150">
+            <a:solidFill>
+              <a:srgbClr val="FF0000"/>
+            </a:solidFill>
+          </a:ln>
+        </p:spPr>
+        <p:style>
+          <a:lnRef idx="1">
+            <a:schemeClr val="accent1"/>
+          </a:lnRef>
+          <a:fillRef idx="0">
+            <a:schemeClr val="accent1"/>
+          </a:fillRef>
+          <a:effectRef idx="0">
+            <a:schemeClr val="accent1"/>
+          </a:effectRef>
+          <a:fontRef idx="minor">
+            <a:schemeClr val="tx1"/>
+          </a:fontRef>
+        </p:style>
+      </p:cxnSp>
+      <p:cxnSp>
+        <p:nvCxnSpPr>
+          <p:cNvPr id="33" name="Straight Connector 32">
+            <a:extLst>
+              <a:ext uri="{FF2B5EF4-FFF2-40B4-BE49-F238E27FC236}">
+                <a16:creationId xmlns:a16="http://schemas.microsoft.com/office/drawing/2014/main" id="{B190BEB5-5555-FB8F-4742-40C7AB46AF31}"/>
+              </a:ext>
+            </a:extLst>
+          </p:cNvPr>
+          <p:cNvCxnSpPr>
+            <a:cxnSpLocks/>
+          </p:cNvCxnSpPr>
+          <p:nvPr/>
+        </p:nvCxnSpPr>
+        <p:spPr>
+          <a:xfrm>
+            <a:off x="1960005" y="4691456"/>
+            <a:ext cx="4135995" cy="0"/>
+          </a:xfrm>
+          <a:prstGeom prst="line">
+            <a:avLst/>
+          </a:prstGeom>
+          <a:ln w="57150">
+            <a:solidFill>
+              <a:srgbClr val="FF0000"/>
+            </a:solidFill>
+          </a:ln>
+        </p:spPr>
+        <p:style>
+          <a:lnRef idx="1">
+            <a:schemeClr val="accent1"/>
+          </a:lnRef>
+          <a:fillRef idx="0">
+            <a:schemeClr val="accent1"/>
+          </a:fillRef>
+          <a:effectRef idx="0">
+            <a:schemeClr val="accent1"/>
+          </a:effectRef>
+          <a:fontRef idx="minor">
+            <a:schemeClr val="tx1"/>
+          </a:fontRef>
+        </p:style>
+      </p:cxnSp>
     </p:spTree>
     <p:extLst>
       <p:ext uri="{BB962C8B-B14F-4D97-AF65-F5344CB8AC3E}">
@@ -14224,6 +19255,178 @@
           </a:prstGeom>
         </p:spPr>
       </p:pic>
+      <p:cxnSp>
+        <p:nvCxnSpPr>
+          <p:cNvPr id="2" name="Straight Connector 1">
+            <a:extLst>
+              <a:ext uri="{FF2B5EF4-FFF2-40B4-BE49-F238E27FC236}">
+                <a16:creationId xmlns:a16="http://schemas.microsoft.com/office/drawing/2014/main" id="{129E1E42-217A-13D6-BFB6-E26D00BBA121}"/>
+              </a:ext>
+            </a:extLst>
+          </p:cNvPr>
+          <p:cNvCxnSpPr>
+            <a:cxnSpLocks/>
+          </p:cNvCxnSpPr>
+          <p:nvPr/>
+        </p:nvCxnSpPr>
+        <p:spPr>
+          <a:xfrm>
+            <a:off x="553142" y="3079123"/>
+            <a:ext cx="11235584" cy="0"/>
+          </a:xfrm>
+          <a:prstGeom prst="line">
+            <a:avLst/>
+          </a:prstGeom>
+          <a:ln w="57150">
+            <a:solidFill>
+              <a:srgbClr val="FF0000"/>
+            </a:solidFill>
+          </a:ln>
+        </p:spPr>
+        <p:style>
+          <a:lnRef idx="1">
+            <a:schemeClr val="accent1"/>
+          </a:lnRef>
+          <a:fillRef idx="0">
+            <a:schemeClr val="accent1"/>
+          </a:fillRef>
+          <a:effectRef idx="0">
+            <a:schemeClr val="accent1"/>
+          </a:effectRef>
+          <a:fontRef idx="minor">
+            <a:schemeClr val="tx1"/>
+          </a:fontRef>
+        </p:style>
+      </p:cxnSp>
+      <p:cxnSp>
+        <p:nvCxnSpPr>
+          <p:cNvPr id="6" name="Straight Connector 5">
+            <a:extLst>
+              <a:ext uri="{FF2B5EF4-FFF2-40B4-BE49-F238E27FC236}">
+                <a16:creationId xmlns:a16="http://schemas.microsoft.com/office/drawing/2014/main" id="{4EDBFBBA-EA00-2614-1000-FFFEE3A3C4B6}"/>
+              </a:ext>
+            </a:extLst>
+          </p:cNvPr>
+          <p:cNvCxnSpPr>
+            <a:cxnSpLocks/>
+          </p:cNvCxnSpPr>
+          <p:nvPr/>
+        </p:nvCxnSpPr>
+        <p:spPr>
+          <a:xfrm>
+            <a:off x="553142" y="3396818"/>
+            <a:ext cx="11235584" cy="0"/>
+          </a:xfrm>
+          <a:prstGeom prst="line">
+            <a:avLst/>
+          </a:prstGeom>
+          <a:ln w="57150">
+            <a:solidFill>
+              <a:srgbClr val="FF0000"/>
+            </a:solidFill>
+          </a:ln>
+        </p:spPr>
+        <p:style>
+          <a:lnRef idx="1">
+            <a:schemeClr val="accent1"/>
+          </a:lnRef>
+          <a:fillRef idx="0">
+            <a:schemeClr val="accent1"/>
+          </a:fillRef>
+          <a:effectRef idx="0">
+            <a:schemeClr val="accent1"/>
+          </a:effectRef>
+          <a:fontRef idx="minor">
+            <a:schemeClr val="tx1"/>
+          </a:fontRef>
+        </p:style>
+      </p:cxnSp>
+      <p:cxnSp>
+        <p:nvCxnSpPr>
+          <p:cNvPr id="7" name="Straight Connector 6">
+            <a:extLst>
+              <a:ext uri="{FF2B5EF4-FFF2-40B4-BE49-F238E27FC236}">
+                <a16:creationId xmlns:a16="http://schemas.microsoft.com/office/drawing/2014/main" id="{970D9DA4-26EF-23D5-1D7E-AA0BF650962C}"/>
+              </a:ext>
+            </a:extLst>
+          </p:cNvPr>
+          <p:cNvCxnSpPr>
+            <a:cxnSpLocks/>
+          </p:cNvCxnSpPr>
+          <p:nvPr/>
+        </p:nvCxnSpPr>
+        <p:spPr>
+          <a:xfrm>
+            <a:off x="553142" y="3752027"/>
+            <a:ext cx="11235584" cy="0"/>
+          </a:xfrm>
+          <a:prstGeom prst="line">
+            <a:avLst/>
+          </a:prstGeom>
+          <a:ln w="57150">
+            <a:solidFill>
+              <a:srgbClr val="FF0000"/>
+            </a:solidFill>
+          </a:ln>
+        </p:spPr>
+        <p:style>
+          <a:lnRef idx="1">
+            <a:schemeClr val="accent1"/>
+          </a:lnRef>
+          <a:fillRef idx="0">
+            <a:schemeClr val="accent1"/>
+          </a:fillRef>
+          <a:effectRef idx="0">
+            <a:schemeClr val="accent1"/>
+          </a:effectRef>
+          <a:fontRef idx="minor">
+            <a:schemeClr val="tx1"/>
+          </a:fontRef>
+        </p:style>
+      </p:cxnSp>
+      <p:cxnSp>
+        <p:nvCxnSpPr>
+          <p:cNvPr id="8" name="Straight Connector 7">
+            <a:extLst>
+              <a:ext uri="{FF2B5EF4-FFF2-40B4-BE49-F238E27FC236}">
+                <a16:creationId xmlns:a16="http://schemas.microsoft.com/office/drawing/2014/main" id="{522473F9-9A56-1E4B-5FF5-5725E6EA4968}"/>
+              </a:ext>
+            </a:extLst>
+          </p:cNvPr>
+          <p:cNvCxnSpPr>
+            <a:cxnSpLocks/>
+          </p:cNvCxnSpPr>
+          <p:nvPr/>
+        </p:nvCxnSpPr>
+        <p:spPr>
+          <a:xfrm>
+            <a:off x="553142" y="4191000"/>
+            <a:ext cx="5650710" cy="0"/>
+          </a:xfrm>
+          <a:prstGeom prst="line">
+            <a:avLst/>
+          </a:prstGeom>
+          <a:ln w="57150">
+            <a:solidFill>
+              <a:srgbClr val="FF0000"/>
+            </a:solidFill>
+          </a:ln>
+        </p:spPr>
+        <p:style>
+          <a:lnRef idx="1">
+            <a:schemeClr val="accent1"/>
+          </a:lnRef>
+          <a:fillRef idx="0">
+            <a:schemeClr val="accent1"/>
+          </a:fillRef>
+          <a:effectRef idx="0">
+            <a:schemeClr val="accent1"/>
+          </a:effectRef>
+          <a:fontRef idx="minor">
+            <a:schemeClr val="tx1"/>
+          </a:fontRef>
+        </p:style>
+      </p:cxnSp>
     </p:spTree>
     <p:extLst>
       <p:ext uri="{BB962C8B-B14F-4D97-AF65-F5344CB8AC3E}">
@@ -14320,6 +19523,221 @@
           </a:prstGeom>
         </p:spPr>
       </p:pic>
+      <p:cxnSp>
+        <p:nvCxnSpPr>
+          <p:cNvPr id="2" name="Straight Connector 1">
+            <a:extLst>
+              <a:ext uri="{FF2B5EF4-FFF2-40B4-BE49-F238E27FC236}">
+                <a16:creationId xmlns:a16="http://schemas.microsoft.com/office/drawing/2014/main" id="{B43C3223-37AB-9A05-2645-9126A99979A2}"/>
+              </a:ext>
+            </a:extLst>
+          </p:cNvPr>
+          <p:cNvCxnSpPr>
+            <a:cxnSpLocks/>
+          </p:cNvCxnSpPr>
+          <p:nvPr/>
+        </p:nvCxnSpPr>
+        <p:spPr>
+          <a:xfrm>
+            <a:off x="478208" y="898630"/>
+            <a:ext cx="11235584" cy="0"/>
+          </a:xfrm>
+          <a:prstGeom prst="line">
+            <a:avLst/>
+          </a:prstGeom>
+          <a:ln w="57150">
+            <a:solidFill>
+              <a:srgbClr val="FF0000"/>
+            </a:solidFill>
+          </a:ln>
+        </p:spPr>
+        <p:style>
+          <a:lnRef idx="1">
+            <a:schemeClr val="accent1"/>
+          </a:lnRef>
+          <a:fillRef idx="0">
+            <a:schemeClr val="accent1"/>
+          </a:fillRef>
+          <a:effectRef idx="0">
+            <a:schemeClr val="accent1"/>
+          </a:effectRef>
+          <a:fontRef idx="minor">
+            <a:schemeClr val="tx1"/>
+          </a:fontRef>
+        </p:style>
+      </p:cxnSp>
+      <p:cxnSp>
+        <p:nvCxnSpPr>
+          <p:cNvPr id="5" name="Straight Connector 4">
+            <a:extLst>
+              <a:ext uri="{FF2B5EF4-FFF2-40B4-BE49-F238E27FC236}">
+                <a16:creationId xmlns:a16="http://schemas.microsoft.com/office/drawing/2014/main" id="{8C41985C-2183-2EF6-AE58-1BBB07779D43}"/>
+              </a:ext>
+            </a:extLst>
+          </p:cNvPr>
+          <p:cNvCxnSpPr>
+            <a:cxnSpLocks/>
+          </p:cNvCxnSpPr>
+          <p:nvPr/>
+        </p:nvCxnSpPr>
+        <p:spPr>
+          <a:xfrm>
+            <a:off x="478208" y="1236256"/>
+            <a:ext cx="11235584" cy="0"/>
+          </a:xfrm>
+          <a:prstGeom prst="line">
+            <a:avLst/>
+          </a:prstGeom>
+          <a:ln w="57150">
+            <a:solidFill>
+              <a:srgbClr val="FF0000"/>
+            </a:solidFill>
+          </a:ln>
+        </p:spPr>
+        <p:style>
+          <a:lnRef idx="1">
+            <a:schemeClr val="accent1"/>
+          </a:lnRef>
+          <a:fillRef idx="0">
+            <a:schemeClr val="accent1"/>
+          </a:fillRef>
+          <a:effectRef idx="0">
+            <a:schemeClr val="accent1"/>
+          </a:effectRef>
+          <a:fontRef idx="minor">
+            <a:schemeClr val="tx1"/>
+          </a:fontRef>
+        </p:style>
+      </p:cxnSp>
+      <p:cxnSp>
+        <p:nvCxnSpPr>
+          <p:cNvPr id="6" name="Straight Connector 5">
+            <a:extLst>
+              <a:ext uri="{FF2B5EF4-FFF2-40B4-BE49-F238E27FC236}">
+                <a16:creationId xmlns:a16="http://schemas.microsoft.com/office/drawing/2014/main" id="{E13E2295-8C40-135E-FBBB-0FC4A31CE7EE}"/>
+              </a:ext>
+            </a:extLst>
+          </p:cNvPr>
+          <p:cNvCxnSpPr>
+            <a:cxnSpLocks/>
+          </p:cNvCxnSpPr>
+          <p:nvPr/>
+        </p:nvCxnSpPr>
+        <p:spPr>
+          <a:xfrm>
+            <a:off x="478208" y="1587948"/>
+            <a:ext cx="11235584" cy="0"/>
+          </a:xfrm>
+          <a:prstGeom prst="line">
+            <a:avLst/>
+          </a:prstGeom>
+          <a:ln w="57150">
+            <a:solidFill>
+              <a:srgbClr val="FF0000"/>
+            </a:solidFill>
+          </a:ln>
+        </p:spPr>
+        <p:style>
+          <a:lnRef idx="1">
+            <a:schemeClr val="accent1"/>
+          </a:lnRef>
+          <a:fillRef idx="0">
+            <a:schemeClr val="accent1"/>
+          </a:fillRef>
+          <a:effectRef idx="0">
+            <a:schemeClr val="accent1"/>
+          </a:effectRef>
+          <a:fontRef idx="minor">
+            <a:schemeClr val="tx1"/>
+          </a:fontRef>
+        </p:style>
+      </p:cxnSp>
+      <p:cxnSp>
+        <p:nvCxnSpPr>
+          <p:cNvPr id="7" name="Straight Connector 6">
+            <a:extLst>
+              <a:ext uri="{FF2B5EF4-FFF2-40B4-BE49-F238E27FC236}">
+                <a16:creationId xmlns:a16="http://schemas.microsoft.com/office/drawing/2014/main" id="{9179C70D-7063-1301-EE59-60BA1514C374}"/>
+              </a:ext>
+            </a:extLst>
+          </p:cNvPr>
+          <p:cNvCxnSpPr>
+            <a:cxnSpLocks/>
+          </p:cNvCxnSpPr>
+          <p:nvPr/>
+        </p:nvCxnSpPr>
+        <p:spPr>
+          <a:xfrm>
+            <a:off x="478208" y="1939640"/>
+            <a:ext cx="11235584" cy="0"/>
+          </a:xfrm>
+          <a:prstGeom prst="line">
+            <a:avLst/>
+          </a:prstGeom>
+          <a:ln w="57150">
+            <a:solidFill>
+              <a:srgbClr val="FF0000"/>
+            </a:solidFill>
+          </a:ln>
+        </p:spPr>
+        <p:style>
+          <a:lnRef idx="1">
+            <a:schemeClr val="accent1"/>
+          </a:lnRef>
+          <a:fillRef idx="0">
+            <a:schemeClr val="accent1"/>
+          </a:fillRef>
+          <a:effectRef idx="0">
+            <a:schemeClr val="accent1"/>
+          </a:effectRef>
+          <a:fontRef idx="minor">
+            <a:schemeClr val="tx1"/>
+          </a:fontRef>
+        </p:style>
+      </p:cxnSp>
+      <p:cxnSp>
+        <p:nvCxnSpPr>
+          <p:cNvPr id="8" name="Straight Connector 7">
+            <a:extLst>
+              <a:ext uri="{FF2B5EF4-FFF2-40B4-BE49-F238E27FC236}">
+                <a16:creationId xmlns:a16="http://schemas.microsoft.com/office/drawing/2014/main" id="{A787633D-EB42-AF62-0CB1-3ED7DCB6AB44}"/>
+              </a:ext>
+            </a:extLst>
+          </p:cNvPr>
+          <p:cNvCxnSpPr>
+            <a:cxnSpLocks/>
+          </p:cNvCxnSpPr>
+          <p:nvPr/>
+        </p:nvCxnSpPr>
+        <p:spPr>
+          <a:xfrm>
+            <a:off x="478208" y="2305400"/>
+            <a:ext cx="2644820" cy="0"/>
+          </a:xfrm>
+          <a:prstGeom prst="line">
+            <a:avLst/>
+          </a:prstGeom>
+          <a:ln w="57150">
+            <a:solidFill>
+              <a:srgbClr val="FF0000"/>
+            </a:solidFill>
+          </a:ln>
+        </p:spPr>
+        <p:style>
+          <a:lnRef idx="1">
+            <a:schemeClr val="accent1"/>
+          </a:lnRef>
+          <a:fillRef idx="0">
+            <a:schemeClr val="accent1"/>
+          </a:fillRef>
+          <a:effectRef idx="0">
+            <a:schemeClr val="accent1"/>
+          </a:effectRef>
+          <a:fontRef idx="minor">
+            <a:schemeClr val="tx1"/>
+          </a:fontRef>
+        </p:style>
+      </p:cxnSp>
     </p:spTree>
     <p:extLst>
       <p:ext uri="{BB962C8B-B14F-4D97-AF65-F5344CB8AC3E}">
@@ -14446,6 +19864,350 @@
           </a:prstGeom>
         </p:spPr>
       </p:pic>
+      <p:cxnSp>
+        <p:nvCxnSpPr>
+          <p:cNvPr id="2" name="Straight Connector 1">
+            <a:extLst>
+              <a:ext uri="{FF2B5EF4-FFF2-40B4-BE49-F238E27FC236}">
+                <a16:creationId xmlns:a16="http://schemas.microsoft.com/office/drawing/2014/main" id="{59712A37-95E7-81C4-6236-766AEBBACDC1}"/>
+              </a:ext>
+            </a:extLst>
+          </p:cNvPr>
+          <p:cNvCxnSpPr>
+            <a:cxnSpLocks/>
+          </p:cNvCxnSpPr>
+          <p:nvPr/>
+        </p:nvCxnSpPr>
+        <p:spPr>
+          <a:xfrm>
+            <a:off x="215517" y="4120132"/>
+            <a:ext cx="9589665" cy="0"/>
+          </a:xfrm>
+          <a:prstGeom prst="line">
+            <a:avLst/>
+          </a:prstGeom>
+          <a:ln w="57150">
+            <a:solidFill>
+              <a:srgbClr val="FF0000"/>
+            </a:solidFill>
+          </a:ln>
+        </p:spPr>
+        <p:style>
+          <a:lnRef idx="1">
+            <a:schemeClr val="accent1"/>
+          </a:lnRef>
+          <a:fillRef idx="0">
+            <a:schemeClr val="accent1"/>
+          </a:fillRef>
+          <a:effectRef idx="0">
+            <a:schemeClr val="accent1"/>
+          </a:effectRef>
+          <a:fontRef idx="minor">
+            <a:schemeClr val="tx1"/>
+          </a:fontRef>
+        </p:style>
+      </p:cxnSp>
+      <p:cxnSp>
+        <p:nvCxnSpPr>
+          <p:cNvPr id="5" name="Straight Connector 4">
+            <a:extLst>
+              <a:ext uri="{FF2B5EF4-FFF2-40B4-BE49-F238E27FC236}">
+                <a16:creationId xmlns:a16="http://schemas.microsoft.com/office/drawing/2014/main" id="{BAE10181-B2E0-B060-33C2-FEFA653AC6CF}"/>
+              </a:ext>
+            </a:extLst>
+          </p:cNvPr>
+          <p:cNvCxnSpPr>
+            <a:cxnSpLocks/>
+          </p:cNvCxnSpPr>
+          <p:nvPr/>
+        </p:nvCxnSpPr>
+        <p:spPr>
+          <a:xfrm>
+            <a:off x="7498080" y="3794231"/>
+            <a:ext cx="2307102" cy="0"/>
+          </a:xfrm>
+          <a:prstGeom prst="line">
+            <a:avLst/>
+          </a:prstGeom>
+          <a:ln w="57150">
+            <a:solidFill>
+              <a:srgbClr val="FF0000"/>
+            </a:solidFill>
+          </a:ln>
+        </p:spPr>
+        <p:style>
+          <a:lnRef idx="1">
+            <a:schemeClr val="accent1"/>
+          </a:lnRef>
+          <a:fillRef idx="0">
+            <a:schemeClr val="accent1"/>
+          </a:fillRef>
+          <a:effectRef idx="0">
+            <a:schemeClr val="accent1"/>
+          </a:effectRef>
+          <a:fontRef idx="minor">
+            <a:schemeClr val="tx1"/>
+          </a:fontRef>
+        </p:style>
+      </p:cxnSp>
+      <p:cxnSp>
+        <p:nvCxnSpPr>
+          <p:cNvPr id="8" name="Straight Connector 7">
+            <a:extLst>
+              <a:ext uri="{FF2B5EF4-FFF2-40B4-BE49-F238E27FC236}">
+                <a16:creationId xmlns:a16="http://schemas.microsoft.com/office/drawing/2014/main" id="{8368A931-BB7A-6623-A8F6-57C7C337BECD}"/>
+              </a:ext>
+            </a:extLst>
+          </p:cNvPr>
+          <p:cNvCxnSpPr>
+            <a:cxnSpLocks/>
+          </p:cNvCxnSpPr>
+          <p:nvPr/>
+        </p:nvCxnSpPr>
+        <p:spPr>
+          <a:xfrm>
+            <a:off x="215517" y="4399141"/>
+            <a:ext cx="9589665" cy="0"/>
+          </a:xfrm>
+          <a:prstGeom prst="line">
+            <a:avLst/>
+          </a:prstGeom>
+          <a:ln w="57150">
+            <a:solidFill>
+              <a:srgbClr val="FF0000"/>
+            </a:solidFill>
+          </a:ln>
+        </p:spPr>
+        <p:style>
+          <a:lnRef idx="1">
+            <a:schemeClr val="accent1"/>
+          </a:lnRef>
+          <a:fillRef idx="0">
+            <a:schemeClr val="accent1"/>
+          </a:fillRef>
+          <a:effectRef idx="0">
+            <a:schemeClr val="accent1"/>
+          </a:effectRef>
+          <a:fontRef idx="minor">
+            <a:schemeClr val="tx1"/>
+          </a:fontRef>
+        </p:style>
+      </p:cxnSp>
+      <p:cxnSp>
+        <p:nvCxnSpPr>
+          <p:cNvPr id="10" name="Straight Connector 9">
+            <a:extLst>
+              <a:ext uri="{FF2B5EF4-FFF2-40B4-BE49-F238E27FC236}">
+                <a16:creationId xmlns:a16="http://schemas.microsoft.com/office/drawing/2014/main" id="{A436FA29-15BC-F35F-5F28-C1AA119F4D06}"/>
+              </a:ext>
+            </a:extLst>
+          </p:cNvPr>
+          <p:cNvCxnSpPr>
+            <a:cxnSpLocks/>
+          </p:cNvCxnSpPr>
+          <p:nvPr/>
+        </p:nvCxnSpPr>
+        <p:spPr>
+          <a:xfrm>
+            <a:off x="215517" y="4708630"/>
+            <a:ext cx="9589665" cy="0"/>
+          </a:xfrm>
+          <a:prstGeom prst="line">
+            <a:avLst/>
+          </a:prstGeom>
+          <a:ln w="57150">
+            <a:solidFill>
+              <a:srgbClr val="FF0000"/>
+            </a:solidFill>
+          </a:ln>
+        </p:spPr>
+        <p:style>
+          <a:lnRef idx="1">
+            <a:schemeClr val="accent1"/>
+          </a:lnRef>
+          <a:fillRef idx="0">
+            <a:schemeClr val="accent1"/>
+          </a:fillRef>
+          <a:effectRef idx="0">
+            <a:schemeClr val="accent1"/>
+          </a:effectRef>
+          <a:fontRef idx="minor">
+            <a:schemeClr val="tx1"/>
+          </a:fontRef>
+        </p:style>
+      </p:cxnSp>
+      <p:cxnSp>
+        <p:nvCxnSpPr>
+          <p:cNvPr id="11" name="Straight Connector 10">
+            <a:extLst>
+              <a:ext uri="{FF2B5EF4-FFF2-40B4-BE49-F238E27FC236}">
+                <a16:creationId xmlns:a16="http://schemas.microsoft.com/office/drawing/2014/main" id="{47D6401B-D94C-1BE9-C1BE-1426C96F0899}"/>
+              </a:ext>
+            </a:extLst>
+          </p:cNvPr>
+          <p:cNvCxnSpPr>
+            <a:cxnSpLocks/>
+          </p:cNvCxnSpPr>
+          <p:nvPr/>
+        </p:nvCxnSpPr>
+        <p:spPr>
+          <a:xfrm>
+            <a:off x="215517" y="4989984"/>
+            <a:ext cx="9589665" cy="0"/>
+          </a:xfrm>
+          <a:prstGeom prst="line">
+            <a:avLst/>
+          </a:prstGeom>
+          <a:ln w="57150">
+            <a:solidFill>
+              <a:srgbClr val="FF0000"/>
+            </a:solidFill>
+          </a:ln>
+        </p:spPr>
+        <p:style>
+          <a:lnRef idx="1">
+            <a:schemeClr val="accent1"/>
+          </a:lnRef>
+          <a:fillRef idx="0">
+            <a:schemeClr val="accent1"/>
+          </a:fillRef>
+          <a:effectRef idx="0">
+            <a:schemeClr val="accent1"/>
+          </a:effectRef>
+          <a:fontRef idx="minor">
+            <a:schemeClr val="tx1"/>
+          </a:fontRef>
+        </p:style>
+      </p:cxnSp>
+      <p:cxnSp>
+        <p:nvCxnSpPr>
+          <p:cNvPr id="12" name="Straight Connector 11">
+            <a:extLst>
+              <a:ext uri="{FF2B5EF4-FFF2-40B4-BE49-F238E27FC236}">
+                <a16:creationId xmlns:a16="http://schemas.microsoft.com/office/drawing/2014/main" id="{32E48F89-FBF0-5A71-93AD-60857FB8CE45}"/>
+              </a:ext>
+            </a:extLst>
+          </p:cNvPr>
+          <p:cNvCxnSpPr>
+            <a:cxnSpLocks/>
+          </p:cNvCxnSpPr>
+          <p:nvPr/>
+        </p:nvCxnSpPr>
+        <p:spPr>
+          <a:xfrm>
+            <a:off x="215517" y="5299474"/>
+            <a:ext cx="9589665" cy="0"/>
+          </a:xfrm>
+          <a:prstGeom prst="line">
+            <a:avLst/>
+          </a:prstGeom>
+          <a:ln w="57150">
+            <a:solidFill>
+              <a:srgbClr val="FF0000"/>
+            </a:solidFill>
+          </a:ln>
+        </p:spPr>
+        <p:style>
+          <a:lnRef idx="1">
+            <a:schemeClr val="accent1"/>
+          </a:lnRef>
+          <a:fillRef idx="0">
+            <a:schemeClr val="accent1"/>
+          </a:fillRef>
+          <a:effectRef idx="0">
+            <a:schemeClr val="accent1"/>
+          </a:effectRef>
+          <a:fontRef idx="minor">
+            <a:schemeClr val="tx1"/>
+          </a:fontRef>
+        </p:style>
+      </p:cxnSp>
+      <p:cxnSp>
+        <p:nvCxnSpPr>
+          <p:cNvPr id="13" name="Straight Connector 12">
+            <a:extLst>
+              <a:ext uri="{FF2B5EF4-FFF2-40B4-BE49-F238E27FC236}">
+                <a16:creationId xmlns:a16="http://schemas.microsoft.com/office/drawing/2014/main" id="{0452C218-855A-8E09-7FCE-7C9844A70CEC}"/>
+              </a:ext>
+            </a:extLst>
+          </p:cNvPr>
+          <p:cNvCxnSpPr>
+            <a:cxnSpLocks/>
+          </p:cNvCxnSpPr>
+          <p:nvPr/>
+        </p:nvCxnSpPr>
+        <p:spPr>
+          <a:xfrm>
+            <a:off x="215517" y="5637098"/>
+            <a:ext cx="9589665" cy="0"/>
+          </a:xfrm>
+          <a:prstGeom prst="line">
+            <a:avLst/>
+          </a:prstGeom>
+          <a:ln w="57150">
+            <a:solidFill>
+              <a:srgbClr val="FF0000"/>
+            </a:solidFill>
+          </a:ln>
+        </p:spPr>
+        <p:style>
+          <a:lnRef idx="1">
+            <a:schemeClr val="accent1"/>
+          </a:lnRef>
+          <a:fillRef idx="0">
+            <a:schemeClr val="accent1"/>
+          </a:fillRef>
+          <a:effectRef idx="0">
+            <a:schemeClr val="accent1"/>
+          </a:effectRef>
+          <a:fontRef idx="minor">
+            <a:schemeClr val="tx1"/>
+          </a:fontRef>
+        </p:style>
+      </p:cxnSp>
+      <p:cxnSp>
+        <p:nvCxnSpPr>
+          <p:cNvPr id="14" name="Straight Connector 13">
+            <a:extLst>
+              <a:ext uri="{FF2B5EF4-FFF2-40B4-BE49-F238E27FC236}">
+                <a16:creationId xmlns:a16="http://schemas.microsoft.com/office/drawing/2014/main" id="{127919E1-490D-E266-9D25-7595BBE9F0CF}"/>
+              </a:ext>
+            </a:extLst>
+          </p:cNvPr>
+          <p:cNvCxnSpPr>
+            <a:cxnSpLocks/>
+          </p:cNvCxnSpPr>
+          <p:nvPr/>
+        </p:nvCxnSpPr>
+        <p:spPr>
+          <a:xfrm>
+            <a:off x="215517" y="5904384"/>
+            <a:ext cx="9589665" cy="0"/>
+          </a:xfrm>
+          <a:prstGeom prst="line">
+            <a:avLst/>
+          </a:prstGeom>
+          <a:ln w="57150">
+            <a:solidFill>
+              <a:srgbClr val="FF0000"/>
+            </a:solidFill>
+          </a:ln>
+        </p:spPr>
+        <p:style>
+          <a:lnRef idx="1">
+            <a:schemeClr val="accent1"/>
+          </a:lnRef>
+          <a:fillRef idx="0">
+            <a:schemeClr val="accent1"/>
+          </a:fillRef>
+          <a:effectRef idx="0">
+            <a:schemeClr val="accent1"/>
+          </a:effectRef>
+          <a:fontRef idx="minor">
+            <a:schemeClr val="tx1"/>
+          </a:fontRef>
+        </p:style>
+      </p:cxnSp>
     </p:spTree>
     <p:extLst>
       <p:ext uri="{BB962C8B-B14F-4D97-AF65-F5344CB8AC3E}">
@@ -14542,6 +20304,350 @@
           </a:prstGeom>
         </p:spPr>
       </p:pic>
+      <p:cxnSp>
+        <p:nvCxnSpPr>
+          <p:cNvPr id="2" name="Straight Connector 1">
+            <a:extLst>
+              <a:ext uri="{FF2B5EF4-FFF2-40B4-BE49-F238E27FC236}">
+                <a16:creationId xmlns:a16="http://schemas.microsoft.com/office/drawing/2014/main" id="{60A6E5FB-B3D0-43AC-0B99-D794F76A5D9D}"/>
+              </a:ext>
+            </a:extLst>
+          </p:cNvPr>
+          <p:cNvCxnSpPr>
+            <a:cxnSpLocks/>
+          </p:cNvCxnSpPr>
+          <p:nvPr/>
+        </p:nvCxnSpPr>
+        <p:spPr>
+          <a:xfrm>
+            <a:off x="454667" y="800157"/>
+            <a:ext cx="4483093" cy="0"/>
+          </a:xfrm>
+          <a:prstGeom prst="line">
+            <a:avLst/>
+          </a:prstGeom>
+          <a:ln w="57150">
+            <a:solidFill>
+              <a:srgbClr val="FF0000"/>
+            </a:solidFill>
+          </a:ln>
+        </p:spPr>
+        <p:style>
+          <a:lnRef idx="1">
+            <a:schemeClr val="accent1"/>
+          </a:lnRef>
+          <a:fillRef idx="0">
+            <a:schemeClr val="accent1"/>
+          </a:fillRef>
+          <a:effectRef idx="0">
+            <a:schemeClr val="accent1"/>
+          </a:effectRef>
+          <a:fontRef idx="minor">
+            <a:schemeClr val="tx1"/>
+          </a:fontRef>
+        </p:style>
+      </p:cxnSp>
+      <p:cxnSp>
+        <p:nvCxnSpPr>
+          <p:cNvPr id="6" name="Straight Connector 5">
+            <a:extLst>
+              <a:ext uri="{FF2B5EF4-FFF2-40B4-BE49-F238E27FC236}">
+                <a16:creationId xmlns:a16="http://schemas.microsoft.com/office/drawing/2014/main" id="{28665877-C383-AD8C-0DA5-883FABBBCDD5}"/>
+              </a:ext>
+            </a:extLst>
+          </p:cNvPr>
+          <p:cNvCxnSpPr>
+            <a:cxnSpLocks/>
+          </p:cNvCxnSpPr>
+          <p:nvPr/>
+        </p:nvCxnSpPr>
+        <p:spPr>
+          <a:xfrm>
+            <a:off x="454667" y="1855233"/>
+            <a:ext cx="11376262" cy="0"/>
+          </a:xfrm>
+          <a:prstGeom prst="line">
+            <a:avLst/>
+          </a:prstGeom>
+          <a:ln w="57150">
+            <a:solidFill>
+              <a:srgbClr val="FF0000"/>
+            </a:solidFill>
+          </a:ln>
+        </p:spPr>
+        <p:style>
+          <a:lnRef idx="1">
+            <a:schemeClr val="accent1"/>
+          </a:lnRef>
+          <a:fillRef idx="0">
+            <a:schemeClr val="accent1"/>
+          </a:fillRef>
+          <a:effectRef idx="0">
+            <a:schemeClr val="accent1"/>
+          </a:effectRef>
+          <a:fontRef idx="minor">
+            <a:schemeClr val="tx1"/>
+          </a:fontRef>
+        </p:style>
+      </p:cxnSp>
+      <p:cxnSp>
+        <p:nvCxnSpPr>
+          <p:cNvPr id="8" name="Straight Connector 7">
+            <a:extLst>
+              <a:ext uri="{FF2B5EF4-FFF2-40B4-BE49-F238E27FC236}">
+                <a16:creationId xmlns:a16="http://schemas.microsoft.com/office/drawing/2014/main" id="{7E6AB1E6-5E2D-F212-EA28-3AECE75B80D5}"/>
+              </a:ext>
+            </a:extLst>
+          </p:cNvPr>
+          <p:cNvCxnSpPr>
+            <a:cxnSpLocks/>
+          </p:cNvCxnSpPr>
+          <p:nvPr/>
+        </p:nvCxnSpPr>
+        <p:spPr>
+          <a:xfrm>
+            <a:off x="407869" y="2232717"/>
+            <a:ext cx="11376262" cy="0"/>
+          </a:xfrm>
+          <a:prstGeom prst="line">
+            <a:avLst/>
+          </a:prstGeom>
+          <a:ln w="57150">
+            <a:solidFill>
+              <a:srgbClr val="FF0000"/>
+            </a:solidFill>
+          </a:ln>
+        </p:spPr>
+        <p:style>
+          <a:lnRef idx="1">
+            <a:schemeClr val="accent1"/>
+          </a:lnRef>
+          <a:fillRef idx="0">
+            <a:schemeClr val="accent1"/>
+          </a:fillRef>
+          <a:effectRef idx="0">
+            <a:schemeClr val="accent1"/>
+          </a:effectRef>
+          <a:fontRef idx="minor">
+            <a:schemeClr val="tx1"/>
+          </a:fontRef>
+        </p:style>
+      </p:cxnSp>
+      <p:cxnSp>
+        <p:nvCxnSpPr>
+          <p:cNvPr id="9" name="Straight Connector 8">
+            <a:extLst>
+              <a:ext uri="{FF2B5EF4-FFF2-40B4-BE49-F238E27FC236}">
+                <a16:creationId xmlns:a16="http://schemas.microsoft.com/office/drawing/2014/main" id="{E7A87173-2275-07C0-1611-08F26EC07CE3}"/>
+              </a:ext>
+            </a:extLst>
+          </p:cNvPr>
+          <p:cNvCxnSpPr>
+            <a:cxnSpLocks/>
+          </p:cNvCxnSpPr>
+          <p:nvPr/>
+        </p:nvCxnSpPr>
+        <p:spPr>
+          <a:xfrm>
+            <a:off x="454667" y="2584408"/>
+            <a:ext cx="11329464" cy="0"/>
+          </a:xfrm>
+          <a:prstGeom prst="line">
+            <a:avLst/>
+          </a:prstGeom>
+          <a:ln w="57150">
+            <a:solidFill>
+              <a:srgbClr val="FF0000"/>
+            </a:solidFill>
+          </a:ln>
+        </p:spPr>
+        <p:style>
+          <a:lnRef idx="1">
+            <a:schemeClr val="accent1"/>
+          </a:lnRef>
+          <a:fillRef idx="0">
+            <a:schemeClr val="accent1"/>
+          </a:fillRef>
+          <a:effectRef idx="0">
+            <a:schemeClr val="accent1"/>
+          </a:effectRef>
+          <a:fontRef idx="minor">
+            <a:schemeClr val="tx1"/>
+          </a:fontRef>
+        </p:style>
+      </p:cxnSp>
+      <p:cxnSp>
+        <p:nvCxnSpPr>
+          <p:cNvPr id="12" name="Straight Connector 11">
+            <a:extLst>
+              <a:ext uri="{FF2B5EF4-FFF2-40B4-BE49-F238E27FC236}">
+                <a16:creationId xmlns:a16="http://schemas.microsoft.com/office/drawing/2014/main" id="{F9302A68-5E03-D92E-7875-84E6AAD2E5A7}"/>
+              </a:ext>
+            </a:extLst>
+          </p:cNvPr>
+          <p:cNvCxnSpPr>
+            <a:cxnSpLocks/>
+          </p:cNvCxnSpPr>
+          <p:nvPr/>
+        </p:nvCxnSpPr>
+        <p:spPr>
+          <a:xfrm>
+            <a:off x="9439422" y="3665276"/>
+            <a:ext cx="2321310" cy="0"/>
+          </a:xfrm>
+          <a:prstGeom prst="line">
+            <a:avLst/>
+          </a:prstGeom>
+          <a:ln w="57150">
+            <a:solidFill>
+              <a:srgbClr val="FF0000"/>
+            </a:solidFill>
+          </a:ln>
+        </p:spPr>
+        <p:style>
+          <a:lnRef idx="1">
+            <a:schemeClr val="accent1"/>
+          </a:lnRef>
+          <a:fillRef idx="0">
+            <a:schemeClr val="accent1"/>
+          </a:fillRef>
+          <a:effectRef idx="0">
+            <a:schemeClr val="accent1"/>
+          </a:effectRef>
+          <a:fontRef idx="minor">
+            <a:schemeClr val="tx1"/>
+          </a:fontRef>
+        </p:style>
+      </p:cxnSp>
+      <p:cxnSp>
+        <p:nvCxnSpPr>
+          <p:cNvPr id="14" name="Straight Connector 13">
+            <a:extLst>
+              <a:ext uri="{FF2B5EF4-FFF2-40B4-BE49-F238E27FC236}">
+                <a16:creationId xmlns:a16="http://schemas.microsoft.com/office/drawing/2014/main" id="{870FBEAE-3D46-D1BB-A404-711AC9745BD5}"/>
+              </a:ext>
+            </a:extLst>
+          </p:cNvPr>
+          <p:cNvCxnSpPr>
+            <a:cxnSpLocks/>
+          </p:cNvCxnSpPr>
+          <p:nvPr/>
+        </p:nvCxnSpPr>
+        <p:spPr>
+          <a:xfrm>
+            <a:off x="454667" y="4028691"/>
+            <a:ext cx="11329464" cy="0"/>
+          </a:xfrm>
+          <a:prstGeom prst="line">
+            <a:avLst/>
+          </a:prstGeom>
+          <a:ln w="57150">
+            <a:solidFill>
+              <a:srgbClr val="FF0000"/>
+            </a:solidFill>
+          </a:ln>
+        </p:spPr>
+        <p:style>
+          <a:lnRef idx="1">
+            <a:schemeClr val="accent1"/>
+          </a:lnRef>
+          <a:fillRef idx="0">
+            <a:schemeClr val="accent1"/>
+          </a:fillRef>
+          <a:effectRef idx="0">
+            <a:schemeClr val="accent1"/>
+          </a:effectRef>
+          <a:fontRef idx="minor">
+            <a:schemeClr val="tx1"/>
+          </a:fontRef>
+        </p:style>
+      </p:cxnSp>
+      <p:cxnSp>
+        <p:nvCxnSpPr>
+          <p:cNvPr id="16" name="Straight Connector 15">
+            <a:extLst>
+              <a:ext uri="{FF2B5EF4-FFF2-40B4-BE49-F238E27FC236}">
+                <a16:creationId xmlns:a16="http://schemas.microsoft.com/office/drawing/2014/main" id="{63CFB4C8-6384-6CB5-F029-B104B07E13A0}"/>
+              </a:ext>
+            </a:extLst>
+          </p:cNvPr>
+          <p:cNvCxnSpPr>
+            <a:cxnSpLocks/>
+          </p:cNvCxnSpPr>
+          <p:nvPr/>
+        </p:nvCxnSpPr>
+        <p:spPr>
+          <a:xfrm>
+            <a:off x="431268" y="4378039"/>
+            <a:ext cx="11329464" cy="0"/>
+          </a:xfrm>
+          <a:prstGeom prst="line">
+            <a:avLst/>
+          </a:prstGeom>
+          <a:ln w="57150">
+            <a:solidFill>
+              <a:srgbClr val="FF0000"/>
+            </a:solidFill>
+          </a:ln>
+        </p:spPr>
+        <p:style>
+          <a:lnRef idx="1">
+            <a:schemeClr val="accent1"/>
+          </a:lnRef>
+          <a:fillRef idx="0">
+            <a:schemeClr val="accent1"/>
+          </a:fillRef>
+          <a:effectRef idx="0">
+            <a:schemeClr val="accent1"/>
+          </a:effectRef>
+          <a:fontRef idx="minor">
+            <a:schemeClr val="tx1"/>
+          </a:fontRef>
+        </p:style>
+      </p:cxnSp>
+      <p:cxnSp>
+        <p:nvCxnSpPr>
+          <p:cNvPr id="17" name="Straight Connector 16">
+            <a:extLst>
+              <a:ext uri="{FF2B5EF4-FFF2-40B4-BE49-F238E27FC236}">
+                <a16:creationId xmlns:a16="http://schemas.microsoft.com/office/drawing/2014/main" id="{5B586626-0BAA-1A9D-B479-E9267C5EF1D9}"/>
+              </a:ext>
+            </a:extLst>
+          </p:cNvPr>
+          <p:cNvCxnSpPr>
+            <a:cxnSpLocks/>
+          </p:cNvCxnSpPr>
+          <p:nvPr/>
+        </p:nvCxnSpPr>
+        <p:spPr>
+          <a:xfrm>
+            <a:off x="454667" y="4771934"/>
+            <a:ext cx="10672878" cy="0"/>
+          </a:xfrm>
+          <a:prstGeom prst="line">
+            <a:avLst/>
+          </a:prstGeom>
+          <a:ln w="57150">
+            <a:solidFill>
+              <a:srgbClr val="FF0000"/>
+            </a:solidFill>
+          </a:ln>
+        </p:spPr>
+        <p:style>
+          <a:lnRef idx="1">
+            <a:schemeClr val="accent1"/>
+          </a:lnRef>
+          <a:fillRef idx="0">
+            <a:schemeClr val="accent1"/>
+          </a:fillRef>
+          <a:effectRef idx="0">
+            <a:schemeClr val="accent1"/>
+          </a:effectRef>
+          <a:fontRef idx="minor">
+            <a:schemeClr val="tx1"/>
+          </a:fontRef>
+        </p:style>
+      </p:cxnSp>
     </p:spTree>
     <p:extLst>
       <p:ext uri="{BB962C8B-B14F-4D97-AF65-F5344CB8AC3E}">
@@ -14638,6 +20744,264 @@
           </a:prstGeom>
         </p:spPr>
       </p:pic>
+      <p:cxnSp>
+        <p:nvCxnSpPr>
+          <p:cNvPr id="2" name="Straight Connector 1">
+            <a:extLst>
+              <a:ext uri="{FF2B5EF4-FFF2-40B4-BE49-F238E27FC236}">
+                <a16:creationId xmlns:a16="http://schemas.microsoft.com/office/drawing/2014/main" id="{5BE4A0E7-FC3B-5171-FA49-3F4544E1D06F}"/>
+              </a:ext>
+            </a:extLst>
+          </p:cNvPr>
+          <p:cNvCxnSpPr>
+            <a:cxnSpLocks/>
+          </p:cNvCxnSpPr>
+          <p:nvPr/>
+        </p:nvCxnSpPr>
+        <p:spPr>
+          <a:xfrm>
+            <a:off x="1477108" y="2410906"/>
+            <a:ext cx="10283624" cy="0"/>
+          </a:xfrm>
+          <a:prstGeom prst="line">
+            <a:avLst/>
+          </a:prstGeom>
+          <a:ln w="57150">
+            <a:solidFill>
+              <a:srgbClr val="FF0000"/>
+            </a:solidFill>
+          </a:ln>
+        </p:spPr>
+        <p:style>
+          <a:lnRef idx="1">
+            <a:schemeClr val="accent1"/>
+          </a:lnRef>
+          <a:fillRef idx="0">
+            <a:schemeClr val="accent1"/>
+          </a:fillRef>
+          <a:effectRef idx="0">
+            <a:schemeClr val="accent1"/>
+          </a:effectRef>
+          <a:fontRef idx="minor">
+            <a:schemeClr val="tx1"/>
+          </a:fontRef>
+        </p:style>
+      </p:cxnSp>
+      <p:cxnSp>
+        <p:nvCxnSpPr>
+          <p:cNvPr id="6" name="Straight Connector 5">
+            <a:extLst>
+              <a:ext uri="{FF2B5EF4-FFF2-40B4-BE49-F238E27FC236}">
+                <a16:creationId xmlns:a16="http://schemas.microsoft.com/office/drawing/2014/main" id="{9DE370B3-A4A9-2FE1-4440-3C201CEF3E19}"/>
+              </a:ext>
+            </a:extLst>
+          </p:cNvPr>
+          <p:cNvCxnSpPr>
+            <a:cxnSpLocks/>
+          </p:cNvCxnSpPr>
+          <p:nvPr/>
+        </p:nvCxnSpPr>
+        <p:spPr>
+          <a:xfrm>
+            <a:off x="579900" y="2776666"/>
+            <a:ext cx="11329464" cy="0"/>
+          </a:xfrm>
+          <a:prstGeom prst="line">
+            <a:avLst/>
+          </a:prstGeom>
+          <a:ln w="57150">
+            <a:solidFill>
+              <a:srgbClr val="FF0000"/>
+            </a:solidFill>
+          </a:ln>
+        </p:spPr>
+        <p:style>
+          <a:lnRef idx="1">
+            <a:schemeClr val="accent1"/>
+          </a:lnRef>
+          <a:fillRef idx="0">
+            <a:schemeClr val="accent1"/>
+          </a:fillRef>
+          <a:effectRef idx="0">
+            <a:schemeClr val="accent1"/>
+          </a:effectRef>
+          <a:fontRef idx="minor">
+            <a:schemeClr val="tx1"/>
+          </a:fontRef>
+        </p:style>
+      </p:cxnSp>
+      <p:cxnSp>
+        <p:nvCxnSpPr>
+          <p:cNvPr id="7" name="Straight Connector 6">
+            <a:extLst>
+              <a:ext uri="{FF2B5EF4-FFF2-40B4-BE49-F238E27FC236}">
+                <a16:creationId xmlns:a16="http://schemas.microsoft.com/office/drawing/2014/main" id="{2C44D4F5-C79B-AFDC-98D0-9E0F527DD3E3}"/>
+              </a:ext>
+            </a:extLst>
+          </p:cNvPr>
+          <p:cNvCxnSpPr>
+            <a:cxnSpLocks/>
+          </p:cNvCxnSpPr>
+          <p:nvPr/>
+        </p:nvCxnSpPr>
+        <p:spPr>
+          <a:xfrm>
+            <a:off x="579900" y="3114291"/>
+            <a:ext cx="11329464" cy="0"/>
+          </a:xfrm>
+          <a:prstGeom prst="line">
+            <a:avLst/>
+          </a:prstGeom>
+          <a:ln w="57150">
+            <a:solidFill>
+              <a:srgbClr val="FF0000"/>
+            </a:solidFill>
+          </a:ln>
+        </p:spPr>
+        <p:style>
+          <a:lnRef idx="1">
+            <a:schemeClr val="accent1"/>
+          </a:lnRef>
+          <a:fillRef idx="0">
+            <a:schemeClr val="accent1"/>
+          </a:fillRef>
+          <a:effectRef idx="0">
+            <a:schemeClr val="accent1"/>
+          </a:effectRef>
+          <a:fontRef idx="minor">
+            <a:schemeClr val="tx1"/>
+          </a:fontRef>
+        </p:style>
+      </p:cxnSp>
+      <p:cxnSp>
+        <p:nvCxnSpPr>
+          <p:cNvPr id="8" name="Straight Connector 7">
+            <a:extLst>
+              <a:ext uri="{FF2B5EF4-FFF2-40B4-BE49-F238E27FC236}">
+                <a16:creationId xmlns:a16="http://schemas.microsoft.com/office/drawing/2014/main" id="{541C21A7-5B77-CE8D-153F-202E63343232}"/>
+              </a:ext>
+            </a:extLst>
+          </p:cNvPr>
+          <p:cNvCxnSpPr>
+            <a:cxnSpLocks/>
+          </p:cNvCxnSpPr>
+          <p:nvPr/>
+        </p:nvCxnSpPr>
+        <p:spPr>
+          <a:xfrm>
+            <a:off x="579900" y="3430814"/>
+            <a:ext cx="11329464" cy="0"/>
+          </a:xfrm>
+          <a:prstGeom prst="line">
+            <a:avLst/>
+          </a:prstGeom>
+          <a:ln w="57150">
+            <a:solidFill>
+              <a:srgbClr val="FF0000"/>
+            </a:solidFill>
+          </a:ln>
+        </p:spPr>
+        <p:style>
+          <a:lnRef idx="1">
+            <a:schemeClr val="accent1"/>
+          </a:lnRef>
+          <a:fillRef idx="0">
+            <a:schemeClr val="accent1"/>
+          </a:fillRef>
+          <a:effectRef idx="0">
+            <a:schemeClr val="accent1"/>
+          </a:effectRef>
+          <a:fontRef idx="minor">
+            <a:schemeClr val="tx1"/>
+          </a:fontRef>
+        </p:style>
+      </p:cxnSp>
+      <p:cxnSp>
+        <p:nvCxnSpPr>
+          <p:cNvPr id="9" name="Straight Connector 8">
+            <a:extLst>
+              <a:ext uri="{FF2B5EF4-FFF2-40B4-BE49-F238E27FC236}">
+                <a16:creationId xmlns:a16="http://schemas.microsoft.com/office/drawing/2014/main" id="{38FFE3CF-BED1-36A5-78C3-9CE840741761}"/>
+              </a:ext>
+            </a:extLst>
+          </p:cNvPr>
+          <p:cNvCxnSpPr>
+            <a:cxnSpLocks/>
+          </p:cNvCxnSpPr>
+          <p:nvPr/>
+        </p:nvCxnSpPr>
+        <p:spPr>
+          <a:xfrm>
+            <a:off x="579900" y="3859878"/>
+            <a:ext cx="11329464" cy="0"/>
+          </a:xfrm>
+          <a:prstGeom prst="line">
+            <a:avLst/>
+          </a:prstGeom>
+          <a:ln w="57150">
+            <a:solidFill>
+              <a:srgbClr val="FF0000"/>
+            </a:solidFill>
+          </a:ln>
+        </p:spPr>
+        <p:style>
+          <a:lnRef idx="1">
+            <a:schemeClr val="accent1"/>
+          </a:lnRef>
+          <a:fillRef idx="0">
+            <a:schemeClr val="accent1"/>
+          </a:fillRef>
+          <a:effectRef idx="0">
+            <a:schemeClr val="accent1"/>
+          </a:effectRef>
+          <a:fontRef idx="minor">
+            <a:schemeClr val="tx1"/>
+          </a:fontRef>
+        </p:style>
+      </p:cxnSp>
+      <p:cxnSp>
+        <p:nvCxnSpPr>
+          <p:cNvPr id="10" name="Straight Connector 9">
+            <a:extLst>
+              <a:ext uri="{FF2B5EF4-FFF2-40B4-BE49-F238E27FC236}">
+                <a16:creationId xmlns:a16="http://schemas.microsoft.com/office/drawing/2014/main" id="{D6358CC0-2575-7C98-6CE3-ED5D814A43D7}"/>
+              </a:ext>
+            </a:extLst>
+          </p:cNvPr>
+          <p:cNvCxnSpPr>
+            <a:cxnSpLocks/>
+          </p:cNvCxnSpPr>
+          <p:nvPr/>
+        </p:nvCxnSpPr>
+        <p:spPr>
+          <a:xfrm>
+            <a:off x="431268" y="4183436"/>
+            <a:ext cx="2649557" cy="0"/>
+          </a:xfrm>
+          <a:prstGeom prst="line">
+            <a:avLst/>
+          </a:prstGeom>
+          <a:ln w="57150">
+            <a:solidFill>
+              <a:srgbClr val="FF0000"/>
+            </a:solidFill>
+          </a:ln>
+        </p:spPr>
+        <p:style>
+          <a:lnRef idx="1">
+            <a:schemeClr val="accent1"/>
+          </a:lnRef>
+          <a:fillRef idx="0">
+            <a:schemeClr val="accent1"/>
+          </a:fillRef>
+          <a:effectRef idx="0">
+            <a:schemeClr val="accent1"/>
+          </a:effectRef>
+          <a:fontRef idx="minor">
+            <a:schemeClr val="tx1"/>
+          </a:fontRef>
+        </p:style>
+      </p:cxnSp>
     </p:spTree>
     <p:extLst>
       <p:ext uri="{BB962C8B-B14F-4D97-AF65-F5344CB8AC3E}">
@@ -14734,6 +21098,608 @@
           </a:prstGeom>
         </p:spPr>
       </p:pic>
+      <p:cxnSp>
+        <p:nvCxnSpPr>
+          <p:cNvPr id="2" name="Straight Connector 1">
+            <a:extLst>
+              <a:ext uri="{FF2B5EF4-FFF2-40B4-BE49-F238E27FC236}">
+                <a16:creationId xmlns:a16="http://schemas.microsoft.com/office/drawing/2014/main" id="{A0805C8A-F8F6-1E74-D2BC-8763D94B9035}"/>
+              </a:ext>
+            </a:extLst>
+          </p:cNvPr>
+          <p:cNvCxnSpPr>
+            <a:cxnSpLocks/>
+          </p:cNvCxnSpPr>
+          <p:nvPr/>
+        </p:nvCxnSpPr>
+        <p:spPr>
+          <a:xfrm>
+            <a:off x="1339555" y="399226"/>
+            <a:ext cx="7523091" cy="0"/>
+          </a:xfrm>
+          <a:prstGeom prst="line">
+            <a:avLst/>
+          </a:prstGeom>
+          <a:ln w="57150">
+            <a:solidFill>
+              <a:srgbClr val="FF0000"/>
+            </a:solidFill>
+          </a:ln>
+        </p:spPr>
+        <p:style>
+          <a:lnRef idx="1">
+            <a:schemeClr val="accent1"/>
+          </a:lnRef>
+          <a:fillRef idx="0">
+            <a:schemeClr val="accent1"/>
+          </a:fillRef>
+          <a:effectRef idx="0">
+            <a:schemeClr val="accent1"/>
+          </a:effectRef>
+          <a:fontRef idx="minor">
+            <a:schemeClr val="tx1"/>
+          </a:fontRef>
+        </p:style>
+      </p:cxnSp>
+      <p:cxnSp>
+        <p:nvCxnSpPr>
+          <p:cNvPr id="7" name="Straight Connector 6">
+            <a:extLst>
+              <a:ext uri="{FF2B5EF4-FFF2-40B4-BE49-F238E27FC236}">
+                <a16:creationId xmlns:a16="http://schemas.microsoft.com/office/drawing/2014/main" id="{D439D596-5842-B624-A1FA-37BB41CF0E24}"/>
+              </a:ext>
+            </a:extLst>
+          </p:cNvPr>
+          <p:cNvCxnSpPr>
+            <a:cxnSpLocks/>
+          </p:cNvCxnSpPr>
+          <p:nvPr/>
+        </p:nvCxnSpPr>
+        <p:spPr>
+          <a:xfrm>
+            <a:off x="563488" y="664168"/>
+            <a:ext cx="8299158" cy="0"/>
+          </a:xfrm>
+          <a:prstGeom prst="line">
+            <a:avLst/>
+          </a:prstGeom>
+          <a:ln w="57150">
+            <a:solidFill>
+              <a:srgbClr val="FF0000"/>
+            </a:solidFill>
+          </a:ln>
+        </p:spPr>
+        <p:style>
+          <a:lnRef idx="1">
+            <a:schemeClr val="accent1"/>
+          </a:lnRef>
+          <a:fillRef idx="0">
+            <a:schemeClr val="accent1"/>
+          </a:fillRef>
+          <a:effectRef idx="0">
+            <a:schemeClr val="accent1"/>
+          </a:effectRef>
+          <a:fontRef idx="minor">
+            <a:schemeClr val="tx1"/>
+          </a:fontRef>
+        </p:style>
+      </p:cxnSp>
+      <p:cxnSp>
+        <p:nvCxnSpPr>
+          <p:cNvPr id="9" name="Straight Connector 8">
+            <a:extLst>
+              <a:ext uri="{FF2B5EF4-FFF2-40B4-BE49-F238E27FC236}">
+                <a16:creationId xmlns:a16="http://schemas.microsoft.com/office/drawing/2014/main" id="{196B8D42-F37D-497C-2B06-3F3644A3D7C8}"/>
+              </a:ext>
+            </a:extLst>
+          </p:cNvPr>
+          <p:cNvCxnSpPr>
+            <a:cxnSpLocks/>
+          </p:cNvCxnSpPr>
+          <p:nvPr/>
+        </p:nvCxnSpPr>
+        <p:spPr>
+          <a:xfrm>
+            <a:off x="563488" y="943177"/>
+            <a:ext cx="8299158" cy="0"/>
+          </a:xfrm>
+          <a:prstGeom prst="line">
+            <a:avLst/>
+          </a:prstGeom>
+          <a:ln w="57150">
+            <a:solidFill>
+              <a:srgbClr val="FF0000"/>
+            </a:solidFill>
+          </a:ln>
+        </p:spPr>
+        <p:style>
+          <a:lnRef idx="1">
+            <a:schemeClr val="accent1"/>
+          </a:lnRef>
+          <a:fillRef idx="0">
+            <a:schemeClr val="accent1"/>
+          </a:fillRef>
+          <a:effectRef idx="0">
+            <a:schemeClr val="accent1"/>
+          </a:effectRef>
+          <a:fontRef idx="minor">
+            <a:schemeClr val="tx1"/>
+          </a:fontRef>
+        </p:style>
+      </p:cxnSp>
+      <p:cxnSp>
+        <p:nvCxnSpPr>
+          <p:cNvPr id="10" name="Straight Connector 9">
+            <a:extLst>
+              <a:ext uri="{FF2B5EF4-FFF2-40B4-BE49-F238E27FC236}">
+                <a16:creationId xmlns:a16="http://schemas.microsoft.com/office/drawing/2014/main" id="{2DE5CE36-D6A7-23FC-B159-2D960E3EAC3B}"/>
+              </a:ext>
+            </a:extLst>
+          </p:cNvPr>
+          <p:cNvCxnSpPr>
+            <a:cxnSpLocks/>
+          </p:cNvCxnSpPr>
+          <p:nvPr/>
+        </p:nvCxnSpPr>
+        <p:spPr>
+          <a:xfrm>
+            <a:off x="563488" y="1210463"/>
+            <a:ext cx="8299158" cy="0"/>
+          </a:xfrm>
+          <a:prstGeom prst="line">
+            <a:avLst/>
+          </a:prstGeom>
+          <a:ln w="57150">
+            <a:solidFill>
+              <a:srgbClr val="FF0000"/>
+            </a:solidFill>
+          </a:ln>
+        </p:spPr>
+        <p:style>
+          <a:lnRef idx="1">
+            <a:schemeClr val="accent1"/>
+          </a:lnRef>
+          <a:fillRef idx="0">
+            <a:schemeClr val="accent1"/>
+          </a:fillRef>
+          <a:effectRef idx="0">
+            <a:schemeClr val="accent1"/>
+          </a:effectRef>
+          <a:fontRef idx="minor">
+            <a:schemeClr val="tx1"/>
+          </a:fontRef>
+        </p:style>
+      </p:cxnSp>
+      <p:cxnSp>
+        <p:nvCxnSpPr>
+          <p:cNvPr id="11" name="Straight Connector 10">
+            <a:extLst>
+              <a:ext uri="{FF2B5EF4-FFF2-40B4-BE49-F238E27FC236}">
+                <a16:creationId xmlns:a16="http://schemas.microsoft.com/office/drawing/2014/main" id="{488E44DE-8355-77D6-ED65-3C45340AD8AE}"/>
+              </a:ext>
+            </a:extLst>
+          </p:cNvPr>
+          <p:cNvCxnSpPr>
+            <a:cxnSpLocks/>
+          </p:cNvCxnSpPr>
+          <p:nvPr/>
+        </p:nvCxnSpPr>
+        <p:spPr>
+          <a:xfrm>
+            <a:off x="563488" y="1463682"/>
+            <a:ext cx="8299158" cy="0"/>
+          </a:xfrm>
+          <a:prstGeom prst="line">
+            <a:avLst/>
+          </a:prstGeom>
+          <a:ln w="57150">
+            <a:solidFill>
+              <a:srgbClr val="FF0000"/>
+            </a:solidFill>
+          </a:ln>
+        </p:spPr>
+        <p:style>
+          <a:lnRef idx="1">
+            <a:schemeClr val="accent1"/>
+          </a:lnRef>
+          <a:fillRef idx="0">
+            <a:schemeClr val="accent1"/>
+          </a:fillRef>
+          <a:effectRef idx="0">
+            <a:schemeClr val="accent1"/>
+          </a:effectRef>
+          <a:fontRef idx="minor">
+            <a:schemeClr val="tx1"/>
+          </a:fontRef>
+        </p:style>
+      </p:cxnSp>
+      <p:cxnSp>
+        <p:nvCxnSpPr>
+          <p:cNvPr id="12" name="Straight Connector 11">
+            <a:extLst>
+              <a:ext uri="{FF2B5EF4-FFF2-40B4-BE49-F238E27FC236}">
+                <a16:creationId xmlns:a16="http://schemas.microsoft.com/office/drawing/2014/main" id="{8EE821BE-FB17-8F22-EA4F-D03B7823F784}"/>
+              </a:ext>
+            </a:extLst>
+          </p:cNvPr>
+          <p:cNvCxnSpPr>
+            <a:cxnSpLocks/>
+          </p:cNvCxnSpPr>
+          <p:nvPr/>
+        </p:nvCxnSpPr>
+        <p:spPr>
+          <a:xfrm>
+            <a:off x="563488" y="1730968"/>
+            <a:ext cx="8299158" cy="0"/>
+          </a:xfrm>
+          <a:prstGeom prst="line">
+            <a:avLst/>
+          </a:prstGeom>
+          <a:ln w="57150">
+            <a:solidFill>
+              <a:srgbClr val="FF0000"/>
+            </a:solidFill>
+          </a:ln>
+        </p:spPr>
+        <p:style>
+          <a:lnRef idx="1">
+            <a:schemeClr val="accent1"/>
+          </a:lnRef>
+          <a:fillRef idx="0">
+            <a:schemeClr val="accent1"/>
+          </a:fillRef>
+          <a:effectRef idx="0">
+            <a:schemeClr val="accent1"/>
+          </a:effectRef>
+          <a:fontRef idx="minor">
+            <a:schemeClr val="tx1"/>
+          </a:fontRef>
+        </p:style>
+      </p:cxnSp>
+      <p:cxnSp>
+        <p:nvCxnSpPr>
+          <p:cNvPr id="13" name="Straight Connector 12">
+            <a:extLst>
+              <a:ext uri="{FF2B5EF4-FFF2-40B4-BE49-F238E27FC236}">
+                <a16:creationId xmlns:a16="http://schemas.microsoft.com/office/drawing/2014/main" id="{0D2F8DA9-4B59-E726-D070-F79FCCFB1354}"/>
+              </a:ext>
+            </a:extLst>
+          </p:cNvPr>
+          <p:cNvCxnSpPr>
+            <a:cxnSpLocks/>
+          </p:cNvCxnSpPr>
+          <p:nvPr/>
+        </p:nvCxnSpPr>
+        <p:spPr>
+          <a:xfrm>
+            <a:off x="563488" y="2012322"/>
+            <a:ext cx="8299158" cy="0"/>
+          </a:xfrm>
+          <a:prstGeom prst="line">
+            <a:avLst/>
+          </a:prstGeom>
+          <a:ln w="57150">
+            <a:solidFill>
+              <a:srgbClr val="FF0000"/>
+            </a:solidFill>
+          </a:ln>
+        </p:spPr>
+        <p:style>
+          <a:lnRef idx="1">
+            <a:schemeClr val="accent1"/>
+          </a:lnRef>
+          <a:fillRef idx="0">
+            <a:schemeClr val="accent1"/>
+          </a:fillRef>
+          <a:effectRef idx="0">
+            <a:schemeClr val="accent1"/>
+          </a:effectRef>
+          <a:fontRef idx="minor">
+            <a:schemeClr val="tx1"/>
+          </a:fontRef>
+        </p:style>
+      </p:cxnSp>
+      <p:cxnSp>
+        <p:nvCxnSpPr>
+          <p:cNvPr id="14" name="Straight Connector 13">
+            <a:extLst>
+              <a:ext uri="{FF2B5EF4-FFF2-40B4-BE49-F238E27FC236}">
+                <a16:creationId xmlns:a16="http://schemas.microsoft.com/office/drawing/2014/main" id="{4A26705E-2074-01FA-5EA4-E05603C5C044}"/>
+              </a:ext>
+            </a:extLst>
+          </p:cNvPr>
+          <p:cNvCxnSpPr>
+            <a:cxnSpLocks/>
+          </p:cNvCxnSpPr>
+          <p:nvPr/>
+        </p:nvCxnSpPr>
+        <p:spPr>
+          <a:xfrm>
+            <a:off x="563488" y="2293676"/>
+            <a:ext cx="1715478" cy="0"/>
+          </a:xfrm>
+          <a:prstGeom prst="line">
+            <a:avLst/>
+          </a:prstGeom>
+          <a:ln w="57150">
+            <a:solidFill>
+              <a:srgbClr val="FF0000"/>
+            </a:solidFill>
+          </a:ln>
+        </p:spPr>
+        <p:style>
+          <a:lnRef idx="1">
+            <a:schemeClr val="accent1"/>
+          </a:lnRef>
+          <a:fillRef idx="0">
+            <a:schemeClr val="accent1"/>
+          </a:fillRef>
+          <a:effectRef idx="0">
+            <a:schemeClr val="accent1"/>
+          </a:effectRef>
+          <a:fontRef idx="minor">
+            <a:schemeClr val="tx1"/>
+          </a:fontRef>
+        </p:style>
+      </p:cxnSp>
+      <p:cxnSp>
+        <p:nvCxnSpPr>
+          <p:cNvPr id="16" name="Straight Connector 15">
+            <a:extLst>
+              <a:ext uri="{FF2B5EF4-FFF2-40B4-BE49-F238E27FC236}">
+                <a16:creationId xmlns:a16="http://schemas.microsoft.com/office/drawing/2014/main" id="{E266FF13-8560-9A73-D193-9391AE93ED42}"/>
+              </a:ext>
+            </a:extLst>
+          </p:cNvPr>
+          <p:cNvCxnSpPr>
+            <a:cxnSpLocks/>
+          </p:cNvCxnSpPr>
+          <p:nvPr/>
+        </p:nvCxnSpPr>
+        <p:spPr>
+          <a:xfrm>
+            <a:off x="6752492" y="2828248"/>
+            <a:ext cx="2248487" cy="0"/>
+          </a:xfrm>
+          <a:prstGeom prst="line">
+            <a:avLst/>
+          </a:prstGeom>
+          <a:ln w="57150">
+            <a:solidFill>
+              <a:srgbClr val="FF0000"/>
+            </a:solidFill>
+          </a:ln>
+        </p:spPr>
+        <p:style>
+          <a:lnRef idx="1">
+            <a:schemeClr val="accent1"/>
+          </a:lnRef>
+          <a:fillRef idx="0">
+            <a:schemeClr val="accent1"/>
+          </a:fillRef>
+          <a:effectRef idx="0">
+            <a:schemeClr val="accent1"/>
+          </a:effectRef>
+          <a:fontRef idx="minor">
+            <a:schemeClr val="tx1"/>
+          </a:fontRef>
+        </p:style>
+      </p:cxnSp>
+      <p:cxnSp>
+        <p:nvCxnSpPr>
+          <p:cNvPr id="18" name="Straight Connector 17">
+            <a:extLst>
+              <a:ext uri="{FF2B5EF4-FFF2-40B4-BE49-F238E27FC236}">
+                <a16:creationId xmlns:a16="http://schemas.microsoft.com/office/drawing/2014/main" id="{D3D1CA85-CDA8-02B6-04F9-64F29F689BE0}"/>
+              </a:ext>
+            </a:extLst>
+          </p:cNvPr>
+          <p:cNvCxnSpPr>
+            <a:cxnSpLocks/>
+          </p:cNvCxnSpPr>
+          <p:nvPr/>
+        </p:nvCxnSpPr>
+        <p:spPr>
+          <a:xfrm>
+            <a:off x="563488" y="3109602"/>
+            <a:ext cx="8299158" cy="0"/>
+          </a:xfrm>
+          <a:prstGeom prst="line">
+            <a:avLst/>
+          </a:prstGeom>
+          <a:ln w="57150">
+            <a:solidFill>
+              <a:srgbClr val="FF0000"/>
+            </a:solidFill>
+          </a:ln>
+        </p:spPr>
+        <p:style>
+          <a:lnRef idx="1">
+            <a:schemeClr val="accent1"/>
+          </a:lnRef>
+          <a:fillRef idx="0">
+            <a:schemeClr val="accent1"/>
+          </a:fillRef>
+          <a:effectRef idx="0">
+            <a:schemeClr val="accent1"/>
+          </a:effectRef>
+          <a:fontRef idx="minor">
+            <a:schemeClr val="tx1"/>
+          </a:fontRef>
+        </p:style>
+      </p:cxnSp>
+      <p:cxnSp>
+        <p:nvCxnSpPr>
+          <p:cNvPr id="19" name="Straight Connector 18">
+            <a:extLst>
+              <a:ext uri="{FF2B5EF4-FFF2-40B4-BE49-F238E27FC236}">
+                <a16:creationId xmlns:a16="http://schemas.microsoft.com/office/drawing/2014/main" id="{DF8B88B0-EABD-1EA4-7ED6-297BAB302491}"/>
+              </a:ext>
+            </a:extLst>
+          </p:cNvPr>
+          <p:cNvCxnSpPr>
+            <a:cxnSpLocks/>
+          </p:cNvCxnSpPr>
+          <p:nvPr/>
+        </p:nvCxnSpPr>
+        <p:spPr>
+          <a:xfrm>
+            <a:off x="563488" y="3397347"/>
+            <a:ext cx="8299158" cy="0"/>
+          </a:xfrm>
+          <a:prstGeom prst="line">
+            <a:avLst/>
+          </a:prstGeom>
+          <a:ln w="57150">
+            <a:solidFill>
+              <a:srgbClr val="FF0000"/>
+            </a:solidFill>
+          </a:ln>
+        </p:spPr>
+        <p:style>
+          <a:lnRef idx="1">
+            <a:schemeClr val="accent1"/>
+          </a:lnRef>
+          <a:fillRef idx="0">
+            <a:schemeClr val="accent1"/>
+          </a:fillRef>
+          <a:effectRef idx="0">
+            <a:schemeClr val="accent1"/>
+          </a:effectRef>
+          <a:fontRef idx="minor">
+            <a:schemeClr val="tx1"/>
+          </a:fontRef>
+        </p:style>
+      </p:cxnSp>
+      <p:cxnSp>
+        <p:nvCxnSpPr>
+          <p:cNvPr id="21" name="Straight Connector 20">
+            <a:extLst>
+              <a:ext uri="{FF2B5EF4-FFF2-40B4-BE49-F238E27FC236}">
+                <a16:creationId xmlns:a16="http://schemas.microsoft.com/office/drawing/2014/main" id="{79CF55B3-B300-81C0-C45C-8A367A595294}"/>
+              </a:ext>
+            </a:extLst>
+          </p:cNvPr>
+          <p:cNvCxnSpPr>
+            <a:cxnSpLocks/>
+          </p:cNvCxnSpPr>
+          <p:nvPr/>
+        </p:nvCxnSpPr>
+        <p:spPr>
+          <a:xfrm>
+            <a:off x="563488" y="3644174"/>
+            <a:ext cx="8299158" cy="0"/>
+          </a:xfrm>
+          <a:prstGeom prst="line">
+            <a:avLst/>
+          </a:prstGeom>
+          <a:ln w="57150">
+            <a:solidFill>
+              <a:srgbClr val="FF0000"/>
+            </a:solidFill>
+          </a:ln>
+        </p:spPr>
+        <p:style>
+          <a:lnRef idx="1">
+            <a:schemeClr val="accent1"/>
+          </a:lnRef>
+          <a:fillRef idx="0">
+            <a:schemeClr val="accent1"/>
+          </a:fillRef>
+          <a:effectRef idx="0">
+            <a:schemeClr val="accent1"/>
+          </a:effectRef>
+          <a:fontRef idx="minor">
+            <a:schemeClr val="tx1"/>
+          </a:fontRef>
+        </p:style>
+      </p:cxnSp>
+      <p:cxnSp>
+        <p:nvCxnSpPr>
+          <p:cNvPr id="22" name="Straight Connector 21">
+            <a:extLst>
+              <a:ext uri="{FF2B5EF4-FFF2-40B4-BE49-F238E27FC236}">
+                <a16:creationId xmlns:a16="http://schemas.microsoft.com/office/drawing/2014/main" id="{944DC283-99AF-A14A-610C-18A9B79DB300}"/>
+              </a:ext>
+            </a:extLst>
+          </p:cNvPr>
+          <p:cNvCxnSpPr>
+            <a:cxnSpLocks/>
+          </p:cNvCxnSpPr>
+          <p:nvPr/>
+        </p:nvCxnSpPr>
+        <p:spPr>
+          <a:xfrm>
+            <a:off x="563488" y="3911461"/>
+            <a:ext cx="8299158" cy="0"/>
+          </a:xfrm>
+          <a:prstGeom prst="line">
+            <a:avLst/>
+          </a:prstGeom>
+          <a:ln w="57150">
+            <a:solidFill>
+              <a:srgbClr val="FF0000"/>
+            </a:solidFill>
+          </a:ln>
+        </p:spPr>
+        <p:style>
+          <a:lnRef idx="1">
+            <a:schemeClr val="accent1"/>
+          </a:lnRef>
+          <a:fillRef idx="0">
+            <a:schemeClr val="accent1"/>
+          </a:fillRef>
+          <a:effectRef idx="0">
+            <a:schemeClr val="accent1"/>
+          </a:effectRef>
+          <a:fontRef idx="minor">
+            <a:schemeClr val="tx1"/>
+          </a:fontRef>
+        </p:style>
+      </p:cxnSp>
+      <p:cxnSp>
+        <p:nvCxnSpPr>
+          <p:cNvPr id="23" name="Straight Connector 22">
+            <a:extLst>
+              <a:ext uri="{FF2B5EF4-FFF2-40B4-BE49-F238E27FC236}">
+                <a16:creationId xmlns:a16="http://schemas.microsoft.com/office/drawing/2014/main" id="{A5425D86-8782-8137-1076-CCF06AEF59E6}"/>
+              </a:ext>
+            </a:extLst>
+          </p:cNvPr>
+          <p:cNvCxnSpPr>
+            <a:cxnSpLocks/>
+          </p:cNvCxnSpPr>
+          <p:nvPr/>
+        </p:nvCxnSpPr>
+        <p:spPr>
+          <a:xfrm>
+            <a:off x="563488" y="4150611"/>
+            <a:ext cx="8299158" cy="0"/>
+          </a:xfrm>
+          <a:prstGeom prst="line">
+            <a:avLst/>
+          </a:prstGeom>
+          <a:ln w="57150">
+            <a:solidFill>
+              <a:srgbClr val="FF0000"/>
+            </a:solidFill>
+          </a:ln>
+        </p:spPr>
+        <p:style>
+          <a:lnRef idx="1">
+            <a:schemeClr val="accent1"/>
+          </a:lnRef>
+          <a:fillRef idx="0">
+            <a:schemeClr val="accent1"/>
+          </a:fillRef>
+          <a:effectRef idx="0">
+            <a:schemeClr val="accent1"/>
+          </a:effectRef>
+          <a:fontRef idx="minor">
+            <a:schemeClr val="tx1"/>
+          </a:fontRef>
+        </p:style>
+      </p:cxnSp>
     </p:spTree>
     <p:extLst>
       <p:ext uri="{BB962C8B-B14F-4D97-AF65-F5344CB8AC3E}">
@@ -15467,6 +22433,178 @@
           </a:prstGeom>
         </p:spPr>
       </p:pic>
+      <p:cxnSp>
+        <p:nvCxnSpPr>
+          <p:cNvPr id="2" name="Straight Connector 1">
+            <a:extLst>
+              <a:ext uri="{FF2B5EF4-FFF2-40B4-BE49-F238E27FC236}">
+                <a16:creationId xmlns:a16="http://schemas.microsoft.com/office/drawing/2014/main" id="{B5CEC230-FC00-6A32-A4C4-2561D1F7BD61}"/>
+              </a:ext>
+            </a:extLst>
+          </p:cNvPr>
+          <p:cNvCxnSpPr>
+            <a:cxnSpLocks/>
+          </p:cNvCxnSpPr>
+          <p:nvPr/>
+        </p:nvCxnSpPr>
+        <p:spPr>
+          <a:xfrm>
+            <a:off x="263237" y="909828"/>
+            <a:ext cx="8299158" cy="0"/>
+          </a:xfrm>
+          <a:prstGeom prst="line">
+            <a:avLst/>
+          </a:prstGeom>
+          <a:ln w="57150">
+            <a:solidFill>
+              <a:srgbClr val="FF0000"/>
+            </a:solidFill>
+          </a:ln>
+        </p:spPr>
+        <p:style>
+          <a:lnRef idx="1">
+            <a:schemeClr val="accent1"/>
+          </a:lnRef>
+          <a:fillRef idx="0">
+            <a:schemeClr val="accent1"/>
+          </a:fillRef>
+          <a:effectRef idx="0">
+            <a:schemeClr val="accent1"/>
+          </a:effectRef>
+          <a:fontRef idx="minor">
+            <a:schemeClr val="tx1"/>
+          </a:fontRef>
+        </p:style>
+      </p:cxnSp>
+      <p:cxnSp>
+        <p:nvCxnSpPr>
+          <p:cNvPr id="4" name="Straight Connector 3">
+            <a:extLst>
+              <a:ext uri="{FF2B5EF4-FFF2-40B4-BE49-F238E27FC236}">
+                <a16:creationId xmlns:a16="http://schemas.microsoft.com/office/drawing/2014/main" id="{B8A7D30A-EA56-7A64-C9F6-DD580F8783FC}"/>
+              </a:ext>
+            </a:extLst>
+          </p:cNvPr>
+          <p:cNvCxnSpPr>
+            <a:cxnSpLocks/>
+          </p:cNvCxnSpPr>
+          <p:nvPr/>
+        </p:nvCxnSpPr>
+        <p:spPr>
+          <a:xfrm>
+            <a:off x="263237" y="1196431"/>
+            <a:ext cx="8299158" cy="0"/>
+          </a:xfrm>
+          <a:prstGeom prst="line">
+            <a:avLst/>
+          </a:prstGeom>
+          <a:ln w="57150">
+            <a:solidFill>
+              <a:srgbClr val="FF0000"/>
+            </a:solidFill>
+          </a:ln>
+        </p:spPr>
+        <p:style>
+          <a:lnRef idx="1">
+            <a:schemeClr val="accent1"/>
+          </a:lnRef>
+          <a:fillRef idx="0">
+            <a:schemeClr val="accent1"/>
+          </a:fillRef>
+          <a:effectRef idx="0">
+            <a:schemeClr val="accent1"/>
+          </a:effectRef>
+          <a:fontRef idx="minor">
+            <a:schemeClr val="tx1"/>
+          </a:fontRef>
+        </p:style>
+      </p:cxnSp>
+      <p:cxnSp>
+        <p:nvCxnSpPr>
+          <p:cNvPr id="6" name="Straight Connector 5">
+            <a:extLst>
+              <a:ext uri="{FF2B5EF4-FFF2-40B4-BE49-F238E27FC236}">
+                <a16:creationId xmlns:a16="http://schemas.microsoft.com/office/drawing/2014/main" id="{1EE28864-C892-8362-341F-8C5540BED6B4}"/>
+              </a:ext>
+            </a:extLst>
+          </p:cNvPr>
+          <p:cNvCxnSpPr>
+            <a:cxnSpLocks/>
+          </p:cNvCxnSpPr>
+          <p:nvPr/>
+        </p:nvCxnSpPr>
+        <p:spPr>
+          <a:xfrm>
+            <a:off x="387642" y="1455738"/>
+            <a:ext cx="8299158" cy="0"/>
+          </a:xfrm>
+          <a:prstGeom prst="line">
+            <a:avLst/>
+          </a:prstGeom>
+          <a:ln w="57150">
+            <a:solidFill>
+              <a:srgbClr val="FF0000"/>
+            </a:solidFill>
+          </a:ln>
+        </p:spPr>
+        <p:style>
+          <a:lnRef idx="1">
+            <a:schemeClr val="accent1"/>
+          </a:lnRef>
+          <a:fillRef idx="0">
+            <a:schemeClr val="accent1"/>
+          </a:fillRef>
+          <a:effectRef idx="0">
+            <a:schemeClr val="accent1"/>
+          </a:effectRef>
+          <a:fontRef idx="minor">
+            <a:schemeClr val="tx1"/>
+          </a:fontRef>
+        </p:style>
+      </p:cxnSp>
+      <p:cxnSp>
+        <p:nvCxnSpPr>
+          <p:cNvPr id="8" name="Straight Connector 7">
+            <a:extLst>
+              <a:ext uri="{FF2B5EF4-FFF2-40B4-BE49-F238E27FC236}">
+                <a16:creationId xmlns:a16="http://schemas.microsoft.com/office/drawing/2014/main" id="{916FAC20-8710-1AD9-AE39-67F0690E4C65}"/>
+              </a:ext>
+            </a:extLst>
+          </p:cNvPr>
+          <p:cNvCxnSpPr>
+            <a:cxnSpLocks/>
+          </p:cNvCxnSpPr>
+          <p:nvPr/>
+        </p:nvCxnSpPr>
+        <p:spPr>
+          <a:xfrm>
+            <a:off x="263237" y="1715046"/>
+            <a:ext cx="842232" cy="0"/>
+          </a:xfrm>
+          <a:prstGeom prst="line">
+            <a:avLst/>
+          </a:prstGeom>
+          <a:ln w="57150">
+            <a:solidFill>
+              <a:srgbClr val="FF0000"/>
+            </a:solidFill>
+          </a:ln>
+        </p:spPr>
+        <p:style>
+          <a:lnRef idx="1">
+            <a:schemeClr val="accent1"/>
+          </a:lnRef>
+          <a:fillRef idx="0">
+            <a:schemeClr val="accent1"/>
+          </a:fillRef>
+          <a:effectRef idx="0">
+            <a:schemeClr val="accent1"/>
+          </a:effectRef>
+          <a:fontRef idx="minor">
+            <a:schemeClr val="tx1"/>
+          </a:fontRef>
+        </p:style>
+      </p:cxnSp>
     </p:spTree>
     <p:extLst>
       <p:ext uri="{BB962C8B-B14F-4D97-AF65-F5344CB8AC3E}">

--- a/DigSite/New Arcaism/uarm 2024 2/kant CRP prologo.pptx
+++ b/DigSite/New Arcaism/uarm 2024 2/kant CRP prologo.pptx
@@ -311,7 +311,7 @@
           <a:p>
             <a:fld id="{341C1540-EF5E-4452-9660-2C343EDE8172}" type="datetimeFigureOut">
               <a:rPr lang="es-PE" smtClean="0"/>
-              <a:t>6/10/2024</a:t>
+              <a:t>15/10/2024</a:t>
             </a:fld>
             <a:endParaRPr lang="es-PE"/>
           </a:p>
@@ -511,7 +511,7 @@
           <a:p>
             <a:fld id="{341C1540-EF5E-4452-9660-2C343EDE8172}" type="datetimeFigureOut">
               <a:rPr lang="es-PE" smtClean="0"/>
-              <a:t>6/10/2024</a:t>
+              <a:t>15/10/2024</a:t>
             </a:fld>
             <a:endParaRPr lang="es-PE"/>
           </a:p>
@@ -721,7 +721,7 @@
           <a:p>
             <a:fld id="{341C1540-EF5E-4452-9660-2C343EDE8172}" type="datetimeFigureOut">
               <a:rPr lang="es-PE" smtClean="0"/>
-              <a:t>6/10/2024</a:t>
+              <a:t>15/10/2024</a:t>
             </a:fld>
             <a:endParaRPr lang="es-PE"/>
           </a:p>
@@ -921,7 +921,7 @@
           <a:p>
             <a:fld id="{341C1540-EF5E-4452-9660-2C343EDE8172}" type="datetimeFigureOut">
               <a:rPr lang="es-PE" smtClean="0"/>
-              <a:t>6/10/2024</a:t>
+              <a:t>15/10/2024</a:t>
             </a:fld>
             <a:endParaRPr lang="es-PE"/>
           </a:p>
@@ -1197,7 +1197,7 @@
           <a:p>
             <a:fld id="{341C1540-EF5E-4452-9660-2C343EDE8172}" type="datetimeFigureOut">
               <a:rPr lang="es-PE" smtClean="0"/>
-              <a:t>6/10/2024</a:t>
+              <a:t>15/10/2024</a:t>
             </a:fld>
             <a:endParaRPr lang="es-PE"/>
           </a:p>
@@ -1465,7 +1465,7 @@
           <a:p>
             <a:fld id="{341C1540-EF5E-4452-9660-2C343EDE8172}" type="datetimeFigureOut">
               <a:rPr lang="es-PE" smtClean="0"/>
-              <a:t>6/10/2024</a:t>
+              <a:t>15/10/2024</a:t>
             </a:fld>
             <a:endParaRPr lang="es-PE"/>
           </a:p>
@@ -1880,7 +1880,7 @@
           <a:p>
             <a:fld id="{341C1540-EF5E-4452-9660-2C343EDE8172}" type="datetimeFigureOut">
               <a:rPr lang="es-PE" smtClean="0"/>
-              <a:t>6/10/2024</a:t>
+              <a:t>15/10/2024</a:t>
             </a:fld>
             <a:endParaRPr lang="es-PE"/>
           </a:p>
@@ -2022,7 +2022,7 @@
           <a:p>
             <a:fld id="{341C1540-EF5E-4452-9660-2C343EDE8172}" type="datetimeFigureOut">
               <a:rPr lang="es-PE" smtClean="0"/>
-              <a:t>6/10/2024</a:t>
+              <a:t>15/10/2024</a:t>
             </a:fld>
             <a:endParaRPr lang="es-PE"/>
           </a:p>
@@ -2135,7 +2135,7 @@
           <a:p>
             <a:fld id="{341C1540-EF5E-4452-9660-2C343EDE8172}" type="datetimeFigureOut">
               <a:rPr lang="es-PE" smtClean="0"/>
-              <a:t>6/10/2024</a:t>
+              <a:t>15/10/2024</a:t>
             </a:fld>
             <a:endParaRPr lang="es-PE"/>
           </a:p>
@@ -2448,7 +2448,7 @@
           <a:p>
             <a:fld id="{341C1540-EF5E-4452-9660-2C343EDE8172}" type="datetimeFigureOut">
               <a:rPr lang="es-PE" smtClean="0"/>
-              <a:t>6/10/2024</a:t>
+              <a:t>15/10/2024</a:t>
             </a:fld>
             <a:endParaRPr lang="es-PE"/>
           </a:p>
@@ -2737,7 +2737,7 @@
           <a:p>
             <a:fld id="{341C1540-EF5E-4452-9660-2C343EDE8172}" type="datetimeFigureOut">
               <a:rPr lang="es-PE" smtClean="0"/>
-              <a:t>6/10/2024</a:t>
+              <a:t>15/10/2024</a:t>
             </a:fld>
             <a:endParaRPr lang="es-PE"/>
           </a:p>
@@ -2980,7 +2980,7 @@
           <a:p>
             <a:fld id="{341C1540-EF5E-4452-9660-2C343EDE8172}" type="datetimeFigureOut">
               <a:rPr lang="es-PE" smtClean="0"/>
-              <a:t>6/10/2024</a:t>
+              <a:t>15/10/2024</a:t>
             </a:fld>
             <a:endParaRPr lang="es-PE"/>
           </a:p>
